--- a/eapli.base/docs/1191419/US9002/US9002PP.pptx
+++ b/eapli.base/docs/1191419/US9002/US9002PP.pptx
@@ -5,10 +5,10 @@
     <p:sldMasterId id="2147483684" r:id="rId4"/>
   </p:sldMasterIdLst>
   <p:notesMasterIdLst>
-    <p:notesMasterId r:id="rId16"/>
+    <p:notesMasterId r:id="rId11"/>
   </p:notesMasterIdLst>
   <p:handoutMasterIdLst>
-    <p:handoutMasterId r:id="rId17"/>
+    <p:handoutMasterId r:id="rId12"/>
   </p:handoutMasterIdLst>
   <p:sldIdLst>
     <p:sldId id="257" r:id="rId5"/>
@@ -16,12 +16,7 @@
     <p:sldId id="389" r:id="rId7"/>
     <p:sldId id="317" r:id="rId8"/>
     <p:sldId id="277" r:id="rId9"/>
-    <p:sldId id="278" r:id="rId10"/>
-    <p:sldId id="268" r:id="rId11"/>
-    <p:sldId id="272" r:id="rId12"/>
-    <p:sldId id="281" r:id="rId13"/>
-    <p:sldId id="321" r:id="rId14"/>
-    <p:sldId id="391" r:id="rId15"/>
+    <p:sldId id="391" r:id="rId10"/>
   </p:sldIdLst>
   <p:sldSz cx="12192000" cy="6858000"/>
   <p:notesSz cx="6858000" cy="9144000"/>
@@ -142,5404 +137,6 @@
 </p:presentation>
 </file>
 
-<file path=ppt/charts/chart1.xml><?xml version="1.0" encoding="utf-8"?>
-<c:chartSpace xmlns:c="http://schemas.openxmlformats.org/drawingml/2006/chart" xmlns:a="http://schemas.openxmlformats.org/drawingml/2006/main" xmlns:r="http://schemas.openxmlformats.org/officeDocument/2006/relationships" xmlns:c16r2="http://schemas.microsoft.com/office/drawing/2015/06/chart">
-  <c:date1904 val="0"/>
-  <c:lang val="pt-PT"/>
-  <c:roundedCorners val="0"/>
-  <mc:AlternateContent xmlns:mc="http://schemas.openxmlformats.org/markup-compatibility/2006">
-    <mc:Choice xmlns:c14="http://schemas.microsoft.com/office/drawing/2007/8/2/chart" Requires="c14">
-      <c14:style val="102"/>
-    </mc:Choice>
-    <mc:Fallback>
-      <c:style val="2"/>
-    </mc:Fallback>
-  </mc:AlternateContent>
-  <c:chart>
-    <c:title>
-      <c:overlay val="0"/>
-      <c:spPr>
-        <a:noFill/>
-        <a:ln>
-          <a:noFill/>
-        </a:ln>
-        <a:effectLst/>
-      </c:spPr>
-      <c:txPr>
-        <a:bodyPr rot="0" spcFirstLastPara="1" vertOverflow="ellipsis" vert="horz" wrap="square" anchor="ctr" anchorCtr="1"/>
-        <a:lstStyle/>
-        <a:p>
-          <a:pPr>
-            <a:defRPr sz="1862" b="0" i="0" u="none" strike="noStrike" kern="1200" spc="0" baseline="0">
-              <a:solidFill>
-                <a:schemeClr val="tx1">
-                  <a:lumMod val="65000"/>
-                  <a:lumOff val="35000"/>
-                </a:schemeClr>
-              </a:solidFill>
-              <a:latin typeface="+mn-lt"/>
-              <a:ea typeface="+mn-ea"/>
-              <a:cs typeface="+mn-cs"/>
-            </a:defRPr>
-          </a:pPr>
-          <a:endParaRPr lang="pt-PT"/>
-        </a:p>
-      </c:txPr>
-    </c:title>
-    <c:autoTitleDeleted val="0"/>
-    <c:plotArea>
-      <c:layout/>
-      <c:barChart>
-        <c:barDir val="col"/>
-        <c:grouping val="clustered"/>
-        <c:varyColors val="0"/>
-        <c:ser>
-          <c:idx val="0"/>
-          <c:order val="0"/>
-          <c:tx>
-            <c:strRef>
-              <c:f>Sheet1!$B$1</c:f>
-              <c:strCache>
-                <c:ptCount val="1"/>
-                <c:pt idx="0">
-                  <c:v>Série 1</c:v>
-                </c:pt>
-              </c:strCache>
-            </c:strRef>
-          </c:tx>
-          <c:spPr>
-            <a:solidFill>
-              <a:schemeClr val="accent1"/>
-            </a:solidFill>
-            <a:ln>
-              <a:noFill/>
-            </a:ln>
-            <a:effectLst/>
-          </c:spPr>
-          <c:invertIfNegative val="0"/>
-          <c:cat>
-            <c:strRef>
-              <c:f>Sheet1!$A$2:$A$5</c:f>
-              <c:strCache>
-                <c:ptCount val="4"/>
-                <c:pt idx="0">
-                  <c:v>Categoria 1</c:v>
-                </c:pt>
-                <c:pt idx="1">
-                  <c:v>Categoria 2</c:v>
-                </c:pt>
-                <c:pt idx="2">
-                  <c:v>Categoria 3</c:v>
-                </c:pt>
-                <c:pt idx="3">
-                  <c:v>Categoria 4</c:v>
-                </c:pt>
-              </c:strCache>
-            </c:strRef>
-          </c:cat>
-          <c:val>
-            <c:numRef>
-              <c:f>Sheet1!$B$2:$B$5</c:f>
-              <c:numCache>
-                <c:formatCode>General</c:formatCode>
-                <c:ptCount val="4"/>
-                <c:pt idx="0">
-                  <c:v>4.3</c:v>
-                </c:pt>
-                <c:pt idx="1">
-                  <c:v>2.5</c:v>
-                </c:pt>
-                <c:pt idx="2">
-                  <c:v>3.5</c:v>
-                </c:pt>
-                <c:pt idx="3">
-                  <c:v>4.5</c:v>
-                </c:pt>
-              </c:numCache>
-            </c:numRef>
-          </c:val>
-          <c:extLst>
-            <c:ext xmlns:c16="http://schemas.microsoft.com/office/drawing/2014/chart" uri="{C3380CC4-5D6E-409C-BE32-E72D297353CC}">
-              <c16:uniqueId val="{00000000-7ECE-42EF-9EA5-4148A3E70204}"/>
-            </c:ext>
-          </c:extLst>
-        </c:ser>
-        <c:ser>
-          <c:idx val="1"/>
-          <c:order val="1"/>
-          <c:tx>
-            <c:strRef>
-              <c:f>Sheet1!$C$1</c:f>
-              <c:strCache>
-                <c:ptCount val="1"/>
-                <c:pt idx="0">
-                  <c:v>Série 2</c:v>
-                </c:pt>
-              </c:strCache>
-            </c:strRef>
-          </c:tx>
-          <c:spPr>
-            <a:solidFill>
-              <a:schemeClr val="accent2"/>
-            </a:solidFill>
-            <a:ln>
-              <a:noFill/>
-            </a:ln>
-            <a:effectLst/>
-          </c:spPr>
-          <c:invertIfNegative val="0"/>
-          <c:cat>
-            <c:strRef>
-              <c:f>Sheet1!$A$2:$A$5</c:f>
-              <c:strCache>
-                <c:ptCount val="4"/>
-                <c:pt idx="0">
-                  <c:v>Categoria 1</c:v>
-                </c:pt>
-                <c:pt idx="1">
-                  <c:v>Categoria 2</c:v>
-                </c:pt>
-                <c:pt idx="2">
-                  <c:v>Categoria 3</c:v>
-                </c:pt>
-                <c:pt idx="3">
-                  <c:v>Categoria 4</c:v>
-                </c:pt>
-              </c:strCache>
-            </c:strRef>
-          </c:cat>
-          <c:val>
-            <c:numRef>
-              <c:f>Sheet1!$C$2:$C$5</c:f>
-              <c:numCache>
-                <c:formatCode>General</c:formatCode>
-                <c:ptCount val="4"/>
-                <c:pt idx="0">
-                  <c:v>2.4</c:v>
-                </c:pt>
-                <c:pt idx="1">
-                  <c:v>4.4000000000000004</c:v>
-                </c:pt>
-                <c:pt idx="2">
-                  <c:v>1.8</c:v>
-                </c:pt>
-                <c:pt idx="3">
-                  <c:v>2.8</c:v>
-                </c:pt>
-              </c:numCache>
-            </c:numRef>
-          </c:val>
-          <c:extLst>
-            <c:ext xmlns:c16="http://schemas.microsoft.com/office/drawing/2014/chart" uri="{C3380CC4-5D6E-409C-BE32-E72D297353CC}">
-              <c16:uniqueId val="{00000001-7ECE-42EF-9EA5-4148A3E70204}"/>
-            </c:ext>
-          </c:extLst>
-        </c:ser>
-        <c:ser>
-          <c:idx val="2"/>
-          <c:order val="2"/>
-          <c:tx>
-            <c:strRef>
-              <c:f>Sheet1!$D$1</c:f>
-              <c:strCache>
-                <c:ptCount val="1"/>
-                <c:pt idx="0">
-                  <c:v>Série 3</c:v>
-                </c:pt>
-              </c:strCache>
-            </c:strRef>
-          </c:tx>
-          <c:spPr>
-            <a:solidFill>
-              <a:schemeClr val="accent3"/>
-            </a:solidFill>
-            <a:ln>
-              <a:noFill/>
-            </a:ln>
-            <a:effectLst/>
-          </c:spPr>
-          <c:invertIfNegative val="0"/>
-          <c:cat>
-            <c:strRef>
-              <c:f>Sheet1!$A$2:$A$5</c:f>
-              <c:strCache>
-                <c:ptCount val="4"/>
-                <c:pt idx="0">
-                  <c:v>Categoria 1</c:v>
-                </c:pt>
-                <c:pt idx="1">
-                  <c:v>Categoria 2</c:v>
-                </c:pt>
-                <c:pt idx="2">
-                  <c:v>Categoria 3</c:v>
-                </c:pt>
-                <c:pt idx="3">
-                  <c:v>Categoria 4</c:v>
-                </c:pt>
-              </c:strCache>
-            </c:strRef>
-          </c:cat>
-          <c:val>
-            <c:numRef>
-              <c:f>Sheet1!$D$2:$D$5</c:f>
-              <c:numCache>
-                <c:formatCode>General</c:formatCode>
-                <c:ptCount val="4"/>
-                <c:pt idx="0">
-                  <c:v>2</c:v>
-                </c:pt>
-                <c:pt idx="1">
-                  <c:v>2</c:v>
-                </c:pt>
-                <c:pt idx="2">
-                  <c:v>3</c:v>
-                </c:pt>
-                <c:pt idx="3">
-                  <c:v>5</c:v>
-                </c:pt>
-              </c:numCache>
-            </c:numRef>
-          </c:val>
-          <c:extLst>
-            <c:ext xmlns:c16="http://schemas.microsoft.com/office/drawing/2014/chart" uri="{C3380CC4-5D6E-409C-BE32-E72D297353CC}">
-              <c16:uniqueId val="{00000002-7ECE-42EF-9EA5-4148A3E70204}"/>
-            </c:ext>
-          </c:extLst>
-        </c:ser>
-        <c:dLbls>
-          <c:showLegendKey val="0"/>
-          <c:showVal val="0"/>
-          <c:showCatName val="0"/>
-          <c:showSerName val="0"/>
-          <c:showPercent val="0"/>
-          <c:showBubbleSize val="0"/>
-        </c:dLbls>
-        <c:gapWidth val="219"/>
-        <c:overlap val="-27"/>
-        <c:axId val="1287539680"/>
-        <c:axId val="1287528448"/>
-      </c:barChart>
-      <c:catAx>
-        <c:axId val="1287539680"/>
-        <c:scaling>
-          <c:orientation val="minMax"/>
-        </c:scaling>
-        <c:delete val="0"/>
-        <c:axPos val="b"/>
-        <c:numFmt formatCode="General" sourceLinked="1"/>
-        <c:majorTickMark val="none"/>
-        <c:minorTickMark val="none"/>
-        <c:tickLblPos val="nextTo"/>
-        <c:spPr>
-          <a:noFill/>
-          <a:ln w="9525" cap="flat" cmpd="sng" algn="ctr">
-            <a:solidFill>
-              <a:schemeClr val="tx1">
-                <a:lumMod val="15000"/>
-                <a:lumOff val="85000"/>
-              </a:schemeClr>
-            </a:solidFill>
-            <a:round/>
-          </a:ln>
-          <a:effectLst/>
-        </c:spPr>
-        <c:txPr>
-          <a:bodyPr rot="-60000000" spcFirstLastPara="1" vertOverflow="ellipsis" vert="horz" wrap="square" anchor="ctr" anchorCtr="1"/>
-          <a:lstStyle/>
-          <a:p>
-            <a:pPr>
-              <a:defRPr sz="1197" b="0" i="0" u="none" strike="noStrike" kern="1200" baseline="0">
-                <a:solidFill>
-                  <a:schemeClr val="tx1">
-                    <a:lumMod val="65000"/>
-                    <a:lumOff val="35000"/>
-                  </a:schemeClr>
-                </a:solidFill>
-                <a:latin typeface="+mn-lt"/>
-                <a:ea typeface="+mn-ea"/>
-                <a:cs typeface="+mn-cs"/>
-              </a:defRPr>
-            </a:pPr>
-            <a:endParaRPr lang="pt-PT"/>
-          </a:p>
-        </c:txPr>
-        <c:crossAx val="1287528448"/>
-        <c:crosses val="autoZero"/>
-        <c:auto val="1"/>
-        <c:lblAlgn val="ctr"/>
-        <c:lblOffset val="100"/>
-        <c:noMultiLvlLbl val="0"/>
-      </c:catAx>
-      <c:valAx>
-        <c:axId val="1287528448"/>
-        <c:scaling>
-          <c:orientation val="minMax"/>
-        </c:scaling>
-        <c:delete val="0"/>
-        <c:axPos val="l"/>
-        <c:majorGridlines>
-          <c:spPr>
-            <a:ln w="9525" cap="flat" cmpd="sng" algn="ctr">
-              <a:solidFill>
-                <a:schemeClr val="tx1">
-                  <a:lumMod val="15000"/>
-                  <a:lumOff val="85000"/>
-                </a:schemeClr>
-              </a:solidFill>
-              <a:round/>
-            </a:ln>
-            <a:effectLst/>
-          </c:spPr>
-        </c:majorGridlines>
-        <c:numFmt formatCode="General" sourceLinked="1"/>
-        <c:majorTickMark val="none"/>
-        <c:minorTickMark val="none"/>
-        <c:tickLblPos val="nextTo"/>
-        <c:spPr>
-          <a:noFill/>
-          <a:ln>
-            <a:noFill/>
-          </a:ln>
-          <a:effectLst/>
-        </c:spPr>
-        <c:txPr>
-          <a:bodyPr rot="-60000000" spcFirstLastPara="1" vertOverflow="ellipsis" vert="horz" wrap="square" anchor="ctr" anchorCtr="1"/>
-          <a:lstStyle/>
-          <a:p>
-            <a:pPr>
-              <a:defRPr sz="1197" b="0" i="0" u="none" strike="noStrike" kern="1200" baseline="0">
-                <a:solidFill>
-                  <a:schemeClr val="tx1">
-                    <a:lumMod val="65000"/>
-                    <a:lumOff val="35000"/>
-                  </a:schemeClr>
-                </a:solidFill>
-                <a:latin typeface="+mn-lt"/>
-                <a:ea typeface="+mn-ea"/>
-                <a:cs typeface="+mn-cs"/>
-              </a:defRPr>
-            </a:pPr>
-            <a:endParaRPr lang="pt-PT"/>
-          </a:p>
-        </c:txPr>
-        <c:crossAx val="1287539680"/>
-        <c:crosses val="autoZero"/>
-        <c:crossBetween val="between"/>
-      </c:valAx>
-      <c:spPr>
-        <a:noFill/>
-        <a:ln>
-          <a:noFill/>
-        </a:ln>
-        <a:effectLst/>
-      </c:spPr>
-    </c:plotArea>
-    <c:legend>
-      <c:legendPos val="b"/>
-      <c:overlay val="0"/>
-      <c:spPr>
-        <a:noFill/>
-        <a:ln>
-          <a:noFill/>
-        </a:ln>
-        <a:effectLst/>
-      </c:spPr>
-      <c:txPr>
-        <a:bodyPr rot="0" spcFirstLastPara="1" vertOverflow="ellipsis" vert="horz" wrap="square" anchor="ctr" anchorCtr="1"/>
-        <a:lstStyle/>
-        <a:p>
-          <a:pPr>
-            <a:defRPr sz="1197" b="0" i="0" u="none" strike="noStrike" kern="1200" baseline="0">
-              <a:solidFill>
-                <a:schemeClr val="tx1">
-                  <a:lumMod val="65000"/>
-                  <a:lumOff val="35000"/>
-                </a:schemeClr>
-              </a:solidFill>
-              <a:latin typeface="+mn-lt"/>
-              <a:ea typeface="+mn-ea"/>
-              <a:cs typeface="+mn-cs"/>
-            </a:defRPr>
-          </a:pPr>
-          <a:endParaRPr lang="pt-PT"/>
-        </a:p>
-      </c:txPr>
-    </c:legend>
-    <c:plotVisOnly val="1"/>
-    <c:dispBlanksAs val="gap"/>
-    <c:extLst>
-      <c:ext xmlns:c16r3="http://schemas.microsoft.com/office/drawing/2017/03/chart" uri="{56B9EC1D-385E-4148-901F-78D8002777C0}">
-        <c16r3:dataDisplayOptions16>
-          <c16r3:dispNaAsBlank val="1"/>
-        </c16r3:dataDisplayOptions16>
-      </c:ext>
-    </c:extLst>
-    <c:showDLblsOverMax val="0"/>
-  </c:chart>
-  <c:spPr>
-    <a:noFill/>
-    <a:ln>
-      <a:noFill/>
-    </a:ln>
-    <a:effectLst/>
-  </c:spPr>
-  <c:txPr>
-    <a:bodyPr/>
-    <a:lstStyle/>
-    <a:p>
-      <a:pPr>
-        <a:defRPr/>
-      </a:pPr>
-      <a:endParaRPr lang="pt-PT"/>
-    </a:p>
-  </c:txPr>
-  <c:externalData r:id="rId3">
-    <c:autoUpdate val="0"/>
-  </c:externalData>
-</c:chartSpace>
-</file>
-
-<file path=ppt/charts/colors1.xml><?xml version="1.0" encoding="utf-8"?>
-<cs:colorStyle xmlns:cs="http://schemas.microsoft.com/office/drawing/2012/chartStyle" xmlns:a="http://schemas.openxmlformats.org/drawingml/2006/main" meth="cycle" id="10">
-  <a:schemeClr val="accent1"/>
-  <a:schemeClr val="accent2"/>
-  <a:schemeClr val="accent3"/>
-  <a:schemeClr val="accent4"/>
-  <a:schemeClr val="accent5"/>
-  <a:schemeClr val="accent6"/>
-  <cs:variation/>
-  <cs:variation>
-    <a:lumMod val="60000"/>
-  </cs:variation>
-  <cs:variation>
-    <a:lumMod val="80000"/>
-    <a:lumOff val="20000"/>
-  </cs:variation>
-  <cs:variation>
-    <a:lumMod val="80000"/>
-  </cs:variation>
-  <cs:variation>
-    <a:lumMod val="60000"/>
-    <a:lumOff val="40000"/>
-  </cs:variation>
-  <cs:variation>
-    <a:lumMod val="50000"/>
-  </cs:variation>
-  <cs:variation>
-    <a:lumMod val="70000"/>
-    <a:lumOff val="30000"/>
-  </cs:variation>
-  <cs:variation>
-    <a:lumMod val="70000"/>
-  </cs:variation>
-  <cs:variation>
-    <a:lumMod val="50000"/>
-    <a:lumOff val="50000"/>
-  </cs:variation>
-</cs:colorStyle>
-</file>
-
-<file path=ppt/charts/style1.xml><?xml version="1.0" encoding="utf-8"?>
-<cs:chartStyle xmlns:cs="http://schemas.microsoft.com/office/drawing/2012/chartStyle" xmlns:a="http://schemas.openxmlformats.org/drawingml/2006/main" id="201">
-  <cs:axisTitle>
-    <cs:lnRef idx="0"/>
-    <cs:fillRef idx="0"/>
-    <cs:effectRef idx="0"/>
-    <cs:fontRef idx="minor">
-      <a:schemeClr val="tx1">
-        <a:lumMod val="65000"/>
-        <a:lumOff val="35000"/>
-      </a:schemeClr>
-    </cs:fontRef>
-    <cs:defRPr sz="1330" kern="1200"/>
-  </cs:axisTitle>
-  <cs:categoryAxis>
-    <cs:lnRef idx="0"/>
-    <cs:fillRef idx="0"/>
-    <cs:effectRef idx="0"/>
-    <cs:fontRef idx="minor">
-      <a:schemeClr val="tx1">
-        <a:lumMod val="65000"/>
-        <a:lumOff val="35000"/>
-      </a:schemeClr>
-    </cs:fontRef>
-    <cs:spPr>
-      <a:ln w="9525" cap="flat" cmpd="sng" algn="ctr">
-        <a:solidFill>
-          <a:schemeClr val="tx1">
-            <a:lumMod val="15000"/>
-            <a:lumOff val="85000"/>
-          </a:schemeClr>
-        </a:solidFill>
-        <a:round/>
-      </a:ln>
-    </cs:spPr>
-    <cs:defRPr sz="1197" kern="1200"/>
-  </cs:categoryAxis>
-  <cs:chartArea mods="allowNoFillOverride allowNoLineOverride">
-    <cs:lnRef idx="0"/>
-    <cs:fillRef idx="0"/>
-    <cs:effectRef idx="0"/>
-    <cs:fontRef idx="minor">
-      <a:schemeClr val="tx1"/>
-    </cs:fontRef>
-    <cs:spPr>
-      <a:solidFill>
-        <a:schemeClr val="bg1"/>
-      </a:solidFill>
-      <a:ln w="9525" cap="flat" cmpd="sng" algn="ctr">
-        <a:solidFill>
-          <a:schemeClr val="tx1">
-            <a:lumMod val="15000"/>
-            <a:lumOff val="85000"/>
-          </a:schemeClr>
-        </a:solidFill>
-        <a:round/>
-      </a:ln>
-    </cs:spPr>
-    <cs:defRPr sz="1330" kern="1200"/>
-  </cs:chartArea>
-  <cs:dataLabel>
-    <cs:lnRef idx="0"/>
-    <cs:fillRef idx="0"/>
-    <cs:effectRef idx="0"/>
-    <cs:fontRef idx="minor">
-      <a:schemeClr val="tx1">
-        <a:lumMod val="75000"/>
-        <a:lumOff val="25000"/>
-      </a:schemeClr>
-    </cs:fontRef>
-    <cs:defRPr sz="1197" kern="1200"/>
-  </cs:dataLabel>
-  <cs:dataLabelCallout>
-    <cs:lnRef idx="0"/>
-    <cs:fillRef idx="0"/>
-    <cs:effectRef idx="0"/>
-    <cs:fontRef idx="minor">
-      <a:schemeClr val="dk1">
-        <a:lumMod val="65000"/>
-        <a:lumOff val="35000"/>
-      </a:schemeClr>
-    </cs:fontRef>
-    <cs:spPr>
-      <a:solidFill>
-        <a:schemeClr val="lt1"/>
-      </a:solidFill>
-      <a:ln>
-        <a:solidFill>
-          <a:schemeClr val="dk1">
-            <a:lumMod val="25000"/>
-            <a:lumOff val="75000"/>
-          </a:schemeClr>
-        </a:solidFill>
-      </a:ln>
-    </cs:spPr>
-    <cs:defRPr sz="1197" kern="1200"/>
-    <cs:bodyPr rot="0" spcFirstLastPara="1" vertOverflow="clip" horzOverflow="clip" vert="horz" wrap="square" lIns="36576" tIns="18288" rIns="36576" bIns="18288" anchor="ctr" anchorCtr="1">
-      <a:spAutoFit/>
-    </cs:bodyPr>
-  </cs:dataLabelCallout>
-  <cs:dataPoint>
-    <cs:lnRef idx="0"/>
-    <cs:fillRef idx="1">
-      <cs:styleClr val="auto"/>
-    </cs:fillRef>
-    <cs:effectRef idx="0"/>
-    <cs:fontRef idx="minor">
-      <a:schemeClr val="tx1"/>
-    </cs:fontRef>
-  </cs:dataPoint>
-  <cs:dataPoint3D>
-    <cs:lnRef idx="0"/>
-    <cs:fillRef idx="1">
-      <cs:styleClr val="auto"/>
-    </cs:fillRef>
-    <cs:effectRef idx="0"/>
-    <cs:fontRef idx="minor">
-      <a:schemeClr val="tx1"/>
-    </cs:fontRef>
-  </cs:dataPoint3D>
-  <cs:dataPointLine>
-    <cs:lnRef idx="0">
-      <cs:styleClr val="auto"/>
-    </cs:lnRef>
-    <cs:fillRef idx="1"/>
-    <cs:effectRef idx="0"/>
-    <cs:fontRef idx="minor">
-      <a:schemeClr val="tx1"/>
-    </cs:fontRef>
-    <cs:spPr>
-      <a:ln w="28575" cap="rnd">
-        <a:solidFill>
-          <a:schemeClr val="phClr"/>
-        </a:solidFill>
-        <a:round/>
-      </a:ln>
-    </cs:spPr>
-  </cs:dataPointLine>
-  <cs:dataPointMarker>
-    <cs:lnRef idx="0">
-      <cs:styleClr val="auto"/>
-    </cs:lnRef>
-    <cs:fillRef idx="1">
-      <cs:styleClr val="auto"/>
-    </cs:fillRef>
-    <cs:effectRef idx="0"/>
-    <cs:fontRef idx="minor">
-      <a:schemeClr val="tx1"/>
-    </cs:fontRef>
-    <cs:spPr>
-      <a:ln w="9525">
-        <a:solidFill>
-          <a:schemeClr val="phClr"/>
-        </a:solidFill>
-      </a:ln>
-    </cs:spPr>
-  </cs:dataPointMarker>
-  <cs:dataPointMarkerLayout symbol="circle" size="5"/>
-  <cs:dataPointWireframe>
-    <cs:lnRef idx="0">
-      <cs:styleClr val="auto"/>
-    </cs:lnRef>
-    <cs:fillRef idx="1"/>
-    <cs:effectRef idx="0"/>
-    <cs:fontRef idx="minor">
-      <a:schemeClr val="tx1"/>
-    </cs:fontRef>
-    <cs:spPr>
-      <a:ln w="9525" cap="rnd">
-        <a:solidFill>
-          <a:schemeClr val="phClr"/>
-        </a:solidFill>
-        <a:round/>
-      </a:ln>
-    </cs:spPr>
-  </cs:dataPointWireframe>
-  <cs:dataTable>
-    <cs:lnRef idx="0"/>
-    <cs:fillRef idx="0"/>
-    <cs:effectRef idx="0"/>
-    <cs:fontRef idx="minor">
-      <a:schemeClr val="tx1">
-        <a:lumMod val="65000"/>
-        <a:lumOff val="35000"/>
-      </a:schemeClr>
-    </cs:fontRef>
-    <cs:spPr>
-      <a:noFill/>
-      <a:ln w="9525" cap="flat" cmpd="sng" algn="ctr">
-        <a:solidFill>
-          <a:schemeClr val="tx1">
-            <a:lumMod val="15000"/>
-            <a:lumOff val="85000"/>
-          </a:schemeClr>
-        </a:solidFill>
-        <a:round/>
-      </a:ln>
-    </cs:spPr>
-    <cs:defRPr sz="1197" kern="1200"/>
-  </cs:dataTable>
-  <cs:downBar>
-    <cs:lnRef idx="0"/>
-    <cs:fillRef idx="0"/>
-    <cs:effectRef idx="0"/>
-    <cs:fontRef idx="minor">
-      <a:schemeClr val="dk1"/>
-    </cs:fontRef>
-    <cs:spPr>
-      <a:solidFill>
-        <a:schemeClr val="dk1">
-          <a:lumMod val="65000"/>
-          <a:lumOff val="35000"/>
-        </a:schemeClr>
-      </a:solidFill>
-      <a:ln w="9525">
-        <a:solidFill>
-          <a:schemeClr val="tx1">
-            <a:lumMod val="65000"/>
-            <a:lumOff val="35000"/>
-          </a:schemeClr>
-        </a:solidFill>
-      </a:ln>
-    </cs:spPr>
-  </cs:downBar>
-  <cs:dropLine>
-    <cs:lnRef idx="0"/>
-    <cs:fillRef idx="0"/>
-    <cs:effectRef idx="0"/>
-    <cs:fontRef idx="minor">
-      <a:schemeClr val="tx1"/>
-    </cs:fontRef>
-    <cs:spPr>
-      <a:ln w="9525" cap="flat" cmpd="sng" algn="ctr">
-        <a:solidFill>
-          <a:schemeClr val="tx1">
-            <a:lumMod val="35000"/>
-            <a:lumOff val="65000"/>
-          </a:schemeClr>
-        </a:solidFill>
-        <a:round/>
-      </a:ln>
-    </cs:spPr>
-  </cs:dropLine>
-  <cs:errorBar>
-    <cs:lnRef idx="0"/>
-    <cs:fillRef idx="0"/>
-    <cs:effectRef idx="0"/>
-    <cs:fontRef idx="minor">
-      <a:schemeClr val="tx1"/>
-    </cs:fontRef>
-    <cs:spPr>
-      <a:ln w="9525" cap="flat" cmpd="sng" algn="ctr">
-        <a:solidFill>
-          <a:schemeClr val="tx1">
-            <a:lumMod val="65000"/>
-            <a:lumOff val="35000"/>
-          </a:schemeClr>
-        </a:solidFill>
-        <a:round/>
-      </a:ln>
-    </cs:spPr>
-  </cs:errorBar>
-  <cs:floor>
-    <cs:lnRef idx="0"/>
-    <cs:fillRef idx="0"/>
-    <cs:effectRef idx="0"/>
-    <cs:fontRef idx="minor">
-      <a:schemeClr val="tx1"/>
-    </cs:fontRef>
-    <cs:spPr>
-      <a:noFill/>
-      <a:ln>
-        <a:noFill/>
-      </a:ln>
-    </cs:spPr>
-  </cs:floor>
-  <cs:gridlineMajor>
-    <cs:lnRef idx="0"/>
-    <cs:fillRef idx="0"/>
-    <cs:effectRef idx="0"/>
-    <cs:fontRef idx="minor">
-      <a:schemeClr val="tx1"/>
-    </cs:fontRef>
-    <cs:spPr>
-      <a:ln w="9525" cap="flat" cmpd="sng" algn="ctr">
-        <a:solidFill>
-          <a:schemeClr val="tx1">
-            <a:lumMod val="15000"/>
-            <a:lumOff val="85000"/>
-          </a:schemeClr>
-        </a:solidFill>
-        <a:round/>
-      </a:ln>
-    </cs:spPr>
-  </cs:gridlineMajor>
-  <cs:gridlineMinor>
-    <cs:lnRef idx="0"/>
-    <cs:fillRef idx="0"/>
-    <cs:effectRef idx="0"/>
-    <cs:fontRef idx="minor">
-      <a:schemeClr val="tx1"/>
-    </cs:fontRef>
-    <cs:spPr>
-      <a:ln w="9525" cap="flat" cmpd="sng" algn="ctr">
-        <a:solidFill>
-          <a:schemeClr val="tx1">
-            <a:lumMod val="5000"/>
-            <a:lumOff val="95000"/>
-          </a:schemeClr>
-        </a:solidFill>
-        <a:round/>
-      </a:ln>
-    </cs:spPr>
-  </cs:gridlineMinor>
-  <cs:hiLoLine>
-    <cs:lnRef idx="0"/>
-    <cs:fillRef idx="0"/>
-    <cs:effectRef idx="0"/>
-    <cs:fontRef idx="minor">
-      <a:schemeClr val="tx1"/>
-    </cs:fontRef>
-    <cs:spPr>
-      <a:ln w="9525" cap="flat" cmpd="sng" algn="ctr">
-        <a:solidFill>
-          <a:schemeClr val="tx1">
-            <a:lumMod val="75000"/>
-            <a:lumOff val="25000"/>
-          </a:schemeClr>
-        </a:solidFill>
-        <a:round/>
-      </a:ln>
-    </cs:spPr>
-  </cs:hiLoLine>
-  <cs:leaderLine>
-    <cs:lnRef idx="0"/>
-    <cs:fillRef idx="0"/>
-    <cs:effectRef idx="0"/>
-    <cs:fontRef idx="minor">
-      <a:schemeClr val="tx1"/>
-    </cs:fontRef>
-    <cs:spPr>
-      <a:ln w="9525" cap="flat" cmpd="sng" algn="ctr">
-        <a:solidFill>
-          <a:schemeClr val="tx1">
-            <a:lumMod val="35000"/>
-            <a:lumOff val="65000"/>
-          </a:schemeClr>
-        </a:solidFill>
-        <a:round/>
-      </a:ln>
-    </cs:spPr>
-  </cs:leaderLine>
-  <cs:legend>
-    <cs:lnRef idx="0"/>
-    <cs:fillRef idx="0"/>
-    <cs:effectRef idx="0"/>
-    <cs:fontRef idx="minor">
-      <a:schemeClr val="tx1">
-        <a:lumMod val="65000"/>
-        <a:lumOff val="35000"/>
-      </a:schemeClr>
-    </cs:fontRef>
-    <cs:defRPr sz="1197" kern="1200"/>
-  </cs:legend>
-  <cs:plotArea mods="allowNoFillOverride allowNoLineOverride">
-    <cs:lnRef idx="0"/>
-    <cs:fillRef idx="0"/>
-    <cs:effectRef idx="0"/>
-    <cs:fontRef idx="minor">
-      <a:schemeClr val="tx1"/>
-    </cs:fontRef>
-  </cs:plotArea>
-  <cs:plotArea3D mods="allowNoFillOverride allowNoLineOverride">
-    <cs:lnRef idx="0"/>
-    <cs:fillRef idx="0"/>
-    <cs:effectRef idx="0"/>
-    <cs:fontRef idx="minor">
-      <a:schemeClr val="tx1"/>
-    </cs:fontRef>
-  </cs:plotArea3D>
-  <cs:seriesAxis>
-    <cs:lnRef idx="0"/>
-    <cs:fillRef idx="0"/>
-    <cs:effectRef idx="0"/>
-    <cs:fontRef idx="minor">
-      <a:schemeClr val="tx1">
-        <a:lumMod val="65000"/>
-        <a:lumOff val="35000"/>
-      </a:schemeClr>
-    </cs:fontRef>
-    <cs:defRPr sz="1197" kern="1200"/>
-  </cs:seriesAxis>
-  <cs:seriesLine>
-    <cs:lnRef idx="0"/>
-    <cs:fillRef idx="0"/>
-    <cs:effectRef idx="0"/>
-    <cs:fontRef idx="minor">
-      <a:schemeClr val="tx1"/>
-    </cs:fontRef>
-    <cs:spPr>
-      <a:ln w="9525" cap="flat" cmpd="sng" algn="ctr">
-        <a:solidFill>
-          <a:schemeClr val="tx1">
-            <a:lumMod val="35000"/>
-            <a:lumOff val="65000"/>
-          </a:schemeClr>
-        </a:solidFill>
-        <a:round/>
-      </a:ln>
-    </cs:spPr>
-  </cs:seriesLine>
-  <cs:title>
-    <cs:lnRef idx="0"/>
-    <cs:fillRef idx="0"/>
-    <cs:effectRef idx="0"/>
-    <cs:fontRef idx="minor">
-      <a:schemeClr val="tx1">
-        <a:lumMod val="65000"/>
-        <a:lumOff val="35000"/>
-      </a:schemeClr>
-    </cs:fontRef>
-    <cs:defRPr sz="1862" b="0" kern="1200" spc="0" baseline="0"/>
-  </cs:title>
-  <cs:trendline>
-    <cs:lnRef idx="0">
-      <cs:styleClr val="auto"/>
-    </cs:lnRef>
-    <cs:fillRef idx="0"/>
-    <cs:effectRef idx="0"/>
-    <cs:fontRef idx="minor">
-      <a:schemeClr val="tx1"/>
-    </cs:fontRef>
-    <cs:spPr>
-      <a:ln w="19050" cap="rnd">
-        <a:solidFill>
-          <a:schemeClr val="phClr"/>
-        </a:solidFill>
-        <a:prstDash val="sysDot"/>
-      </a:ln>
-    </cs:spPr>
-  </cs:trendline>
-  <cs:trendlineLabel>
-    <cs:lnRef idx="0"/>
-    <cs:fillRef idx="0"/>
-    <cs:effectRef idx="0"/>
-    <cs:fontRef idx="minor">
-      <a:schemeClr val="tx1">
-        <a:lumMod val="65000"/>
-        <a:lumOff val="35000"/>
-      </a:schemeClr>
-    </cs:fontRef>
-    <cs:defRPr sz="1197" kern="1200"/>
-  </cs:trendlineLabel>
-  <cs:upBar>
-    <cs:lnRef idx="0"/>
-    <cs:fillRef idx="0"/>
-    <cs:effectRef idx="0"/>
-    <cs:fontRef idx="minor">
-      <a:schemeClr val="dk1"/>
-    </cs:fontRef>
-    <cs:spPr>
-      <a:solidFill>
-        <a:schemeClr val="lt1"/>
-      </a:solidFill>
-      <a:ln w="9525">
-        <a:solidFill>
-          <a:schemeClr val="tx1">
-            <a:lumMod val="15000"/>
-            <a:lumOff val="85000"/>
-          </a:schemeClr>
-        </a:solidFill>
-      </a:ln>
-    </cs:spPr>
-  </cs:upBar>
-  <cs:valueAxis>
-    <cs:lnRef idx="0"/>
-    <cs:fillRef idx="0"/>
-    <cs:effectRef idx="0"/>
-    <cs:fontRef idx="minor">
-      <a:schemeClr val="tx1">
-        <a:lumMod val="65000"/>
-        <a:lumOff val="35000"/>
-      </a:schemeClr>
-    </cs:fontRef>
-    <cs:defRPr sz="1197" kern="1200"/>
-  </cs:valueAxis>
-  <cs:wall>
-    <cs:lnRef idx="0"/>
-    <cs:fillRef idx="0"/>
-    <cs:effectRef idx="0"/>
-    <cs:fontRef idx="minor">
-      <a:schemeClr val="tx1"/>
-    </cs:fontRef>
-    <cs:spPr>
-      <a:noFill/>
-      <a:ln>
-        <a:noFill/>
-      </a:ln>
-    </cs:spPr>
-  </cs:wall>
-</cs:chartStyle>
-</file>
-
-<file path=ppt/diagrams/colors1.xml><?xml version="1.0" encoding="utf-8"?>
-<dgm:colorsDef xmlns:dgm="http://schemas.openxmlformats.org/drawingml/2006/diagram" xmlns:a="http://schemas.openxmlformats.org/drawingml/2006/main" uniqueId="urn:microsoft.com/office/officeart/2005/8/colors/colorful5">
-  <dgm:title val=""/>
-  <dgm:desc val=""/>
-  <dgm:catLst>
-    <dgm:cat type="colorful" pri="10500"/>
-  </dgm:catLst>
-  <dgm:styleLbl name="node0">
-    <dgm:fillClrLst meth="repeat">
-      <a:schemeClr val="accent4"/>
-    </dgm:fillClrLst>
-    <dgm:linClrLst meth="repeat">
-      <a:schemeClr val="lt1"/>
-    </dgm:linClrLst>
-    <dgm:effectClrLst/>
-    <dgm:txLinClrLst/>
-    <dgm:txFillClrLst/>
-    <dgm:txEffectClrLst/>
-  </dgm:styleLbl>
-  <dgm:styleLbl name="node1">
-    <dgm:fillClrLst>
-      <a:schemeClr val="accent5"/>
-      <a:schemeClr val="accent6"/>
-    </dgm:fillClrLst>
-    <dgm:linClrLst meth="repeat">
-      <a:schemeClr val="lt1"/>
-    </dgm:linClrLst>
-    <dgm:effectClrLst/>
-    <dgm:txLinClrLst/>
-    <dgm:txFillClrLst/>
-    <dgm:txEffectClrLst/>
-  </dgm:styleLbl>
-  <dgm:styleLbl name="alignNode1">
-    <dgm:fillClrLst>
-      <a:schemeClr val="accent5"/>
-      <a:schemeClr val="accent6"/>
-    </dgm:fillClrLst>
-    <dgm:linClrLst>
-      <a:schemeClr val="accent5"/>
-      <a:schemeClr val="accent6"/>
-    </dgm:linClrLst>
-    <dgm:effectClrLst/>
-    <dgm:txLinClrLst/>
-    <dgm:txFillClrLst/>
-    <dgm:txEffectClrLst/>
-  </dgm:styleLbl>
-  <dgm:styleLbl name="lnNode1">
-    <dgm:fillClrLst>
-      <a:schemeClr val="accent5"/>
-      <a:schemeClr val="accent6"/>
-    </dgm:fillClrLst>
-    <dgm:linClrLst meth="repeat">
-      <a:schemeClr val="lt1"/>
-    </dgm:linClrLst>
-    <dgm:effectClrLst/>
-    <dgm:txLinClrLst/>
-    <dgm:txFillClrLst/>
-    <dgm:txEffectClrLst/>
-  </dgm:styleLbl>
-  <dgm:styleLbl name="vennNode1">
-    <dgm:fillClrLst>
-      <a:schemeClr val="accent5">
-        <a:alpha val="50000"/>
-      </a:schemeClr>
-      <a:schemeClr val="accent6">
-        <a:alpha val="50000"/>
-      </a:schemeClr>
-    </dgm:fillClrLst>
-    <dgm:linClrLst meth="repeat">
-      <a:schemeClr val="lt1"/>
-    </dgm:linClrLst>
-    <dgm:effectClrLst/>
-    <dgm:txLinClrLst/>
-    <dgm:txFillClrLst/>
-    <dgm:txEffectClrLst/>
-  </dgm:styleLbl>
-  <dgm:styleLbl name="node2">
-    <dgm:fillClrLst>
-      <a:schemeClr val="accent6"/>
-    </dgm:fillClrLst>
-    <dgm:linClrLst meth="repeat">
-      <a:schemeClr val="lt1"/>
-    </dgm:linClrLst>
-    <dgm:effectClrLst/>
-    <dgm:txLinClrLst/>
-    <dgm:txFillClrLst/>
-    <dgm:txEffectClrLst/>
-  </dgm:styleLbl>
-  <dgm:styleLbl name="node3">
-    <dgm:fillClrLst>
-      <a:schemeClr val="accent1"/>
-    </dgm:fillClrLst>
-    <dgm:linClrLst meth="repeat">
-      <a:schemeClr val="lt1"/>
-    </dgm:linClrLst>
-    <dgm:effectClrLst/>
-    <dgm:txLinClrLst/>
-    <dgm:txFillClrLst/>
-    <dgm:txEffectClrLst/>
-  </dgm:styleLbl>
-  <dgm:styleLbl name="node4">
-    <dgm:fillClrLst>
-      <a:schemeClr val="accent2"/>
-    </dgm:fillClrLst>
-    <dgm:linClrLst meth="repeat">
-      <a:schemeClr val="lt1"/>
-    </dgm:linClrLst>
-    <dgm:effectClrLst/>
-    <dgm:txLinClrLst/>
-    <dgm:txFillClrLst/>
-    <dgm:txEffectClrLst/>
-  </dgm:styleLbl>
-  <dgm:styleLbl name="fgImgPlace1">
-    <dgm:fillClrLst>
-      <a:schemeClr val="accent5">
-        <a:tint val="50000"/>
-      </a:schemeClr>
-      <a:schemeClr val="accent6">
-        <a:tint val="50000"/>
-      </a:schemeClr>
-    </dgm:fillClrLst>
-    <dgm:linClrLst meth="repeat">
-      <a:schemeClr val="lt1"/>
-    </dgm:linClrLst>
-    <dgm:effectClrLst/>
-    <dgm:txLinClrLst/>
-    <dgm:txFillClrLst meth="repeat">
-      <a:schemeClr val="lt1"/>
-    </dgm:txFillClrLst>
-    <dgm:txEffectClrLst/>
-  </dgm:styleLbl>
-  <dgm:styleLbl name="alignImgPlace1">
-    <dgm:fillClrLst>
-      <a:schemeClr val="accent5">
-        <a:tint val="50000"/>
-      </a:schemeClr>
-      <a:schemeClr val="accent6">
-        <a:tint val="20000"/>
-      </a:schemeClr>
-    </dgm:fillClrLst>
-    <dgm:linClrLst meth="repeat">
-      <a:schemeClr val="lt1"/>
-    </dgm:linClrLst>
-    <dgm:effectClrLst/>
-    <dgm:txLinClrLst/>
-    <dgm:txFillClrLst meth="repeat">
-      <a:schemeClr val="lt1"/>
-    </dgm:txFillClrLst>
-    <dgm:txEffectClrLst/>
-  </dgm:styleLbl>
-  <dgm:styleLbl name="bgImgPlace1">
-    <dgm:fillClrLst>
-      <a:schemeClr val="accent5">
-        <a:tint val="50000"/>
-      </a:schemeClr>
-      <a:schemeClr val="accent6">
-        <a:tint val="20000"/>
-      </a:schemeClr>
-    </dgm:fillClrLst>
-    <dgm:linClrLst meth="repeat">
-      <a:schemeClr val="lt1"/>
-    </dgm:linClrLst>
-    <dgm:effectClrLst/>
-    <dgm:txLinClrLst/>
-    <dgm:txFillClrLst meth="repeat">
-      <a:schemeClr val="lt1"/>
-    </dgm:txFillClrLst>
-    <dgm:txEffectClrLst/>
-  </dgm:styleLbl>
-  <dgm:styleLbl name="sibTrans2D1">
-    <dgm:fillClrLst>
-      <a:schemeClr val="accent5"/>
-      <a:schemeClr val="accent6"/>
-    </dgm:fillClrLst>
-    <dgm:linClrLst meth="repeat">
-      <a:schemeClr val="lt1"/>
-    </dgm:linClrLst>
-    <dgm:effectClrLst/>
-    <dgm:txLinClrLst/>
-    <dgm:txFillClrLst/>
-    <dgm:txEffectClrLst/>
-  </dgm:styleLbl>
-  <dgm:styleLbl name="fgSibTrans2D1">
-    <dgm:fillClrLst>
-      <a:schemeClr val="accent5"/>
-      <a:schemeClr val="accent6"/>
-    </dgm:fillClrLst>
-    <dgm:linClrLst meth="repeat">
-      <a:schemeClr val="lt1"/>
-    </dgm:linClrLst>
-    <dgm:effectClrLst/>
-    <dgm:txLinClrLst/>
-    <dgm:txFillClrLst meth="repeat">
-      <a:schemeClr val="lt1"/>
-    </dgm:txFillClrLst>
-    <dgm:txEffectClrLst/>
-  </dgm:styleLbl>
-  <dgm:styleLbl name="bgSibTrans2D1">
-    <dgm:fillClrLst>
-      <a:schemeClr val="accent5"/>
-      <a:schemeClr val="accent6"/>
-    </dgm:fillClrLst>
-    <dgm:linClrLst meth="repeat">
-      <a:schemeClr val="lt1"/>
-    </dgm:linClrLst>
-    <dgm:effectClrLst/>
-    <dgm:txLinClrLst/>
-    <dgm:txFillClrLst meth="repeat">
-      <a:schemeClr val="lt1"/>
-    </dgm:txFillClrLst>
-    <dgm:txEffectClrLst/>
-  </dgm:styleLbl>
-  <dgm:styleLbl name="sibTrans1D1">
-    <dgm:fillClrLst/>
-    <dgm:linClrLst>
-      <a:schemeClr val="accent5"/>
-      <a:schemeClr val="accent6"/>
-    </dgm:linClrLst>
-    <dgm:effectClrLst/>
-    <dgm:txLinClrLst/>
-    <dgm:txFillClrLst meth="repeat">
-      <a:schemeClr val="tx1"/>
-    </dgm:txFillClrLst>
-    <dgm:txEffectClrLst/>
-  </dgm:styleLbl>
-  <dgm:styleLbl name="callout">
-    <dgm:fillClrLst meth="repeat">
-      <a:schemeClr val="accent5"/>
-    </dgm:fillClrLst>
-    <dgm:linClrLst meth="repeat">
-      <a:schemeClr val="accent5">
-        <a:tint val="50000"/>
-      </a:schemeClr>
-    </dgm:linClrLst>
-    <dgm:effectClrLst/>
-    <dgm:txLinClrLst/>
-    <dgm:txFillClrLst meth="repeat">
-      <a:schemeClr val="tx1"/>
-    </dgm:txFillClrLst>
-    <dgm:txEffectClrLst/>
-  </dgm:styleLbl>
-  <dgm:styleLbl name="asst0">
-    <dgm:fillClrLst meth="repeat">
-      <a:schemeClr val="accent5"/>
-    </dgm:fillClrLst>
-    <dgm:linClrLst meth="repeat">
-      <a:schemeClr val="lt1">
-        <a:shade val="80000"/>
-      </a:schemeClr>
-    </dgm:linClrLst>
-    <dgm:effectClrLst/>
-    <dgm:txLinClrLst/>
-    <dgm:txFillClrLst/>
-    <dgm:txEffectClrLst/>
-  </dgm:styleLbl>
-  <dgm:styleLbl name="asst1">
-    <dgm:fillClrLst meth="repeat">
-      <a:schemeClr val="accent6"/>
-    </dgm:fillClrLst>
-    <dgm:linClrLst meth="repeat">
-      <a:schemeClr val="lt1">
-        <a:shade val="80000"/>
-      </a:schemeClr>
-    </dgm:linClrLst>
-    <dgm:effectClrLst/>
-    <dgm:txLinClrLst/>
-    <dgm:txFillClrLst/>
-    <dgm:txEffectClrLst/>
-  </dgm:styleLbl>
-  <dgm:styleLbl name="asst2">
-    <dgm:fillClrLst>
-      <a:schemeClr val="accent1"/>
-    </dgm:fillClrLst>
-    <dgm:linClrLst meth="repeat">
-      <a:schemeClr val="lt1"/>
-    </dgm:linClrLst>
-    <dgm:effectClrLst/>
-    <dgm:txLinClrLst/>
-    <dgm:txFillClrLst/>
-    <dgm:txEffectClrLst/>
-  </dgm:styleLbl>
-  <dgm:styleLbl name="asst3">
-    <dgm:fillClrLst>
-      <a:schemeClr val="accent2"/>
-    </dgm:fillClrLst>
-    <dgm:linClrLst meth="repeat">
-      <a:schemeClr val="lt1"/>
-    </dgm:linClrLst>
-    <dgm:effectClrLst/>
-    <dgm:txLinClrLst/>
-    <dgm:txFillClrLst/>
-    <dgm:txEffectClrLst/>
-  </dgm:styleLbl>
-  <dgm:styleLbl name="asst4">
-    <dgm:fillClrLst>
-      <a:schemeClr val="accent3"/>
-    </dgm:fillClrLst>
-    <dgm:linClrLst meth="repeat">
-      <a:schemeClr val="lt1"/>
-    </dgm:linClrLst>
-    <dgm:effectClrLst/>
-    <dgm:txLinClrLst/>
-    <dgm:txFillClrLst/>
-    <dgm:txEffectClrLst/>
-  </dgm:styleLbl>
-  <dgm:styleLbl name="parChTrans2D1">
-    <dgm:fillClrLst meth="repeat">
-      <a:schemeClr val="accent5"/>
-    </dgm:fillClrLst>
-    <dgm:linClrLst meth="repeat">
-      <a:schemeClr val="lt1"/>
-    </dgm:linClrLst>
-    <dgm:effectClrLst/>
-    <dgm:txLinClrLst/>
-    <dgm:txFillClrLst meth="repeat">
-      <a:schemeClr val="lt1"/>
-    </dgm:txFillClrLst>
-    <dgm:txEffectClrLst/>
-  </dgm:styleLbl>
-  <dgm:styleLbl name="parChTrans2D2">
-    <dgm:fillClrLst meth="repeat">
-      <a:schemeClr val="accent6"/>
-    </dgm:fillClrLst>
-    <dgm:linClrLst meth="repeat">
-      <a:schemeClr val="lt1"/>
-    </dgm:linClrLst>
-    <dgm:effectClrLst/>
-    <dgm:txLinClrLst/>
-    <dgm:txFillClrLst/>
-    <dgm:txEffectClrLst/>
-  </dgm:styleLbl>
-  <dgm:styleLbl name="parChTrans2D3">
-    <dgm:fillClrLst meth="repeat">
-      <a:schemeClr val="accent6"/>
-    </dgm:fillClrLst>
-    <dgm:linClrLst meth="repeat">
-      <a:schemeClr val="lt1"/>
-    </dgm:linClrLst>
-    <dgm:effectClrLst/>
-    <dgm:txLinClrLst/>
-    <dgm:txFillClrLst/>
-    <dgm:txEffectClrLst/>
-  </dgm:styleLbl>
-  <dgm:styleLbl name="parChTrans2D4">
-    <dgm:fillClrLst meth="repeat">
-      <a:schemeClr val="accent1"/>
-    </dgm:fillClrLst>
-    <dgm:linClrLst meth="repeat">
-      <a:schemeClr val="lt1"/>
-    </dgm:linClrLst>
-    <dgm:effectClrLst/>
-    <dgm:txLinClrLst/>
-    <dgm:txFillClrLst meth="repeat">
-      <a:schemeClr val="lt1"/>
-    </dgm:txFillClrLst>
-    <dgm:txEffectClrLst/>
-  </dgm:styleLbl>
-  <dgm:styleLbl name="parChTrans1D1">
-    <dgm:fillClrLst meth="repeat">
-      <a:schemeClr val="accent5"/>
-    </dgm:fillClrLst>
-    <dgm:linClrLst meth="repeat">
-      <a:schemeClr val="accent5"/>
-    </dgm:linClrLst>
-    <dgm:effectClrLst/>
-    <dgm:txLinClrLst/>
-    <dgm:txFillClrLst meth="repeat">
-      <a:schemeClr val="tx1"/>
-    </dgm:txFillClrLst>
-    <dgm:txEffectClrLst/>
-  </dgm:styleLbl>
-  <dgm:styleLbl name="parChTrans1D2">
-    <dgm:fillClrLst meth="repeat">
-      <a:schemeClr val="accent6">
-        <a:tint val="90000"/>
-      </a:schemeClr>
-    </dgm:fillClrLst>
-    <dgm:linClrLst meth="repeat">
-      <a:schemeClr val="accent6"/>
-    </dgm:linClrLst>
-    <dgm:effectClrLst/>
-    <dgm:txLinClrLst/>
-    <dgm:txFillClrLst meth="repeat">
-      <a:schemeClr val="tx1"/>
-    </dgm:txFillClrLst>
-    <dgm:txEffectClrLst/>
-  </dgm:styleLbl>
-  <dgm:styleLbl name="parChTrans1D3">
-    <dgm:fillClrLst meth="repeat">
-      <a:schemeClr val="accent6">
-        <a:tint val="70000"/>
-      </a:schemeClr>
-    </dgm:fillClrLst>
-    <dgm:linClrLst meth="repeat">
-      <a:schemeClr val="accent1"/>
-    </dgm:linClrLst>
-    <dgm:effectClrLst/>
-    <dgm:txLinClrLst/>
-    <dgm:txFillClrLst meth="repeat">
-      <a:schemeClr val="tx1"/>
-    </dgm:txFillClrLst>
-    <dgm:txEffectClrLst/>
-  </dgm:styleLbl>
-  <dgm:styleLbl name="parChTrans1D4">
-    <dgm:fillClrLst meth="repeat">
-      <a:schemeClr val="accent6">
-        <a:tint val="50000"/>
-      </a:schemeClr>
-    </dgm:fillClrLst>
-    <dgm:linClrLst meth="repeat">
-      <a:schemeClr val="accent2"/>
-    </dgm:linClrLst>
-    <dgm:effectClrLst/>
-    <dgm:txLinClrLst/>
-    <dgm:txFillClrLst meth="repeat">
-      <a:schemeClr val="tx1"/>
-    </dgm:txFillClrLst>
-    <dgm:txEffectClrLst/>
-  </dgm:styleLbl>
-  <dgm:styleLbl name="fgAcc1">
-    <dgm:fillClrLst meth="repeat">
-      <a:schemeClr val="lt1">
-        <a:alpha val="90000"/>
-      </a:schemeClr>
-    </dgm:fillClrLst>
-    <dgm:linClrLst>
-      <a:schemeClr val="accent5"/>
-      <a:schemeClr val="accent6"/>
-    </dgm:linClrLst>
-    <dgm:effectClrLst/>
-    <dgm:txLinClrLst/>
-    <dgm:txFillClrLst meth="repeat">
-      <a:schemeClr val="dk1"/>
-    </dgm:txFillClrLst>
-    <dgm:txEffectClrLst/>
-  </dgm:styleLbl>
-  <dgm:styleLbl name="conFgAcc1">
-    <dgm:fillClrLst meth="repeat">
-      <a:schemeClr val="lt1">
-        <a:alpha val="90000"/>
-      </a:schemeClr>
-    </dgm:fillClrLst>
-    <dgm:linClrLst>
-      <a:schemeClr val="accent5"/>
-      <a:schemeClr val="accent6"/>
-    </dgm:linClrLst>
-    <dgm:effectClrLst/>
-    <dgm:txLinClrLst/>
-    <dgm:txFillClrLst meth="repeat">
-      <a:schemeClr val="dk1"/>
-    </dgm:txFillClrLst>
-    <dgm:txEffectClrLst/>
-  </dgm:styleLbl>
-  <dgm:styleLbl name="alignAcc1">
-    <dgm:fillClrLst meth="repeat">
-      <a:schemeClr val="lt1">
-        <a:alpha val="90000"/>
-      </a:schemeClr>
-    </dgm:fillClrLst>
-    <dgm:linClrLst>
-      <a:schemeClr val="accent5"/>
-      <a:schemeClr val="accent6"/>
-    </dgm:linClrLst>
-    <dgm:effectClrLst/>
-    <dgm:txLinClrLst/>
-    <dgm:txFillClrLst meth="repeat">
-      <a:schemeClr val="dk1"/>
-    </dgm:txFillClrLst>
-    <dgm:txEffectClrLst/>
-  </dgm:styleLbl>
-  <dgm:styleLbl name="trAlignAcc1">
-    <dgm:fillClrLst meth="repeat">
-      <a:schemeClr val="lt1">
-        <a:alpha val="40000"/>
-      </a:schemeClr>
-    </dgm:fillClrLst>
-    <dgm:linClrLst meth="repeat">
-      <a:schemeClr val="accent5"/>
-    </dgm:linClrLst>
-    <dgm:effectClrLst/>
-    <dgm:txLinClrLst/>
-    <dgm:txFillClrLst meth="repeat">
-      <a:schemeClr val="dk1"/>
-    </dgm:txFillClrLst>
-    <dgm:txEffectClrLst/>
-  </dgm:styleLbl>
-  <dgm:styleLbl name="bgAcc1">
-    <dgm:fillClrLst meth="repeat">
-      <a:schemeClr val="lt1">
-        <a:alpha val="90000"/>
-      </a:schemeClr>
-    </dgm:fillClrLst>
-    <dgm:linClrLst>
-      <a:schemeClr val="accent5"/>
-      <a:schemeClr val="accent6"/>
-    </dgm:linClrLst>
-    <dgm:effectClrLst/>
-    <dgm:txLinClrLst/>
-    <dgm:txFillClrLst meth="repeat">
-      <a:schemeClr val="dk1"/>
-    </dgm:txFillClrLst>
-    <dgm:txEffectClrLst/>
-  </dgm:styleLbl>
-  <dgm:styleLbl name="solidFgAcc1">
-    <dgm:fillClrLst meth="repeat">
-      <a:schemeClr val="lt1"/>
-    </dgm:fillClrLst>
-    <dgm:linClrLst>
-      <a:schemeClr val="accent5"/>
-      <a:schemeClr val="accent6"/>
-    </dgm:linClrLst>
-    <dgm:effectClrLst/>
-    <dgm:txLinClrLst/>
-    <dgm:txFillClrLst meth="repeat">
-      <a:schemeClr val="dk1"/>
-    </dgm:txFillClrLst>
-    <dgm:txEffectClrLst/>
-  </dgm:styleLbl>
-  <dgm:styleLbl name="solidAlignAcc1">
-    <dgm:fillClrLst meth="repeat">
-      <a:schemeClr val="lt1"/>
-    </dgm:fillClrLst>
-    <dgm:linClrLst>
-      <a:schemeClr val="accent5"/>
-      <a:schemeClr val="accent6"/>
-    </dgm:linClrLst>
-    <dgm:effectClrLst/>
-    <dgm:txLinClrLst/>
-    <dgm:txFillClrLst meth="repeat">
-      <a:schemeClr val="dk1"/>
-    </dgm:txFillClrLst>
-    <dgm:txEffectClrLst/>
-  </dgm:styleLbl>
-  <dgm:styleLbl name="solidBgAcc1">
-    <dgm:fillClrLst meth="repeat">
-      <a:schemeClr val="lt1"/>
-    </dgm:fillClrLst>
-    <dgm:linClrLst>
-      <a:schemeClr val="accent5"/>
-      <a:schemeClr val="accent6"/>
-    </dgm:linClrLst>
-    <dgm:effectClrLst/>
-    <dgm:txLinClrLst/>
-    <dgm:txFillClrLst meth="repeat">
-      <a:schemeClr val="dk1"/>
-    </dgm:txFillClrLst>
-    <dgm:txEffectClrLst/>
-  </dgm:styleLbl>
-  <dgm:styleLbl name="fgAccFollowNode1">
-    <dgm:fillClrLst>
-      <a:schemeClr val="accent5">
-        <a:tint val="40000"/>
-        <a:alpha val="90000"/>
-      </a:schemeClr>
-      <a:schemeClr val="accent6">
-        <a:tint val="40000"/>
-        <a:alpha val="90000"/>
-      </a:schemeClr>
-    </dgm:fillClrLst>
-    <dgm:linClrLst>
-      <a:schemeClr val="accent5">
-        <a:tint val="40000"/>
-        <a:alpha val="90000"/>
-      </a:schemeClr>
-      <a:schemeClr val="accent5">
-        <a:tint val="40000"/>
-        <a:alpha val="90000"/>
-      </a:schemeClr>
-    </dgm:linClrLst>
-    <dgm:effectClrLst/>
-    <dgm:txLinClrLst/>
-    <dgm:txFillClrLst meth="repeat">
-      <a:schemeClr val="dk1"/>
-    </dgm:txFillClrLst>
-    <dgm:txEffectClrLst/>
-  </dgm:styleLbl>
-  <dgm:styleLbl name="alignAccFollowNode1">
-    <dgm:fillClrLst>
-      <a:schemeClr val="accent5">
-        <a:tint val="40000"/>
-        <a:alpha val="90000"/>
-      </a:schemeClr>
-      <a:schemeClr val="accent6">
-        <a:tint val="40000"/>
-        <a:alpha val="90000"/>
-      </a:schemeClr>
-    </dgm:fillClrLst>
-    <dgm:linClrLst>
-      <a:schemeClr val="accent5">
-        <a:tint val="40000"/>
-        <a:alpha val="90000"/>
-      </a:schemeClr>
-      <a:schemeClr val="accent6">
-        <a:tint val="40000"/>
-        <a:alpha val="90000"/>
-      </a:schemeClr>
-    </dgm:linClrLst>
-    <dgm:effectClrLst/>
-    <dgm:txLinClrLst/>
-    <dgm:txFillClrLst meth="repeat">
-      <a:schemeClr val="dk1"/>
-    </dgm:txFillClrLst>
-    <dgm:txEffectClrLst/>
-  </dgm:styleLbl>
-  <dgm:styleLbl name="bgAccFollowNode1">
-    <dgm:fillClrLst>
-      <a:schemeClr val="accent5">
-        <a:tint val="40000"/>
-        <a:alpha val="90000"/>
-      </a:schemeClr>
-      <a:schemeClr val="accent6">
-        <a:tint val="40000"/>
-        <a:alpha val="90000"/>
-      </a:schemeClr>
-    </dgm:fillClrLst>
-    <dgm:linClrLst>
-      <a:schemeClr val="accent5">
-        <a:tint val="40000"/>
-        <a:alpha val="90000"/>
-      </a:schemeClr>
-      <a:schemeClr val="accent6">
-        <a:tint val="40000"/>
-        <a:alpha val="90000"/>
-      </a:schemeClr>
-    </dgm:linClrLst>
-    <dgm:effectClrLst/>
-    <dgm:txLinClrLst/>
-    <dgm:txFillClrLst meth="repeat">
-      <a:schemeClr val="dk1"/>
-    </dgm:txFillClrLst>
-    <dgm:txEffectClrLst/>
-  </dgm:styleLbl>
-  <dgm:styleLbl name="fgAcc0">
-    <dgm:fillClrLst meth="repeat">
-      <a:schemeClr val="lt1">
-        <a:alpha val="90000"/>
-      </a:schemeClr>
-    </dgm:fillClrLst>
-    <dgm:linClrLst>
-      <a:schemeClr val="accent4"/>
-    </dgm:linClrLst>
-    <dgm:effectClrLst/>
-    <dgm:txLinClrLst/>
-    <dgm:txFillClrLst meth="repeat">
-      <a:schemeClr val="dk1"/>
-    </dgm:txFillClrLst>
-    <dgm:txEffectClrLst/>
-  </dgm:styleLbl>
-  <dgm:styleLbl name="fgAcc2">
-    <dgm:fillClrLst meth="repeat">
-      <a:schemeClr val="lt1">
-        <a:alpha val="90000"/>
-      </a:schemeClr>
-    </dgm:fillClrLst>
-    <dgm:linClrLst>
-      <a:schemeClr val="accent6"/>
-    </dgm:linClrLst>
-    <dgm:effectClrLst/>
-    <dgm:txLinClrLst/>
-    <dgm:txFillClrLst meth="repeat">
-      <a:schemeClr val="dk1"/>
-    </dgm:txFillClrLst>
-    <dgm:txEffectClrLst/>
-  </dgm:styleLbl>
-  <dgm:styleLbl name="fgAcc3">
-    <dgm:fillClrLst meth="repeat">
-      <a:schemeClr val="lt1">
-        <a:alpha val="90000"/>
-      </a:schemeClr>
-    </dgm:fillClrLst>
-    <dgm:linClrLst>
-      <a:schemeClr val="accent1"/>
-    </dgm:linClrLst>
-    <dgm:effectClrLst/>
-    <dgm:txLinClrLst/>
-    <dgm:txFillClrLst meth="repeat">
-      <a:schemeClr val="dk1"/>
-    </dgm:txFillClrLst>
-    <dgm:txEffectClrLst/>
-  </dgm:styleLbl>
-  <dgm:styleLbl name="fgAcc4">
-    <dgm:fillClrLst meth="repeat">
-      <a:schemeClr val="lt1">
-        <a:alpha val="90000"/>
-      </a:schemeClr>
-    </dgm:fillClrLst>
-    <dgm:linClrLst>
-      <a:schemeClr val="accent2"/>
-    </dgm:linClrLst>
-    <dgm:effectClrLst/>
-    <dgm:txLinClrLst/>
-    <dgm:txFillClrLst meth="repeat">
-      <a:schemeClr val="dk1"/>
-    </dgm:txFillClrLst>
-    <dgm:txEffectClrLst/>
-  </dgm:styleLbl>
-  <dgm:styleLbl name="bgShp">
-    <dgm:fillClrLst meth="repeat">
-      <a:schemeClr val="accent5">
-        <a:tint val="40000"/>
-      </a:schemeClr>
-    </dgm:fillClrLst>
-    <dgm:linClrLst meth="repeat">
-      <a:schemeClr val="dk1"/>
-    </dgm:linClrLst>
-    <dgm:effectClrLst/>
-    <dgm:txLinClrLst/>
-    <dgm:txFillClrLst meth="repeat">
-      <a:schemeClr val="dk1"/>
-    </dgm:txFillClrLst>
-    <dgm:txEffectClrLst/>
-  </dgm:styleLbl>
-  <dgm:styleLbl name="dkBgShp">
-    <dgm:fillClrLst meth="repeat">
-      <a:schemeClr val="accent5">
-        <a:shade val="90000"/>
-      </a:schemeClr>
-    </dgm:fillClrLst>
-    <dgm:linClrLst meth="repeat">
-      <a:schemeClr val="dk1"/>
-    </dgm:linClrLst>
-    <dgm:effectClrLst/>
-    <dgm:txLinClrLst/>
-    <dgm:txFillClrLst meth="repeat">
-      <a:schemeClr val="lt1"/>
-    </dgm:txFillClrLst>
-    <dgm:txEffectClrLst/>
-  </dgm:styleLbl>
-  <dgm:styleLbl name="trBgShp">
-    <dgm:fillClrLst meth="repeat">
-      <a:schemeClr val="accent5">
-        <a:tint val="50000"/>
-        <a:alpha val="40000"/>
-      </a:schemeClr>
-    </dgm:fillClrLst>
-    <dgm:linClrLst meth="repeat">
-      <a:schemeClr val="accent5"/>
-    </dgm:linClrLst>
-    <dgm:effectClrLst/>
-    <dgm:txLinClrLst/>
-    <dgm:txFillClrLst meth="repeat">
-      <a:schemeClr val="lt1"/>
-    </dgm:txFillClrLst>
-    <dgm:txEffectClrLst/>
-  </dgm:styleLbl>
-  <dgm:styleLbl name="fgShp">
-    <dgm:fillClrLst meth="repeat">
-      <a:schemeClr val="accent5">
-        <a:tint val="40000"/>
-      </a:schemeClr>
-    </dgm:fillClrLst>
-    <dgm:linClrLst meth="repeat">
-      <a:schemeClr val="lt1"/>
-    </dgm:linClrLst>
-    <dgm:effectClrLst/>
-    <dgm:txLinClrLst/>
-    <dgm:txFillClrLst meth="repeat">
-      <a:schemeClr val="dk1"/>
-    </dgm:txFillClrLst>
-    <dgm:txEffectClrLst/>
-  </dgm:styleLbl>
-  <dgm:styleLbl name="revTx">
-    <dgm:fillClrLst meth="repeat">
-      <a:schemeClr val="lt1">
-        <a:alpha val="0"/>
-      </a:schemeClr>
-    </dgm:fillClrLst>
-    <dgm:linClrLst meth="repeat">
-      <a:schemeClr val="dk1">
-        <a:alpha val="0"/>
-      </a:schemeClr>
-    </dgm:linClrLst>
-    <dgm:effectClrLst/>
-    <dgm:txLinClrLst/>
-    <dgm:txFillClrLst meth="repeat">
-      <a:schemeClr val="tx1"/>
-    </dgm:txFillClrLst>
-    <dgm:txEffectClrLst/>
-  </dgm:styleLbl>
-</dgm:colorsDef>
-</file>
-
-<file path=ppt/diagrams/data1.xml><?xml version="1.0" encoding="utf-8"?>
-<dgm:dataModel xmlns:dgm="http://schemas.openxmlformats.org/drawingml/2006/diagram" xmlns:a="http://schemas.openxmlformats.org/drawingml/2006/main">
-  <dgm:ptLst>
-    <dgm:pt modelId="{E5B2E815-0D19-41DC-B01B-4D608769620A}" type="doc">
-      <dgm:prSet loTypeId="urn:microsoft.com/office/officeart/2016/7/layout/RoundedRectangleTimeline" loCatId="other" qsTypeId="urn:microsoft.com/office/officeart/2005/8/quickstyle/simple1" qsCatId="simple" csTypeId="urn:microsoft.com/office/officeart/2005/8/colors/colorful5" csCatId="colorful" phldr="1"/>
-      <dgm:spPr/>
-      <dgm:t>
-        <a:bodyPr rtlCol="0"/>
-        <a:lstStyle/>
-        <a:p>
-          <a:pPr rtl="0"/>
-          <a:endParaRPr lang="pt-PT"/>
-        </a:p>
-      </dgm:t>
-    </dgm:pt>
-    <dgm:pt modelId="{4259F840-24E7-476F-9F30-482E46395856}">
-      <dgm:prSet phldrT="[Text]" custT="1"/>
-      <dgm:spPr/>
-      <dgm:t>
-        <a:bodyPr rtlCol="0"/>
-        <a:lstStyle/>
-        <a:p>
-          <a:pPr rtl="0"/>
-          <a:r>
-            <a:rPr lang="pt-PT" sz="1800">
-              <a:latin typeface="+mn-lt"/>
-            </a:rPr>
-            <a:t>Título</a:t>
-          </a:r>
-        </a:p>
-      </dgm:t>
-    </dgm:pt>
-    <dgm:pt modelId="{FCE8068D-7E50-4749-A8D0-ADEDAC5637B3}" type="parTrans" cxnId="{42EE41D1-3C16-4937-BB38-B076896C09A0}">
-      <dgm:prSet/>
-      <dgm:spPr/>
-      <dgm:t>
-        <a:bodyPr rtlCol="0"/>
-        <a:lstStyle/>
-        <a:p>
-          <a:pPr rtl="0"/>
-          <a:endParaRPr lang="pt-PT" sz="1800">
-            <a:latin typeface="+mn-lt"/>
-          </a:endParaRPr>
-        </a:p>
-      </dgm:t>
-    </dgm:pt>
-    <dgm:pt modelId="{DCC444A4-F20A-48F5-A61E-47BFFF185A57}" type="sibTrans" cxnId="{42EE41D1-3C16-4937-BB38-B076896C09A0}">
-      <dgm:prSet/>
-      <dgm:spPr/>
-      <dgm:t>
-        <a:bodyPr rtlCol="0"/>
-        <a:lstStyle/>
-        <a:p>
-          <a:pPr rtl="0"/>
-          <a:endParaRPr lang="pt-PT" sz="1800">
-            <a:latin typeface="+mn-lt"/>
-          </a:endParaRPr>
-        </a:p>
-      </dgm:t>
-    </dgm:pt>
-    <dgm:pt modelId="{B54C8F6C-BE1E-4EAB-B7A0-48DE01FFAA36}">
-      <dgm:prSet phldrT="[Text]" custT="1"/>
-      <dgm:spPr/>
-      <dgm:t>
-        <a:bodyPr rtlCol="0"/>
-        <a:lstStyle/>
-        <a:p>
-          <a:pPr rtl="0">
-            <a:buFont typeface="Symbol" panose="05050102010706020507" pitchFamily="18" charset="2"/>
-            <a:buChar char=""/>
-          </a:pPr>
-          <a:r>
-            <a:rPr lang="pt-PT" sz="1600" dirty="0">
-              <a:latin typeface="+mn-lt"/>
-            </a:rPr>
-            <a:t>Para iniciar uma apresentação, aceda ao separador Apresentação de Diapositivos e selecione A Partir do Início.</a:t>
-          </a:r>
-        </a:p>
-      </dgm:t>
-    </dgm:pt>
-    <dgm:pt modelId="{8DE7CD45-B7C0-432E-B819-6A7D97E31315}" type="parTrans" cxnId="{770CA1CC-3DDD-451E-AE83-A71CA570260C}">
-      <dgm:prSet/>
-      <dgm:spPr/>
-      <dgm:t>
-        <a:bodyPr rtlCol="0"/>
-        <a:lstStyle/>
-        <a:p>
-          <a:pPr rtl="0"/>
-          <a:endParaRPr lang="pt-PT" sz="1800">
-            <a:latin typeface="+mn-lt"/>
-          </a:endParaRPr>
-        </a:p>
-      </dgm:t>
-    </dgm:pt>
-    <dgm:pt modelId="{C33B8BEF-A818-4A2F-A99A-E2B29895E184}" type="sibTrans" cxnId="{770CA1CC-3DDD-451E-AE83-A71CA570260C}">
-      <dgm:prSet/>
-      <dgm:spPr/>
-      <dgm:t>
-        <a:bodyPr rtlCol="0"/>
-        <a:lstStyle/>
-        <a:p>
-          <a:pPr rtl="0"/>
-          <a:endParaRPr lang="pt-PT" sz="1800">
-            <a:latin typeface="+mn-lt"/>
-          </a:endParaRPr>
-        </a:p>
-      </dgm:t>
-    </dgm:pt>
-    <dgm:pt modelId="{E4033A39-DCC4-4038-9562-AEDDBBB37A99}">
-      <dgm:prSet phldrT="[Text]" custT="1"/>
-      <dgm:spPr/>
-      <dgm:t>
-        <a:bodyPr rtlCol="0"/>
-        <a:lstStyle/>
-        <a:p>
-          <a:pPr rtl="0"/>
-          <a:r>
-            <a:rPr lang="pt-PT" sz="1800">
-              <a:latin typeface="+mn-lt"/>
-            </a:rPr>
-            <a:t>Título</a:t>
-          </a:r>
-        </a:p>
-      </dgm:t>
-    </dgm:pt>
-    <dgm:pt modelId="{048EEAE6-78BA-4B00-B7BB-9C22DBB1E8F4}" type="parTrans" cxnId="{32EF2862-2950-4DF8-BEA8-CD19460CCA31}">
-      <dgm:prSet/>
-      <dgm:spPr/>
-      <dgm:t>
-        <a:bodyPr rtlCol="0"/>
-        <a:lstStyle/>
-        <a:p>
-          <a:pPr rtl="0"/>
-          <a:endParaRPr lang="pt-PT" sz="1800">
-            <a:latin typeface="+mn-lt"/>
-          </a:endParaRPr>
-        </a:p>
-      </dgm:t>
-    </dgm:pt>
-    <dgm:pt modelId="{80AB0E5B-0C58-465D-A545-5B21133D2849}" type="sibTrans" cxnId="{32EF2862-2950-4DF8-BEA8-CD19460CCA31}">
-      <dgm:prSet/>
-      <dgm:spPr/>
-      <dgm:t>
-        <a:bodyPr rtlCol="0"/>
-        <a:lstStyle/>
-        <a:p>
-          <a:pPr rtl="0"/>
-          <a:endParaRPr lang="pt-PT" sz="1800">
-            <a:latin typeface="+mn-lt"/>
-          </a:endParaRPr>
-        </a:p>
-      </dgm:t>
-    </dgm:pt>
-    <dgm:pt modelId="{A4C0B4E4-70AD-4901-9E3F-7EA25DD6DAA1}">
-      <dgm:prSet phldrT="[Text]" custT="1"/>
-      <dgm:spPr/>
-      <dgm:t>
-        <a:bodyPr rtlCol="0"/>
-        <a:lstStyle/>
-        <a:p>
-          <a:pPr rtl="0">
-            <a:buFont typeface="Symbol" panose="05050102010706020507" pitchFamily="18" charset="2"/>
-            <a:buChar char=""/>
-          </a:pPr>
-          <a:r>
-            <a:rPr lang="pt-PT" sz="1600" dirty="0">
-              <a:latin typeface="+mn-lt"/>
-            </a:rPr>
-            <a:t>Para mostrar a vista do Apresentador, na vista Apresentação de Diapositivos, na barra de controlo no canto inferior esquerdo, selecione as reticências e, em seguida, Mostrar Vista do Apresentador.</a:t>
-          </a:r>
-        </a:p>
-      </dgm:t>
-    </dgm:pt>
-    <dgm:pt modelId="{701D9033-BAD3-4299-933F-A47AFDC2ECD0}" type="parTrans" cxnId="{5E74CB62-E52E-4CEE-8AA1-9812BFC0D67E}">
-      <dgm:prSet/>
-      <dgm:spPr/>
-      <dgm:t>
-        <a:bodyPr rtlCol="0"/>
-        <a:lstStyle/>
-        <a:p>
-          <a:pPr rtl="0"/>
-          <a:endParaRPr lang="pt-PT" sz="1800">
-            <a:latin typeface="+mn-lt"/>
-          </a:endParaRPr>
-        </a:p>
-      </dgm:t>
-    </dgm:pt>
-    <dgm:pt modelId="{657DB10D-2517-48AA-B970-6D815DBD4123}" type="sibTrans" cxnId="{5E74CB62-E52E-4CEE-8AA1-9812BFC0D67E}">
-      <dgm:prSet/>
-      <dgm:spPr/>
-      <dgm:t>
-        <a:bodyPr rtlCol="0"/>
-        <a:lstStyle/>
-        <a:p>
-          <a:pPr rtl="0"/>
-          <a:endParaRPr lang="pt-PT" sz="1800">
-            <a:latin typeface="+mn-lt"/>
-          </a:endParaRPr>
-        </a:p>
-      </dgm:t>
-    </dgm:pt>
-    <dgm:pt modelId="{87BF7896-20EA-4E8F-B6F4-A34EC5C9CB50}">
-      <dgm:prSet phldrT="[Text]" custT="1"/>
-      <dgm:spPr/>
-      <dgm:t>
-        <a:bodyPr rtlCol="0"/>
-        <a:lstStyle/>
-        <a:p>
-          <a:pPr rtl="0"/>
-          <a:r>
-            <a:rPr lang="pt-PT" sz="1800">
-              <a:latin typeface="+mn-lt"/>
-            </a:rPr>
-            <a:t>Título</a:t>
-          </a:r>
-        </a:p>
-      </dgm:t>
-    </dgm:pt>
-    <dgm:pt modelId="{05E47BA5-F724-4AEE-9B5B-401F18E028E6}" type="parTrans" cxnId="{92330C11-C197-4512-BDA4-8D8A69AF7D1C}">
-      <dgm:prSet/>
-      <dgm:spPr/>
-      <dgm:t>
-        <a:bodyPr rtlCol="0"/>
-        <a:lstStyle/>
-        <a:p>
-          <a:pPr rtl="0"/>
-          <a:endParaRPr lang="pt-PT" sz="1800">
-            <a:latin typeface="+mn-lt"/>
-          </a:endParaRPr>
-        </a:p>
-      </dgm:t>
-    </dgm:pt>
-    <dgm:pt modelId="{D63CE73E-35DE-48C3-8753-7648BC953C0D}" type="sibTrans" cxnId="{92330C11-C197-4512-BDA4-8D8A69AF7D1C}">
-      <dgm:prSet/>
-      <dgm:spPr/>
-      <dgm:t>
-        <a:bodyPr rtlCol="0"/>
-        <a:lstStyle/>
-        <a:p>
-          <a:pPr rtl="0"/>
-          <a:endParaRPr lang="pt-PT" sz="1800">
-            <a:latin typeface="+mn-lt"/>
-          </a:endParaRPr>
-        </a:p>
-      </dgm:t>
-    </dgm:pt>
-    <dgm:pt modelId="{43CBB0A2-9D75-4264-8A30-3E8974B40658}">
-      <dgm:prSet phldrT="[Text]" custT="1"/>
-      <dgm:spPr/>
-      <dgm:t>
-        <a:bodyPr rtlCol="0"/>
-        <a:lstStyle/>
-        <a:p>
-          <a:pPr rtl="0">
-            <a:buFont typeface="Symbol" panose="05050102010706020507" pitchFamily="18" charset="2"/>
-            <a:buChar char=""/>
-          </a:pPr>
-          <a:r>
-            <a:rPr lang="pt-PT" sz="1600" dirty="0"/>
-            <a:t>Durante a sua apresentação, as notas do orador estarão visíveis no seu monitor, mas não para a audiência.</a:t>
-          </a:r>
-          <a:endParaRPr lang="pt-PT" sz="1600" dirty="0">
-            <a:latin typeface="+mn-lt"/>
-          </a:endParaRPr>
-        </a:p>
-      </dgm:t>
-    </dgm:pt>
-    <dgm:pt modelId="{F806E590-5F8E-48A1-96AC-9E738290D2ED}" type="parTrans" cxnId="{4D2DF581-8128-4440-9E51-29109DC6ED52}">
-      <dgm:prSet/>
-      <dgm:spPr/>
-      <dgm:t>
-        <a:bodyPr rtlCol="0"/>
-        <a:lstStyle/>
-        <a:p>
-          <a:pPr rtl="0"/>
-          <a:endParaRPr lang="pt-PT" sz="1800">
-            <a:latin typeface="+mn-lt"/>
-          </a:endParaRPr>
-        </a:p>
-      </dgm:t>
-    </dgm:pt>
-    <dgm:pt modelId="{20F77EFB-335C-4BC3-AD95-8421EDF343E6}" type="sibTrans" cxnId="{4D2DF581-8128-4440-9E51-29109DC6ED52}">
-      <dgm:prSet/>
-      <dgm:spPr/>
-      <dgm:t>
-        <a:bodyPr rtlCol="0"/>
-        <a:lstStyle/>
-        <a:p>
-          <a:pPr rtl="0"/>
-          <a:endParaRPr lang="pt-PT" sz="1800">
-            <a:latin typeface="+mn-lt"/>
-          </a:endParaRPr>
-        </a:p>
-      </dgm:t>
-    </dgm:pt>
-    <dgm:pt modelId="{3DE6FF16-CA4D-4D34-ABEB-8BE6A40B5E52}">
-      <dgm:prSet phldrT="[Text]" custT="1"/>
-      <dgm:spPr/>
-      <dgm:t>
-        <a:bodyPr rtlCol="0"/>
-        <a:lstStyle/>
-        <a:p>
-          <a:pPr rtl="0">
-            <a:buFont typeface="Symbol" panose="05050102010706020507" pitchFamily="18" charset="2"/>
-            <a:buChar char=""/>
-          </a:pPr>
-          <a:r>
-            <a:rPr lang="pt-PT" sz="1800">
-              <a:latin typeface="+mn-lt"/>
-            </a:rPr>
-            <a:t>Título</a:t>
-          </a:r>
-        </a:p>
-      </dgm:t>
-    </dgm:pt>
-    <dgm:pt modelId="{DA9CCCCB-8206-4757-82C8-F885E9D238B5}" type="parTrans" cxnId="{636DE8C5-F706-4BA5-855F-85FD2239E2BE}">
-      <dgm:prSet/>
-      <dgm:spPr/>
-      <dgm:t>
-        <a:bodyPr rtlCol="0"/>
-        <a:lstStyle/>
-        <a:p>
-          <a:pPr rtl="0"/>
-          <a:endParaRPr lang="pt-PT" sz="1800"/>
-        </a:p>
-      </dgm:t>
-    </dgm:pt>
-    <dgm:pt modelId="{986162A7-6F89-4679-B40E-33A17DA21B73}" type="sibTrans" cxnId="{636DE8C5-F706-4BA5-855F-85FD2239E2BE}">
-      <dgm:prSet/>
-      <dgm:spPr/>
-      <dgm:t>
-        <a:bodyPr rtlCol="0"/>
-        <a:lstStyle/>
-        <a:p>
-          <a:pPr rtl="0"/>
-          <a:endParaRPr lang="pt-PT" sz="1800"/>
-        </a:p>
-      </dgm:t>
-    </dgm:pt>
-    <dgm:pt modelId="{AC76BE15-3E8A-498B-91BD-CF772C26B6F1}">
-      <dgm:prSet phldrT="[Text]" custT="1"/>
-      <dgm:spPr/>
-      <dgm:t>
-        <a:bodyPr rtlCol="0"/>
-        <a:lstStyle/>
-        <a:p>
-          <a:pPr rtl="0">
-            <a:buFont typeface="Symbol" panose="05050102010706020507" pitchFamily="18" charset="2"/>
-            <a:buChar char=""/>
-          </a:pPr>
-          <a:r>
-            <a:rPr lang="pt-PT" sz="1800">
-              <a:latin typeface="+mn-lt"/>
-            </a:rPr>
-            <a:t>Título</a:t>
-          </a:r>
-        </a:p>
-      </dgm:t>
-    </dgm:pt>
-    <dgm:pt modelId="{00CCB400-064A-4EF5-9806-9534D9AC69AD}" type="parTrans" cxnId="{140A4778-8248-44DE-B78A-23C578A77D7E}">
-      <dgm:prSet/>
-      <dgm:spPr/>
-      <dgm:t>
-        <a:bodyPr rtlCol="0"/>
-        <a:lstStyle/>
-        <a:p>
-          <a:pPr rtl="0"/>
-          <a:endParaRPr lang="pt-PT" sz="1800"/>
-        </a:p>
-      </dgm:t>
-    </dgm:pt>
-    <dgm:pt modelId="{662A3D6E-7238-444F-BC0B-C7A4321261DB}" type="sibTrans" cxnId="{140A4778-8248-44DE-B78A-23C578A77D7E}">
-      <dgm:prSet/>
-      <dgm:spPr/>
-      <dgm:t>
-        <a:bodyPr rtlCol="0"/>
-        <a:lstStyle/>
-        <a:p>
-          <a:pPr rtl="0"/>
-          <a:endParaRPr lang="pt-PT" sz="1800"/>
-        </a:p>
-      </dgm:t>
-    </dgm:pt>
-    <dgm:pt modelId="{73820394-2159-4075-9E6F-217263B07F8B}">
-      <dgm:prSet phldrT="[Text]" custT="1"/>
-      <dgm:spPr/>
-      <dgm:t>
-        <a:bodyPr rtlCol="0"/>
-        <a:lstStyle/>
-        <a:p>
-          <a:pPr rtl="0">
-            <a:buFont typeface="Symbol" panose="05050102010706020507" pitchFamily="18" charset="2"/>
-            <a:buChar char=""/>
-          </a:pPr>
-          <a:r>
-            <a:rPr lang="pt-PT" sz="1600" dirty="0"/>
-            <a:t>Se não vir o painel de Notas ou se estiver completamente minimizado, clique em Notas na barra de tarefas na parte inferior da janela do PowerPoint.</a:t>
-          </a:r>
-          <a:endParaRPr lang="pt-PT" sz="1600" dirty="0">
-            <a:latin typeface="+mn-lt"/>
-          </a:endParaRPr>
-        </a:p>
-      </dgm:t>
-    </dgm:pt>
-    <dgm:pt modelId="{A861A835-3A0D-4B09-8870-87D7FDC7B27F}" type="parTrans" cxnId="{19CF03A0-47BE-4ABD-A62C-A27E16D6C5A3}">
-      <dgm:prSet/>
-      <dgm:spPr/>
-      <dgm:t>
-        <a:bodyPr rtlCol="0"/>
-        <a:lstStyle/>
-        <a:p>
-          <a:pPr rtl="0"/>
-          <a:endParaRPr lang="pt-PT" sz="1800"/>
-        </a:p>
-      </dgm:t>
-    </dgm:pt>
-    <dgm:pt modelId="{D383A36B-470D-499F-AE13-85A6B2495524}" type="sibTrans" cxnId="{19CF03A0-47BE-4ABD-A62C-A27E16D6C5A3}">
-      <dgm:prSet/>
-      <dgm:spPr/>
-      <dgm:t>
-        <a:bodyPr rtlCol="0"/>
-        <a:lstStyle/>
-        <a:p>
-          <a:pPr rtl="0"/>
-          <a:endParaRPr lang="pt-PT" sz="1800"/>
-        </a:p>
-      </dgm:t>
-    </dgm:pt>
-    <dgm:pt modelId="{C032D242-8D23-4EEC-A10A-7B0691E5A409}">
-      <dgm:prSet phldrT="[Text]" custT="1"/>
-      <dgm:spPr/>
-      <dgm:t>
-        <a:bodyPr rtlCol="0"/>
-        <a:lstStyle/>
-        <a:p>
-          <a:pPr rtl="0">
-            <a:buFont typeface="Symbol" panose="05050102010706020507" pitchFamily="18" charset="2"/>
-            <a:buChar char=""/>
-          </a:pPr>
-          <a:r>
-            <a:rPr lang="pt-PT" sz="1600" dirty="0"/>
-            <a:t>O painel de Notas é uma caixa que aparece abaixo de cada diapositivo. Toque no mesmo para adicionar notas.</a:t>
-          </a:r>
-          <a:endParaRPr lang="pt-PT" sz="1600" dirty="0">
-            <a:latin typeface="+mn-lt"/>
-          </a:endParaRPr>
-        </a:p>
-      </dgm:t>
-    </dgm:pt>
-    <dgm:pt modelId="{167DA838-BF1F-42A4-81E8-806F40795A14}" type="parTrans" cxnId="{D9403C73-FB83-47D6-85AE-067D49ED63F2}">
-      <dgm:prSet/>
-      <dgm:spPr/>
-      <dgm:t>
-        <a:bodyPr rtlCol="0"/>
-        <a:lstStyle/>
-        <a:p>
-          <a:pPr rtl="0"/>
-          <a:endParaRPr lang="pt-PT" sz="1800"/>
-        </a:p>
-      </dgm:t>
-    </dgm:pt>
-    <dgm:pt modelId="{7EFA60CA-572D-434D-B452-A4ACBAEB4D2C}" type="sibTrans" cxnId="{D9403C73-FB83-47D6-85AE-067D49ED63F2}">
-      <dgm:prSet/>
-      <dgm:spPr/>
-      <dgm:t>
-        <a:bodyPr rtlCol="0"/>
-        <a:lstStyle/>
-        <a:p>
-          <a:pPr rtl="0"/>
-          <a:endParaRPr lang="pt-PT" sz="1800"/>
-        </a:p>
-      </dgm:t>
-    </dgm:pt>
-    <dgm:pt modelId="{196C9F68-3606-4282-A4C6-4485F1280B5F}" type="pres">
-      <dgm:prSet presAssocID="{E5B2E815-0D19-41DC-B01B-4D608769620A}" presName="Name0" presStyleCnt="0">
-        <dgm:presLayoutVars>
-          <dgm:chMax/>
-          <dgm:chPref/>
-          <dgm:animLvl val="lvl"/>
-        </dgm:presLayoutVars>
-      </dgm:prSet>
-      <dgm:spPr/>
-    </dgm:pt>
-    <dgm:pt modelId="{68D8AC18-502F-4825-B069-75605ADB3A40}" type="pres">
-      <dgm:prSet presAssocID="{4259F840-24E7-476F-9F30-482E46395856}" presName="composite1" presStyleCnt="0"/>
-      <dgm:spPr/>
-    </dgm:pt>
-    <dgm:pt modelId="{E088D226-49D7-4C30-90DC-CA1755D98829}" type="pres">
-      <dgm:prSet presAssocID="{4259F840-24E7-476F-9F30-482E46395856}" presName="parent1" presStyleLbl="alignNode1" presStyleIdx="0" presStyleCnt="5">
-        <dgm:presLayoutVars>
-          <dgm:chMax val="1"/>
-          <dgm:chPref val="1"/>
-          <dgm:bulletEnabled val="1"/>
-        </dgm:presLayoutVars>
-      </dgm:prSet>
-      <dgm:spPr/>
-    </dgm:pt>
-    <dgm:pt modelId="{45A02F84-C6CB-43F5-AEE4-3EA66C2BD25F}" type="pres">
-      <dgm:prSet presAssocID="{4259F840-24E7-476F-9F30-482E46395856}" presName="Childtext1" presStyleLbl="revTx" presStyleIdx="0" presStyleCnt="5">
-        <dgm:presLayoutVars>
-          <dgm:bulletEnabled val="1"/>
-        </dgm:presLayoutVars>
-      </dgm:prSet>
-      <dgm:spPr/>
-    </dgm:pt>
-    <dgm:pt modelId="{6BA46904-CB7C-4538-BD49-D3891EF19552}" type="pres">
-      <dgm:prSet presAssocID="{4259F840-24E7-476F-9F30-482E46395856}" presName="ConnectLine1" presStyleLbl="sibTrans1D1" presStyleIdx="0" presStyleCnt="5"/>
-      <dgm:spPr>
-        <a:noFill/>
-        <a:ln w="6350" cap="flat" cmpd="sng" algn="ctr">
-          <a:solidFill>
-            <a:schemeClr val="accent5">
-              <a:hueOff val="0"/>
-              <a:satOff val="0"/>
-              <a:lumOff val="0"/>
-              <a:alphaOff val="0"/>
-            </a:schemeClr>
-          </a:solidFill>
-          <a:prstDash val="dash"/>
-          <a:miter lim="800000"/>
-        </a:ln>
-        <a:effectLst/>
-      </dgm:spPr>
-    </dgm:pt>
-    <dgm:pt modelId="{049FDBD0-77FE-49D1-A275-A272C8C5E426}" type="pres">
-      <dgm:prSet presAssocID="{4259F840-24E7-476F-9F30-482E46395856}" presName="ConnectLineEnd1" presStyleLbl="lnNode1" presStyleIdx="0" presStyleCnt="5"/>
-      <dgm:spPr/>
-    </dgm:pt>
-    <dgm:pt modelId="{CB26EA94-33BB-4F98-9E1E-2237D4831263}" type="pres">
-      <dgm:prSet presAssocID="{4259F840-24E7-476F-9F30-482E46395856}" presName="EmptyPane1" presStyleCnt="0"/>
-      <dgm:spPr/>
-    </dgm:pt>
-    <dgm:pt modelId="{606F1DBF-510E-4065-ACCB-3EBDA85CFB92}" type="pres">
-      <dgm:prSet presAssocID="{DCC444A4-F20A-48F5-A61E-47BFFF185A57}" presName="spaceBetweenRectangles1" presStyleCnt="0"/>
-      <dgm:spPr/>
-    </dgm:pt>
-    <dgm:pt modelId="{07989479-D1A2-4D15-AA3A-B0CFFB9F91D9}" type="pres">
-      <dgm:prSet presAssocID="{E4033A39-DCC4-4038-9562-AEDDBBB37A99}" presName="composite1" presStyleCnt="0"/>
-      <dgm:spPr/>
-    </dgm:pt>
-    <dgm:pt modelId="{539615E2-3277-4D8E-8484-FF5088C8BF01}" type="pres">
-      <dgm:prSet presAssocID="{E4033A39-DCC4-4038-9562-AEDDBBB37A99}" presName="parent1" presStyleLbl="alignNode1" presStyleIdx="1" presStyleCnt="5">
-        <dgm:presLayoutVars>
-          <dgm:chMax val="1"/>
-          <dgm:chPref val="1"/>
-          <dgm:bulletEnabled val="1"/>
-        </dgm:presLayoutVars>
-      </dgm:prSet>
-      <dgm:spPr/>
-    </dgm:pt>
-    <dgm:pt modelId="{FEBD3C2A-A340-470A-A475-AE614EA07678}" type="pres">
-      <dgm:prSet presAssocID="{E4033A39-DCC4-4038-9562-AEDDBBB37A99}" presName="Childtext1" presStyleLbl="revTx" presStyleIdx="1" presStyleCnt="5">
-        <dgm:presLayoutVars>
-          <dgm:bulletEnabled val="1"/>
-        </dgm:presLayoutVars>
-      </dgm:prSet>
-      <dgm:spPr/>
-    </dgm:pt>
-    <dgm:pt modelId="{080474C8-0FEA-4FD1-97F1-0978CFB4A37F}" type="pres">
-      <dgm:prSet presAssocID="{E4033A39-DCC4-4038-9562-AEDDBBB37A99}" presName="ConnectLine1" presStyleLbl="sibTrans1D1" presStyleIdx="1" presStyleCnt="5"/>
-      <dgm:spPr>
-        <a:noFill/>
-        <a:ln w="6350" cap="flat" cmpd="sng" algn="ctr">
-          <a:solidFill>
-            <a:schemeClr val="accent5">
-              <a:hueOff val="90002"/>
-              <a:satOff val="2173"/>
-              <a:lumOff val="-10490"/>
-              <a:alphaOff val="0"/>
-            </a:schemeClr>
-          </a:solidFill>
-          <a:prstDash val="dash"/>
-          <a:miter lim="800000"/>
-        </a:ln>
-        <a:effectLst/>
-      </dgm:spPr>
-    </dgm:pt>
-    <dgm:pt modelId="{4797FB61-2602-4A58-81E6-6F133DB1E419}" type="pres">
-      <dgm:prSet presAssocID="{E4033A39-DCC4-4038-9562-AEDDBBB37A99}" presName="ConnectLineEnd1" presStyleLbl="lnNode1" presStyleIdx="1" presStyleCnt="5"/>
-      <dgm:spPr/>
-    </dgm:pt>
-    <dgm:pt modelId="{3ADF0AE3-D759-4F4F-8135-572855211847}" type="pres">
-      <dgm:prSet presAssocID="{E4033A39-DCC4-4038-9562-AEDDBBB37A99}" presName="EmptyPane1" presStyleCnt="0"/>
-      <dgm:spPr/>
-    </dgm:pt>
-    <dgm:pt modelId="{B0CD7A53-7149-45F2-83E8-36717D7878A1}" type="pres">
-      <dgm:prSet presAssocID="{80AB0E5B-0C58-465D-A545-5B21133D2849}" presName="spaceBetweenRectangles1" presStyleCnt="0"/>
-      <dgm:spPr/>
-    </dgm:pt>
-    <dgm:pt modelId="{FB379A6E-C0F9-420B-90FC-2785E757E6AE}" type="pres">
-      <dgm:prSet presAssocID="{87BF7896-20EA-4E8F-B6F4-A34EC5C9CB50}" presName="composite1" presStyleCnt="0"/>
-      <dgm:spPr/>
-    </dgm:pt>
-    <dgm:pt modelId="{9D82041D-873A-4600-A9C7-C0A0ADFB138B}" type="pres">
-      <dgm:prSet presAssocID="{87BF7896-20EA-4E8F-B6F4-A34EC5C9CB50}" presName="parent1" presStyleLbl="alignNode1" presStyleIdx="2" presStyleCnt="5">
-        <dgm:presLayoutVars>
-          <dgm:chMax val="1"/>
-          <dgm:chPref val="1"/>
-          <dgm:bulletEnabled val="1"/>
-        </dgm:presLayoutVars>
-      </dgm:prSet>
-      <dgm:spPr/>
-    </dgm:pt>
-    <dgm:pt modelId="{80CDBBF8-C6B4-4166-87C1-DC9120CC7586}" type="pres">
-      <dgm:prSet presAssocID="{87BF7896-20EA-4E8F-B6F4-A34EC5C9CB50}" presName="Childtext1" presStyleLbl="revTx" presStyleIdx="2" presStyleCnt="5">
-        <dgm:presLayoutVars>
-          <dgm:bulletEnabled val="1"/>
-        </dgm:presLayoutVars>
-      </dgm:prSet>
-      <dgm:spPr/>
-    </dgm:pt>
-    <dgm:pt modelId="{89759DE5-9F8A-470E-A6D8-F13BB4DEE93D}" type="pres">
-      <dgm:prSet presAssocID="{87BF7896-20EA-4E8F-B6F4-A34EC5C9CB50}" presName="ConnectLine1" presStyleLbl="sibTrans1D1" presStyleIdx="2" presStyleCnt="5"/>
-      <dgm:spPr>
-        <a:noFill/>
-        <a:ln w="6350" cap="flat" cmpd="sng" algn="ctr">
-          <a:solidFill>
-            <a:schemeClr val="accent5">
-              <a:hueOff val="180003"/>
-              <a:satOff val="4346"/>
-              <a:lumOff val="-20980"/>
-              <a:alphaOff val="0"/>
-            </a:schemeClr>
-          </a:solidFill>
-          <a:prstDash val="dash"/>
-          <a:miter lim="800000"/>
-        </a:ln>
-        <a:effectLst/>
-      </dgm:spPr>
-    </dgm:pt>
-    <dgm:pt modelId="{07CCF286-8B46-4A20-ACAC-84BA2D6EFBBC}" type="pres">
-      <dgm:prSet presAssocID="{87BF7896-20EA-4E8F-B6F4-A34EC5C9CB50}" presName="ConnectLineEnd1" presStyleLbl="lnNode1" presStyleIdx="2" presStyleCnt="5"/>
-      <dgm:spPr/>
-    </dgm:pt>
-    <dgm:pt modelId="{4624FC32-5405-42B1-B5CC-DF0659852A58}" type="pres">
-      <dgm:prSet presAssocID="{87BF7896-20EA-4E8F-B6F4-A34EC5C9CB50}" presName="EmptyPane1" presStyleCnt="0"/>
-      <dgm:spPr/>
-    </dgm:pt>
-    <dgm:pt modelId="{8C327064-3851-4ECF-AAB7-82B51711041E}" type="pres">
-      <dgm:prSet presAssocID="{D63CE73E-35DE-48C3-8753-7648BC953C0D}" presName="spaceBetweenRectangles1" presStyleCnt="0"/>
-      <dgm:spPr/>
-    </dgm:pt>
-    <dgm:pt modelId="{3ADEA4DF-6814-494D-9D3D-41947417052B}" type="pres">
-      <dgm:prSet presAssocID="{3DE6FF16-CA4D-4D34-ABEB-8BE6A40B5E52}" presName="composite1" presStyleCnt="0"/>
-      <dgm:spPr/>
-    </dgm:pt>
-    <dgm:pt modelId="{74CD3FF2-195B-429B-BC6F-5B5A7FED2BE2}" type="pres">
-      <dgm:prSet presAssocID="{3DE6FF16-CA4D-4D34-ABEB-8BE6A40B5E52}" presName="parent1" presStyleLbl="alignNode1" presStyleIdx="3" presStyleCnt="5">
-        <dgm:presLayoutVars>
-          <dgm:chMax val="1"/>
-          <dgm:chPref val="1"/>
-          <dgm:bulletEnabled val="1"/>
-        </dgm:presLayoutVars>
-      </dgm:prSet>
-      <dgm:spPr/>
-    </dgm:pt>
-    <dgm:pt modelId="{1BB5FD64-47F9-47A3-911F-535BFE17A3B9}" type="pres">
-      <dgm:prSet presAssocID="{3DE6FF16-CA4D-4D34-ABEB-8BE6A40B5E52}" presName="Childtext1" presStyleLbl="revTx" presStyleIdx="3" presStyleCnt="5">
-        <dgm:presLayoutVars>
-          <dgm:bulletEnabled val="1"/>
-        </dgm:presLayoutVars>
-      </dgm:prSet>
-      <dgm:spPr/>
-    </dgm:pt>
-    <dgm:pt modelId="{FE9B27EB-7AC7-485A-9A55-41E8118F9EAF}" type="pres">
-      <dgm:prSet presAssocID="{3DE6FF16-CA4D-4D34-ABEB-8BE6A40B5E52}" presName="ConnectLine1" presStyleLbl="sibTrans1D1" presStyleIdx="3" presStyleCnt="5"/>
-      <dgm:spPr>
-        <a:noFill/>
-        <a:ln w="6350" cap="flat" cmpd="sng" algn="ctr">
-          <a:solidFill>
-            <a:schemeClr val="accent5">
-              <a:hueOff val="270005"/>
-              <a:satOff val="6519"/>
-              <a:lumOff val="-31471"/>
-              <a:alphaOff val="0"/>
-            </a:schemeClr>
-          </a:solidFill>
-          <a:prstDash val="dash"/>
-          <a:miter lim="800000"/>
-        </a:ln>
-        <a:effectLst/>
-      </dgm:spPr>
-    </dgm:pt>
-    <dgm:pt modelId="{46BD4721-4664-4AD0-9F11-DBE7E0B207D5}" type="pres">
-      <dgm:prSet presAssocID="{3DE6FF16-CA4D-4D34-ABEB-8BE6A40B5E52}" presName="ConnectLineEnd1" presStyleLbl="lnNode1" presStyleIdx="3" presStyleCnt="5"/>
-      <dgm:spPr/>
-    </dgm:pt>
-    <dgm:pt modelId="{69028BD0-349D-4B47-B1F4-B64C6478DE3C}" type="pres">
-      <dgm:prSet presAssocID="{3DE6FF16-CA4D-4D34-ABEB-8BE6A40B5E52}" presName="EmptyPane1" presStyleCnt="0"/>
-      <dgm:spPr/>
-    </dgm:pt>
-    <dgm:pt modelId="{619CFBB1-86F5-45A6-80BA-23F97450662F}" type="pres">
-      <dgm:prSet presAssocID="{986162A7-6F89-4679-B40E-33A17DA21B73}" presName="spaceBetweenRectangles1" presStyleCnt="0"/>
-      <dgm:spPr/>
-    </dgm:pt>
-    <dgm:pt modelId="{E4E0A96A-AF87-442A-A1A3-64B8F3CFC7FE}" type="pres">
-      <dgm:prSet presAssocID="{AC76BE15-3E8A-498B-91BD-CF772C26B6F1}" presName="composite1" presStyleCnt="0"/>
-      <dgm:spPr/>
-    </dgm:pt>
-    <dgm:pt modelId="{483E7832-9872-48C4-8E65-DCB39D4CDBDF}" type="pres">
-      <dgm:prSet presAssocID="{AC76BE15-3E8A-498B-91BD-CF772C26B6F1}" presName="parent1" presStyleLbl="alignNode1" presStyleIdx="4" presStyleCnt="5">
-        <dgm:presLayoutVars>
-          <dgm:chMax val="1"/>
-          <dgm:chPref val="1"/>
-          <dgm:bulletEnabled val="1"/>
-        </dgm:presLayoutVars>
-      </dgm:prSet>
-      <dgm:spPr/>
-    </dgm:pt>
-    <dgm:pt modelId="{1FA3C236-5719-4A33-A6BB-80FA85F940E3}" type="pres">
-      <dgm:prSet presAssocID="{AC76BE15-3E8A-498B-91BD-CF772C26B6F1}" presName="Childtext1" presStyleLbl="revTx" presStyleIdx="4" presStyleCnt="5">
-        <dgm:presLayoutVars>
-          <dgm:bulletEnabled val="1"/>
-        </dgm:presLayoutVars>
-      </dgm:prSet>
-      <dgm:spPr/>
-    </dgm:pt>
-    <dgm:pt modelId="{18F1C823-9ACD-4FCD-8102-F468DCE57A45}" type="pres">
-      <dgm:prSet presAssocID="{AC76BE15-3E8A-498B-91BD-CF772C26B6F1}" presName="ConnectLine1" presStyleLbl="sibTrans1D1" presStyleIdx="4" presStyleCnt="5"/>
-      <dgm:spPr>
-        <a:noFill/>
-        <a:ln w="6350" cap="flat" cmpd="sng" algn="ctr">
-          <a:solidFill>
-            <a:schemeClr val="accent5">
-              <a:hueOff val="360006"/>
-              <a:satOff val="8692"/>
-              <a:lumOff val="-41961"/>
-              <a:alphaOff val="0"/>
-            </a:schemeClr>
-          </a:solidFill>
-          <a:prstDash val="dash"/>
-          <a:miter lim="800000"/>
-        </a:ln>
-        <a:effectLst/>
-      </dgm:spPr>
-    </dgm:pt>
-    <dgm:pt modelId="{F8AD0AB8-BBDF-4F0A-A6A0-850E289DD521}" type="pres">
-      <dgm:prSet presAssocID="{AC76BE15-3E8A-498B-91BD-CF772C26B6F1}" presName="ConnectLineEnd1" presStyleLbl="lnNode1" presStyleIdx="4" presStyleCnt="5"/>
-      <dgm:spPr/>
-    </dgm:pt>
-    <dgm:pt modelId="{11CAE2E7-2E06-450A-A729-9C2DCEF85421}" type="pres">
-      <dgm:prSet presAssocID="{AC76BE15-3E8A-498B-91BD-CF772C26B6F1}" presName="EmptyPane1" presStyleCnt="0"/>
-      <dgm:spPr/>
-    </dgm:pt>
-  </dgm:ptLst>
-  <dgm:cxnLst>
-    <dgm:cxn modelId="{58AF9605-98E3-490C-9551-60E5D74419A2}" type="presOf" srcId="{3DE6FF16-CA4D-4D34-ABEB-8BE6A40B5E52}" destId="{74CD3FF2-195B-429B-BC6F-5B5A7FED2BE2}" srcOrd="0" destOrd="0" presId="urn:microsoft.com/office/officeart/2016/7/layout/RoundedRectangleTimeline"/>
-    <dgm:cxn modelId="{467F290A-9E2A-412E-AF06-428DAA68BEDD}" type="presOf" srcId="{E4033A39-DCC4-4038-9562-AEDDBBB37A99}" destId="{539615E2-3277-4D8E-8484-FF5088C8BF01}" srcOrd="0" destOrd="0" presId="urn:microsoft.com/office/officeart/2016/7/layout/RoundedRectangleTimeline"/>
-    <dgm:cxn modelId="{A2A50010-8F67-49E4-9B0A-E0F7FDA9656C}" type="presOf" srcId="{B54C8F6C-BE1E-4EAB-B7A0-48DE01FFAA36}" destId="{45A02F84-C6CB-43F5-AEE4-3EA66C2BD25F}" srcOrd="0" destOrd="0" presId="urn:microsoft.com/office/officeart/2016/7/layout/RoundedRectangleTimeline"/>
-    <dgm:cxn modelId="{92330C11-C197-4512-BDA4-8D8A69AF7D1C}" srcId="{E5B2E815-0D19-41DC-B01B-4D608769620A}" destId="{87BF7896-20EA-4E8F-B6F4-A34EC5C9CB50}" srcOrd="2" destOrd="0" parTransId="{05E47BA5-F724-4AEE-9B5B-401F18E028E6}" sibTransId="{D63CE73E-35DE-48C3-8753-7648BC953C0D}"/>
-    <dgm:cxn modelId="{D88F5139-A3BF-4F98-ABB0-AEE7243465CB}" type="presOf" srcId="{87BF7896-20EA-4E8F-B6F4-A34EC5C9CB50}" destId="{9D82041D-873A-4600-A9C7-C0A0ADFB138B}" srcOrd="0" destOrd="0" presId="urn:microsoft.com/office/officeart/2016/7/layout/RoundedRectangleTimeline"/>
-    <dgm:cxn modelId="{32EF2862-2950-4DF8-BEA8-CD19460CCA31}" srcId="{E5B2E815-0D19-41DC-B01B-4D608769620A}" destId="{E4033A39-DCC4-4038-9562-AEDDBBB37A99}" srcOrd="1" destOrd="0" parTransId="{048EEAE6-78BA-4B00-B7BB-9C22DBB1E8F4}" sibTransId="{80AB0E5B-0C58-465D-A545-5B21133D2849}"/>
-    <dgm:cxn modelId="{5E74CB62-E52E-4CEE-8AA1-9812BFC0D67E}" srcId="{E4033A39-DCC4-4038-9562-AEDDBBB37A99}" destId="{A4C0B4E4-70AD-4901-9E3F-7EA25DD6DAA1}" srcOrd="0" destOrd="0" parTransId="{701D9033-BAD3-4299-933F-A47AFDC2ECD0}" sibTransId="{657DB10D-2517-48AA-B970-6D815DBD4123}"/>
-    <dgm:cxn modelId="{4653A150-E557-4235-B1A1-18156274D965}" type="presOf" srcId="{4259F840-24E7-476F-9F30-482E46395856}" destId="{E088D226-49D7-4C30-90DC-CA1755D98829}" srcOrd="0" destOrd="0" presId="urn:microsoft.com/office/officeart/2016/7/layout/RoundedRectangleTimeline"/>
-    <dgm:cxn modelId="{E6B56652-B46A-4546-9536-64D675143F1B}" type="presOf" srcId="{A4C0B4E4-70AD-4901-9E3F-7EA25DD6DAA1}" destId="{FEBD3C2A-A340-470A-A475-AE614EA07678}" srcOrd="0" destOrd="0" presId="urn:microsoft.com/office/officeart/2016/7/layout/RoundedRectangleTimeline"/>
-    <dgm:cxn modelId="{D9403C73-FB83-47D6-85AE-067D49ED63F2}" srcId="{3DE6FF16-CA4D-4D34-ABEB-8BE6A40B5E52}" destId="{C032D242-8D23-4EEC-A10A-7B0691E5A409}" srcOrd="0" destOrd="0" parTransId="{167DA838-BF1F-42A4-81E8-806F40795A14}" sibTransId="{7EFA60CA-572D-434D-B452-A4ACBAEB4D2C}"/>
-    <dgm:cxn modelId="{140A4778-8248-44DE-B78A-23C578A77D7E}" srcId="{E5B2E815-0D19-41DC-B01B-4D608769620A}" destId="{AC76BE15-3E8A-498B-91BD-CF772C26B6F1}" srcOrd="4" destOrd="0" parTransId="{00CCB400-064A-4EF5-9806-9534D9AC69AD}" sibTransId="{662A3D6E-7238-444F-BC0B-C7A4321261DB}"/>
-    <dgm:cxn modelId="{020D505A-97FA-43DD-A9A1-2501AD46F8AF}" type="presOf" srcId="{43CBB0A2-9D75-4264-8A30-3E8974B40658}" destId="{80CDBBF8-C6B4-4166-87C1-DC9120CC7586}" srcOrd="0" destOrd="0" presId="urn:microsoft.com/office/officeart/2016/7/layout/RoundedRectangleTimeline"/>
-    <dgm:cxn modelId="{4D2DF581-8128-4440-9E51-29109DC6ED52}" srcId="{87BF7896-20EA-4E8F-B6F4-A34EC5C9CB50}" destId="{43CBB0A2-9D75-4264-8A30-3E8974B40658}" srcOrd="0" destOrd="0" parTransId="{F806E590-5F8E-48A1-96AC-9E738290D2ED}" sibTransId="{20F77EFB-335C-4BC3-AD95-8421EDF343E6}"/>
-    <dgm:cxn modelId="{67A67F8B-14DC-457C-93BE-25105825881F}" type="presOf" srcId="{AC76BE15-3E8A-498B-91BD-CF772C26B6F1}" destId="{483E7832-9872-48C4-8E65-DCB39D4CDBDF}" srcOrd="0" destOrd="0" presId="urn:microsoft.com/office/officeart/2016/7/layout/RoundedRectangleTimeline"/>
-    <dgm:cxn modelId="{C8CAF48F-322D-43C3-A68B-40DA904320AC}" type="presOf" srcId="{E5B2E815-0D19-41DC-B01B-4D608769620A}" destId="{196C9F68-3606-4282-A4C6-4485F1280B5F}" srcOrd="0" destOrd="0" presId="urn:microsoft.com/office/officeart/2016/7/layout/RoundedRectangleTimeline"/>
-    <dgm:cxn modelId="{19CF03A0-47BE-4ABD-A62C-A27E16D6C5A3}" srcId="{AC76BE15-3E8A-498B-91BD-CF772C26B6F1}" destId="{73820394-2159-4075-9E6F-217263B07F8B}" srcOrd="0" destOrd="0" parTransId="{A861A835-3A0D-4B09-8870-87D7FDC7B27F}" sibTransId="{D383A36B-470D-499F-AE13-85A6B2495524}"/>
-    <dgm:cxn modelId="{D473BBA6-FF54-423D-9B9B-875C8AA2545B}" type="presOf" srcId="{73820394-2159-4075-9E6F-217263B07F8B}" destId="{1FA3C236-5719-4A33-A6BB-80FA85F940E3}" srcOrd="0" destOrd="0" presId="urn:microsoft.com/office/officeart/2016/7/layout/RoundedRectangleTimeline"/>
-    <dgm:cxn modelId="{636DE8C5-F706-4BA5-855F-85FD2239E2BE}" srcId="{E5B2E815-0D19-41DC-B01B-4D608769620A}" destId="{3DE6FF16-CA4D-4D34-ABEB-8BE6A40B5E52}" srcOrd="3" destOrd="0" parTransId="{DA9CCCCB-8206-4757-82C8-F885E9D238B5}" sibTransId="{986162A7-6F89-4679-B40E-33A17DA21B73}"/>
-    <dgm:cxn modelId="{770CA1CC-3DDD-451E-AE83-A71CA570260C}" srcId="{4259F840-24E7-476F-9F30-482E46395856}" destId="{B54C8F6C-BE1E-4EAB-B7A0-48DE01FFAA36}" srcOrd="0" destOrd="0" parTransId="{8DE7CD45-B7C0-432E-B819-6A7D97E31315}" sibTransId="{C33B8BEF-A818-4A2F-A99A-E2B29895E184}"/>
-    <dgm:cxn modelId="{42EE41D1-3C16-4937-BB38-B076896C09A0}" srcId="{E5B2E815-0D19-41DC-B01B-4D608769620A}" destId="{4259F840-24E7-476F-9F30-482E46395856}" srcOrd="0" destOrd="0" parTransId="{FCE8068D-7E50-4749-A8D0-ADEDAC5637B3}" sibTransId="{DCC444A4-F20A-48F5-A61E-47BFFF185A57}"/>
-    <dgm:cxn modelId="{546179F7-5E1B-4360-8938-B9238DA6DE5D}" type="presOf" srcId="{C032D242-8D23-4EEC-A10A-7B0691E5A409}" destId="{1BB5FD64-47F9-47A3-911F-535BFE17A3B9}" srcOrd="0" destOrd="0" presId="urn:microsoft.com/office/officeart/2016/7/layout/RoundedRectangleTimeline"/>
-    <dgm:cxn modelId="{B5EA3CD6-0576-4168-82C9-9ADC0803B31E}" type="presParOf" srcId="{196C9F68-3606-4282-A4C6-4485F1280B5F}" destId="{68D8AC18-502F-4825-B069-75605ADB3A40}" srcOrd="0" destOrd="0" presId="urn:microsoft.com/office/officeart/2016/7/layout/RoundedRectangleTimeline"/>
-    <dgm:cxn modelId="{30A197C5-075F-4643-BF26-64BC9FAF532F}" type="presParOf" srcId="{68D8AC18-502F-4825-B069-75605ADB3A40}" destId="{E088D226-49D7-4C30-90DC-CA1755D98829}" srcOrd="0" destOrd="0" presId="urn:microsoft.com/office/officeart/2016/7/layout/RoundedRectangleTimeline"/>
-    <dgm:cxn modelId="{DBAA9861-CCB2-4B8A-A3AA-B305A4B5783E}" type="presParOf" srcId="{68D8AC18-502F-4825-B069-75605ADB3A40}" destId="{45A02F84-C6CB-43F5-AEE4-3EA66C2BD25F}" srcOrd="1" destOrd="0" presId="urn:microsoft.com/office/officeart/2016/7/layout/RoundedRectangleTimeline"/>
-    <dgm:cxn modelId="{3F249148-C6F7-40D3-8583-B11C276DE023}" type="presParOf" srcId="{68D8AC18-502F-4825-B069-75605ADB3A40}" destId="{6BA46904-CB7C-4538-BD49-D3891EF19552}" srcOrd="2" destOrd="0" presId="urn:microsoft.com/office/officeart/2016/7/layout/RoundedRectangleTimeline"/>
-    <dgm:cxn modelId="{337BF8D5-8206-4D0E-857F-BA46391BB745}" type="presParOf" srcId="{68D8AC18-502F-4825-B069-75605ADB3A40}" destId="{049FDBD0-77FE-49D1-A275-A272C8C5E426}" srcOrd="3" destOrd="0" presId="urn:microsoft.com/office/officeart/2016/7/layout/RoundedRectangleTimeline"/>
-    <dgm:cxn modelId="{8E042F31-23CC-40C0-92DC-707183B24E81}" type="presParOf" srcId="{68D8AC18-502F-4825-B069-75605ADB3A40}" destId="{CB26EA94-33BB-4F98-9E1E-2237D4831263}" srcOrd="4" destOrd="0" presId="urn:microsoft.com/office/officeart/2016/7/layout/RoundedRectangleTimeline"/>
-    <dgm:cxn modelId="{16926BC1-FC34-413E-B35A-2F54A781CCCD}" type="presParOf" srcId="{196C9F68-3606-4282-A4C6-4485F1280B5F}" destId="{606F1DBF-510E-4065-ACCB-3EBDA85CFB92}" srcOrd="1" destOrd="0" presId="urn:microsoft.com/office/officeart/2016/7/layout/RoundedRectangleTimeline"/>
-    <dgm:cxn modelId="{42F07C1F-C715-41B1-8356-B99F8CE1AC01}" type="presParOf" srcId="{196C9F68-3606-4282-A4C6-4485F1280B5F}" destId="{07989479-D1A2-4D15-AA3A-B0CFFB9F91D9}" srcOrd="2" destOrd="0" presId="urn:microsoft.com/office/officeart/2016/7/layout/RoundedRectangleTimeline"/>
-    <dgm:cxn modelId="{5856EE22-FE01-4788-BBF3-407A68D5A730}" type="presParOf" srcId="{07989479-D1A2-4D15-AA3A-B0CFFB9F91D9}" destId="{539615E2-3277-4D8E-8484-FF5088C8BF01}" srcOrd="0" destOrd="0" presId="urn:microsoft.com/office/officeart/2016/7/layout/RoundedRectangleTimeline"/>
-    <dgm:cxn modelId="{3004EE47-5347-4BBA-95CC-D947A73AE485}" type="presParOf" srcId="{07989479-D1A2-4D15-AA3A-B0CFFB9F91D9}" destId="{FEBD3C2A-A340-470A-A475-AE614EA07678}" srcOrd="1" destOrd="0" presId="urn:microsoft.com/office/officeart/2016/7/layout/RoundedRectangleTimeline"/>
-    <dgm:cxn modelId="{400A75AC-5289-4270-AC07-416891AF3888}" type="presParOf" srcId="{07989479-D1A2-4D15-AA3A-B0CFFB9F91D9}" destId="{080474C8-0FEA-4FD1-97F1-0978CFB4A37F}" srcOrd="2" destOrd="0" presId="urn:microsoft.com/office/officeart/2016/7/layout/RoundedRectangleTimeline"/>
-    <dgm:cxn modelId="{304EB087-DD14-4AA8-8A06-DF9485956226}" type="presParOf" srcId="{07989479-D1A2-4D15-AA3A-B0CFFB9F91D9}" destId="{4797FB61-2602-4A58-81E6-6F133DB1E419}" srcOrd="3" destOrd="0" presId="urn:microsoft.com/office/officeart/2016/7/layout/RoundedRectangleTimeline"/>
-    <dgm:cxn modelId="{BC4CC356-31E8-4421-B18C-CB3697E73FAC}" type="presParOf" srcId="{07989479-D1A2-4D15-AA3A-B0CFFB9F91D9}" destId="{3ADF0AE3-D759-4F4F-8135-572855211847}" srcOrd="4" destOrd="0" presId="urn:microsoft.com/office/officeart/2016/7/layout/RoundedRectangleTimeline"/>
-    <dgm:cxn modelId="{718BABD9-3B60-482F-B01A-2E414F152777}" type="presParOf" srcId="{196C9F68-3606-4282-A4C6-4485F1280B5F}" destId="{B0CD7A53-7149-45F2-83E8-36717D7878A1}" srcOrd="3" destOrd="0" presId="urn:microsoft.com/office/officeart/2016/7/layout/RoundedRectangleTimeline"/>
-    <dgm:cxn modelId="{FD435764-A46B-4635-A943-B6C17FFBD43C}" type="presParOf" srcId="{196C9F68-3606-4282-A4C6-4485F1280B5F}" destId="{FB379A6E-C0F9-420B-90FC-2785E757E6AE}" srcOrd="4" destOrd="0" presId="urn:microsoft.com/office/officeart/2016/7/layout/RoundedRectangleTimeline"/>
-    <dgm:cxn modelId="{03D7F2C3-849C-416B-B668-D51C46CA90E6}" type="presParOf" srcId="{FB379A6E-C0F9-420B-90FC-2785E757E6AE}" destId="{9D82041D-873A-4600-A9C7-C0A0ADFB138B}" srcOrd="0" destOrd="0" presId="urn:microsoft.com/office/officeart/2016/7/layout/RoundedRectangleTimeline"/>
-    <dgm:cxn modelId="{1DA536D0-EC28-4B9F-A5E9-28EC8F45638C}" type="presParOf" srcId="{FB379A6E-C0F9-420B-90FC-2785E757E6AE}" destId="{80CDBBF8-C6B4-4166-87C1-DC9120CC7586}" srcOrd="1" destOrd="0" presId="urn:microsoft.com/office/officeart/2016/7/layout/RoundedRectangleTimeline"/>
-    <dgm:cxn modelId="{A1A8842C-F8BC-40AC-8FFC-6A922D88E333}" type="presParOf" srcId="{FB379A6E-C0F9-420B-90FC-2785E757E6AE}" destId="{89759DE5-9F8A-470E-A6D8-F13BB4DEE93D}" srcOrd="2" destOrd="0" presId="urn:microsoft.com/office/officeart/2016/7/layout/RoundedRectangleTimeline"/>
-    <dgm:cxn modelId="{29E74E09-91C9-47DF-AE07-A1527FF00EB2}" type="presParOf" srcId="{FB379A6E-C0F9-420B-90FC-2785E757E6AE}" destId="{07CCF286-8B46-4A20-ACAC-84BA2D6EFBBC}" srcOrd="3" destOrd="0" presId="urn:microsoft.com/office/officeart/2016/7/layout/RoundedRectangleTimeline"/>
-    <dgm:cxn modelId="{410C15E7-86BA-42B7-8F67-411E34B11038}" type="presParOf" srcId="{FB379A6E-C0F9-420B-90FC-2785E757E6AE}" destId="{4624FC32-5405-42B1-B5CC-DF0659852A58}" srcOrd="4" destOrd="0" presId="urn:microsoft.com/office/officeart/2016/7/layout/RoundedRectangleTimeline"/>
-    <dgm:cxn modelId="{E805D201-407E-43CA-9B74-1CB556699F3D}" type="presParOf" srcId="{196C9F68-3606-4282-A4C6-4485F1280B5F}" destId="{8C327064-3851-4ECF-AAB7-82B51711041E}" srcOrd="5" destOrd="0" presId="urn:microsoft.com/office/officeart/2016/7/layout/RoundedRectangleTimeline"/>
-    <dgm:cxn modelId="{43BD8313-2385-4BA0-9145-2022434D3E68}" type="presParOf" srcId="{196C9F68-3606-4282-A4C6-4485F1280B5F}" destId="{3ADEA4DF-6814-494D-9D3D-41947417052B}" srcOrd="6" destOrd="0" presId="urn:microsoft.com/office/officeart/2016/7/layout/RoundedRectangleTimeline"/>
-    <dgm:cxn modelId="{77EE5245-99F9-4607-BF5D-14371704AD7C}" type="presParOf" srcId="{3ADEA4DF-6814-494D-9D3D-41947417052B}" destId="{74CD3FF2-195B-429B-BC6F-5B5A7FED2BE2}" srcOrd="0" destOrd="0" presId="urn:microsoft.com/office/officeart/2016/7/layout/RoundedRectangleTimeline"/>
-    <dgm:cxn modelId="{4182CE37-4E54-4351-9A5F-1904FF20E71C}" type="presParOf" srcId="{3ADEA4DF-6814-494D-9D3D-41947417052B}" destId="{1BB5FD64-47F9-47A3-911F-535BFE17A3B9}" srcOrd="1" destOrd="0" presId="urn:microsoft.com/office/officeart/2016/7/layout/RoundedRectangleTimeline"/>
-    <dgm:cxn modelId="{618B960F-61F5-4357-A407-60CA51E36041}" type="presParOf" srcId="{3ADEA4DF-6814-494D-9D3D-41947417052B}" destId="{FE9B27EB-7AC7-485A-9A55-41E8118F9EAF}" srcOrd="2" destOrd="0" presId="urn:microsoft.com/office/officeart/2016/7/layout/RoundedRectangleTimeline"/>
-    <dgm:cxn modelId="{181A4BE4-72AF-463E-880D-D34673D0F9E8}" type="presParOf" srcId="{3ADEA4DF-6814-494D-9D3D-41947417052B}" destId="{46BD4721-4664-4AD0-9F11-DBE7E0B207D5}" srcOrd="3" destOrd="0" presId="urn:microsoft.com/office/officeart/2016/7/layout/RoundedRectangleTimeline"/>
-    <dgm:cxn modelId="{AC4EA57A-E4C0-4C2D-8EC9-38BC20FC13B6}" type="presParOf" srcId="{3ADEA4DF-6814-494D-9D3D-41947417052B}" destId="{69028BD0-349D-4B47-B1F4-B64C6478DE3C}" srcOrd="4" destOrd="0" presId="urn:microsoft.com/office/officeart/2016/7/layout/RoundedRectangleTimeline"/>
-    <dgm:cxn modelId="{AA8AD3DD-2E80-42F5-B3E4-A5C7AF3802D4}" type="presParOf" srcId="{196C9F68-3606-4282-A4C6-4485F1280B5F}" destId="{619CFBB1-86F5-45A6-80BA-23F97450662F}" srcOrd="7" destOrd="0" presId="urn:microsoft.com/office/officeart/2016/7/layout/RoundedRectangleTimeline"/>
-    <dgm:cxn modelId="{FDD0F37D-1C7B-48B3-AC81-ED4C6F1B5BBD}" type="presParOf" srcId="{196C9F68-3606-4282-A4C6-4485F1280B5F}" destId="{E4E0A96A-AF87-442A-A1A3-64B8F3CFC7FE}" srcOrd="8" destOrd="0" presId="urn:microsoft.com/office/officeart/2016/7/layout/RoundedRectangleTimeline"/>
-    <dgm:cxn modelId="{CF303A04-9A48-4B41-A7BB-CC3D8C5695D3}" type="presParOf" srcId="{E4E0A96A-AF87-442A-A1A3-64B8F3CFC7FE}" destId="{483E7832-9872-48C4-8E65-DCB39D4CDBDF}" srcOrd="0" destOrd="0" presId="urn:microsoft.com/office/officeart/2016/7/layout/RoundedRectangleTimeline"/>
-    <dgm:cxn modelId="{73245F8D-03D3-46C1-81E4-D90E66C49907}" type="presParOf" srcId="{E4E0A96A-AF87-442A-A1A3-64B8F3CFC7FE}" destId="{1FA3C236-5719-4A33-A6BB-80FA85F940E3}" srcOrd="1" destOrd="0" presId="urn:microsoft.com/office/officeart/2016/7/layout/RoundedRectangleTimeline"/>
-    <dgm:cxn modelId="{412C5C97-3381-4F16-9B7D-FDFBEDD4E918}" type="presParOf" srcId="{E4E0A96A-AF87-442A-A1A3-64B8F3CFC7FE}" destId="{18F1C823-9ACD-4FCD-8102-F468DCE57A45}" srcOrd="2" destOrd="0" presId="urn:microsoft.com/office/officeart/2016/7/layout/RoundedRectangleTimeline"/>
-    <dgm:cxn modelId="{23A8F6FC-DFDA-4E9F-A354-A33937E1BFC9}" type="presParOf" srcId="{E4E0A96A-AF87-442A-A1A3-64B8F3CFC7FE}" destId="{F8AD0AB8-BBDF-4F0A-A6A0-850E289DD521}" srcOrd="3" destOrd="0" presId="urn:microsoft.com/office/officeart/2016/7/layout/RoundedRectangleTimeline"/>
-    <dgm:cxn modelId="{C02C06C2-0966-4212-84DD-DA325FCEF64C}" type="presParOf" srcId="{E4E0A96A-AF87-442A-A1A3-64B8F3CFC7FE}" destId="{11CAE2E7-2E06-450A-A729-9C2DCEF85421}" srcOrd="4" destOrd="0" presId="urn:microsoft.com/office/officeart/2016/7/layout/RoundedRectangleTimeline"/>
-  </dgm:cxnLst>
-  <dgm:bg/>
-  <dgm:whole/>
-  <dgm:extLst>
-    <a:ext uri="http://schemas.microsoft.com/office/drawing/2008/diagram">
-      <dsp:dataModelExt xmlns:dsp="http://schemas.microsoft.com/office/drawing/2008/diagram" relId="rId7" minVer="http://schemas.openxmlformats.org/drawingml/2006/diagram"/>
-    </a:ext>
-  </dgm:extLst>
-</dgm:dataModel>
-</file>
-
-<file path=ppt/diagrams/drawing1.xml><?xml version="1.0" encoding="utf-8"?>
-<dsp:drawing xmlns:dgm="http://schemas.openxmlformats.org/drawingml/2006/diagram" xmlns:dsp="http://schemas.microsoft.com/office/drawing/2008/diagram" xmlns:a="http://schemas.openxmlformats.org/drawingml/2006/main">
-  <dsp:spTree>
-    <dsp:nvGrpSpPr>
-      <dsp:cNvPr id="0" name=""/>
-      <dsp:cNvGrpSpPr/>
-    </dsp:nvGrpSpPr>
-    <dsp:grpSpPr/>
-    <dsp:sp modelId="{E088D226-49D7-4C30-90DC-CA1755D98829}">
-      <dsp:nvSpPr>
-        <dsp:cNvPr id="0" name=""/>
-        <dsp:cNvSpPr/>
-      </dsp:nvSpPr>
-      <dsp:spPr>
-        <a:xfrm rot="16200000">
-          <a:off x="1434223" y="1011950"/>
-          <a:ext cx="397986" cy="1955960"/>
-        </a:xfrm>
-        <a:prstGeom prst="round2SameRect">
-          <a:avLst/>
-        </a:prstGeom>
-        <a:solidFill>
-          <a:schemeClr val="accent5">
-            <a:hueOff val="0"/>
-            <a:satOff val="0"/>
-            <a:lumOff val="0"/>
-            <a:alphaOff val="0"/>
-          </a:schemeClr>
-        </a:solidFill>
-        <a:ln w="12700" cap="flat" cmpd="sng" algn="ctr">
-          <a:solidFill>
-            <a:schemeClr val="accent5">
-              <a:hueOff val="0"/>
-              <a:satOff val="0"/>
-              <a:lumOff val="0"/>
-              <a:alphaOff val="0"/>
-            </a:schemeClr>
-          </a:solidFill>
-          <a:prstDash val="solid"/>
-          <a:miter lim="800000"/>
-        </a:ln>
-        <a:effectLst/>
-      </dsp:spPr>
-      <dsp:style>
-        <a:lnRef idx="2">
-          <a:scrgbClr r="0" g="0" b="0"/>
-        </a:lnRef>
-        <a:fillRef idx="1">
-          <a:scrgbClr r="0" g="0" b="0"/>
-        </a:fillRef>
-        <a:effectRef idx="0">
-          <a:scrgbClr r="0" g="0" b="0"/>
-        </a:effectRef>
-        <a:fontRef idx="minor">
-          <a:schemeClr val="lt1"/>
-        </a:fontRef>
-      </dsp:style>
-      <dsp:txBody>
-        <a:bodyPr spcFirstLastPara="0" vert="horz" wrap="square" lIns="137160" tIns="137160" rIns="137160" bIns="137160" numCol="1" spcCol="1270" rtlCol="0" anchor="ctr" anchorCtr="1">
-          <a:noAutofit/>
-        </a:bodyPr>
-        <a:lstStyle/>
-        <a:p>
-          <a:pPr marL="0" lvl="0" indent="0" algn="ctr" defTabSz="800100" rtl="0">
-            <a:lnSpc>
-              <a:spcPct val="90000"/>
-            </a:lnSpc>
-            <a:spcBef>
-              <a:spcPct val="0"/>
-            </a:spcBef>
-            <a:spcAft>
-              <a:spcPct val="35000"/>
-            </a:spcAft>
-            <a:buNone/>
-          </a:pPr>
-          <a:r>
-            <a:rPr lang="pt-PT" sz="1800" kern="1200">
-              <a:latin typeface="+mn-lt"/>
-            </a:rPr>
-            <a:t>Título</a:t>
-          </a:r>
-        </a:p>
-      </dsp:txBody>
-      <dsp:txXfrm rot="5400000">
-        <a:off x="674664" y="1810365"/>
-        <a:ext cx="1936532" cy="359130"/>
-      </dsp:txXfrm>
-    </dsp:sp>
-    <dsp:sp modelId="{45A02F84-C6CB-43F5-AEE4-3EA66C2BD25F}">
-      <dsp:nvSpPr>
-        <dsp:cNvPr id="0" name=""/>
-        <dsp:cNvSpPr/>
-      </dsp:nvSpPr>
-      <dsp:spPr>
-        <a:xfrm>
-          <a:off x="3249" y="0"/>
-          <a:ext cx="3259934" cy="1392951"/>
-        </a:xfrm>
-        <a:prstGeom prst="rect">
-          <a:avLst/>
-        </a:prstGeom>
-        <a:noFill/>
-        <a:ln>
-          <a:noFill/>
-        </a:ln>
-        <a:effectLst/>
-      </dsp:spPr>
-      <dsp:style>
-        <a:lnRef idx="0">
-          <a:scrgbClr r="0" g="0" b="0"/>
-        </a:lnRef>
-        <a:fillRef idx="0">
-          <a:scrgbClr r="0" g="0" b="0"/>
-        </a:fillRef>
-        <a:effectRef idx="0">
-          <a:scrgbClr r="0" g="0" b="0"/>
-        </a:effectRef>
-        <a:fontRef idx="minor"/>
-      </dsp:style>
-      <dsp:txBody>
-        <a:bodyPr spcFirstLastPara="0" vert="horz" wrap="square" lIns="0" tIns="0" rIns="0" bIns="121920" numCol="1" spcCol="1270" rtlCol="0" anchor="b" anchorCtr="1">
-          <a:noAutofit/>
-        </a:bodyPr>
-        <a:lstStyle/>
-        <a:p>
-          <a:pPr marL="0" lvl="0" indent="0" algn="ctr" defTabSz="711200" rtl="0">
-            <a:lnSpc>
-              <a:spcPct val="90000"/>
-            </a:lnSpc>
-            <a:spcBef>
-              <a:spcPct val="0"/>
-            </a:spcBef>
-            <a:spcAft>
-              <a:spcPct val="35000"/>
-            </a:spcAft>
-            <a:buFont typeface="Symbol" panose="05050102010706020507" pitchFamily="18" charset="2"/>
-            <a:buNone/>
-          </a:pPr>
-          <a:r>
-            <a:rPr lang="pt-PT" sz="1600" kern="1200" dirty="0">
-              <a:latin typeface="+mn-lt"/>
-            </a:rPr>
-            <a:t>Para iniciar uma apresentação, aceda ao separador Apresentação de Diapositivos e selecione A Partir do Início.</a:t>
-          </a:r>
-        </a:p>
-      </dsp:txBody>
-      <dsp:txXfrm>
-        <a:off x="3249" y="0"/>
-        <a:ext cx="3259934" cy="1392951"/>
-      </dsp:txXfrm>
-    </dsp:sp>
-    <dsp:sp modelId="{6BA46904-CB7C-4538-BD49-D3891EF19552}">
-      <dsp:nvSpPr>
-        <dsp:cNvPr id="0" name=""/>
-        <dsp:cNvSpPr/>
-      </dsp:nvSpPr>
-      <dsp:spPr>
-        <a:xfrm>
-          <a:off x="1633216" y="1472548"/>
-          <a:ext cx="0" cy="318388"/>
-        </a:xfrm>
-        <a:prstGeom prst="line">
-          <a:avLst/>
-        </a:prstGeom>
-        <a:noFill/>
-        <a:ln w="6350" cap="flat" cmpd="sng" algn="ctr">
-          <a:solidFill>
-            <a:schemeClr val="accent5">
-              <a:hueOff val="0"/>
-              <a:satOff val="0"/>
-              <a:lumOff val="0"/>
-              <a:alphaOff val="0"/>
-            </a:schemeClr>
-          </a:solidFill>
-          <a:prstDash val="dash"/>
-          <a:miter lim="800000"/>
-        </a:ln>
-        <a:effectLst/>
-      </dsp:spPr>
-      <dsp:style>
-        <a:lnRef idx="1">
-          <a:scrgbClr r="0" g="0" b="0"/>
-        </a:lnRef>
-        <a:fillRef idx="0">
-          <a:scrgbClr r="0" g="0" b="0"/>
-        </a:fillRef>
-        <a:effectRef idx="0">
-          <a:scrgbClr r="0" g="0" b="0"/>
-        </a:effectRef>
-        <a:fontRef idx="minor"/>
-      </dsp:style>
-    </dsp:sp>
-    <dsp:sp modelId="{049FDBD0-77FE-49D1-A275-A272C8C5E426}">
-      <dsp:nvSpPr>
-        <dsp:cNvPr id="0" name=""/>
-        <dsp:cNvSpPr/>
-      </dsp:nvSpPr>
-      <dsp:spPr>
-        <a:xfrm>
-          <a:off x="1593417" y="1392951"/>
-          <a:ext cx="79597" cy="79597"/>
-        </a:xfrm>
-        <a:prstGeom prst="ellipse">
-          <a:avLst/>
-        </a:prstGeom>
-        <a:solidFill>
-          <a:schemeClr val="accent5">
-            <a:hueOff val="0"/>
-            <a:satOff val="0"/>
-            <a:lumOff val="0"/>
-            <a:alphaOff val="0"/>
-          </a:schemeClr>
-        </a:solidFill>
-        <a:ln w="12700" cap="flat" cmpd="sng" algn="ctr">
-          <a:solidFill>
-            <a:schemeClr val="lt1">
-              <a:hueOff val="0"/>
-              <a:satOff val="0"/>
-              <a:lumOff val="0"/>
-              <a:alphaOff val="0"/>
-            </a:schemeClr>
-          </a:solidFill>
-          <a:prstDash val="solid"/>
-          <a:miter lim="800000"/>
-        </a:ln>
-        <a:effectLst/>
-      </dsp:spPr>
-      <dsp:style>
-        <a:lnRef idx="2">
-          <a:scrgbClr r="0" g="0" b="0"/>
-        </a:lnRef>
-        <a:fillRef idx="1">
-          <a:scrgbClr r="0" g="0" b="0"/>
-        </a:fillRef>
-        <a:effectRef idx="0">
-          <a:scrgbClr r="0" g="0" b="0"/>
-        </a:effectRef>
-        <a:fontRef idx="minor">
-          <a:schemeClr val="lt1"/>
-        </a:fontRef>
-      </dsp:style>
-    </dsp:sp>
-    <dsp:sp modelId="{539615E2-3277-4D8E-8484-FF5088C8BF01}">
-      <dsp:nvSpPr>
-        <dsp:cNvPr id="0" name=""/>
-        <dsp:cNvSpPr/>
-      </dsp:nvSpPr>
-      <dsp:spPr>
-        <a:xfrm>
-          <a:off x="2611196" y="1790937"/>
-          <a:ext cx="1955960" cy="397986"/>
-        </a:xfrm>
-        <a:prstGeom prst="rect">
-          <a:avLst/>
-        </a:prstGeom>
-        <a:solidFill>
-          <a:schemeClr val="accent5">
-            <a:hueOff val="90002"/>
-            <a:satOff val="2173"/>
-            <a:lumOff val="-10490"/>
-            <a:alphaOff val="0"/>
-          </a:schemeClr>
-        </a:solidFill>
-        <a:ln w="12700" cap="flat" cmpd="sng" algn="ctr">
-          <a:solidFill>
-            <a:schemeClr val="accent5">
-              <a:hueOff val="90002"/>
-              <a:satOff val="2173"/>
-              <a:lumOff val="-10490"/>
-              <a:alphaOff val="0"/>
-            </a:schemeClr>
-          </a:solidFill>
-          <a:prstDash val="solid"/>
-          <a:miter lim="800000"/>
-        </a:ln>
-        <a:effectLst/>
-      </dsp:spPr>
-      <dsp:style>
-        <a:lnRef idx="2">
-          <a:scrgbClr r="0" g="0" b="0"/>
-        </a:lnRef>
-        <a:fillRef idx="1">
-          <a:scrgbClr r="0" g="0" b="0"/>
-        </a:fillRef>
-        <a:effectRef idx="0">
-          <a:scrgbClr r="0" g="0" b="0"/>
-        </a:effectRef>
-        <a:fontRef idx="minor">
-          <a:schemeClr val="lt1"/>
-        </a:fontRef>
-      </dsp:style>
-      <dsp:txBody>
-        <a:bodyPr spcFirstLastPara="0" vert="horz" wrap="square" lIns="137160" tIns="137160" rIns="137160" bIns="137160" numCol="1" spcCol="1270" rtlCol="0" anchor="ctr" anchorCtr="1">
-          <a:noAutofit/>
-        </a:bodyPr>
-        <a:lstStyle/>
-        <a:p>
-          <a:pPr marL="0" lvl="0" indent="0" algn="ctr" defTabSz="800100" rtl="0">
-            <a:lnSpc>
-              <a:spcPct val="90000"/>
-            </a:lnSpc>
-            <a:spcBef>
-              <a:spcPct val="0"/>
-            </a:spcBef>
-            <a:spcAft>
-              <a:spcPct val="35000"/>
-            </a:spcAft>
-            <a:buNone/>
-          </a:pPr>
-          <a:r>
-            <a:rPr lang="pt-PT" sz="1800" kern="1200">
-              <a:latin typeface="+mn-lt"/>
-            </a:rPr>
-            <a:t>Título</a:t>
-          </a:r>
-        </a:p>
-      </dsp:txBody>
-      <dsp:txXfrm>
-        <a:off x="2611196" y="1790937"/>
-        <a:ext cx="1955960" cy="397986"/>
-      </dsp:txXfrm>
-    </dsp:sp>
-    <dsp:sp modelId="{FEBD3C2A-A340-470A-A475-AE614EA07678}">
-      <dsp:nvSpPr>
-        <dsp:cNvPr id="0" name=""/>
-        <dsp:cNvSpPr/>
-      </dsp:nvSpPr>
-      <dsp:spPr>
-        <a:xfrm>
-          <a:off x="1959209" y="2586910"/>
-          <a:ext cx="3259934" cy="1392951"/>
-        </a:xfrm>
-        <a:prstGeom prst="rect">
-          <a:avLst/>
-        </a:prstGeom>
-        <a:noFill/>
-        <a:ln>
-          <a:noFill/>
-        </a:ln>
-        <a:effectLst/>
-      </dsp:spPr>
-      <dsp:style>
-        <a:lnRef idx="0">
-          <a:scrgbClr r="0" g="0" b="0"/>
-        </a:lnRef>
-        <a:fillRef idx="0">
-          <a:scrgbClr r="0" g="0" b="0"/>
-        </a:fillRef>
-        <a:effectRef idx="0">
-          <a:scrgbClr r="0" g="0" b="0"/>
-        </a:effectRef>
-        <a:fontRef idx="minor"/>
-      </dsp:style>
-      <dsp:txBody>
-        <a:bodyPr spcFirstLastPara="0" vert="horz" wrap="square" lIns="0" tIns="121920" rIns="0" bIns="0" numCol="1" spcCol="1270" rtlCol="0" anchor="t" anchorCtr="1">
-          <a:noAutofit/>
-        </a:bodyPr>
-        <a:lstStyle/>
-        <a:p>
-          <a:pPr marL="0" lvl="0" indent="0" algn="ctr" defTabSz="711200" rtl="0">
-            <a:lnSpc>
-              <a:spcPct val="90000"/>
-            </a:lnSpc>
-            <a:spcBef>
-              <a:spcPct val="0"/>
-            </a:spcBef>
-            <a:spcAft>
-              <a:spcPct val="35000"/>
-            </a:spcAft>
-            <a:buFont typeface="Symbol" panose="05050102010706020507" pitchFamily="18" charset="2"/>
-            <a:buNone/>
-          </a:pPr>
-          <a:r>
-            <a:rPr lang="pt-PT" sz="1600" kern="1200" dirty="0">
-              <a:latin typeface="+mn-lt"/>
-            </a:rPr>
-            <a:t>Para mostrar a vista do Apresentador, na vista Apresentação de Diapositivos, na barra de controlo no canto inferior esquerdo, selecione as reticências e, em seguida, Mostrar Vista do Apresentador.</a:t>
-          </a:r>
-        </a:p>
-      </dsp:txBody>
-      <dsp:txXfrm>
-        <a:off x="1959209" y="2586910"/>
-        <a:ext cx="3259934" cy="1392951"/>
-      </dsp:txXfrm>
-    </dsp:sp>
-    <dsp:sp modelId="{080474C8-0FEA-4FD1-97F1-0978CFB4A37F}">
-      <dsp:nvSpPr>
-        <dsp:cNvPr id="0" name=""/>
-        <dsp:cNvSpPr/>
-      </dsp:nvSpPr>
-      <dsp:spPr>
-        <a:xfrm>
-          <a:off x="3589176" y="2188924"/>
-          <a:ext cx="0" cy="318388"/>
-        </a:xfrm>
-        <a:prstGeom prst="line">
-          <a:avLst/>
-        </a:prstGeom>
-        <a:noFill/>
-        <a:ln w="6350" cap="flat" cmpd="sng" algn="ctr">
-          <a:solidFill>
-            <a:schemeClr val="accent5">
-              <a:hueOff val="90002"/>
-              <a:satOff val="2173"/>
-              <a:lumOff val="-10490"/>
-              <a:alphaOff val="0"/>
-            </a:schemeClr>
-          </a:solidFill>
-          <a:prstDash val="dash"/>
-          <a:miter lim="800000"/>
-        </a:ln>
-        <a:effectLst/>
-      </dsp:spPr>
-      <dsp:style>
-        <a:lnRef idx="1">
-          <a:scrgbClr r="0" g="0" b="0"/>
-        </a:lnRef>
-        <a:fillRef idx="0">
-          <a:scrgbClr r="0" g="0" b="0"/>
-        </a:fillRef>
-        <a:effectRef idx="0">
-          <a:scrgbClr r="0" g="0" b="0"/>
-        </a:effectRef>
-        <a:fontRef idx="minor"/>
-      </dsp:style>
-    </dsp:sp>
-    <dsp:sp modelId="{4797FB61-2602-4A58-81E6-6F133DB1E419}">
-      <dsp:nvSpPr>
-        <dsp:cNvPr id="0" name=""/>
-        <dsp:cNvSpPr/>
-      </dsp:nvSpPr>
-      <dsp:spPr>
-        <a:xfrm>
-          <a:off x="3549378" y="2507313"/>
-          <a:ext cx="79597" cy="79597"/>
-        </a:xfrm>
-        <a:prstGeom prst="ellipse">
-          <a:avLst/>
-        </a:prstGeom>
-        <a:solidFill>
-          <a:schemeClr val="accent5">
-            <a:hueOff val="90002"/>
-            <a:satOff val="2173"/>
-            <a:lumOff val="-10490"/>
-            <a:alphaOff val="0"/>
-          </a:schemeClr>
-        </a:solidFill>
-        <a:ln w="12700" cap="flat" cmpd="sng" algn="ctr">
-          <a:solidFill>
-            <a:schemeClr val="lt1">
-              <a:hueOff val="0"/>
-              <a:satOff val="0"/>
-              <a:lumOff val="0"/>
-              <a:alphaOff val="0"/>
-            </a:schemeClr>
-          </a:solidFill>
-          <a:prstDash val="solid"/>
-          <a:miter lim="800000"/>
-        </a:ln>
-        <a:effectLst/>
-      </dsp:spPr>
-      <dsp:style>
-        <a:lnRef idx="2">
-          <a:scrgbClr r="0" g="0" b="0"/>
-        </a:lnRef>
-        <a:fillRef idx="1">
-          <a:scrgbClr r="0" g="0" b="0"/>
-        </a:fillRef>
-        <a:effectRef idx="0">
-          <a:scrgbClr r="0" g="0" b="0"/>
-        </a:effectRef>
-        <a:fontRef idx="minor">
-          <a:schemeClr val="lt1"/>
-        </a:fontRef>
-      </dsp:style>
-    </dsp:sp>
-    <dsp:sp modelId="{9D82041D-873A-4600-A9C7-C0A0ADFB138B}">
-      <dsp:nvSpPr>
-        <dsp:cNvPr id="0" name=""/>
-        <dsp:cNvSpPr/>
-      </dsp:nvSpPr>
-      <dsp:spPr>
-        <a:xfrm>
-          <a:off x="4567157" y="1790937"/>
-          <a:ext cx="1955960" cy="397986"/>
-        </a:xfrm>
-        <a:prstGeom prst="rect">
-          <a:avLst/>
-        </a:prstGeom>
-        <a:solidFill>
-          <a:schemeClr val="accent5">
-            <a:hueOff val="180003"/>
-            <a:satOff val="4346"/>
-            <a:lumOff val="-20980"/>
-            <a:alphaOff val="0"/>
-          </a:schemeClr>
-        </a:solidFill>
-        <a:ln w="12700" cap="flat" cmpd="sng" algn="ctr">
-          <a:solidFill>
-            <a:schemeClr val="accent5">
-              <a:hueOff val="180003"/>
-              <a:satOff val="4346"/>
-              <a:lumOff val="-20980"/>
-              <a:alphaOff val="0"/>
-            </a:schemeClr>
-          </a:solidFill>
-          <a:prstDash val="solid"/>
-          <a:miter lim="800000"/>
-        </a:ln>
-        <a:effectLst/>
-      </dsp:spPr>
-      <dsp:style>
-        <a:lnRef idx="2">
-          <a:scrgbClr r="0" g="0" b="0"/>
-        </a:lnRef>
-        <a:fillRef idx="1">
-          <a:scrgbClr r="0" g="0" b="0"/>
-        </a:fillRef>
-        <a:effectRef idx="0">
-          <a:scrgbClr r="0" g="0" b="0"/>
-        </a:effectRef>
-        <a:fontRef idx="minor">
-          <a:schemeClr val="lt1"/>
-        </a:fontRef>
-      </dsp:style>
-      <dsp:txBody>
-        <a:bodyPr spcFirstLastPara="0" vert="horz" wrap="square" lIns="137160" tIns="137160" rIns="137160" bIns="137160" numCol="1" spcCol="1270" rtlCol="0" anchor="ctr" anchorCtr="1">
-          <a:noAutofit/>
-        </a:bodyPr>
-        <a:lstStyle/>
-        <a:p>
-          <a:pPr marL="0" lvl="0" indent="0" algn="ctr" defTabSz="800100" rtl="0">
-            <a:lnSpc>
-              <a:spcPct val="90000"/>
-            </a:lnSpc>
-            <a:spcBef>
-              <a:spcPct val="0"/>
-            </a:spcBef>
-            <a:spcAft>
-              <a:spcPct val="35000"/>
-            </a:spcAft>
-            <a:buNone/>
-          </a:pPr>
-          <a:r>
-            <a:rPr lang="pt-PT" sz="1800" kern="1200">
-              <a:latin typeface="+mn-lt"/>
-            </a:rPr>
-            <a:t>Título</a:t>
-          </a:r>
-        </a:p>
-      </dsp:txBody>
-      <dsp:txXfrm>
-        <a:off x="4567157" y="1790937"/>
-        <a:ext cx="1955960" cy="397986"/>
-      </dsp:txXfrm>
-    </dsp:sp>
-    <dsp:sp modelId="{80CDBBF8-C6B4-4166-87C1-DC9120CC7586}">
-      <dsp:nvSpPr>
-        <dsp:cNvPr id="0" name=""/>
-        <dsp:cNvSpPr/>
-      </dsp:nvSpPr>
-      <dsp:spPr>
-        <a:xfrm>
-          <a:off x="3915170" y="0"/>
-          <a:ext cx="3259934" cy="1392951"/>
-        </a:xfrm>
-        <a:prstGeom prst="rect">
-          <a:avLst/>
-        </a:prstGeom>
-        <a:noFill/>
-        <a:ln>
-          <a:noFill/>
-        </a:ln>
-        <a:effectLst/>
-      </dsp:spPr>
-      <dsp:style>
-        <a:lnRef idx="0">
-          <a:scrgbClr r="0" g="0" b="0"/>
-        </a:lnRef>
-        <a:fillRef idx="0">
-          <a:scrgbClr r="0" g="0" b="0"/>
-        </a:fillRef>
-        <a:effectRef idx="0">
-          <a:scrgbClr r="0" g="0" b="0"/>
-        </a:effectRef>
-        <a:fontRef idx="minor"/>
-      </dsp:style>
-      <dsp:txBody>
-        <a:bodyPr spcFirstLastPara="0" vert="horz" wrap="square" lIns="0" tIns="0" rIns="0" bIns="121920" numCol="1" spcCol="1270" rtlCol="0" anchor="b" anchorCtr="1">
-          <a:noAutofit/>
-        </a:bodyPr>
-        <a:lstStyle/>
-        <a:p>
-          <a:pPr marL="0" lvl="0" indent="0" algn="ctr" defTabSz="711200" rtl="0">
-            <a:lnSpc>
-              <a:spcPct val="90000"/>
-            </a:lnSpc>
-            <a:spcBef>
-              <a:spcPct val="0"/>
-            </a:spcBef>
-            <a:spcAft>
-              <a:spcPct val="35000"/>
-            </a:spcAft>
-            <a:buFont typeface="Symbol" panose="05050102010706020507" pitchFamily="18" charset="2"/>
-            <a:buNone/>
-          </a:pPr>
-          <a:r>
-            <a:rPr lang="pt-PT" sz="1600" kern="1200" dirty="0"/>
-            <a:t>Durante a sua apresentação, as notas do orador estarão visíveis no seu monitor, mas não para a audiência.</a:t>
-          </a:r>
-          <a:endParaRPr lang="pt-PT" sz="1600" kern="1200" dirty="0">
-            <a:latin typeface="+mn-lt"/>
-          </a:endParaRPr>
-        </a:p>
-      </dsp:txBody>
-      <dsp:txXfrm>
-        <a:off x="3915170" y="0"/>
-        <a:ext cx="3259934" cy="1392951"/>
-      </dsp:txXfrm>
-    </dsp:sp>
-    <dsp:sp modelId="{89759DE5-9F8A-470E-A6D8-F13BB4DEE93D}">
-      <dsp:nvSpPr>
-        <dsp:cNvPr id="0" name=""/>
-        <dsp:cNvSpPr/>
-      </dsp:nvSpPr>
-      <dsp:spPr>
-        <a:xfrm>
-          <a:off x="5545137" y="1472548"/>
-          <a:ext cx="0" cy="318388"/>
-        </a:xfrm>
-        <a:prstGeom prst="line">
-          <a:avLst/>
-        </a:prstGeom>
-        <a:noFill/>
-        <a:ln w="6350" cap="flat" cmpd="sng" algn="ctr">
-          <a:solidFill>
-            <a:schemeClr val="accent5">
-              <a:hueOff val="180003"/>
-              <a:satOff val="4346"/>
-              <a:lumOff val="-20980"/>
-              <a:alphaOff val="0"/>
-            </a:schemeClr>
-          </a:solidFill>
-          <a:prstDash val="dash"/>
-          <a:miter lim="800000"/>
-        </a:ln>
-        <a:effectLst/>
-      </dsp:spPr>
-      <dsp:style>
-        <a:lnRef idx="1">
-          <a:scrgbClr r="0" g="0" b="0"/>
-        </a:lnRef>
-        <a:fillRef idx="0">
-          <a:scrgbClr r="0" g="0" b="0"/>
-        </a:fillRef>
-        <a:effectRef idx="0">
-          <a:scrgbClr r="0" g="0" b="0"/>
-        </a:effectRef>
-        <a:fontRef idx="minor"/>
-      </dsp:style>
-    </dsp:sp>
-    <dsp:sp modelId="{07CCF286-8B46-4A20-ACAC-84BA2D6EFBBC}">
-      <dsp:nvSpPr>
-        <dsp:cNvPr id="0" name=""/>
-        <dsp:cNvSpPr/>
-      </dsp:nvSpPr>
-      <dsp:spPr>
-        <a:xfrm>
-          <a:off x="5505338" y="1392951"/>
-          <a:ext cx="79597" cy="79597"/>
-        </a:xfrm>
-        <a:prstGeom prst="ellipse">
-          <a:avLst/>
-        </a:prstGeom>
-        <a:solidFill>
-          <a:schemeClr val="accent5">
-            <a:hueOff val="180003"/>
-            <a:satOff val="4346"/>
-            <a:lumOff val="-20980"/>
-            <a:alphaOff val="0"/>
-          </a:schemeClr>
-        </a:solidFill>
-        <a:ln w="12700" cap="flat" cmpd="sng" algn="ctr">
-          <a:solidFill>
-            <a:schemeClr val="lt1">
-              <a:hueOff val="0"/>
-              <a:satOff val="0"/>
-              <a:lumOff val="0"/>
-              <a:alphaOff val="0"/>
-            </a:schemeClr>
-          </a:solidFill>
-          <a:prstDash val="solid"/>
-          <a:miter lim="800000"/>
-        </a:ln>
-        <a:effectLst/>
-      </dsp:spPr>
-      <dsp:style>
-        <a:lnRef idx="2">
-          <a:scrgbClr r="0" g="0" b="0"/>
-        </a:lnRef>
-        <a:fillRef idx="1">
-          <a:scrgbClr r="0" g="0" b="0"/>
-        </a:fillRef>
-        <a:effectRef idx="0">
-          <a:scrgbClr r="0" g="0" b="0"/>
-        </a:effectRef>
-        <a:fontRef idx="minor">
-          <a:schemeClr val="lt1"/>
-        </a:fontRef>
-      </dsp:style>
-    </dsp:sp>
-    <dsp:sp modelId="{74CD3FF2-195B-429B-BC6F-5B5A7FED2BE2}">
-      <dsp:nvSpPr>
-        <dsp:cNvPr id="0" name=""/>
-        <dsp:cNvSpPr/>
-      </dsp:nvSpPr>
-      <dsp:spPr>
-        <a:xfrm>
-          <a:off x="6523117" y="1790937"/>
-          <a:ext cx="1955960" cy="397986"/>
-        </a:xfrm>
-        <a:prstGeom prst="rect">
-          <a:avLst/>
-        </a:prstGeom>
-        <a:solidFill>
-          <a:schemeClr val="accent5">
-            <a:hueOff val="270005"/>
-            <a:satOff val="6519"/>
-            <a:lumOff val="-31471"/>
-            <a:alphaOff val="0"/>
-          </a:schemeClr>
-        </a:solidFill>
-        <a:ln w="12700" cap="flat" cmpd="sng" algn="ctr">
-          <a:solidFill>
-            <a:schemeClr val="accent5">
-              <a:hueOff val="270005"/>
-              <a:satOff val="6519"/>
-              <a:lumOff val="-31471"/>
-              <a:alphaOff val="0"/>
-            </a:schemeClr>
-          </a:solidFill>
-          <a:prstDash val="solid"/>
-          <a:miter lim="800000"/>
-        </a:ln>
-        <a:effectLst/>
-      </dsp:spPr>
-      <dsp:style>
-        <a:lnRef idx="2">
-          <a:scrgbClr r="0" g="0" b="0"/>
-        </a:lnRef>
-        <a:fillRef idx="1">
-          <a:scrgbClr r="0" g="0" b="0"/>
-        </a:fillRef>
-        <a:effectRef idx="0">
-          <a:scrgbClr r="0" g="0" b="0"/>
-        </a:effectRef>
-        <a:fontRef idx="minor">
-          <a:schemeClr val="lt1"/>
-        </a:fontRef>
-      </dsp:style>
-      <dsp:txBody>
-        <a:bodyPr spcFirstLastPara="0" vert="horz" wrap="square" lIns="137160" tIns="137160" rIns="137160" bIns="137160" numCol="1" spcCol="1270" rtlCol="0" anchor="ctr" anchorCtr="1">
-          <a:noAutofit/>
-        </a:bodyPr>
-        <a:lstStyle/>
-        <a:p>
-          <a:pPr marL="0" lvl="0" indent="0" algn="ctr" defTabSz="800100" rtl="0">
-            <a:lnSpc>
-              <a:spcPct val="90000"/>
-            </a:lnSpc>
-            <a:spcBef>
-              <a:spcPct val="0"/>
-            </a:spcBef>
-            <a:spcAft>
-              <a:spcPct val="35000"/>
-            </a:spcAft>
-            <a:buFont typeface="Symbol" panose="05050102010706020507" pitchFamily="18" charset="2"/>
-            <a:buNone/>
-          </a:pPr>
-          <a:r>
-            <a:rPr lang="pt-PT" sz="1800" kern="1200">
-              <a:latin typeface="+mn-lt"/>
-            </a:rPr>
-            <a:t>Título</a:t>
-          </a:r>
-        </a:p>
-      </dsp:txBody>
-      <dsp:txXfrm>
-        <a:off x="6523117" y="1790937"/>
-        <a:ext cx="1955960" cy="397986"/>
-      </dsp:txXfrm>
-    </dsp:sp>
-    <dsp:sp modelId="{1BB5FD64-47F9-47A3-911F-535BFE17A3B9}">
-      <dsp:nvSpPr>
-        <dsp:cNvPr id="0" name=""/>
-        <dsp:cNvSpPr/>
-      </dsp:nvSpPr>
-      <dsp:spPr>
-        <a:xfrm>
-          <a:off x="5871130" y="2586910"/>
-          <a:ext cx="3259934" cy="1392951"/>
-        </a:xfrm>
-        <a:prstGeom prst="rect">
-          <a:avLst/>
-        </a:prstGeom>
-        <a:noFill/>
-        <a:ln>
-          <a:noFill/>
-        </a:ln>
-        <a:effectLst/>
-      </dsp:spPr>
-      <dsp:style>
-        <a:lnRef idx="0">
-          <a:scrgbClr r="0" g="0" b="0"/>
-        </a:lnRef>
-        <a:fillRef idx="0">
-          <a:scrgbClr r="0" g="0" b="0"/>
-        </a:fillRef>
-        <a:effectRef idx="0">
-          <a:scrgbClr r="0" g="0" b="0"/>
-        </a:effectRef>
-        <a:fontRef idx="minor"/>
-      </dsp:style>
-      <dsp:txBody>
-        <a:bodyPr spcFirstLastPara="0" vert="horz" wrap="square" lIns="0" tIns="121920" rIns="0" bIns="0" numCol="1" spcCol="1270" rtlCol="0" anchor="t" anchorCtr="1">
-          <a:noAutofit/>
-        </a:bodyPr>
-        <a:lstStyle/>
-        <a:p>
-          <a:pPr marL="0" lvl="0" indent="0" algn="ctr" defTabSz="711200" rtl="0">
-            <a:lnSpc>
-              <a:spcPct val="90000"/>
-            </a:lnSpc>
-            <a:spcBef>
-              <a:spcPct val="0"/>
-            </a:spcBef>
-            <a:spcAft>
-              <a:spcPct val="35000"/>
-            </a:spcAft>
-            <a:buFont typeface="Symbol" panose="05050102010706020507" pitchFamily="18" charset="2"/>
-            <a:buNone/>
-          </a:pPr>
-          <a:r>
-            <a:rPr lang="pt-PT" sz="1600" kern="1200" dirty="0"/>
-            <a:t>O painel de Notas é uma caixa que aparece abaixo de cada diapositivo. Toque no mesmo para adicionar notas.</a:t>
-          </a:r>
-          <a:endParaRPr lang="pt-PT" sz="1600" kern="1200" dirty="0">
-            <a:latin typeface="+mn-lt"/>
-          </a:endParaRPr>
-        </a:p>
-      </dsp:txBody>
-      <dsp:txXfrm>
-        <a:off x="5871130" y="2586910"/>
-        <a:ext cx="3259934" cy="1392951"/>
-      </dsp:txXfrm>
-    </dsp:sp>
-    <dsp:sp modelId="{FE9B27EB-7AC7-485A-9A55-41E8118F9EAF}">
-      <dsp:nvSpPr>
-        <dsp:cNvPr id="0" name=""/>
-        <dsp:cNvSpPr/>
-      </dsp:nvSpPr>
-      <dsp:spPr>
-        <a:xfrm>
-          <a:off x="7501098" y="2188924"/>
-          <a:ext cx="0" cy="318388"/>
-        </a:xfrm>
-        <a:prstGeom prst="line">
-          <a:avLst/>
-        </a:prstGeom>
-        <a:noFill/>
-        <a:ln w="6350" cap="flat" cmpd="sng" algn="ctr">
-          <a:solidFill>
-            <a:schemeClr val="accent5">
-              <a:hueOff val="270005"/>
-              <a:satOff val="6519"/>
-              <a:lumOff val="-31471"/>
-              <a:alphaOff val="0"/>
-            </a:schemeClr>
-          </a:solidFill>
-          <a:prstDash val="dash"/>
-          <a:miter lim="800000"/>
-        </a:ln>
-        <a:effectLst/>
-      </dsp:spPr>
-      <dsp:style>
-        <a:lnRef idx="1">
-          <a:scrgbClr r="0" g="0" b="0"/>
-        </a:lnRef>
-        <a:fillRef idx="0">
-          <a:scrgbClr r="0" g="0" b="0"/>
-        </a:fillRef>
-        <a:effectRef idx="0">
-          <a:scrgbClr r="0" g="0" b="0"/>
-        </a:effectRef>
-        <a:fontRef idx="minor"/>
-      </dsp:style>
-    </dsp:sp>
-    <dsp:sp modelId="{46BD4721-4664-4AD0-9F11-DBE7E0B207D5}">
-      <dsp:nvSpPr>
-        <dsp:cNvPr id="0" name=""/>
-        <dsp:cNvSpPr/>
-      </dsp:nvSpPr>
-      <dsp:spPr>
-        <a:xfrm>
-          <a:off x="7461299" y="2507313"/>
-          <a:ext cx="79597" cy="79597"/>
-        </a:xfrm>
-        <a:prstGeom prst="ellipse">
-          <a:avLst/>
-        </a:prstGeom>
-        <a:solidFill>
-          <a:schemeClr val="accent5">
-            <a:hueOff val="270005"/>
-            <a:satOff val="6519"/>
-            <a:lumOff val="-31471"/>
-            <a:alphaOff val="0"/>
-          </a:schemeClr>
-        </a:solidFill>
-        <a:ln w="12700" cap="flat" cmpd="sng" algn="ctr">
-          <a:solidFill>
-            <a:schemeClr val="lt1">
-              <a:hueOff val="0"/>
-              <a:satOff val="0"/>
-              <a:lumOff val="0"/>
-              <a:alphaOff val="0"/>
-            </a:schemeClr>
-          </a:solidFill>
-          <a:prstDash val="solid"/>
-          <a:miter lim="800000"/>
-        </a:ln>
-        <a:effectLst/>
-      </dsp:spPr>
-      <dsp:style>
-        <a:lnRef idx="2">
-          <a:scrgbClr r="0" g="0" b="0"/>
-        </a:lnRef>
-        <a:fillRef idx="1">
-          <a:scrgbClr r="0" g="0" b="0"/>
-        </a:fillRef>
-        <a:effectRef idx="0">
-          <a:scrgbClr r="0" g="0" b="0"/>
-        </a:effectRef>
-        <a:fontRef idx="minor">
-          <a:schemeClr val="lt1"/>
-        </a:fontRef>
-      </dsp:style>
-    </dsp:sp>
-    <dsp:sp modelId="{483E7832-9872-48C4-8E65-DCB39D4CDBDF}">
-      <dsp:nvSpPr>
-        <dsp:cNvPr id="0" name=""/>
-        <dsp:cNvSpPr/>
-      </dsp:nvSpPr>
-      <dsp:spPr>
-        <a:xfrm rot="5400000">
-          <a:off x="9258065" y="1011950"/>
-          <a:ext cx="397986" cy="1955960"/>
-        </a:xfrm>
-        <a:prstGeom prst="round2SameRect">
-          <a:avLst/>
-        </a:prstGeom>
-        <a:solidFill>
-          <a:schemeClr val="accent5">
-            <a:hueOff val="360006"/>
-            <a:satOff val="8692"/>
-            <a:lumOff val="-41961"/>
-            <a:alphaOff val="0"/>
-          </a:schemeClr>
-        </a:solidFill>
-        <a:ln w="12700" cap="flat" cmpd="sng" algn="ctr">
-          <a:solidFill>
-            <a:schemeClr val="accent5">
-              <a:hueOff val="360006"/>
-              <a:satOff val="8692"/>
-              <a:lumOff val="-41961"/>
-              <a:alphaOff val="0"/>
-            </a:schemeClr>
-          </a:solidFill>
-          <a:prstDash val="solid"/>
-          <a:miter lim="800000"/>
-        </a:ln>
-        <a:effectLst/>
-      </dsp:spPr>
-      <dsp:style>
-        <a:lnRef idx="2">
-          <a:scrgbClr r="0" g="0" b="0"/>
-        </a:lnRef>
-        <a:fillRef idx="1">
-          <a:scrgbClr r="0" g="0" b="0"/>
-        </a:fillRef>
-        <a:effectRef idx="0">
-          <a:scrgbClr r="0" g="0" b="0"/>
-        </a:effectRef>
-        <a:fontRef idx="minor">
-          <a:schemeClr val="lt1"/>
-        </a:fontRef>
-      </dsp:style>
-      <dsp:txBody>
-        <a:bodyPr spcFirstLastPara="0" vert="horz" wrap="square" lIns="137160" tIns="137160" rIns="137160" bIns="137160" numCol="1" spcCol="1270" rtlCol="0" anchor="ctr" anchorCtr="1">
-          <a:noAutofit/>
-        </a:bodyPr>
-        <a:lstStyle/>
-        <a:p>
-          <a:pPr marL="0" lvl="0" indent="0" algn="ctr" defTabSz="800100" rtl="0">
-            <a:lnSpc>
-              <a:spcPct val="90000"/>
-            </a:lnSpc>
-            <a:spcBef>
-              <a:spcPct val="0"/>
-            </a:spcBef>
-            <a:spcAft>
-              <a:spcPct val="35000"/>
-            </a:spcAft>
-            <a:buFont typeface="Symbol" panose="05050102010706020507" pitchFamily="18" charset="2"/>
-            <a:buNone/>
-          </a:pPr>
-          <a:r>
-            <a:rPr lang="pt-PT" sz="1800" kern="1200">
-              <a:latin typeface="+mn-lt"/>
-            </a:rPr>
-            <a:t>Título</a:t>
-          </a:r>
-        </a:p>
-      </dsp:txBody>
-      <dsp:txXfrm rot="-5400000">
-        <a:off x="8479078" y="1810365"/>
-        <a:ext cx="1936532" cy="359130"/>
-      </dsp:txXfrm>
-    </dsp:sp>
-    <dsp:sp modelId="{1FA3C236-5719-4A33-A6BB-80FA85F940E3}">
-      <dsp:nvSpPr>
-        <dsp:cNvPr id="0" name=""/>
-        <dsp:cNvSpPr/>
-      </dsp:nvSpPr>
-      <dsp:spPr>
-        <a:xfrm>
-          <a:off x="7827091" y="0"/>
-          <a:ext cx="3259934" cy="1392951"/>
-        </a:xfrm>
-        <a:prstGeom prst="rect">
-          <a:avLst/>
-        </a:prstGeom>
-        <a:noFill/>
-        <a:ln>
-          <a:noFill/>
-        </a:ln>
-        <a:effectLst/>
-      </dsp:spPr>
-      <dsp:style>
-        <a:lnRef idx="0">
-          <a:scrgbClr r="0" g="0" b="0"/>
-        </a:lnRef>
-        <a:fillRef idx="0">
-          <a:scrgbClr r="0" g="0" b="0"/>
-        </a:fillRef>
-        <a:effectRef idx="0">
-          <a:scrgbClr r="0" g="0" b="0"/>
-        </a:effectRef>
-        <a:fontRef idx="minor"/>
-      </dsp:style>
-      <dsp:txBody>
-        <a:bodyPr spcFirstLastPara="0" vert="horz" wrap="square" lIns="0" tIns="0" rIns="0" bIns="121920" numCol="1" spcCol="1270" rtlCol="0" anchor="b" anchorCtr="1">
-          <a:noAutofit/>
-        </a:bodyPr>
-        <a:lstStyle/>
-        <a:p>
-          <a:pPr marL="0" lvl="0" indent="0" algn="ctr" defTabSz="711200" rtl="0">
-            <a:lnSpc>
-              <a:spcPct val="90000"/>
-            </a:lnSpc>
-            <a:spcBef>
-              <a:spcPct val="0"/>
-            </a:spcBef>
-            <a:spcAft>
-              <a:spcPct val="35000"/>
-            </a:spcAft>
-            <a:buFont typeface="Symbol" panose="05050102010706020507" pitchFamily="18" charset="2"/>
-            <a:buNone/>
-          </a:pPr>
-          <a:r>
-            <a:rPr lang="pt-PT" sz="1600" kern="1200" dirty="0"/>
-            <a:t>Se não vir o painel de Notas ou se estiver completamente minimizado, clique em Notas na barra de tarefas na parte inferior da janela do PowerPoint.</a:t>
-          </a:r>
-          <a:endParaRPr lang="pt-PT" sz="1600" kern="1200" dirty="0">
-            <a:latin typeface="+mn-lt"/>
-          </a:endParaRPr>
-        </a:p>
-      </dsp:txBody>
-      <dsp:txXfrm>
-        <a:off x="7827091" y="0"/>
-        <a:ext cx="3259934" cy="1392951"/>
-      </dsp:txXfrm>
-    </dsp:sp>
-    <dsp:sp modelId="{18F1C823-9ACD-4FCD-8102-F468DCE57A45}">
-      <dsp:nvSpPr>
-        <dsp:cNvPr id="0" name=""/>
-        <dsp:cNvSpPr/>
-      </dsp:nvSpPr>
-      <dsp:spPr>
-        <a:xfrm>
-          <a:off x="9457058" y="1472548"/>
-          <a:ext cx="0" cy="318388"/>
-        </a:xfrm>
-        <a:prstGeom prst="line">
-          <a:avLst/>
-        </a:prstGeom>
-        <a:noFill/>
-        <a:ln w="6350" cap="flat" cmpd="sng" algn="ctr">
-          <a:solidFill>
-            <a:schemeClr val="accent5">
-              <a:hueOff val="360006"/>
-              <a:satOff val="8692"/>
-              <a:lumOff val="-41961"/>
-              <a:alphaOff val="0"/>
-            </a:schemeClr>
-          </a:solidFill>
-          <a:prstDash val="dash"/>
-          <a:miter lim="800000"/>
-        </a:ln>
-        <a:effectLst/>
-      </dsp:spPr>
-      <dsp:style>
-        <a:lnRef idx="1">
-          <a:scrgbClr r="0" g="0" b="0"/>
-        </a:lnRef>
-        <a:fillRef idx="0">
-          <a:scrgbClr r="0" g="0" b="0"/>
-        </a:fillRef>
-        <a:effectRef idx="0">
-          <a:scrgbClr r="0" g="0" b="0"/>
-        </a:effectRef>
-        <a:fontRef idx="minor"/>
-      </dsp:style>
-    </dsp:sp>
-    <dsp:sp modelId="{F8AD0AB8-BBDF-4F0A-A6A0-850E289DD521}">
-      <dsp:nvSpPr>
-        <dsp:cNvPr id="0" name=""/>
-        <dsp:cNvSpPr/>
-      </dsp:nvSpPr>
-      <dsp:spPr>
-        <a:xfrm>
-          <a:off x="9417260" y="1392951"/>
-          <a:ext cx="79597" cy="79597"/>
-        </a:xfrm>
-        <a:prstGeom prst="ellipse">
-          <a:avLst/>
-        </a:prstGeom>
-        <a:solidFill>
-          <a:schemeClr val="accent5">
-            <a:hueOff val="360006"/>
-            <a:satOff val="8692"/>
-            <a:lumOff val="-41961"/>
-            <a:alphaOff val="0"/>
-          </a:schemeClr>
-        </a:solidFill>
-        <a:ln w="12700" cap="flat" cmpd="sng" algn="ctr">
-          <a:solidFill>
-            <a:schemeClr val="lt1">
-              <a:hueOff val="0"/>
-              <a:satOff val="0"/>
-              <a:lumOff val="0"/>
-              <a:alphaOff val="0"/>
-            </a:schemeClr>
-          </a:solidFill>
-          <a:prstDash val="solid"/>
-          <a:miter lim="800000"/>
-        </a:ln>
-        <a:effectLst/>
-      </dsp:spPr>
-      <dsp:style>
-        <a:lnRef idx="2">
-          <a:scrgbClr r="0" g="0" b="0"/>
-        </a:lnRef>
-        <a:fillRef idx="1">
-          <a:scrgbClr r="0" g="0" b="0"/>
-        </a:fillRef>
-        <a:effectRef idx="0">
-          <a:scrgbClr r="0" g="0" b="0"/>
-        </a:effectRef>
-        <a:fontRef idx="minor">
-          <a:schemeClr val="lt1"/>
-        </a:fontRef>
-      </dsp:style>
-    </dsp:sp>
-  </dsp:spTree>
-</dsp:drawing>
-</file>
-
-<file path=ppt/diagrams/layout1.xml><?xml version="1.0" encoding="utf-8"?>
-<dgm:layoutDef xmlns:dgm="http://schemas.openxmlformats.org/drawingml/2006/diagram" xmlns:a="http://schemas.openxmlformats.org/drawingml/2006/main" uniqueId="urn:microsoft.com/office/officeart/2016/7/layout/RoundedRectangleTimeline">
-  <dgm:title val="Linha Cronológica Retangular com Cantos Arredondados"/>
-  <dgm:desc val="Utilizar para mostrar uma lista de eventos por ordem cronológica. Uma caixa invisível contém a descrição e a data é apresentada em retângulos, exceto para o primeiro e o último nó nos quais os cantos do retângulo são arredondados. Pode apresentar um grande volume de texto com um formato de data longo e descritivo."/>
-  <dgm:catLst>
-    <dgm:cat type="timeline" pri="500"/>
-    <dgm:cat type="process" pri="600"/>
-  </dgm:catLst>
-  <dgm:sampData>
-    <dgm:dataModel>
-      <dgm:ptLst>
-        <dgm:pt modelId="0" type="doc"/>
-        <dgm:pt modelId="10">
-          <dgm:prSet phldr="1"/>
-        </dgm:pt>
-        <dgm:pt modelId="11">
-          <dgm:prSet phldr="1"/>
-        </dgm:pt>
-        <dgm:pt modelId="20">
-          <dgm:prSet phldr="1"/>
-        </dgm:pt>
-        <dgm:pt modelId="21">
-          <dgm:prSet phldr="1"/>
-        </dgm:pt>
-        <dgm:pt modelId="30">
-          <dgm:prSet phldr="1"/>
-        </dgm:pt>
-        <dgm:pt modelId="31">
-          <dgm:prSet phldr="1"/>
-        </dgm:pt>
-      </dgm:ptLst>
-      <dgm:cxnLst>
-        <dgm:cxn modelId="40" srcId="0" destId="10" srcOrd="0" destOrd="0"/>
-        <dgm:cxn modelId="12" srcId="10" destId="11" srcOrd="0" destOrd="0"/>
-        <dgm:cxn modelId="50" srcId="0" destId="20" srcOrd="1" destOrd="0"/>
-        <dgm:cxn modelId="22" srcId="20" destId="21" srcOrd="0" destOrd="0"/>
-        <dgm:cxn modelId="60" srcId="0" destId="30" srcOrd="1" destOrd="0"/>
-        <dgm:cxn modelId="32" srcId="30" destId="31" srcOrd="0" destOrd="0"/>
-      </dgm:cxnLst>
-      <dgm:bg/>
-      <dgm:whole/>
-    </dgm:dataModel>
-  </dgm:sampData>
-  <dgm:styleData>
-    <dgm:dataModel>
-      <dgm:ptLst>
-        <dgm:pt modelId="0" type="doc"/>
-        <dgm:pt modelId="10">
-          <dgm:prSet phldr="1"/>
-        </dgm:pt>
-        <dgm:pt modelId="20">
-          <dgm:prSet phldr="1"/>
-        </dgm:pt>
-      </dgm:ptLst>
-      <dgm:cxnLst>
-        <dgm:cxn modelId="60" srcId="0" destId="10" srcOrd="0" destOrd="0"/>
-        <dgm:cxn modelId="70" srcId="0" destId="20" srcOrd="1" destOrd="0"/>
-      </dgm:cxnLst>
-      <dgm:bg/>
-      <dgm:whole/>
-    </dgm:dataModel>
-  </dgm:styleData>
-  <dgm:clrData>
-    <dgm:dataModel>
-      <dgm:ptLst>
-        <dgm:pt modelId="0" type="doc"/>
-        <dgm:pt modelId="10">
-          <dgm:prSet phldr="1"/>
-        </dgm:pt>
-        <dgm:pt modelId="20">
-          <dgm:prSet phldr="1"/>
-        </dgm:pt>
-        <dgm:pt modelId="30">
-          <dgm:prSet phldr="1"/>
-        </dgm:pt>
-        <dgm:pt modelId="40">
-          <dgm:prSet phldr="1"/>
-        </dgm:pt>
-      </dgm:ptLst>
-      <dgm:cxnLst>
-        <dgm:cxn modelId="60" srcId="0" destId="10" srcOrd="0" destOrd="0"/>
-        <dgm:cxn modelId="70" srcId="0" destId="20" srcOrd="1" destOrd="0"/>
-        <dgm:cxn modelId="80" srcId="0" destId="30" srcOrd="2" destOrd="0"/>
-        <dgm:cxn modelId="90" srcId="0" destId="40" srcOrd="3" destOrd="0"/>
-      </dgm:cxnLst>
-      <dgm:bg/>
-      <dgm:whole/>
-    </dgm:dataModel>
-  </dgm:clrData>
-  <dgm:layoutNode name="Name0">
-    <dgm:varLst>
-      <dgm:chMax/>
-      <dgm:chPref/>
-      <dgm:animLvl val="lvl"/>
-    </dgm:varLst>
-    <dgm:choose name="Name1">
-      <dgm:if name="Name2" func="var" arg="dir" op="equ" val="norm">
-        <dgm:alg type="lin"/>
-      </dgm:if>
-      <dgm:else name="Name3">
-        <dgm:alg type="lin">
-          <dgm:param type="linDir" val="fromR"/>
-        </dgm:alg>
-      </dgm:else>
-    </dgm:choose>
-    <dgm:shape xmlns:r="http://schemas.openxmlformats.org/officeDocument/2006/relationships" r:blip="">
-      <dgm:adjLst/>
-    </dgm:shape>
-    <dgm:constrLst>
-      <dgm:constr type="primFontSz" for="des" forName="parent" val="18"/>
-      <dgm:constr type="primFontSz" for="des" forName="Childtext" val="18"/>
-      <dgm:constr type="primFontSz" for="des" forName="Childtext" refType="primFontSz" refFor="des" refForName="parent" op="lte"/>
-      <dgm:constr type="w" for="ch" forName="composite" refType="w"/>
-      <dgm:constr type="h" for="ch" forName="composite" refType="h"/>
-      <dgm:constr type="w" for="ch" forName="spaceBetweenRectangles" refType="w" refFor="ch" refForName="composite" fact="-0.4"/>
-      <dgm:constr type="w" for="ch" ptType="sibTrans" op="equ"/>
-      <dgm:constr type="primFontSz" for="des" forName="parent" op="equ"/>
-      <dgm:constr type="primFontSz" for="des" forName="Childtext" op="equ"/>
-      <dgm:constr type="primFontSz" for="des" forName="parent1" val="18"/>
-      <dgm:constr type="primFontSz" for="des" forName="Childtext1" val="18"/>
-      <dgm:constr type="primFontSz" for="des" forName="Childtext1" refType="primFontSz" refFor="des" refForName="parent1" op="lte"/>
-      <dgm:constr type="w" for="ch" forName="composite1" refType="w"/>
-      <dgm:constr type="h" for="ch" forName="composite1" refType="h"/>
-      <dgm:constr type="w" for="ch" forName="spaceBetweenRectangles1" refType="w" refFor="ch" refForName="composite1" fact="-0.4"/>
-      <dgm:constr type="primFontSz" for="des" forName="parent1" op="equ"/>
-      <dgm:constr type="primFontSz" for="des" forName="Childtext1" op="equ"/>
-    </dgm:constrLst>
-    <dgm:choose name="layoutByNodeCnt">
-      <dgm:if name="twoOrLessNodes" axis="ch" ptType="node" func="cnt" op="lte" val="2">
-        <dgm:forEach name="nodesForEach" axis="ch" ptType="node">
-          <dgm:layoutNode name="composite">
-            <dgm:alg type="composite"/>
-            <dgm:shape xmlns:r="http://schemas.openxmlformats.org/officeDocument/2006/relationships" r:blip="">
-              <dgm:adjLst/>
-            </dgm:shape>
-            <dgm:choose name="casesForFirstAndLastNode1">
-              <dgm:if name="startNode1" axis="self" ptType="node" func="pos" op="equ" val="1">
-                <dgm:choose name="removeLineWhenOnlyOneNode1">
-                  <dgm:if name="ifOnlyOneNode1" axis="followSib" ptType="node" func="cnt" op="equ" val="0">
-                    <dgm:constrLst>
-                      <dgm:constr type="w" for="ch" forName="parent" refType="w" fact="0.95"/>
-                      <dgm:constr type="l" for="ch" forName="parent" refType="w" fact="0.025"/>
-                      <dgm:constr type="t" for="ch" forName="parent" refType="h" fact="0.45"/>
-                      <dgm:constr type="h" for="ch" forName="parent" refType="h" fact="0.1"/>
-                      <dgm:constr type="l" for="ch" forName="Childtext" refType="w" fact="0.025"/>
-                      <dgm:constr type="w" for="ch" forName="Childtext" refType="w" fact="0.95"/>
-                      <dgm:constr type="h" for="ch" forName="Childtext" refType="h" fact="0.35"/>
-                      <dgm:constr type="w" for="ch" forName="ConnectLine"/>
-                      <dgm:constr type="h" for="ch" forName="ConnectLine" refType="h" fact="0.08"/>
-                      <dgm:constr type="t" for="ch" forName="ConnectLine" refType="h" fact="0.37"/>
-                      <dgm:constr type="ctrX" for="ch" forName="ConnectLine" refType="w" fact="0.5"/>
-                      <dgm:constr type="w" for="ch" forName="ConnectLineEnd" refType="h" fact="0.02"/>
-                      <dgm:constr type="h" for="ch" forName="ConnectLineEnd" refType="h" fact="0.02"/>
-                      <dgm:constr type="t" for="ch" forName="ConnectLineEnd" refType="h" fact="0.35"/>
-                      <dgm:constr type="ctrX" for="ch" forName="ConnectLineEnd" refType="w" fact="0.5"/>
-                      <dgm:constr type="w" for="ch" forName="EmptyPane" refType="w"/>
-                      <dgm:constr type="t" for="ch" forName="EmptyPane" refType="h" fact="0.55"/>
-                      <dgm:constr type="h" for="ch" forName="EmptyPane" refType="h" fact="0.45"/>
-                    </dgm:constrLst>
-                  </dgm:if>
-                  <dgm:else name="ifMoreThanOneNode1">
-                    <dgm:constrLst>
-                      <dgm:constr type="w" for="ch" forName="parent" refType="w" fact="0.6"/>
-                      <dgm:constr type="l" for="ch" forName="parent" refType="w" fact="0.2"/>
-                      <dgm:constr type="t" for="ch" forName="parent" refType="h" fact="0.45"/>
-                      <dgm:constr type="h" for="ch" forName="parent" refType="h" fact="0.1"/>
-                      <dgm:constr type="l" for="ch" forName="Childtext" refType="w" fact="0.2"/>
-                      <dgm:constr type="w" for="ch" forName="Childtext" refType="w" fact="0.6"/>
-                      <dgm:constr type="h" for="ch" forName="Childtext" refType="h" fact="0.35"/>
-                      <dgm:constr type="w" for="ch" forName="ConnectLine"/>
-                      <dgm:constr type="h" for="ch" forName="ConnectLine" refType="h" fact="0.08"/>
-                      <dgm:constr type="t" for="ch" forName="ConnectLine" refType="h" fact="0.37"/>
-                      <dgm:constr type="ctrX" for="ch" forName="ConnectLine" refType="w" fact="0.5"/>
-                      <dgm:constr type="w" for="ch" forName="ConnectLineEnd" refType="h" fact="0.02"/>
-                      <dgm:constr type="h" for="ch" forName="ConnectLineEnd" refType="h" fact="0.02"/>
-                      <dgm:constr type="t" for="ch" forName="ConnectLineEnd" refType="h" fact="0.35"/>
-                      <dgm:constr type="ctrX" for="ch" forName="ConnectLineEnd" refType="w" fact="0.5"/>
-                      <dgm:constr type="w" for="ch" forName="EmptyPane" refType="w"/>
-                      <dgm:constr type="t" for="ch" forName="EmptyPane" refType="h" fact="0.55"/>
-                      <dgm:constr type="h" for="ch" forName="EmptyPane" refType="h" fact="0.45"/>
-                    </dgm:constrLst>
-                  </dgm:else>
-                </dgm:choose>
-              </dgm:if>
-              <dgm:else name="notStartNode1">
-                <dgm:constrLst>
-                  <dgm:constr type="w" for="ch" forName="parent" refType="w" fact="0.6"/>
-                  <dgm:constr type="l" for="ch" forName="parent" refType="w" fact="0.2"/>
-                  <dgm:constr type="t" for="ch" forName="parent" refType="h" fact="0.45"/>
-                  <dgm:constr type="h" for="ch" forName="parent" refType="h" fact="0.1"/>
-                  <dgm:constr type="l" for="ch" forName="Childtext" refType="w" fact="0.2"/>
-                  <dgm:constr type="w" for="ch" forName="Childtext" refType="w" fact="0.6"/>
-                  <dgm:constr type="h" for="ch" forName="Childtext" refType="h" fact="0.35"/>
-                  <dgm:constr type="t" for="ch" forName="Childtext" refType="h" fact="0.65"/>
-                  <dgm:constr type="w" for="ch" forName="ConnectLine"/>
-                  <dgm:constr type="h" for="ch" forName="ConnectLine" refType="h" fact="0.08"/>
-                  <dgm:constr type="t" for="ch" forName="ConnectLine" refType="h" fact="0.55"/>
-                  <dgm:constr type="ctrX" for="ch" forName="ConnectLine" refType="w" fact="0.5"/>
-                  <dgm:constr type="w" for="ch" forName="ConnectLineEnd" refType="h" fact="0.02"/>
-                  <dgm:constr type="h" for="ch" forName="ConnectLineEnd" refType="h" fact="0.02"/>
-                  <dgm:constr type="b" for="ch" forName="ConnectLineEnd" refType="h" fact="0.65"/>
-                  <dgm:constr type="ctrX" for="ch" forName="ConnectLineEnd" refType="w" fact="0.5"/>
-                  <dgm:constr type="w" for="ch" forName="EmptyPane" refType="w"/>
-                  <dgm:constr type="h" for="ch" forName="EmptyPane" refType="h" fact="0.45"/>
-                </dgm:constrLst>
-              </dgm:else>
-            </dgm:choose>
-            <dgm:layoutNode name="parent" styleLbl="alignNode1">
-              <dgm:varLst>
-                <dgm:chMax val="1"/>
-                <dgm:chPref val="1"/>
-                <dgm:bulletEnabled val="1"/>
-              </dgm:varLst>
-              <dgm:alg type="tx">
-                <dgm:param type="txAnchorHorz" val="ctr"/>
-                <dgm:param type="txAnchorVert" val="mid"/>
-                <dgm:param type="parTxLTRAlign" val="ctr"/>
-                <dgm:param type="parTxRTLAlign" val="ctr"/>
-              </dgm:alg>
-              <dgm:choose name="casesForFirstAndLastNode">
-                <dgm:if name="startNode" axis="self" ptType="node" func="pos" op="equ" val="1">
-                  <dgm:choose name="removeLineWhenOnlyOneNode">
-                    <dgm:if name="ifOnlyOneNode" axis="followSib" ptType="node" func="cnt" op="equ" val="0">
-                      <dgm:shape xmlns:r="http://schemas.openxmlformats.org/officeDocument/2006/relationships" type="roundRect" r:blip="">
-                        <dgm:adjLst/>
-                      </dgm:shape>
-                    </dgm:if>
-                    <dgm:else name="ifMoreThanOneNode">
-                      <dgm:choose name="Name18">
-                        <dgm:if name="Name19" func="var" arg="dir" op="equ" val="norm">
-                          <dgm:shape xmlns:r="http://schemas.openxmlformats.org/officeDocument/2006/relationships" rot="-90" type="round2SameRect" r:blip="">
-                            <dgm:adjLst/>
-                          </dgm:shape>
-                        </dgm:if>
-                        <dgm:else name="Name20">
-                          <dgm:shape xmlns:r="http://schemas.openxmlformats.org/officeDocument/2006/relationships" rot="90" type="round2SameRect" r:blip="">
-                            <dgm:adjLst/>
-                          </dgm:shape>
-                        </dgm:else>
-                      </dgm:choose>
-                    </dgm:else>
-                  </dgm:choose>
-                </dgm:if>
-                <dgm:else name="notStartNode">
-                  <dgm:choose name="Name22">
-                    <dgm:if name="Name23" axis="self" ptType="node" func="revPos" op="equ" val="1">
-                      <dgm:choose name="Name24">
-                        <dgm:if name="Name25" func="var" arg="dir" op="equ" val="norm">
-                          <dgm:shape xmlns:r="http://schemas.openxmlformats.org/officeDocument/2006/relationships" rot="90" type="round2SameRect" r:blip="">
-                            <dgm:adjLst/>
-                          </dgm:shape>
-                        </dgm:if>
-                        <dgm:else name="Name26">
-                          <dgm:shape xmlns:r="http://schemas.openxmlformats.org/officeDocument/2006/relationships" rot="-90" type="round2SameRect" r:blip="">
-                            <dgm:adjLst/>
-                          </dgm:shape>
-                        </dgm:else>
-                      </dgm:choose>
-                    </dgm:if>
-                    <dgm:else name="Name27">
-                      <dgm:shape xmlns:r="http://schemas.openxmlformats.org/officeDocument/2006/relationships" type="rect" r:blip="">
-                        <dgm:adjLst/>
-                      </dgm:shape>
-                    </dgm:else>
-                  </dgm:choose>
-                </dgm:else>
-              </dgm:choose>
-              <dgm:presOf axis="self" ptType="node"/>
-              <dgm:constrLst>
-                <dgm:constr type="lMarg" refType="primFontSz" fact="0.6"/>
-                <dgm:constr type="rMarg" refType="primFontSz" fact="0.6"/>
-                <dgm:constr type="tMarg" refType="primFontSz" fact="0.6"/>
-                <dgm:constr type="bMarg" refType="primFontSz" fact="0.6"/>
-              </dgm:constrLst>
-              <dgm:ruleLst>
-                <dgm:rule type="primFontSz" val="11" fact="NaN" max="NaN"/>
-              </dgm:ruleLst>
-            </dgm:layoutNode>
-            <dgm:layoutNode name="Childtext" styleLbl="revTx">
-              <dgm:varLst>
-                <dgm:bulletEnabled val="1"/>
-              </dgm:varLst>
-              <dgm:choose name="casesForTxtDirLogic">
-                <dgm:if name="Name77" axis="self" ptType="node" func="posOdd" op="equ" val="1">
-                  <dgm:alg type="tx">
-                    <dgm:param type="txAnchorVert" val="b"/>
-                    <dgm:param type="txAnchorHorz" val="ctr"/>
-                    <dgm:param type="parTxLTRAlign" val="ctr"/>
-                    <dgm:param type="parTxRTLAlign" val="ctr"/>
-                  </dgm:alg>
-                  <dgm:constrLst>
-                    <dgm:constr type="lMarg"/>
-                    <dgm:constr type="rMarg"/>
-                    <dgm:constr type="tMarg"/>
-                    <dgm:constr type="bMarg" refType="primFontSz" fact="0.6"/>
-                  </dgm:constrLst>
-                </dgm:if>
-                <dgm:else name="Name88">
-                  <dgm:alg type="tx">
-                    <dgm:param type="txAnchorVert" val="t"/>
-                    <dgm:param type="txAnchorHorz" val="ctr"/>
-                    <dgm:param type="parTxLTRAlign" val="ctr"/>
-                    <dgm:param type="parTxRTLAlign" val="ctr"/>
-                  </dgm:alg>
-                  <dgm:constrLst>
-                    <dgm:constr type="lMarg"/>
-                    <dgm:constr type="rMarg"/>
-                    <dgm:constr type="tMarg" refType="primFontSz" fact="0.6"/>
-                    <dgm:constr type="bMarg"/>
-                  </dgm:constrLst>
-                </dgm:else>
-              </dgm:choose>
-              <dgm:shape xmlns:r="http://schemas.openxmlformats.org/officeDocument/2006/relationships" type="rect" r:blip="">
-                <dgm:adjLst/>
-              </dgm:shape>
-              <dgm:presOf axis="ch" ptType="node"/>
-              <dgm:ruleLst>
-                <dgm:rule type="primFontSz" val="11" fact="NaN" max="NaN"/>
-              </dgm:ruleLst>
-            </dgm:layoutNode>
-            <dgm:layoutNode name="ConnectLine" styleLbl="sibTrans1D1">
-              <dgm:alg type="sp"/>
-              <dgm:shape xmlns:r="http://schemas.openxmlformats.org/officeDocument/2006/relationships" type="line" r:blip="">
-                <dgm:adjLst/>
-                <dgm:extLst>
-                  <a:ext uri="{B698B0E9-8C71-41B9-8309-B3DCBF30829C}">
-                    <dgm1612:spPr xmlns:dgm1612="http://schemas.microsoft.com/office/drawing/2016/12/diagram">
-                      <a:ln>
-                        <a:prstDash val="dash"/>
-                      </a:ln>
-                    </dgm1612:spPr>
-                  </a:ext>
-                </dgm:extLst>
-              </dgm:shape>
-              <dgm:presOf/>
-              <dgm:constrLst/>
-            </dgm:layoutNode>
-            <dgm:layoutNode name="ConnectLineEnd" styleLbl="lnNode1">
-              <dgm:alg type="sp"/>
-              <dgm:shape xmlns:r="http://schemas.openxmlformats.org/officeDocument/2006/relationships" type="ellipse" r:blip="">
-                <dgm:adjLst/>
-              </dgm:shape>
-              <dgm:presOf/>
-              <dgm:constrLst/>
-            </dgm:layoutNode>
-            <dgm:layoutNode name="EmptyPane">
-              <dgm:alg type="sp"/>
-              <dgm:shape xmlns:r="http://schemas.openxmlformats.org/officeDocument/2006/relationships" r:blip="">
-                <dgm:adjLst/>
-              </dgm:shape>
-              <dgm:presOf/>
-              <dgm:constrLst/>
-            </dgm:layoutNode>
-          </dgm:layoutNode>
-          <dgm:forEach name="Name28" axis="followSib" ptType="sibTrans" cnt="1">
-            <dgm:layoutNode name="spaceBetweenRectangles">
-              <dgm:alg type="sp"/>
-              <dgm:shape xmlns:r="http://schemas.openxmlformats.org/officeDocument/2006/relationships" r:blip="">
-                <dgm:adjLst/>
-              </dgm:shape>
-              <dgm:presOf/>
-              <dgm:constrLst/>
-              <dgm:ruleLst/>
-            </dgm:layoutNode>
-          </dgm:forEach>
-        </dgm:forEach>
-      </dgm:if>
-      <dgm:else name="moreThanTwoNodes">
-        <dgm:forEach name="nodesForEach1" axis="ch" ptType="node">
-          <dgm:layoutNode name="composite1">
-            <dgm:alg type="composite"/>
-            <dgm:shape xmlns:r="http://schemas.openxmlformats.org/officeDocument/2006/relationships" r:blip="">
-              <dgm:adjLst/>
-            </dgm:shape>
-            <dgm:choose name="casesForSnakingLogic21">
-              <dgm:if name="oddNode21" axis="self" ptType="node" func="posOdd" op="equ" val="1">
-                <dgm:constrLst>
-                  <dgm:constr type="w" for="ch" forName="parent1" refType="w" fact="0.6"/>
-                  <dgm:constr type="l" for="ch" forName="parent1" refType="w" fact="0.2"/>
-                  <dgm:constr type="t" for="ch" forName="parent1" refType="h" fact="0.45"/>
-                  <dgm:constr type="h" for="ch" forName="parent1" refType="h" fact="0.1"/>
-                  <dgm:constr type="w" for="ch" forName="Childtext1" refType="w"/>
-                  <dgm:constr type="h" for="ch" forName="Childtext1" refType="h" fact="0.35"/>
-                  <dgm:constr type="w" for="ch" forName="ConnectLine1"/>
-                  <dgm:constr type="h" for="ch" forName="ConnectLine1" refType="h" fact="0.08"/>
-                  <dgm:constr type="t" for="ch" forName="ConnectLine1" refType="h" fact="0.37"/>
-                  <dgm:constr type="ctrX" for="ch" forName="ConnectLine1" refType="w" fact="0.5"/>
-                  <dgm:constr type="w" for="ch" forName="ConnectLineEnd1" refType="h" fact="0.02"/>
-                  <dgm:constr type="h" for="ch" forName="ConnectLineEnd1" refType="h" fact="0.02"/>
-                  <dgm:constr type="t" for="ch" forName="ConnectLineEnd1" refType="h" fact="0.35"/>
-                  <dgm:constr type="ctrX" for="ch" forName="ConnectLineEnd1" refType="w" fact="0.5"/>
-                  <dgm:constr type="w" for="ch" forName="EmptyPane1" refType="w"/>
-                  <dgm:constr type="t" for="ch" forName="EmptyPane1" refType="h" fact="0.55"/>
-                  <dgm:constr type="h" for="ch" forName="EmptyPane1" refType="h" fact="0.45"/>
-                </dgm:constrLst>
-              </dgm:if>
-              <dgm:else name="evenNode2">
-                <dgm:constrLst>
-                  <dgm:constr type="w" for="ch" forName="parent1" refType="w" fact="0.6"/>
-                  <dgm:constr type="l" for="ch" forName="parent1" refType="w" fact="0.2"/>
-                  <dgm:constr type="t" for="ch" forName="parent1" refType="h" fact="0.45"/>
-                  <dgm:constr type="h" for="ch" forName="parent1" refType="h" fact="0.1"/>
-                  <dgm:constr type="w" for="ch" forName="Childtext1" refType="w"/>
-                  <dgm:constr type="h" for="ch" forName="Childtext1" refType="h" fact="0.35"/>
-                  <dgm:constr type="t" for="ch" forName="Childtext1" refType="h" fact="0.65"/>
-                  <dgm:constr type="w" for="ch" forName="ConnectLine1"/>
-                  <dgm:constr type="h" for="ch" forName="ConnectLine1" refType="h" fact="0.08"/>
-                  <dgm:constr type="t" for="ch" forName="ConnectLine1" refType="h" fact="0.55"/>
-                  <dgm:constr type="ctrX" for="ch" forName="ConnectLine1" refType="w" fact="0.5"/>
-                  <dgm:constr type="w" for="ch" forName="ConnectLineEnd1" refType="h" fact="0.02"/>
-                  <dgm:constr type="h" for="ch" forName="ConnectLineEnd1" refType="h" fact="0.02"/>
-                  <dgm:constr type="b" for="ch" forName="ConnectLineEnd1" refType="h" fact="0.65"/>
-                  <dgm:constr type="ctrX" for="ch" forName="ConnectLineEnd1" refType="w" fact="0.5"/>
-                  <dgm:constr type="w" for="ch" forName="EmptyPane1" refType="w"/>
-                  <dgm:constr type="h" for="ch" forName="EmptyPane1" refType="h" fact="0.45"/>
-                </dgm:constrLst>
-              </dgm:else>
-            </dgm:choose>
-            <dgm:layoutNode name="parent1" styleLbl="alignNode1">
-              <dgm:varLst>
-                <dgm:chMax val="1"/>
-                <dgm:chPref val="1"/>
-                <dgm:bulletEnabled val="1"/>
-              </dgm:varLst>
-              <dgm:alg type="tx">
-                <dgm:param type="txAnchorHorz" val="ctr"/>
-                <dgm:param type="txAnchorVert" val="mid"/>
-                <dgm:param type="parTxLTRAlign" val="ctr"/>
-                <dgm:param type="parTxRTLAlign" val="ctr"/>
-              </dgm:alg>
-              <dgm:choose name="casesForFirstAndLastNode12">
-                <dgm:if name="startNode12" axis="self" ptType="node" func="pos" op="equ" val="1">
-                  <dgm:choose name="removeLineWhenOnlyOneNode12">
-                    <dgm:if name="ifOnlyOneNode12" axis="followSib" ptType="node" func="cnt" op="equ" val="0">
-                      <dgm:shape xmlns:r="http://schemas.openxmlformats.org/officeDocument/2006/relationships" type="roundRect" r:blip="">
-                        <dgm:adjLst/>
-                      </dgm:shape>
-                    </dgm:if>
-                    <dgm:else name="ifMoreThanOneNode12">
-                      <dgm:choose name="Name181">
-                        <dgm:if name="Name191" func="var" arg="dir" op="equ" val="norm">
-                          <dgm:shape xmlns:r="http://schemas.openxmlformats.org/officeDocument/2006/relationships" rot="-90" type="round2SameRect" r:blip="">
-                            <dgm:adjLst/>
-                          </dgm:shape>
-                        </dgm:if>
-                        <dgm:else name="Name201">
-                          <dgm:shape xmlns:r="http://schemas.openxmlformats.org/officeDocument/2006/relationships" rot="90" type="round2SameRect" r:blip="">
-                            <dgm:adjLst/>
-                          </dgm:shape>
-                        </dgm:else>
-                      </dgm:choose>
-                    </dgm:else>
-                  </dgm:choose>
-                </dgm:if>
-                <dgm:else name="notStartNode12">
-                  <dgm:choose name="Name221">
-                    <dgm:if name="Name231" axis="self" ptType="node" func="revPos" op="equ" val="1">
-                      <dgm:choose name="Name241">
-                        <dgm:if name="Name251" func="var" arg="dir" op="equ" val="norm">
-                          <dgm:shape xmlns:r="http://schemas.openxmlformats.org/officeDocument/2006/relationships" rot="90" type="round2SameRect" r:blip="">
-                            <dgm:adjLst/>
-                          </dgm:shape>
-                        </dgm:if>
-                        <dgm:else name="Name261">
-                          <dgm:shape xmlns:r="http://schemas.openxmlformats.org/officeDocument/2006/relationships" rot="-90" type="round2SameRect" r:blip="">
-                            <dgm:adjLst/>
-                          </dgm:shape>
-                        </dgm:else>
-                      </dgm:choose>
-                    </dgm:if>
-                    <dgm:else name="Name271">
-                      <dgm:shape xmlns:r="http://schemas.openxmlformats.org/officeDocument/2006/relationships" type="rect" r:blip="">
-                        <dgm:adjLst/>
-                      </dgm:shape>
-                    </dgm:else>
-                  </dgm:choose>
-                </dgm:else>
-              </dgm:choose>
-              <dgm:presOf axis="self" ptType="node"/>
-              <dgm:constrLst>
-                <dgm:constr type="lMarg" refType="primFontSz" fact="0.6"/>
-                <dgm:constr type="rMarg" refType="primFontSz" fact="0.6"/>
-                <dgm:constr type="tMarg" refType="primFontSz" fact="0.6"/>
-                <dgm:constr type="bMarg" refType="primFontSz" fact="0.6"/>
-              </dgm:constrLst>
-              <dgm:ruleLst>
-                <dgm:rule type="primFontSz" val="11" fact="NaN" max="NaN"/>
-              </dgm:ruleLst>
-            </dgm:layoutNode>
-            <dgm:layoutNode name="Childtext1" styleLbl="revTx">
-              <dgm:varLst>
-                <dgm:bulletEnabled val="1"/>
-              </dgm:varLst>
-              <dgm:choose name="casesForTxtDirLogic1">
-                <dgm:if name="Name771" axis="self" ptType="node" func="posOdd" op="equ" val="1">
-                  <dgm:alg type="tx">
-                    <dgm:param type="txAnchorVert" val="b"/>
-                    <dgm:param type="txAnchorHorz" val="ctr"/>
-                    <dgm:param type="parTxLTRAlign" val="ctr"/>
-                    <dgm:param type="parTxRTLAlign" val="ctr"/>
-                  </dgm:alg>
-                  <dgm:constrLst>
-                    <dgm:constr type="lMarg"/>
-                    <dgm:constr type="rMarg"/>
-                    <dgm:constr type="tMarg"/>
-                    <dgm:constr type="bMarg" refType="primFontSz" fact="0.6"/>
-                  </dgm:constrLst>
-                </dgm:if>
-                <dgm:else name="Name881">
-                  <dgm:alg type="tx">
-                    <dgm:param type="txAnchorVert" val="t"/>
-                    <dgm:param type="txAnchorHorz" val="ctr"/>
-                    <dgm:param type="parTxLTRAlign" val="ctr"/>
-                    <dgm:param type="parTxRTLAlign" val="ctr"/>
-                  </dgm:alg>
-                  <dgm:constrLst>
-                    <dgm:constr type="lMarg"/>
-                    <dgm:constr type="rMarg"/>
-                    <dgm:constr type="tMarg" refType="primFontSz" fact="0.6"/>
-                    <dgm:constr type="bMarg"/>
-                  </dgm:constrLst>
-                </dgm:else>
-              </dgm:choose>
-              <dgm:shape xmlns:r="http://schemas.openxmlformats.org/officeDocument/2006/relationships" type="rect" r:blip="">
-                <dgm:adjLst/>
-              </dgm:shape>
-              <dgm:presOf axis="ch" ptType="node"/>
-              <dgm:ruleLst>
-                <dgm:rule type="primFontSz" val="11" fact="NaN" max="NaN"/>
-              </dgm:ruleLst>
-            </dgm:layoutNode>
-            <dgm:layoutNode name="ConnectLine1" styleLbl="sibTrans1D1">
-              <dgm:alg type="sp"/>
-              <dgm:shape xmlns:r="http://schemas.openxmlformats.org/officeDocument/2006/relationships" type="line" r:blip="">
-                <dgm:adjLst/>
-                <dgm:extLst>
-                  <a:ext uri="{B698B0E9-8C71-41B9-8309-B3DCBF30829C}">
-                    <dgm1612:spPr xmlns:dgm1612="http://schemas.microsoft.com/office/drawing/2016/12/diagram">
-                      <a:ln>
-                        <a:prstDash val="dash"/>
-                      </a:ln>
-                    </dgm1612:spPr>
-                  </a:ext>
-                </dgm:extLst>
-              </dgm:shape>
-              <dgm:presOf/>
-              <dgm:constrLst/>
-            </dgm:layoutNode>
-            <dgm:layoutNode name="ConnectLineEnd1" styleLbl="lnNode1">
-              <dgm:alg type="sp"/>
-              <dgm:shape xmlns:r="http://schemas.openxmlformats.org/officeDocument/2006/relationships" type="ellipse" r:blip="">
-                <dgm:adjLst/>
-              </dgm:shape>
-              <dgm:presOf/>
-              <dgm:constrLst/>
-            </dgm:layoutNode>
-            <dgm:layoutNode name="EmptyPane1">
-              <dgm:alg type="sp"/>
-              <dgm:shape xmlns:r="http://schemas.openxmlformats.org/officeDocument/2006/relationships" r:blip="">
-                <dgm:adjLst/>
-              </dgm:shape>
-              <dgm:presOf/>
-              <dgm:constrLst/>
-            </dgm:layoutNode>
-          </dgm:layoutNode>
-          <dgm:forEach name="Name281" axis="followSib" ptType="sibTrans" cnt="1">
-            <dgm:layoutNode name="spaceBetweenRectangles1">
-              <dgm:alg type="sp"/>
-              <dgm:shape xmlns:r="http://schemas.openxmlformats.org/officeDocument/2006/relationships" r:blip="">
-                <dgm:adjLst/>
-              </dgm:shape>
-              <dgm:presOf/>
-              <dgm:constrLst/>
-              <dgm:ruleLst/>
-            </dgm:layoutNode>
-          </dgm:forEach>
-        </dgm:forEach>
-      </dgm:else>
-    </dgm:choose>
-  </dgm:layoutNode>
-</dgm:layoutDef>
-</file>
-
-<file path=ppt/diagrams/quickStyle1.xml><?xml version="1.0" encoding="utf-8"?>
-<dgm:styleDef xmlns:dgm="http://schemas.openxmlformats.org/drawingml/2006/diagram" xmlns:a="http://schemas.openxmlformats.org/drawingml/2006/main" uniqueId="urn:microsoft.com/office/officeart/2005/8/quickstyle/simple1">
-  <dgm:title val=""/>
-  <dgm:desc val=""/>
-  <dgm:catLst>
-    <dgm:cat type="simple" pri="10100"/>
-  </dgm:catLst>
-  <dgm:scene3d>
-    <a:camera prst="orthographicFront"/>
-    <a:lightRig rig="threePt" dir="t"/>
-  </dgm:scene3d>
-  <dgm:styleLbl name="node0">
-    <dgm:scene3d>
-      <a:camera prst="orthographicFront"/>
-      <a:lightRig rig="threePt" dir="t"/>
-    </dgm:scene3d>
-    <dgm:sp3d/>
-    <dgm:txPr/>
-    <dgm:style>
-      <a:lnRef idx="2">
-        <a:scrgbClr r="0" g="0" b="0"/>
-      </a:lnRef>
-      <a:fillRef idx="1">
-        <a:scrgbClr r="0" g="0" b="0"/>
-      </a:fillRef>
-      <a:effectRef idx="0">
-        <a:scrgbClr r="0" g="0" b="0"/>
-      </a:effectRef>
-      <a:fontRef idx="minor">
-        <a:schemeClr val="lt1"/>
-      </a:fontRef>
-    </dgm:style>
-  </dgm:styleLbl>
-  <dgm:styleLbl name="lnNode1">
-    <dgm:scene3d>
-      <a:camera prst="orthographicFront"/>
-      <a:lightRig rig="threePt" dir="t"/>
-    </dgm:scene3d>
-    <dgm:sp3d/>
-    <dgm:txPr/>
-    <dgm:style>
-      <a:lnRef idx="2">
-        <a:scrgbClr r="0" g="0" b="0"/>
-      </a:lnRef>
-      <a:fillRef idx="1">
-        <a:scrgbClr r="0" g="0" b="0"/>
-      </a:fillRef>
-      <a:effectRef idx="0">
-        <a:scrgbClr r="0" g="0" b="0"/>
-      </a:effectRef>
-      <a:fontRef idx="minor">
-        <a:schemeClr val="lt1"/>
-      </a:fontRef>
-    </dgm:style>
-  </dgm:styleLbl>
-  <dgm:styleLbl name="vennNode1">
-    <dgm:scene3d>
-      <a:camera prst="orthographicFront"/>
-      <a:lightRig rig="threePt" dir="t"/>
-    </dgm:scene3d>
-    <dgm:sp3d/>
-    <dgm:txPr/>
-    <dgm:style>
-      <a:lnRef idx="2">
-        <a:scrgbClr r="0" g="0" b="0"/>
-      </a:lnRef>
-      <a:fillRef idx="1">
-        <a:scrgbClr r="0" g="0" b="0"/>
-      </a:fillRef>
-      <a:effectRef idx="0">
-        <a:scrgbClr r="0" g="0" b="0"/>
-      </a:effectRef>
-      <a:fontRef idx="minor">
-        <a:schemeClr val="tx1"/>
-      </a:fontRef>
-    </dgm:style>
-  </dgm:styleLbl>
-  <dgm:styleLbl name="alignNode1">
-    <dgm:scene3d>
-      <a:camera prst="orthographicFront"/>
-      <a:lightRig rig="threePt" dir="t"/>
-    </dgm:scene3d>
-    <dgm:sp3d/>
-    <dgm:txPr/>
-    <dgm:style>
-      <a:lnRef idx="2">
-        <a:scrgbClr r="0" g="0" b="0"/>
-      </a:lnRef>
-      <a:fillRef idx="1">
-        <a:scrgbClr r="0" g="0" b="0"/>
-      </a:fillRef>
-      <a:effectRef idx="0">
-        <a:scrgbClr r="0" g="0" b="0"/>
-      </a:effectRef>
-      <a:fontRef idx="minor">
-        <a:schemeClr val="lt1"/>
-      </a:fontRef>
-    </dgm:style>
-  </dgm:styleLbl>
-  <dgm:styleLbl name="node1">
-    <dgm:scene3d>
-      <a:camera prst="orthographicFront"/>
-      <a:lightRig rig="threePt" dir="t"/>
-    </dgm:scene3d>
-    <dgm:sp3d/>
-    <dgm:txPr/>
-    <dgm:style>
-      <a:lnRef idx="2">
-        <a:scrgbClr r="0" g="0" b="0"/>
-      </a:lnRef>
-      <a:fillRef idx="1">
-        <a:scrgbClr r="0" g="0" b="0"/>
-      </a:fillRef>
-      <a:effectRef idx="0">
-        <a:scrgbClr r="0" g="0" b="0"/>
-      </a:effectRef>
-      <a:fontRef idx="minor">
-        <a:schemeClr val="lt1"/>
-      </a:fontRef>
-    </dgm:style>
-  </dgm:styleLbl>
-  <dgm:styleLbl name="node2">
-    <dgm:scene3d>
-      <a:camera prst="orthographicFront"/>
-      <a:lightRig rig="threePt" dir="t"/>
-    </dgm:scene3d>
-    <dgm:sp3d/>
-    <dgm:txPr/>
-    <dgm:style>
-      <a:lnRef idx="2">
-        <a:scrgbClr r="0" g="0" b="0"/>
-      </a:lnRef>
-      <a:fillRef idx="1">
-        <a:scrgbClr r="0" g="0" b="0"/>
-      </a:fillRef>
-      <a:effectRef idx="0">
-        <a:scrgbClr r="0" g="0" b="0"/>
-      </a:effectRef>
-      <a:fontRef idx="minor">
-        <a:schemeClr val="lt1"/>
-      </a:fontRef>
-    </dgm:style>
-  </dgm:styleLbl>
-  <dgm:styleLbl name="node3">
-    <dgm:scene3d>
-      <a:camera prst="orthographicFront"/>
-      <a:lightRig rig="threePt" dir="t"/>
-    </dgm:scene3d>
-    <dgm:sp3d/>
-    <dgm:txPr/>
-    <dgm:style>
-      <a:lnRef idx="2">
-        <a:scrgbClr r="0" g="0" b="0"/>
-      </a:lnRef>
-      <a:fillRef idx="1">
-        <a:scrgbClr r="0" g="0" b="0"/>
-      </a:fillRef>
-      <a:effectRef idx="0">
-        <a:scrgbClr r="0" g="0" b="0"/>
-      </a:effectRef>
-      <a:fontRef idx="minor">
-        <a:schemeClr val="lt1"/>
-      </a:fontRef>
-    </dgm:style>
-  </dgm:styleLbl>
-  <dgm:styleLbl name="node4">
-    <dgm:scene3d>
-      <a:camera prst="orthographicFront"/>
-      <a:lightRig rig="threePt" dir="t"/>
-    </dgm:scene3d>
-    <dgm:sp3d/>
-    <dgm:txPr/>
-    <dgm:style>
-      <a:lnRef idx="2">
-        <a:scrgbClr r="0" g="0" b="0"/>
-      </a:lnRef>
-      <a:fillRef idx="1">
-        <a:scrgbClr r="0" g="0" b="0"/>
-      </a:fillRef>
-      <a:effectRef idx="0">
-        <a:scrgbClr r="0" g="0" b="0"/>
-      </a:effectRef>
-      <a:fontRef idx="minor">
-        <a:schemeClr val="lt1"/>
-      </a:fontRef>
-    </dgm:style>
-  </dgm:styleLbl>
-  <dgm:styleLbl name="fgImgPlace1">
-    <dgm:scene3d>
-      <a:camera prst="orthographicFront"/>
-      <a:lightRig rig="threePt" dir="t"/>
-    </dgm:scene3d>
-    <dgm:sp3d/>
-    <dgm:txPr/>
-    <dgm:style>
-      <a:lnRef idx="2">
-        <a:scrgbClr r="0" g="0" b="0"/>
-      </a:lnRef>
-      <a:fillRef idx="1">
-        <a:scrgbClr r="0" g="0" b="0"/>
-      </a:fillRef>
-      <a:effectRef idx="0">
-        <a:scrgbClr r="0" g="0" b="0"/>
-      </a:effectRef>
-      <a:fontRef idx="minor"/>
-    </dgm:style>
-  </dgm:styleLbl>
-  <dgm:styleLbl name="alignImgPlace1">
-    <dgm:scene3d>
-      <a:camera prst="orthographicFront"/>
-      <a:lightRig rig="threePt" dir="t"/>
-    </dgm:scene3d>
-    <dgm:sp3d/>
-    <dgm:txPr/>
-    <dgm:style>
-      <a:lnRef idx="2">
-        <a:scrgbClr r="0" g="0" b="0"/>
-      </a:lnRef>
-      <a:fillRef idx="1">
-        <a:scrgbClr r="0" g="0" b="0"/>
-      </a:fillRef>
-      <a:effectRef idx="0">
-        <a:scrgbClr r="0" g="0" b="0"/>
-      </a:effectRef>
-      <a:fontRef idx="minor"/>
-    </dgm:style>
-  </dgm:styleLbl>
-  <dgm:styleLbl name="bgImgPlace1">
-    <dgm:scene3d>
-      <a:camera prst="orthographicFront"/>
-      <a:lightRig rig="threePt" dir="t"/>
-    </dgm:scene3d>
-    <dgm:sp3d/>
-    <dgm:txPr/>
-    <dgm:style>
-      <a:lnRef idx="2">
-        <a:scrgbClr r="0" g="0" b="0"/>
-      </a:lnRef>
-      <a:fillRef idx="1">
-        <a:scrgbClr r="0" g="0" b="0"/>
-      </a:fillRef>
-      <a:effectRef idx="0">
-        <a:scrgbClr r="0" g="0" b="0"/>
-      </a:effectRef>
-      <a:fontRef idx="minor"/>
-    </dgm:style>
-  </dgm:styleLbl>
-  <dgm:styleLbl name="sibTrans2D1">
-    <dgm:scene3d>
-      <a:camera prst="orthographicFront"/>
-      <a:lightRig rig="threePt" dir="t"/>
-    </dgm:scene3d>
-    <dgm:sp3d/>
-    <dgm:txPr/>
-    <dgm:style>
-      <a:lnRef idx="0">
-        <a:scrgbClr r="0" g="0" b="0"/>
-      </a:lnRef>
-      <a:fillRef idx="1">
-        <a:scrgbClr r="0" g="0" b="0"/>
-      </a:fillRef>
-      <a:effectRef idx="0">
-        <a:scrgbClr r="0" g="0" b="0"/>
-      </a:effectRef>
-      <a:fontRef idx="minor">
-        <a:schemeClr val="lt1"/>
-      </a:fontRef>
-    </dgm:style>
-  </dgm:styleLbl>
-  <dgm:styleLbl name="fgSibTrans2D1">
-    <dgm:scene3d>
-      <a:camera prst="orthographicFront"/>
-      <a:lightRig rig="threePt" dir="t"/>
-    </dgm:scene3d>
-    <dgm:sp3d/>
-    <dgm:txPr/>
-    <dgm:style>
-      <a:lnRef idx="0">
-        <a:scrgbClr r="0" g="0" b="0"/>
-      </a:lnRef>
-      <a:fillRef idx="1">
-        <a:scrgbClr r="0" g="0" b="0"/>
-      </a:fillRef>
-      <a:effectRef idx="0">
-        <a:scrgbClr r="0" g="0" b="0"/>
-      </a:effectRef>
-      <a:fontRef idx="minor">
-        <a:schemeClr val="lt1"/>
-      </a:fontRef>
-    </dgm:style>
-  </dgm:styleLbl>
-  <dgm:styleLbl name="bgSibTrans2D1">
-    <dgm:scene3d>
-      <a:camera prst="orthographicFront"/>
-      <a:lightRig rig="threePt" dir="t"/>
-    </dgm:scene3d>
-    <dgm:sp3d/>
-    <dgm:txPr/>
-    <dgm:style>
-      <a:lnRef idx="0">
-        <a:scrgbClr r="0" g="0" b="0"/>
-      </a:lnRef>
-      <a:fillRef idx="1">
-        <a:scrgbClr r="0" g="0" b="0"/>
-      </a:fillRef>
-      <a:effectRef idx="0">
-        <a:scrgbClr r="0" g="0" b="0"/>
-      </a:effectRef>
-      <a:fontRef idx="minor">
-        <a:schemeClr val="lt1"/>
-      </a:fontRef>
-    </dgm:style>
-  </dgm:styleLbl>
-  <dgm:styleLbl name="sibTrans1D1">
-    <dgm:scene3d>
-      <a:camera prst="orthographicFront"/>
-      <a:lightRig rig="threePt" dir="t"/>
-    </dgm:scene3d>
-    <dgm:sp3d/>
-    <dgm:txPr/>
-    <dgm:style>
-      <a:lnRef idx="1">
-        <a:scrgbClr r="0" g="0" b="0"/>
-      </a:lnRef>
-      <a:fillRef idx="0">
-        <a:scrgbClr r="0" g="0" b="0"/>
-      </a:fillRef>
-      <a:effectRef idx="0">
-        <a:scrgbClr r="0" g="0" b="0"/>
-      </a:effectRef>
-      <a:fontRef idx="minor"/>
-    </dgm:style>
-  </dgm:styleLbl>
-  <dgm:styleLbl name="callout">
-    <dgm:scene3d>
-      <a:camera prst="orthographicFront"/>
-      <a:lightRig rig="threePt" dir="t"/>
-    </dgm:scene3d>
-    <dgm:sp3d/>
-    <dgm:txPr/>
-    <dgm:style>
-      <a:lnRef idx="2">
-        <a:scrgbClr r="0" g="0" b="0"/>
-      </a:lnRef>
-      <a:fillRef idx="1">
-        <a:scrgbClr r="0" g="0" b="0"/>
-      </a:fillRef>
-      <a:effectRef idx="0">
-        <a:scrgbClr r="0" g="0" b="0"/>
-      </a:effectRef>
-      <a:fontRef idx="minor"/>
-    </dgm:style>
-  </dgm:styleLbl>
-  <dgm:styleLbl name="asst0">
-    <dgm:scene3d>
-      <a:camera prst="orthographicFront"/>
-      <a:lightRig rig="threePt" dir="t"/>
-    </dgm:scene3d>
-    <dgm:sp3d/>
-    <dgm:txPr/>
-    <dgm:style>
-      <a:lnRef idx="2">
-        <a:scrgbClr r="0" g="0" b="0"/>
-      </a:lnRef>
-      <a:fillRef idx="1">
-        <a:scrgbClr r="0" g="0" b="0"/>
-      </a:fillRef>
-      <a:effectRef idx="0">
-        <a:scrgbClr r="0" g="0" b="0"/>
-      </a:effectRef>
-      <a:fontRef idx="minor">
-        <a:schemeClr val="lt1"/>
-      </a:fontRef>
-    </dgm:style>
-  </dgm:styleLbl>
-  <dgm:styleLbl name="asst1">
-    <dgm:scene3d>
-      <a:camera prst="orthographicFront"/>
-      <a:lightRig rig="threePt" dir="t"/>
-    </dgm:scene3d>
-    <dgm:sp3d/>
-    <dgm:txPr/>
-    <dgm:style>
-      <a:lnRef idx="2">
-        <a:scrgbClr r="0" g="0" b="0"/>
-      </a:lnRef>
-      <a:fillRef idx="1">
-        <a:scrgbClr r="0" g="0" b="0"/>
-      </a:fillRef>
-      <a:effectRef idx="0">
-        <a:scrgbClr r="0" g="0" b="0"/>
-      </a:effectRef>
-      <a:fontRef idx="minor">
-        <a:schemeClr val="lt1"/>
-      </a:fontRef>
-    </dgm:style>
-  </dgm:styleLbl>
-  <dgm:styleLbl name="asst2">
-    <dgm:scene3d>
-      <a:camera prst="orthographicFront"/>
-      <a:lightRig rig="threePt" dir="t"/>
-    </dgm:scene3d>
-    <dgm:sp3d/>
-    <dgm:txPr/>
-    <dgm:style>
-      <a:lnRef idx="2">
-        <a:scrgbClr r="0" g="0" b="0"/>
-      </a:lnRef>
-      <a:fillRef idx="1">
-        <a:scrgbClr r="0" g="0" b="0"/>
-      </a:fillRef>
-      <a:effectRef idx="0">
-        <a:scrgbClr r="0" g="0" b="0"/>
-      </a:effectRef>
-      <a:fontRef idx="minor">
-        <a:schemeClr val="lt1"/>
-      </a:fontRef>
-    </dgm:style>
-  </dgm:styleLbl>
-  <dgm:styleLbl name="asst3">
-    <dgm:scene3d>
-      <a:camera prst="orthographicFront"/>
-      <a:lightRig rig="threePt" dir="t"/>
-    </dgm:scene3d>
-    <dgm:sp3d/>
-    <dgm:txPr/>
-    <dgm:style>
-      <a:lnRef idx="2">
-        <a:scrgbClr r="0" g="0" b="0"/>
-      </a:lnRef>
-      <a:fillRef idx="1">
-        <a:scrgbClr r="0" g="0" b="0"/>
-      </a:fillRef>
-      <a:effectRef idx="0">
-        <a:scrgbClr r="0" g="0" b="0"/>
-      </a:effectRef>
-      <a:fontRef idx="minor">
-        <a:schemeClr val="lt1"/>
-      </a:fontRef>
-    </dgm:style>
-  </dgm:styleLbl>
-  <dgm:styleLbl name="asst4">
-    <dgm:scene3d>
-      <a:camera prst="orthographicFront"/>
-      <a:lightRig rig="threePt" dir="t"/>
-    </dgm:scene3d>
-    <dgm:sp3d/>
-    <dgm:txPr/>
-    <dgm:style>
-      <a:lnRef idx="2">
-        <a:scrgbClr r="0" g="0" b="0"/>
-      </a:lnRef>
-      <a:fillRef idx="1">
-        <a:scrgbClr r="0" g="0" b="0"/>
-      </a:fillRef>
-      <a:effectRef idx="0">
-        <a:scrgbClr r="0" g="0" b="0"/>
-      </a:effectRef>
-      <a:fontRef idx="minor">
-        <a:schemeClr val="lt1"/>
-      </a:fontRef>
-    </dgm:style>
-  </dgm:styleLbl>
-  <dgm:styleLbl name="parChTrans2D1">
-    <dgm:scene3d>
-      <a:camera prst="orthographicFront"/>
-      <a:lightRig rig="threePt" dir="t"/>
-    </dgm:scene3d>
-    <dgm:sp3d/>
-    <dgm:txPr/>
-    <dgm:style>
-      <a:lnRef idx="2">
-        <a:scrgbClr r="0" g="0" b="0"/>
-      </a:lnRef>
-      <a:fillRef idx="1">
-        <a:scrgbClr r="0" g="0" b="0"/>
-      </a:fillRef>
-      <a:effectRef idx="0">
-        <a:scrgbClr r="0" g="0" b="0"/>
-      </a:effectRef>
-      <a:fontRef idx="minor">
-        <a:schemeClr val="lt1"/>
-      </a:fontRef>
-    </dgm:style>
-  </dgm:styleLbl>
-  <dgm:styleLbl name="parChTrans2D2">
-    <dgm:scene3d>
-      <a:camera prst="orthographicFront"/>
-      <a:lightRig rig="threePt" dir="t"/>
-    </dgm:scene3d>
-    <dgm:sp3d/>
-    <dgm:txPr/>
-    <dgm:style>
-      <a:lnRef idx="2">
-        <a:scrgbClr r="0" g="0" b="0"/>
-      </a:lnRef>
-      <a:fillRef idx="1">
-        <a:scrgbClr r="0" g="0" b="0"/>
-      </a:fillRef>
-      <a:effectRef idx="0">
-        <a:scrgbClr r="0" g="0" b="0"/>
-      </a:effectRef>
-      <a:fontRef idx="minor">
-        <a:schemeClr val="lt1"/>
-      </a:fontRef>
-    </dgm:style>
-  </dgm:styleLbl>
-  <dgm:styleLbl name="parChTrans2D3">
-    <dgm:scene3d>
-      <a:camera prst="orthographicFront"/>
-      <a:lightRig rig="threePt" dir="t"/>
-    </dgm:scene3d>
-    <dgm:sp3d/>
-    <dgm:txPr/>
-    <dgm:style>
-      <a:lnRef idx="2">
-        <a:scrgbClr r="0" g="0" b="0"/>
-      </a:lnRef>
-      <a:fillRef idx="1">
-        <a:scrgbClr r="0" g="0" b="0"/>
-      </a:fillRef>
-      <a:effectRef idx="0">
-        <a:scrgbClr r="0" g="0" b="0"/>
-      </a:effectRef>
-      <a:fontRef idx="minor">
-        <a:schemeClr val="lt1"/>
-      </a:fontRef>
-    </dgm:style>
-  </dgm:styleLbl>
-  <dgm:styleLbl name="parChTrans2D4">
-    <dgm:scene3d>
-      <a:camera prst="orthographicFront"/>
-      <a:lightRig rig="threePt" dir="t"/>
-    </dgm:scene3d>
-    <dgm:sp3d/>
-    <dgm:txPr/>
-    <dgm:style>
-      <a:lnRef idx="2">
-        <a:scrgbClr r="0" g="0" b="0"/>
-      </a:lnRef>
-      <a:fillRef idx="1">
-        <a:scrgbClr r="0" g="0" b="0"/>
-      </a:fillRef>
-      <a:effectRef idx="0">
-        <a:scrgbClr r="0" g="0" b="0"/>
-      </a:effectRef>
-      <a:fontRef idx="minor">
-        <a:schemeClr val="lt1"/>
-      </a:fontRef>
-    </dgm:style>
-  </dgm:styleLbl>
-  <dgm:styleLbl name="parChTrans1D1">
-    <dgm:scene3d>
-      <a:camera prst="orthographicFront"/>
-      <a:lightRig rig="threePt" dir="t"/>
-    </dgm:scene3d>
-    <dgm:sp3d/>
-    <dgm:txPr/>
-    <dgm:style>
-      <a:lnRef idx="2">
-        <a:scrgbClr r="0" g="0" b="0"/>
-      </a:lnRef>
-      <a:fillRef idx="0">
-        <a:scrgbClr r="0" g="0" b="0"/>
-      </a:fillRef>
-      <a:effectRef idx="0">
-        <a:scrgbClr r="0" g="0" b="0"/>
-      </a:effectRef>
-      <a:fontRef idx="minor"/>
-    </dgm:style>
-  </dgm:styleLbl>
-  <dgm:styleLbl name="parChTrans1D2">
-    <dgm:scene3d>
-      <a:camera prst="orthographicFront"/>
-      <a:lightRig rig="threePt" dir="t"/>
-    </dgm:scene3d>
-    <dgm:sp3d/>
-    <dgm:txPr/>
-    <dgm:style>
-      <a:lnRef idx="2">
-        <a:scrgbClr r="0" g="0" b="0"/>
-      </a:lnRef>
-      <a:fillRef idx="0">
-        <a:scrgbClr r="0" g="0" b="0"/>
-      </a:fillRef>
-      <a:effectRef idx="0">
-        <a:scrgbClr r="0" g="0" b="0"/>
-      </a:effectRef>
-      <a:fontRef idx="minor"/>
-    </dgm:style>
-  </dgm:styleLbl>
-  <dgm:styleLbl name="parChTrans1D3">
-    <dgm:scene3d>
-      <a:camera prst="orthographicFront"/>
-      <a:lightRig rig="threePt" dir="t"/>
-    </dgm:scene3d>
-    <dgm:sp3d/>
-    <dgm:txPr/>
-    <dgm:style>
-      <a:lnRef idx="2">
-        <a:scrgbClr r="0" g="0" b="0"/>
-      </a:lnRef>
-      <a:fillRef idx="0">
-        <a:scrgbClr r="0" g="0" b="0"/>
-      </a:fillRef>
-      <a:effectRef idx="0">
-        <a:scrgbClr r="0" g="0" b="0"/>
-      </a:effectRef>
-      <a:fontRef idx="minor"/>
-    </dgm:style>
-  </dgm:styleLbl>
-  <dgm:styleLbl name="parChTrans1D4">
-    <dgm:scene3d>
-      <a:camera prst="orthographicFront"/>
-      <a:lightRig rig="threePt" dir="t"/>
-    </dgm:scene3d>
-    <dgm:sp3d/>
-    <dgm:txPr/>
-    <dgm:style>
-      <a:lnRef idx="2">
-        <a:scrgbClr r="0" g="0" b="0"/>
-      </a:lnRef>
-      <a:fillRef idx="0">
-        <a:scrgbClr r="0" g="0" b="0"/>
-      </a:fillRef>
-      <a:effectRef idx="0">
-        <a:scrgbClr r="0" g="0" b="0"/>
-      </a:effectRef>
-      <a:fontRef idx="minor"/>
-    </dgm:style>
-  </dgm:styleLbl>
-  <dgm:styleLbl name="fgAcc1">
-    <dgm:scene3d>
-      <a:camera prst="orthographicFront"/>
-      <a:lightRig rig="threePt" dir="t"/>
-    </dgm:scene3d>
-    <dgm:sp3d/>
-    <dgm:txPr/>
-    <dgm:style>
-      <a:lnRef idx="2">
-        <a:scrgbClr r="0" g="0" b="0"/>
-      </a:lnRef>
-      <a:fillRef idx="1">
-        <a:scrgbClr r="0" g="0" b="0"/>
-      </a:fillRef>
-      <a:effectRef idx="0">
-        <a:scrgbClr r="0" g="0" b="0"/>
-      </a:effectRef>
-      <a:fontRef idx="minor"/>
-    </dgm:style>
-  </dgm:styleLbl>
-  <dgm:styleLbl name="conFgAcc1">
-    <dgm:scene3d>
-      <a:camera prst="orthographicFront"/>
-      <a:lightRig rig="threePt" dir="t"/>
-    </dgm:scene3d>
-    <dgm:sp3d/>
-    <dgm:txPr/>
-    <dgm:style>
-      <a:lnRef idx="2">
-        <a:scrgbClr r="0" g="0" b="0"/>
-      </a:lnRef>
-      <a:fillRef idx="1">
-        <a:scrgbClr r="0" g="0" b="0"/>
-      </a:fillRef>
-      <a:effectRef idx="0">
-        <a:scrgbClr r="0" g="0" b="0"/>
-      </a:effectRef>
-      <a:fontRef idx="minor"/>
-    </dgm:style>
-  </dgm:styleLbl>
-  <dgm:styleLbl name="alignAcc1">
-    <dgm:scene3d>
-      <a:camera prst="orthographicFront"/>
-      <a:lightRig rig="threePt" dir="t"/>
-    </dgm:scene3d>
-    <dgm:sp3d/>
-    <dgm:txPr/>
-    <dgm:style>
-      <a:lnRef idx="2">
-        <a:scrgbClr r="0" g="0" b="0"/>
-      </a:lnRef>
-      <a:fillRef idx="1">
-        <a:scrgbClr r="0" g="0" b="0"/>
-      </a:fillRef>
-      <a:effectRef idx="0">
-        <a:scrgbClr r="0" g="0" b="0"/>
-      </a:effectRef>
-      <a:fontRef idx="minor"/>
-    </dgm:style>
-  </dgm:styleLbl>
-  <dgm:styleLbl name="trAlignAcc1">
-    <dgm:scene3d>
-      <a:camera prst="orthographicFront"/>
-      <a:lightRig rig="threePt" dir="t"/>
-    </dgm:scene3d>
-    <dgm:sp3d/>
-    <dgm:txPr/>
-    <dgm:style>
-      <a:lnRef idx="1">
-        <a:scrgbClr r="0" g="0" b="0"/>
-      </a:lnRef>
-      <a:fillRef idx="1">
-        <a:scrgbClr r="0" g="0" b="0"/>
-      </a:fillRef>
-      <a:effectRef idx="0">
-        <a:scrgbClr r="0" g="0" b="0"/>
-      </a:effectRef>
-      <a:fontRef idx="minor"/>
-    </dgm:style>
-  </dgm:styleLbl>
-  <dgm:styleLbl name="bgAcc1">
-    <dgm:scene3d>
-      <a:camera prst="orthographicFront"/>
-      <a:lightRig rig="threePt" dir="t"/>
-    </dgm:scene3d>
-    <dgm:sp3d/>
-    <dgm:txPr/>
-    <dgm:style>
-      <a:lnRef idx="2">
-        <a:scrgbClr r="0" g="0" b="0"/>
-      </a:lnRef>
-      <a:fillRef idx="1">
-        <a:scrgbClr r="0" g="0" b="0"/>
-      </a:fillRef>
-      <a:effectRef idx="0">
-        <a:scrgbClr r="0" g="0" b="0"/>
-      </a:effectRef>
-      <a:fontRef idx="minor"/>
-    </dgm:style>
-  </dgm:styleLbl>
-  <dgm:styleLbl name="solidFgAcc1">
-    <dgm:scene3d>
-      <a:camera prst="orthographicFront"/>
-      <a:lightRig rig="threePt" dir="t"/>
-    </dgm:scene3d>
-    <dgm:sp3d/>
-    <dgm:txPr/>
-    <dgm:style>
-      <a:lnRef idx="2">
-        <a:scrgbClr r="0" g="0" b="0"/>
-      </a:lnRef>
-      <a:fillRef idx="1">
-        <a:scrgbClr r="0" g="0" b="0"/>
-      </a:fillRef>
-      <a:effectRef idx="0">
-        <a:scrgbClr r="0" g="0" b="0"/>
-      </a:effectRef>
-      <a:fontRef idx="minor"/>
-    </dgm:style>
-  </dgm:styleLbl>
-  <dgm:styleLbl name="solidAlignAcc1">
-    <dgm:scene3d>
-      <a:camera prst="orthographicFront"/>
-      <a:lightRig rig="threePt" dir="t"/>
-    </dgm:scene3d>
-    <dgm:sp3d/>
-    <dgm:txPr/>
-    <dgm:style>
-      <a:lnRef idx="2">
-        <a:scrgbClr r="0" g="0" b="0"/>
-      </a:lnRef>
-      <a:fillRef idx="1">
-        <a:scrgbClr r="0" g="0" b="0"/>
-      </a:fillRef>
-      <a:effectRef idx="0">
-        <a:scrgbClr r="0" g="0" b="0"/>
-      </a:effectRef>
-      <a:fontRef idx="minor"/>
-    </dgm:style>
-  </dgm:styleLbl>
-  <dgm:styleLbl name="solidBgAcc1">
-    <dgm:scene3d>
-      <a:camera prst="orthographicFront"/>
-      <a:lightRig rig="threePt" dir="t"/>
-    </dgm:scene3d>
-    <dgm:sp3d/>
-    <dgm:txPr/>
-    <dgm:style>
-      <a:lnRef idx="2">
-        <a:scrgbClr r="0" g="0" b="0"/>
-      </a:lnRef>
-      <a:fillRef idx="1">
-        <a:scrgbClr r="0" g="0" b="0"/>
-      </a:fillRef>
-      <a:effectRef idx="0">
-        <a:scrgbClr r="0" g="0" b="0"/>
-      </a:effectRef>
-      <a:fontRef idx="minor"/>
-    </dgm:style>
-  </dgm:styleLbl>
-  <dgm:styleLbl name="fgAccFollowNode1">
-    <dgm:scene3d>
-      <a:camera prst="orthographicFront"/>
-      <a:lightRig rig="threePt" dir="t"/>
-    </dgm:scene3d>
-    <dgm:sp3d/>
-    <dgm:txPr/>
-    <dgm:style>
-      <a:lnRef idx="2">
-        <a:scrgbClr r="0" g="0" b="0"/>
-      </a:lnRef>
-      <a:fillRef idx="1">
-        <a:scrgbClr r="0" g="0" b="0"/>
-      </a:fillRef>
-      <a:effectRef idx="0">
-        <a:scrgbClr r="0" g="0" b="0"/>
-      </a:effectRef>
-      <a:fontRef idx="minor"/>
-    </dgm:style>
-  </dgm:styleLbl>
-  <dgm:styleLbl name="alignAccFollowNode1">
-    <dgm:scene3d>
-      <a:camera prst="orthographicFront"/>
-      <a:lightRig rig="threePt" dir="t"/>
-    </dgm:scene3d>
-    <dgm:sp3d/>
-    <dgm:txPr/>
-    <dgm:style>
-      <a:lnRef idx="2">
-        <a:scrgbClr r="0" g="0" b="0"/>
-      </a:lnRef>
-      <a:fillRef idx="1">
-        <a:scrgbClr r="0" g="0" b="0"/>
-      </a:fillRef>
-      <a:effectRef idx="0">
-        <a:scrgbClr r="0" g="0" b="0"/>
-      </a:effectRef>
-      <a:fontRef idx="minor"/>
-    </dgm:style>
-  </dgm:styleLbl>
-  <dgm:styleLbl name="bgAccFollowNode1">
-    <dgm:scene3d>
-      <a:camera prst="orthographicFront"/>
-      <a:lightRig rig="threePt" dir="t"/>
-    </dgm:scene3d>
-    <dgm:sp3d/>
-    <dgm:txPr/>
-    <dgm:style>
-      <a:lnRef idx="2">
-        <a:scrgbClr r="0" g="0" b="0"/>
-      </a:lnRef>
-      <a:fillRef idx="1">
-        <a:scrgbClr r="0" g="0" b="0"/>
-      </a:fillRef>
-      <a:effectRef idx="0">
-        <a:scrgbClr r="0" g="0" b="0"/>
-      </a:effectRef>
-      <a:fontRef idx="minor"/>
-    </dgm:style>
-  </dgm:styleLbl>
-  <dgm:styleLbl name="fgAcc0">
-    <dgm:scene3d>
-      <a:camera prst="orthographicFront"/>
-      <a:lightRig rig="threePt" dir="t"/>
-    </dgm:scene3d>
-    <dgm:sp3d/>
-    <dgm:txPr/>
-    <dgm:style>
-      <a:lnRef idx="2">
-        <a:scrgbClr r="0" g="0" b="0"/>
-      </a:lnRef>
-      <a:fillRef idx="1">
-        <a:scrgbClr r="0" g="0" b="0"/>
-      </a:fillRef>
-      <a:effectRef idx="0">
-        <a:scrgbClr r="0" g="0" b="0"/>
-      </a:effectRef>
-      <a:fontRef idx="minor"/>
-    </dgm:style>
-  </dgm:styleLbl>
-  <dgm:styleLbl name="fgAcc2">
-    <dgm:scene3d>
-      <a:camera prst="orthographicFront"/>
-      <a:lightRig rig="threePt" dir="t"/>
-    </dgm:scene3d>
-    <dgm:sp3d/>
-    <dgm:txPr/>
-    <dgm:style>
-      <a:lnRef idx="2">
-        <a:scrgbClr r="0" g="0" b="0"/>
-      </a:lnRef>
-      <a:fillRef idx="1">
-        <a:scrgbClr r="0" g="0" b="0"/>
-      </a:fillRef>
-      <a:effectRef idx="0">
-        <a:scrgbClr r="0" g="0" b="0"/>
-      </a:effectRef>
-      <a:fontRef idx="minor"/>
-    </dgm:style>
-  </dgm:styleLbl>
-  <dgm:styleLbl name="fgAcc3">
-    <dgm:scene3d>
-      <a:camera prst="orthographicFront"/>
-      <a:lightRig rig="threePt" dir="t"/>
-    </dgm:scene3d>
-    <dgm:sp3d/>
-    <dgm:txPr/>
-    <dgm:style>
-      <a:lnRef idx="2">
-        <a:scrgbClr r="0" g="0" b="0"/>
-      </a:lnRef>
-      <a:fillRef idx="1">
-        <a:scrgbClr r="0" g="0" b="0"/>
-      </a:fillRef>
-      <a:effectRef idx="0">
-        <a:scrgbClr r="0" g="0" b="0"/>
-      </a:effectRef>
-      <a:fontRef idx="minor"/>
-    </dgm:style>
-  </dgm:styleLbl>
-  <dgm:styleLbl name="fgAcc4">
-    <dgm:scene3d>
-      <a:camera prst="orthographicFront"/>
-      <a:lightRig rig="threePt" dir="t"/>
-    </dgm:scene3d>
-    <dgm:sp3d/>
-    <dgm:txPr/>
-    <dgm:style>
-      <a:lnRef idx="2">
-        <a:scrgbClr r="0" g="0" b="0"/>
-      </a:lnRef>
-      <a:fillRef idx="1">
-        <a:scrgbClr r="0" g="0" b="0"/>
-      </a:fillRef>
-      <a:effectRef idx="0">
-        <a:scrgbClr r="0" g="0" b="0"/>
-      </a:effectRef>
-      <a:fontRef idx="minor"/>
-    </dgm:style>
-  </dgm:styleLbl>
-  <dgm:styleLbl name="bgShp">
-    <dgm:scene3d>
-      <a:camera prst="orthographicFront"/>
-      <a:lightRig rig="threePt" dir="t"/>
-    </dgm:scene3d>
-    <dgm:sp3d/>
-    <dgm:txPr/>
-    <dgm:style>
-      <a:lnRef idx="0">
-        <a:scrgbClr r="0" g="0" b="0"/>
-      </a:lnRef>
-      <a:fillRef idx="1">
-        <a:scrgbClr r="0" g="0" b="0"/>
-      </a:fillRef>
-      <a:effectRef idx="0">
-        <a:scrgbClr r="0" g="0" b="0"/>
-      </a:effectRef>
-      <a:fontRef idx="minor"/>
-    </dgm:style>
-  </dgm:styleLbl>
-  <dgm:styleLbl name="dkBgShp">
-    <dgm:scene3d>
-      <a:camera prst="orthographicFront"/>
-      <a:lightRig rig="threePt" dir="t"/>
-    </dgm:scene3d>
-    <dgm:sp3d/>
-    <dgm:txPr/>
-    <dgm:style>
-      <a:lnRef idx="0">
-        <a:scrgbClr r="0" g="0" b="0"/>
-      </a:lnRef>
-      <a:fillRef idx="1">
-        <a:scrgbClr r="0" g="0" b="0"/>
-      </a:fillRef>
-      <a:effectRef idx="0">
-        <a:scrgbClr r="0" g="0" b="0"/>
-      </a:effectRef>
-      <a:fontRef idx="minor"/>
-    </dgm:style>
-  </dgm:styleLbl>
-  <dgm:styleLbl name="trBgShp">
-    <dgm:scene3d>
-      <a:camera prst="orthographicFront"/>
-      <a:lightRig rig="threePt" dir="t"/>
-    </dgm:scene3d>
-    <dgm:sp3d/>
-    <dgm:txPr/>
-    <dgm:style>
-      <a:lnRef idx="0">
-        <a:scrgbClr r="0" g="0" b="0"/>
-      </a:lnRef>
-      <a:fillRef idx="1">
-        <a:scrgbClr r="0" g="0" b="0"/>
-      </a:fillRef>
-      <a:effectRef idx="0">
-        <a:scrgbClr r="0" g="0" b="0"/>
-      </a:effectRef>
-      <a:fontRef idx="minor"/>
-    </dgm:style>
-  </dgm:styleLbl>
-  <dgm:styleLbl name="fgShp">
-    <dgm:scene3d>
-      <a:camera prst="orthographicFront"/>
-      <a:lightRig rig="threePt" dir="t"/>
-    </dgm:scene3d>
-    <dgm:sp3d/>
-    <dgm:txPr/>
-    <dgm:style>
-      <a:lnRef idx="2">
-        <a:scrgbClr r="0" g="0" b="0"/>
-      </a:lnRef>
-      <a:fillRef idx="1">
-        <a:scrgbClr r="0" g="0" b="0"/>
-      </a:fillRef>
-      <a:effectRef idx="0">
-        <a:scrgbClr r="0" g="0" b="0"/>
-      </a:effectRef>
-      <a:fontRef idx="minor"/>
-    </dgm:style>
-  </dgm:styleLbl>
-  <dgm:styleLbl name="revTx">
-    <dgm:scene3d>
-      <a:camera prst="orthographicFront"/>
-      <a:lightRig rig="threePt" dir="t"/>
-    </dgm:scene3d>
-    <dgm:sp3d/>
-    <dgm:txPr/>
-    <dgm:style>
-      <a:lnRef idx="0">
-        <a:scrgbClr r="0" g="0" b="0"/>
-      </a:lnRef>
-      <a:fillRef idx="0">
-        <a:scrgbClr r="0" g="0" b="0"/>
-      </a:fillRef>
-      <a:effectRef idx="0">
-        <a:scrgbClr r="0" g="0" b="0"/>
-      </a:effectRef>
-      <a:fontRef idx="minor"/>
-    </dgm:style>
-  </dgm:styleLbl>
-</dgm:styleDef>
-</file>
-
 <file path=ppt/handoutMasters/handoutMaster1.xml><?xml version="1.0" encoding="utf-8"?>
 <p:handoutMaster xmlns:a="http://schemas.openxmlformats.org/drawingml/2006/main" xmlns:r="http://schemas.openxmlformats.org/officeDocument/2006/relationships" xmlns:p="http://schemas.openxmlformats.org/presentationml/2006/main">
   <p:cSld>
@@ -5636,7 +233,7 @@
             <a:pPr rtl="0"/>
             <a:fld id="{CD24227C-3F79-4894-AF29-54EEA2F15D74}" type="datetime1">
               <a:rPr lang="pt-PT" smtClean="0"/>
-              <a:t>15/06/2022</a:t>
+              <a:t>17/06/2022</a:t>
             </a:fld>
             <a:endParaRPr lang="pt-PT"/>
           </a:p>
@@ -5818,7 +415,7 @@
             <a:pPr rtl="0"/>
             <a:fld id="{C3A83782-9536-4DB3-B57F-39CC12543AF1}" type="datetime1">
               <a:rPr lang="pt-PT" smtClean="0"/>
-              <a:t>15/06/2022</a:t>
+              <a:t>17/06/2022</a:t>
             </a:fld>
             <a:endParaRPr lang="pt-PT"/>
           </a:p>
@@ -6186,7 +783,7 @@
             <a:pPr rtl="0"/>
             <a:fld id="{53D44CF9-213B-4D28-B0A4-B7B434E666D1}" type="datetime1">
               <a:rPr lang="pt-PT" smtClean="0"/>
-              <a:t>15/06/2022</a:t>
+              <a:t>17/06/2022</a:t>
             </a:fld>
             <a:endParaRPr lang="pt-PT"/>
           </a:p>
@@ -6302,7 +899,7 @@
             <a:pPr rtl="0"/>
             <a:fld id="{F7927A80-0518-495D-975A-9D7938BC7105}" type="datetime1">
               <a:rPr lang="pt-PT" smtClean="0"/>
-              <a:t>15/06/2022</a:t>
+              <a:t>17/06/2022</a:t>
             </a:fld>
             <a:endParaRPr lang="pt-PT"/>
           </a:p>
@@ -6418,7 +1015,7 @@
             <a:pPr rtl="0"/>
             <a:fld id="{13411083-A9F7-4F08-90CE-118CFAE51AF2}" type="datetime1">
               <a:rPr lang="pt-PT" smtClean="0"/>
-              <a:t>15/06/2022</a:t>
+              <a:t>17/06/2022</a:t>
             </a:fld>
             <a:endParaRPr lang="pt-PT"/>
           </a:p>
@@ -6428,469 +1025,6 @@
     <p:extLst>
       <p:ext uri="{BB962C8B-B14F-4D97-AF65-F5344CB8AC3E}">
         <p14:creationId xmlns:p14="http://schemas.microsoft.com/office/powerpoint/2010/main" val="1586550175"/>
-      </p:ext>
-    </p:extLst>
-  </p:cSld>
-  <p:clrMapOvr>
-    <a:masterClrMapping/>
-  </p:clrMapOvr>
-</p:notes>
-</file>
-
-<file path=ppt/notesSlides/notesSlide4.xml><?xml version="1.0" encoding="utf-8"?>
-<p:notes xmlns:a="http://schemas.openxmlformats.org/drawingml/2006/main" xmlns:r="http://schemas.openxmlformats.org/officeDocument/2006/relationships" xmlns:p="http://schemas.openxmlformats.org/presentationml/2006/main">
-  <p:cSld>
-    <p:spTree>
-      <p:nvGrpSpPr>
-        <p:cNvPr id="1" name=""/>
-        <p:cNvGrpSpPr/>
-        <p:nvPr/>
-      </p:nvGrpSpPr>
-      <p:grpSpPr>
-        <a:xfrm>
-          <a:off x="0" y="0"/>
-          <a:ext cx="0" cy="0"/>
-          <a:chOff x="0" y="0"/>
-          <a:chExt cx="0" cy="0"/>
-        </a:xfrm>
-      </p:grpSpPr>
-      <p:sp>
-        <p:nvSpPr>
-          <p:cNvPr id="2" name="Marcador de Posição da Imagem do Diapositivo 1"/>
-          <p:cNvSpPr>
-            <a:spLocks noGrp="1" noRot="1" noChangeAspect="1"/>
-          </p:cNvSpPr>
-          <p:nvPr>
-            <p:ph type="sldImg"/>
-          </p:nvPr>
-        </p:nvSpPr>
-        <p:spPr/>
-      </p:sp>
-      <p:sp>
-        <p:nvSpPr>
-          <p:cNvPr id="3" name="Marcador de Posição de Notas 2"/>
-          <p:cNvSpPr>
-            <a:spLocks noGrp="1"/>
-          </p:cNvSpPr>
-          <p:nvPr>
-            <p:ph type="body" idx="1"/>
-          </p:nvPr>
-        </p:nvSpPr>
-        <p:spPr/>
-        <p:txBody>
-          <a:bodyPr rtlCol="0"/>
-          <a:lstStyle/>
-          <a:p>
-            <a:pPr rtl="0"/>
-            <a:endParaRPr lang="pt-PT" dirty="0"/>
-          </a:p>
-        </p:txBody>
-      </p:sp>
-      <p:sp>
-        <p:nvSpPr>
-          <p:cNvPr id="4" name="Marcador de Posição do Número do Diapositivo 3"/>
-          <p:cNvSpPr>
-            <a:spLocks noGrp="1"/>
-          </p:cNvSpPr>
-          <p:nvPr>
-            <p:ph type="sldNum" sz="quarter" idx="5"/>
-          </p:nvPr>
-        </p:nvSpPr>
-        <p:spPr/>
-        <p:txBody>
-          <a:bodyPr rtlCol="0"/>
-          <a:lstStyle/>
-          <a:p>
-            <a:pPr rtl="0"/>
-            <a:fld id="{1983A999-5E0E-42CA-8400-604AE921FF7C}" type="slidenum">
-              <a:rPr lang="pt-PT" smtClean="0"/>
-              <a:t>7</a:t>
-            </a:fld>
-            <a:endParaRPr lang="pt-PT"/>
-          </a:p>
-        </p:txBody>
-      </p:sp>
-      <p:sp>
-        <p:nvSpPr>
-          <p:cNvPr id="5" name="Marcador de Posição da Data 4">
-            <a:extLst>
-              <a:ext uri="{FF2B5EF4-FFF2-40B4-BE49-F238E27FC236}">
-                <a16:creationId xmlns:a16="http://schemas.microsoft.com/office/drawing/2014/main" id="{0FA1A291-13DC-4E62-BA46-64102436C241}"/>
-              </a:ext>
-            </a:extLst>
-          </p:cNvPr>
-          <p:cNvSpPr>
-            <a:spLocks noGrp="1"/>
-          </p:cNvSpPr>
-          <p:nvPr>
-            <p:ph type="dt" idx="1"/>
-          </p:nvPr>
-        </p:nvSpPr>
-        <p:spPr/>
-        <p:txBody>
-          <a:bodyPr/>
-          <a:lstStyle/>
-          <a:p>
-            <a:pPr rtl="0"/>
-            <a:fld id="{5DED718D-ECA9-43FE-A60A-2B1EAFB35CEE}" type="datetime1">
-              <a:rPr lang="pt-PT" smtClean="0"/>
-              <a:t>15/06/2022</a:t>
-            </a:fld>
-            <a:endParaRPr lang="pt-PT"/>
-          </a:p>
-        </p:txBody>
-      </p:sp>
-    </p:spTree>
-    <p:extLst>
-      <p:ext uri="{BB962C8B-B14F-4D97-AF65-F5344CB8AC3E}">
-        <p14:creationId xmlns:p14="http://schemas.microsoft.com/office/powerpoint/2010/main" val="396330408"/>
-      </p:ext>
-    </p:extLst>
-  </p:cSld>
-  <p:clrMapOvr>
-    <a:masterClrMapping/>
-  </p:clrMapOvr>
-</p:notes>
-</file>
-
-<file path=ppt/notesSlides/notesSlide5.xml><?xml version="1.0" encoding="utf-8"?>
-<p:notes xmlns:a="http://schemas.openxmlformats.org/drawingml/2006/main" xmlns:r="http://schemas.openxmlformats.org/officeDocument/2006/relationships" xmlns:p="http://schemas.openxmlformats.org/presentationml/2006/main">
-  <p:cSld>
-    <p:spTree>
-      <p:nvGrpSpPr>
-        <p:cNvPr id="1" name=""/>
-        <p:cNvGrpSpPr/>
-        <p:nvPr/>
-      </p:nvGrpSpPr>
-      <p:grpSpPr>
-        <a:xfrm>
-          <a:off x="0" y="0"/>
-          <a:ext cx="0" cy="0"/>
-          <a:chOff x="0" y="0"/>
-          <a:chExt cx="0" cy="0"/>
-        </a:xfrm>
-      </p:grpSpPr>
-      <p:sp>
-        <p:nvSpPr>
-          <p:cNvPr id="2" name="Marcador de Posição da Imagem do Diapositivo 1"/>
-          <p:cNvSpPr>
-            <a:spLocks noGrp="1" noRot="1" noChangeAspect="1"/>
-          </p:cNvSpPr>
-          <p:nvPr>
-            <p:ph type="sldImg"/>
-          </p:nvPr>
-        </p:nvSpPr>
-        <p:spPr/>
-      </p:sp>
-      <p:sp>
-        <p:nvSpPr>
-          <p:cNvPr id="3" name="Marcador de Posição de Notas 2"/>
-          <p:cNvSpPr>
-            <a:spLocks noGrp="1"/>
-          </p:cNvSpPr>
-          <p:nvPr>
-            <p:ph type="body" idx="1"/>
-          </p:nvPr>
-        </p:nvSpPr>
-        <p:spPr/>
-        <p:txBody>
-          <a:bodyPr rtlCol="0"/>
-          <a:lstStyle/>
-          <a:p>
-            <a:pPr rtl="0"/>
-            <a:endParaRPr lang="pt-PT"/>
-          </a:p>
-        </p:txBody>
-      </p:sp>
-      <p:sp>
-        <p:nvSpPr>
-          <p:cNvPr id="4" name="Marcador de Posição do Número do Diapositivo 3"/>
-          <p:cNvSpPr>
-            <a:spLocks noGrp="1"/>
-          </p:cNvSpPr>
-          <p:nvPr>
-            <p:ph type="sldNum" sz="quarter" idx="10"/>
-          </p:nvPr>
-        </p:nvSpPr>
-        <p:spPr/>
-        <p:txBody>
-          <a:bodyPr rtlCol="0"/>
-          <a:lstStyle/>
-          <a:p>
-            <a:pPr rtl="0"/>
-            <a:fld id="{32DC0559-D619-4E56-BF6F-3712370C2150}" type="slidenum">
-              <a:rPr lang="pt-PT" smtClean="0"/>
-              <a:t>8</a:t>
-            </a:fld>
-            <a:endParaRPr lang="pt-PT"/>
-          </a:p>
-        </p:txBody>
-      </p:sp>
-      <p:sp>
-        <p:nvSpPr>
-          <p:cNvPr id="5" name="Marcador de Posição da Data 4">
-            <a:extLst>
-              <a:ext uri="{FF2B5EF4-FFF2-40B4-BE49-F238E27FC236}">
-                <a16:creationId xmlns:a16="http://schemas.microsoft.com/office/drawing/2014/main" id="{7A05BE00-41E4-43B7-862C-55F0E1D3F3F9}"/>
-              </a:ext>
-            </a:extLst>
-          </p:cNvPr>
-          <p:cNvSpPr>
-            <a:spLocks noGrp="1"/>
-          </p:cNvSpPr>
-          <p:nvPr>
-            <p:ph type="dt" idx="1"/>
-          </p:nvPr>
-        </p:nvSpPr>
-        <p:spPr/>
-        <p:txBody>
-          <a:bodyPr/>
-          <a:lstStyle/>
-          <a:p>
-            <a:pPr rtl="0"/>
-            <a:fld id="{00505084-6872-4011-B963-6CC5014B384B}" type="datetime1">
-              <a:rPr lang="pt-PT" smtClean="0"/>
-              <a:t>15/06/2022</a:t>
-            </a:fld>
-            <a:endParaRPr lang="pt-PT"/>
-          </a:p>
-        </p:txBody>
-      </p:sp>
-    </p:spTree>
-    <p:extLst>
-      <p:ext uri="{BB962C8B-B14F-4D97-AF65-F5344CB8AC3E}">
-        <p14:creationId xmlns:p14="http://schemas.microsoft.com/office/powerpoint/2010/main" val="514541281"/>
-      </p:ext>
-    </p:extLst>
-  </p:cSld>
-  <p:clrMapOvr>
-    <a:masterClrMapping/>
-  </p:clrMapOvr>
-</p:notes>
-</file>
-
-<file path=ppt/notesSlides/notesSlide6.xml><?xml version="1.0" encoding="utf-8"?>
-<p:notes xmlns:a="http://schemas.openxmlformats.org/drawingml/2006/main" xmlns:r="http://schemas.openxmlformats.org/officeDocument/2006/relationships" xmlns:p="http://schemas.openxmlformats.org/presentationml/2006/main">
-  <p:cSld>
-    <p:spTree>
-      <p:nvGrpSpPr>
-        <p:cNvPr id="1" name=""/>
-        <p:cNvGrpSpPr/>
-        <p:nvPr/>
-      </p:nvGrpSpPr>
-      <p:grpSpPr>
-        <a:xfrm>
-          <a:off x="0" y="0"/>
-          <a:ext cx="0" cy="0"/>
-          <a:chOff x="0" y="0"/>
-          <a:chExt cx="0" cy="0"/>
-        </a:xfrm>
-      </p:grpSpPr>
-      <p:sp>
-        <p:nvSpPr>
-          <p:cNvPr id="2" name="Marcador de Posição da Imagem do Diapositivo 1"/>
-          <p:cNvSpPr>
-            <a:spLocks noGrp="1" noRot="1" noChangeAspect="1"/>
-          </p:cNvSpPr>
-          <p:nvPr>
-            <p:ph type="sldImg"/>
-          </p:nvPr>
-        </p:nvSpPr>
-        <p:spPr/>
-      </p:sp>
-      <p:sp>
-        <p:nvSpPr>
-          <p:cNvPr id="3" name="Marcador de Posição de Notas 2"/>
-          <p:cNvSpPr>
-            <a:spLocks noGrp="1"/>
-          </p:cNvSpPr>
-          <p:nvPr>
-            <p:ph type="body" idx="1"/>
-          </p:nvPr>
-        </p:nvSpPr>
-        <p:spPr/>
-        <p:txBody>
-          <a:bodyPr/>
-          <a:lstStyle/>
-          <a:p>
-            <a:endParaRPr lang="pt-PT" dirty="0"/>
-          </a:p>
-        </p:txBody>
-      </p:sp>
-      <p:sp>
-        <p:nvSpPr>
-          <p:cNvPr id="4" name="Marcador de Posição do Número do Diapositivo 3"/>
-          <p:cNvSpPr>
-            <a:spLocks noGrp="1"/>
-          </p:cNvSpPr>
-          <p:nvPr>
-            <p:ph type="sldNum" sz="quarter" idx="5"/>
-          </p:nvPr>
-        </p:nvSpPr>
-        <p:spPr/>
-        <p:txBody>
-          <a:bodyPr/>
-          <a:lstStyle/>
-          <a:p>
-            <a:pPr rtl="0"/>
-            <a:fld id="{E7CCE34D-CFF1-4FFE-815B-D050E7ED2DFD}" type="slidenum">
-              <a:rPr lang="pt-PT" smtClean="0"/>
-              <a:t>9</a:t>
-            </a:fld>
-            <a:endParaRPr lang="pt-PT"/>
-          </a:p>
-        </p:txBody>
-      </p:sp>
-      <p:sp>
-        <p:nvSpPr>
-          <p:cNvPr id="5" name="Marcador de Posição da Data 4">
-            <a:extLst>
-              <a:ext uri="{FF2B5EF4-FFF2-40B4-BE49-F238E27FC236}">
-                <a16:creationId xmlns:a16="http://schemas.microsoft.com/office/drawing/2014/main" id="{FC03D8EF-DF79-4CFB-8BF8-C0E6C910C425}"/>
-              </a:ext>
-            </a:extLst>
-          </p:cNvPr>
-          <p:cNvSpPr>
-            <a:spLocks noGrp="1"/>
-          </p:cNvSpPr>
-          <p:nvPr>
-            <p:ph type="dt" idx="1"/>
-          </p:nvPr>
-        </p:nvSpPr>
-        <p:spPr/>
-        <p:txBody>
-          <a:bodyPr/>
-          <a:lstStyle/>
-          <a:p>
-            <a:pPr rtl="0"/>
-            <a:fld id="{7953984E-1153-48CC-87DF-DE9A318ADA86}" type="datetime1">
-              <a:rPr lang="pt-PT" smtClean="0"/>
-              <a:t>15/06/2022</a:t>
-            </a:fld>
-            <a:endParaRPr lang="pt-PT"/>
-          </a:p>
-        </p:txBody>
-      </p:sp>
-    </p:spTree>
-    <p:extLst>
-      <p:ext uri="{BB962C8B-B14F-4D97-AF65-F5344CB8AC3E}">
-        <p14:creationId xmlns:p14="http://schemas.microsoft.com/office/powerpoint/2010/main" val="663615940"/>
-      </p:ext>
-    </p:extLst>
-  </p:cSld>
-  <p:clrMapOvr>
-    <a:masterClrMapping/>
-  </p:clrMapOvr>
-</p:notes>
-</file>
-
-<file path=ppt/notesSlides/notesSlide7.xml><?xml version="1.0" encoding="utf-8"?>
-<p:notes xmlns:a="http://schemas.openxmlformats.org/drawingml/2006/main" xmlns:r="http://schemas.openxmlformats.org/officeDocument/2006/relationships" xmlns:p="http://schemas.openxmlformats.org/presentationml/2006/main">
-  <p:cSld>
-    <p:spTree>
-      <p:nvGrpSpPr>
-        <p:cNvPr id="1" name=""/>
-        <p:cNvGrpSpPr/>
-        <p:nvPr/>
-      </p:nvGrpSpPr>
-      <p:grpSpPr>
-        <a:xfrm>
-          <a:off x="0" y="0"/>
-          <a:ext cx="0" cy="0"/>
-          <a:chOff x="0" y="0"/>
-          <a:chExt cx="0" cy="0"/>
-        </a:xfrm>
-      </p:grpSpPr>
-      <p:sp>
-        <p:nvSpPr>
-          <p:cNvPr id="2" name="Marcador de Posição da Imagem do Diapositivo 1"/>
-          <p:cNvSpPr>
-            <a:spLocks noGrp="1" noRot="1" noChangeAspect="1"/>
-          </p:cNvSpPr>
-          <p:nvPr>
-            <p:ph type="sldImg"/>
-          </p:nvPr>
-        </p:nvSpPr>
-        <p:spPr/>
-      </p:sp>
-      <p:sp>
-        <p:nvSpPr>
-          <p:cNvPr id="3" name="Marcador de Posição de Notas 2"/>
-          <p:cNvSpPr>
-            <a:spLocks noGrp="1"/>
-          </p:cNvSpPr>
-          <p:nvPr>
-            <p:ph type="body" idx="1"/>
-          </p:nvPr>
-        </p:nvSpPr>
-        <p:spPr/>
-        <p:txBody>
-          <a:bodyPr rtlCol="0"/>
-          <a:lstStyle/>
-          <a:p>
-            <a:pPr rtl="0"/>
-            <a:endParaRPr lang="pt-PT" dirty="0"/>
-          </a:p>
-        </p:txBody>
-      </p:sp>
-      <p:sp>
-        <p:nvSpPr>
-          <p:cNvPr id="4" name="Marcador de Posição do Número do Diapositivo 3"/>
-          <p:cNvSpPr>
-            <a:spLocks noGrp="1"/>
-          </p:cNvSpPr>
-          <p:nvPr>
-            <p:ph type="sldNum" sz="quarter" idx="5"/>
-          </p:nvPr>
-        </p:nvSpPr>
-        <p:spPr/>
-        <p:txBody>
-          <a:bodyPr rtlCol="0"/>
-          <a:lstStyle/>
-          <a:p>
-            <a:pPr rtl="0"/>
-            <a:fld id="{1983A999-5E0E-42CA-8400-604AE921FF7C}" type="slidenum">
-              <a:rPr lang="pt-PT" smtClean="0"/>
-              <a:t>10</a:t>
-            </a:fld>
-            <a:endParaRPr lang="pt-PT"/>
-          </a:p>
-        </p:txBody>
-      </p:sp>
-      <p:sp>
-        <p:nvSpPr>
-          <p:cNvPr id="5" name="Marcador de Posição da Data 4">
-            <a:extLst>
-              <a:ext uri="{FF2B5EF4-FFF2-40B4-BE49-F238E27FC236}">
-                <a16:creationId xmlns:a16="http://schemas.microsoft.com/office/drawing/2014/main" id="{E417EB28-99D4-4647-8F87-064E84CA8505}"/>
-              </a:ext>
-            </a:extLst>
-          </p:cNvPr>
-          <p:cNvSpPr>
-            <a:spLocks noGrp="1"/>
-          </p:cNvSpPr>
-          <p:nvPr>
-            <p:ph type="dt" idx="1"/>
-          </p:nvPr>
-        </p:nvSpPr>
-        <p:spPr/>
-        <p:txBody>
-          <a:bodyPr/>
-          <a:lstStyle/>
-          <a:p>
-            <a:pPr rtl="0"/>
-            <a:fld id="{799AC377-C9F6-4CA6-B6A7-56B6FC3EB8CF}" type="datetime1">
-              <a:rPr lang="pt-PT" smtClean="0"/>
-              <a:t>15/06/2022</a:t>
-            </a:fld>
-            <a:endParaRPr lang="pt-PT"/>
-          </a:p>
-        </p:txBody>
-      </p:sp>
-    </p:spTree>
-    <p:extLst>
-      <p:ext uri="{BB962C8B-B14F-4D97-AF65-F5344CB8AC3E}">
-        <p14:creationId xmlns:p14="http://schemas.microsoft.com/office/powerpoint/2010/main" val="4150892672"/>
       </p:ext>
     </p:extLst>
   </p:cSld>
@@ -19149,529 +13283,6 @@
 </p:sld>
 </file>
 
-<file path=ppt/slides/slide10.xml><?xml version="1.0" encoding="utf-8"?>
-<p:sld xmlns:a="http://schemas.openxmlformats.org/drawingml/2006/main" xmlns:r="http://schemas.openxmlformats.org/officeDocument/2006/relationships" xmlns:p="http://schemas.openxmlformats.org/presentationml/2006/main">
-  <p:cSld>
-    <p:spTree>
-      <p:nvGrpSpPr>
-        <p:cNvPr id="1" name=""/>
-        <p:cNvGrpSpPr/>
-        <p:nvPr/>
-      </p:nvGrpSpPr>
-      <p:grpSpPr>
-        <a:xfrm>
-          <a:off x="0" y="0"/>
-          <a:ext cx="0" cy="0"/>
-          <a:chOff x="0" y="0"/>
-          <a:chExt cx="0" cy="0"/>
-        </a:xfrm>
-      </p:grpSpPr>
-      <p:sp>
-        <p:nvSpPr>
-          <p:cNvPr id="11" name="Título 10">
-            <a:extLst>
-              <a:ext uri="{FF2B5EF4-FFF2-40B4-BE49-F238E27FC236}">
-                <a16:creationId xmlns:a16="http://schemas.microsoft.com/office/drawing/2014/main" id="{581E8936-2270-47FE-94A4-398CB123EF90}"/>
-              </a:ext>
-            </a:extLst>
-          </p:cNvPr>
-          <p:cNvSpPr>
-            <a:spLocks noGrp="1"/>
-          </p:cNvSpPr>
-          <p:nvPr>
-            <p:ph type="title"/>
-          </p:nvPr>
-        </p:nvSpPr>
-        <p:spPr>
-          <a:xfrm>
-            <a:off x="550863" y="4508500"/>
-            <a:ext cx="4500562" cy="1562959"/>
-          </a:xfrm>
-        </p:spPr>
-        <p:txBody>
-          <a:bodyPr rtlCol="0"/>
-          <a:lstStyle/>
-          <a:p>
-            <a:pPr rtl="0"/>
-            <a:r>
-              <a:rPr lang="pt-PT"/>
-              <a:t>Resumo</a:t>
-            </a:r>
-          </a:p>
-        </p:txBody>
-      </p:sp>
-      <p:pic>
-        <p:nvPicPr>
-          <p:cNvPr id="16" name="Marcador de Posição da Imagem 15" descr="Fundo Digital com Pontos de Dados">
-            <a:extLst>
-              <a:ext uri="{FF2B5EF4-FFF2-40B4-BE49-F238E27FC236}">
-                <a16:creationId xmlns:a16="http://schemas.microsoft.com/office/drawing/2014/main" id="{361E9ADB-7377-4CF1-9AE4-AEFBDEBEEEEC}"/>
-              </a:ext>
-            </a:extLst>
-          </p:cNvPr>
-          <p:cNvPicPr>
-            <a:picLocks noGrp="1" noChangeAspect="1"/>
-          </p:cNvPicPr>
-          <p:nvPr>
-            <p:ph type="pic" sz="quarter" idx="13"/>
-          </p:nvPr>
-        </p:nvPicPr>
-        <p:blipFill rotWithShape="1">
-          <a:blip r:embed="rId3" cstate="screen">
-            <a:extLst>
-              <a:ext uri="{28A0092B-C50C-407E-A947-70E740481C1C}">
-                <a14:useLocalDpi xmlns:a14="http://schemas.microsoft.com/office/drawing/2010/main" val="0"/>
-              </a:ext>
-            </a:extLst>
-          </a:blip>
-          <a:srcRect/>
-          <a:stretch/>
-        </p:blipFill>
-        <p:spPr>
-          <a:xfrm>
-            <a:off x="0" y="0"/>
-            <a:ext cx="12192000" cy="3776472"/>
-          </a:xfrm>
-        </p:spPr>
-      </p:pic>
-      <p:sp>
-        <p:nvSpPr>
-          <p:cNvPr id="13" name="Marcador de Posição de Conteúdo 12">
-            <a:extLst>
-              <a:ext uri="{FF2B5EF4-FFF2-40B4-BE49-F238E27FC236}">
-                <a16:creationId xmlns:a16="http://schemas.microsoft.com/office/drawing/2014/main" id="{C0287FEC-3826-4868-8D93-52429C6156F5}"/>
-              </a:ext>
-            </a:extLst>
-          </p:cNvPr>
-          <p:cNvSpPr>
-            <a:spLocks noGrp="1"/>
-          </p:cNvSpPr>
-          <p:nvPr>
-            <p:ph sz="quarter" idx="15"/>
-          </p:nvPr>
-        </p:nvSpPr>
-        <p:spPr>
-          <a:xfrm>
-            <a:off x="5262411" y="4508500"/>
-            <a:ext cx="6221412" cy="1563688"/>
-          </a:xfrm>
-        </p:spPr>
-        <p:txBody>
-          <a:bodyPr rtlCol="0">
-            <a:noAutofit/>
-          </a:bodyPr>
-          <a:lstStyle/>
-          <a:p>
-            <a:pPr rtl="0"/>
-            <a:r>
-              <a:rPr lang="pt-PT" sz="1800" dirty="0"/>
-              <a:t>Com o PowerPoint, pode criar apresentações e partilhar o seu trabalho com outras pessoas, onde quer que estejam. Para começar, escreva aqui o texto que pretende. Também pode adicionar imagens, ilustrações e vídeos neste modelo. Guarde no OneDrive e aceda às suas apresentações a partir do seu computador, tablet ou telemóvel. </a:t>
-            </a:r>
-          </a:p>
-        </p:txBody>
-      </p:sp>
-      <p:sp>
-        <p:nvSpPr>
-          <p:cNvPr id="4" name="Marcador de Posição da Data 3">
-            <a:extLst>
-              <a:ext uri="{FF2B5EF4-FFF2-40B4-BE49-F238E27FC236}">
-                <a16:creationId xmlns:a16="http://schemas.microsoft.com/office/drawing/2014/main" id="{0C329F70-04F7-4C70-BCF8-D4371F54EF2F}"/>
-              </a:ext>
-            </a:extLst>
-          </p:cNvPr>
-          <p:cNvSpPr>
-            <a:spLocks noGrp="1"/>
-          </p:cNvSpPr>
-          <p:nvPr>
-            <p:ph type="dt" sz="half" idx="10"/>
-          </p:nvPr>
-        </p:nvSpPr>
-        <p:spPr>
-          <a:xfrm>
-            <a:off x="550863" y="6507212"/>
-            <a:ext cx="2628900" cy="153888"/>
-          </a:xfrm>
-        </p:spPr>
-        <p:txBody>
-          <a:bodyPr rtlCol="0"/>
-          <a:lstStyle/>
-          <a:p>
-            <a:pPr rtl="0"/>
-            <a:r>
-              <a:rPr lang="pt-PT"/>
-              <a:t>Terça-feira, 2 de fevereiro de 20XX</a:t>
-            </a:r>
-            <a:endParaRPr lang="pt-PT" dirty="0"/>
-          </a:p>
-        </p:txBody>
-      </p:sp>
-      <p:sp>
-        <p:nvSpPr>
-          <p:cNvPr id="5" name="Marcador de Posição do Rodapé 4">
-            <a:extLst>
-              <a:ext uri="{FF2B5EF4-FFF2-40B4-BE49-F238E27FC236}">
-                <a16:creationId xmlns:a16="http://schemas.microsoft.com/office/drawing/2014/main" id="{06A3302E-502D-4151-81C9-5FD6AF9596D6}"/>
-              </a:ext>
-            </a:extLst>
-          </p:cNvPr>
-          <p:cNvSpPr>
-            <a:spLocks noGrp="1"/>
-          </p:cNvSpPr>
-          <p:nvPr>
-            <p:ph type="ftr" sz="quarter" idx="11"/>
-          </p:nvPr>
-        </p:nvSpPr>
-        <p:spPr>
-          <a:xfrm>
-            <a:off x="3359150" y="6507212"/>
-            <a:ext cx="6379210" cy="153888"/>
-          </a:xfrm>
-        </p:spPr>
-        <p:txBody>
-          <a:bodyPr rtlCol="0"/>
-          <a:lstStyle/>
-          <a:p>
-            <a:pPr rtl="0"/>
-            <a:r>
-              <a:rPr lang="pt-PT"/>
-              <a:t>Texto de Rodapé de Exemplo</a:t>
-            </a:r>
-          </a:p>
-        </p:txBody>
-      </p:sp>
-      <p:sp>
-        <p:nvSpPr>
-          <p:cNvPr id="6" name="Marcador de Posição do Número do Diapositivo 5">
-            <a:extLst>
-              <a:ext uri="{FF2B5EF4-FFF2-40B4-BE49-F238E27FC236}">
-                <a16:creationId xmlns:a16="http://schemas.microsoft.com/office/drawing/2014/main" id="{9ED907F8-C614-4D59-A03F-BF9CD5E35703}"/>
-              </a:ext>
-            </a:extLst>
-          </p:cNvPr>
-          <p:cNvSpPr>
-            <a:spLocks noGrp="1"/>
-          </p:cNvSpPr>
-          <p:nvPr>
-            <p:ph type="sldNum" sz="quarter" idx="12"/>
-          </p:nvPr>
-        </p:nvSpPr>
-        <p:spPr>
-          <a:xfrm>
-            <a:off x="9948863" y="6507212"/>
-            <a:ext cx="1692274" cy="153888"/>
-          </a:xfrm>
-        </p:spPr>
-        <p:txBody>
-          <a:bodyPr rtlCol="0"/>
-          <a:lstStyle/>
-          <a:p>
-            <a:pPr rtl="0"/>
-            <a:fld id="{DBA1B0FB-D917-4C8C-928F-313BD683BF39}" type="slidenum">
-              <a:rPr lang="pt-PT" smtClean="0"/>
-              <a:pPr rtl="0"/>
-              <a:t>10</a:t>
-            </a:fld>
-            <a:endParaRPr lang="pt-PT"/>
-          </a:p>
-        </p:txBody>
-      </p:sp>
-    </p:spTree>
-    <p:extLst>
-      <p:ext uri="{BB962C8B-B14F-4D97-AF65-F5344CB8AC3E}">
-        <p14:creationId xmlns:p14="http://schemas.microsoft.com/office/powerpoint/2010/main" val="3521561301"/>
-      </p:ext>
-    </p:extLst>
-  </p:cSld>
-  <p:clrMapOvr>
-    <a:masterClrMapping/>
-  </p:clrMapOvr>
-</p:sld>
-</file>
-
-<file path=ppt/slides/slide11.xml><?xml version="1.0" encoding="utf-8"?>
-<p:sld xmlns:a="http://schemas.openxmlformats.org/drawingml/2006/main" xmlns:r="http://schemas.openxmlformats.org/officeDocument/2006/relationships" xmlns:p="http://schemas.openxmlformats.org/presentationml/2006/main">
-  <p:cSld>
-    <p:spTree>
-      <p:nvGrpSpPr>
-        <p:cNvPr id="1" name=""/>
-        <p:cNvGrpSpPr/>
-        <p:nvPr/>
-      </p:nvGrpSpPr>
-      <p:grpSpPr>
-        <a:xfrm>
-          <a:off x="0" y="0"/>
-          <a:ext cx="0" cy="0"/>
-          <a:chOff x="0" y="0"/>
-          <a:chExt cx="0" cy="0"/>
-        </a:xfrm>
-      </p:grpSpPr>
-      <p:sp>
-        <p:nvSpPr>
-          <p:cNvPr id="22" name="Título 21">
-            <a:extLst>
-              <a:ext uri="{FF2B5EF4-FFF2-40B4-BE49-F238E27FC236}">
-                <a16:creationId xmlns:a16="http://schemas.microsoft.com/office/drawing/2014/main" id="{F8FAEED9-1ECD-45F9-87A0-9394BAEABB79}"/>
-              </a:ext>
-            </a:extLst>
-          </p:cNvPr>
-          <p:cNvSpPr>
-            <a:spLocks noGrp="1"/>
-          </p:cNvSpPr>
-          <p:nvPr>
-            <p:ph type="ctrTitle"/>
-          </p:nvPr>
-        </p:nvSpPr>
-        <p:spPr>
-          <a:xfrm>
-            <a:off x="550863" y="549275"/>
-            <a:ext cx="5437187" cy="2986234"/>
-          </a:xfrm>
-        </p:spPr>
-        <p:txBody>
-          <a:bodyPr rtlCol="0"/>
-          <a:lstStyle/>
-          <a:p>
-            <a:pPr rtl="0"/>
-            <a:r>
-              <a:rPr lang="pt-PT"/>
-              <a:t>Obrigado</a:t>
-            </a:r>
-          </a:p>
-        </p:txBody>
-      </p:sp>
-      <p:sp>
-        <p:nvSpPr>
-          <p:cNvPr id="23" name="Subtítulo 22">
-            <a:extLst>
-              <a:ext uri="{FF2B5EF4-FFF2-40B4-BE49-F238E27FC236}">
-                <a16:creationId xmlns:a16="http://schemas.microsoft.com/office/drawing/2014/main" id="{8E5E4638-9BCB-4C2E-914F-CC868E2020D5}"/>
-              </a:ext>
-            </a:extLst>
-          </p:cNvPr>
-          <p:cNvSpPr>
-            <a:spLocks noGrp="1"/>
-          </p:cNvSpPr>
-          <p:nvPr>
-            <p:ph type="subTitle" idx="1"/>
-          </p:nvPr>
-        </p:nvSpPr>
-        <p:spPr>
-          <a:xfrm>
-            <a:off x="550863" y="3827610"/>
-            <a:ext cx="5437187" cy="2265216"/>
-          </a:xfrm>
-        </p:spPr>
-        <p:txBody>
-          <a:bodyPr rtlCol="0"/>
-          <a:lstStyle/>
-          <a:p>
-            <a:pPr rtl="0"/>
-            <a:r>
-              <a:rPr lang="pt-PT"/>
-              <a:t>Nome do orador</a:t>
-            </a:r>
-          </a:p>
-          <a:p>
-            <a:pPr rtl="0"/>
-            <a:r>
-              <a:rPr lang="pt-PT"/>
-              <a:t>Endereço de e-mail</a:t>
-            </a:r>
-          </a:p>
-          <a:p>
-            <a:pPr rtl="0"/>
-            <a:r>
-              <a:rPr lang="pt-PT"/>
-              <a:t>Endereço do Site</a:t>
-            </a:r>
-          </a:p>
-        </p:txBody>
-      </p:sp>
-      <p:pic>
-        <p:nvPicPr>
-          <p:cNvPr id="27" name="Marcador de Posição da Imagem 26" descr="Fundo Digital com Pontos de Dados">
-            <a:extLst>
-              <a:ext uri="{FF2B5EF4-FFF2-40B4-BE49-F238E27FC236}">
-                <a16:creationId xmlns:a16="http://schemas.microsoft.com/office/drawing/2014/main" id="{9E660784-34E2-4CDA-926A-DDD6AAF35046}"/>
-              </a:ext>
-            </a:extLst>
-          </p:cNvPr>
-          <p:cNvPicPr>
-            <a:picLocks noGrp="1" noChangeAspect="1"/>
-          </p:cNvPicPr>
-          <p:nvPr>
-            <p:ph type="pic" sz="quarter" idx="15"/>
-          </p:nvPr>
-        </p:nvPicPr>
-        <p:blipFill rotWithShape="1">
-          <a:blip r:embed="rId2" cstate="screen">
-            <a:extLst>
-              <a:ext uri="{28A0092B-C50C-407E-A947-70E740481C1C}">
-                <a14:useLocalDpi xmlns:a14="http://schemas.microsoft.com/office/drawing/2010/main" val="0"/>
-              </a:ext>
-            </a:extLst>
-          </a:blip>
-          <a:srcRect/>
-          <a:stretch/>
-        </p:blipFill>
-        <p:spPr>
-          <a:xfrm>
-            <a:off x="6556248" y="548640"/>
-            <a:ext cx="5084064" cy="2880360"/>
-          </a:xfrm>
-        </p:spPr>
-      </p:pic>
-      <p:pic>
-        <p:nvPicPr>
-          <p:cNvPr id="33" name="Marcador de Posição da Imagem 32" descr="Fundo Digital com Pontos de Dados">
-            <a:extLst>
-              <a:ext uri="{FF2B5EF4-FFF2-40B4-BE49-F238E27FC236}">
-                <a16:creationId xmlns:a16="http://schemas.microsoft.com/office/drawing/2014/main" id="{48106962-23C6-4DFE-BB3A-E5FFF03F38CE}"/>
-              </a:ext>
-            </a:extLst>
-          </p:cNvPr>
-          <p:cNvPicPr>
-            <a:picLocks noGrp="1" noChangeAspect="1"/>
-          </p:cNvPicPr>
-          <p:nvPr>
-            <p:ph type="pic" sz="quarter" idx="16"/>
-          </p:nvPr>
-        </p:nvPicPr>
-        <p:blipFill rotWithShape="1">
-          <a:blip r:embed="rId3" cstate="screen">
-            <a:extLst>
-              <a:ext uri="{28A0092B-C50C-407E-A947-70E740481C1C}">
-                <a14:useLocalDpi xmlns:a14="http://schemas.microsoft.com/office/drawing/2010/main" val="0"/>
-              </a:ext>
-            </a:extLst>
-          </a:blip>
-          <a:srcRect/>
-          <a:stretch/>
-        </p:blipFill>
-        <p:spPr>
-          <a:xfrm>
-            <a:off x="6556248" y="3429000"/>
-            <a:ext cx="5084064" cy="2880360"/>
-          </a:xfrm>
-        </p:spPr>
-      </p:pic>
-      <p:sp>
-        <p:nvSpPr>
-          <p:cNvPr id="4" name="Marcador de Posição da Data 3">
-            <a:extLst>
-              <a:ext uri="{FF2B5EF4-FFF2-40B4-BE49-F238E27FC236}">
-                <a16:creationId xmlns:a16="http://schemas.microsoft.com/office/drawing/2014/main" id="{7823E305-6365-4345-8BD1-4A31C61D96CB}"/>
-              </a:ext>
-            </a:extLst>
-          </p:cNvPr>
-          <p:cNvSpPr>
-            <a:spLocks noGrp="1"/>
-          </p:cNvSpPr>
-          <p:nvPr>
-            <p:ph type="dt" sz="half" idx="10"/>
-          </p:nvPr>
-        </p:nvSpPr>
-        <p:spPr>
-          <a:xfrm>
-            <a:off x="550863" y="6507212"/>
-            <a:ext cx="2628900" cy="153888"/>
-          </a:xfrm>
-        </p:spPr>
-        <p:txBody>
-          <a:bodyPr rtlCol="0"/>
-          <a:lstStyle/>
-          <a:p>
-            <a:pPr rtl="0"/>
-            <a:r>
-              <a:rPr lang="pt-PT"/>
-              <a:t>Terça-feira, 2 de fevereiro de 20XX</a:t>
-            </a:r>
-          </a:p>
-        </p:txBody>
-      </p:sp>
-      <p:sp>
-        <p:nvSpPr>
-          <p:cNvPr id="5" name="Marcador de Posição do Rodapé 4">
-            <a:extLst>
-              <a:ext uri="{FF2B5EF4-FFF2-40B4-BE49-F238E27FC236}">
-                <a16:creationId xmlns:a16="http://schemas.microsoft.com/office/drawing/2014/main" id="{0B37A3FF-ED32-4C4A-A21F-848A3BF6F896}"/>
-              </a:ext>
-            </a:extLst>
-          </p:cNvPr>
-          <p:cNvSpPr>
-            <a:spLocks noGrp="1"/>
-          </p:cNvSpPr>
-          <p:nvPr>
-            <p:ph type="ftr" sz="quarter" idx="11"/>
-          </p:nvPr>
-        </p:nvSpPr>
-        <p:spPr>
-          <a:xfrm>
-            <a:off x="3359150" y="6507212"/>
-            <a:ext cx="6379210" cy="153888"/>
-          </a:xfrm>
-        </p:spPr>
-        <p:txBody>
-          <a:bodyPr rtlCol="0"/>
-          <a:lstStyle/>
-          <a:p>
-            <a:pPr rtl="0"/>
-            <a:r>
-              <a:rPr lang="pt-PT"/>
-              <a:t>Texto de Rodapé de Exemplo</a:t>
-            </a:r>
-          </a:p>
-        </p:txBody>
-      </p:sp>
-      <p:sp>
-        <p:nvSpPr>
-          <p:cNvPr id="6" name="Marcador de Posição do Número do Diapositivo 5">
-            <a:extLst>
-              <a:ext uri="{FF2B5EF4-FFF2-40B4-BE49-F238E27FC236}">
-                <a16:creationId xmlns:a16="http://schemas.microsoft.com/office/drawing/2014/main" id="{36E60F23-FB58-4EF8-82FD-E86CED25FDD4}"/>
-              </a:ext>
-            </a:extLst>
-          </p:cNvPr>
-          <p:cNvSpPr>
-            <a:spLocks noGrp="1"/>
-          </p:cNvSpPr>
-          <p:nvPr>
-            <p:ph type="sldNum" sz="quarter" idx="12"/>
-          </p:nvPr>
-        </p:nvSpPr>
-        <p:spPr>
-          <a:xfrm>
-            <a:off x="9948863" y="6507212"/>
-            <a:ext cx="1692274" cy="153888"/>
-          </a:xfrm>
-        </p:spPr>
-        <p:txBody>
-          <a:bodyPr rtlCol="0"/>
-          <a:lstStyle/>
-          <a:p>
-            <a:pPr rtl="0"/>
-            <a:fld id="{DBA1B0FB-D917-4C8C-928F-313BD683BF39}" type="slidenum">
-              <a:rPr lang="pt-PT" smtClean="0"/>
-              <a:pPr rtl="0"/>
-              <a:t>11</a:t>
-            </a:fld>
-            <a:endParaRPr lang="pt-PT"/>
-          </a:p>
-        </p:txBody>
-      </p:sp>
-    </p:spTree>
-    <p:extLst>
-      <p:ext uri="{BB962C8B-B14F-4D97-AF65-F5344CB8AC3E}">
-        <p14:creationId xmlns:p14="http://schemas.microsoft.com/office/powerpoint/2010/main" val="3247798845"/>
-      </p:ext>
-    </p:extLst>
-  </p:cSld>
-  <p:clrMapOvr>
-    <a:masterClrMapping/>
-  </p:clrMapOvr>
-</p:sld>
-</file>
-
 <file path=ppt/slides/slide2.xml><?xml version="1.0" encoding="utf-8"?>
 <p:sld xmlns:a="http://schemas.openxmlformats.org/drawingml/2006/main" xmlns:r="http://schemas.openxmlformats.org/officeDocument/2006/relationships" xmlns:p="http://schemas.openxmlformats.org/presentationml/2006/main">
   <p:cSld>
@@ -20691,7 +14302,7 @@
         </p:nvSpPr>
         <p:spPr>
           <a:xfrm>
-            <a:off x="550864" y="549275"/>
+            <a:off x="2170114" y="425450"/>
             <a:ext cx="3565524" cy="915631"/>
           </a:xfrm>
         </p:spPr>
@@ -20812,24 +14423,36 @@
           </a:p>
         </p:txBody>
       </p:sp>
-      <p:sp>
-        <p:nvSpPr>
-          <p:cNvPr id="7" name="Marcador de Posição da Imagem 6">
-            <a:extLst>
-              <a:ext uri="{FF2B5EF4-FFF2-40B4-BE49-F238E27FC236}">
-                <a16:creationId xmlns:a16="http://schemas.microsoft.com/office/drawing/2014/main" id="{FF9D99D4-5575-801B-EDCD-588421927819}"/>
-              </a:ext>
-            </a:extLst>
-          </p:cNvPr>
-          <p:cNvSpPr>
-            <a:spLocks noGrp="1"/>
-          </p:cNvSpPr>
-          <p:nvPr>
-            <p:ph type="pic" sz="quarter" idx="13"/>
-          </p:nvPr>
-        </p:nvSpPr>
-        <p:spPr/>
-      </p:sp>
+      <p:pic>
+        <p:nvPicPr>
+          <p:cNvPr id="4" name="Imagem 3">
+            <a:extLst>
+              <a:ext uri="{FF2B5EF4-FFF2-40B4-BE49-F238E27FC236}">
+                <a16:creationId xmlns:a16="http://schemas.microsoft.com/office/drawing/2014/main" id="{BE40F554-C599-CFC7-6DC3-8B993EE3B11E}"/>
+              </a:ext>
+            </a:extLst>
+          </p:cNvPr>
+          <p:cNvPicPr>
+            <a:picLocks noChangeAspect="1"/>
+          </p:cNvPicPr>
+          <p:nvPr/>
+        </p:nvPicPr>
+        <p:blipFill>
+          <a:blip r:embed="rId4"/>
+          <a:stretch>
+            <a:fillRect/>
+          </a:stretch>
+        </p:blipFill>
+        <p:spPr>
+          <a:xfrm>
+            <a:off x="258761" y="1414453"/>
+            <a:ext cx="7675563" cy="5092759"/>
+          </a:xfrm>
+          <a:prstGeom prst="rect">
+            <a:avLst/>
+          </a:prstGeom>
+        </p:spPr>
+      </p:pic>
     </p:spTree>
     <p:extLst>
       <p:ext uri="{BB962C8B-B14F-4D97-AF65-F5344CB8AC3E}">
@@ -22131,45 +15754,19 @@
           <a:bodyPr rtlCol="0"/>
           <a:lstStyle/>
           <a:p>
-            <a:pPr rtl="0"/>
-            <a:r>
-              <a:rPr lang="pt-PT"/>
-              <a:t>Gráfico</a:t>
-            </a:r>
+            <a:pPr algn="ctr" rtl="0"/>
+            <a:r>
+              <a:rPr lang="pt-PT" dirty="0"/>
+              <a:t>Sprint </a:t>
+            </a:r>
+            <a:r>
+              <a:rPr lang="pt-PT" dirty="0" err="1"/>
+              <a:t>Ceremonies</a:t>
+            </a:r>
+            <a:endParaRPr lang="pt-PT" dirty="0"/>
           </a:p>
         </p:txBody>
       </p:sp>
-      <p:graphicFrame>
-        <p:nvGraphicFramePr>
-          <p:cNvPr id="11" name="Marcador de Posição de Conteúdo 10" descr="Marcador de Posição do Gráfico de Barras ">
-            <a:extLst>
-              <a:ext uri="{FF2B5EF4-FFF2-40B4-BE49-F238E27FC236}">
-                <a16:creationId xmlns:a16="http://schemas.microsoft.com/office/drawing/2014/main" id="{E4A6D503-95F0-4FD3-86D4-D1170C6E2B64}"/>
-              </a:ext>
-            </a:extLst>
-          </p:cNvPr>
-          <p:cNvGraphicFramePr>
-            <a:graphicFrameLocks noGrp="1"/>
-          </p:cNvGraphicFramePr>
-          <p:nvPr>
-            <p:ph idx="1"/>
-            <p:extLst>
-              <p:ext uri="{D42A27DB-BD31-4B8C-83A1-F6EECF244321}">
-                <p14:modId xmlns:p14="http://schemas.microsoft.com/office/powerpoint/2010/main" val="372078104"/>
-              </p:ext>
-            </p:extLst>
-          </p:nvPr>
-        </p:nvGraphicFramePr>
-        <p:xfrm>
-          <a:off x="550863" y="2112963"/>
-          <a:ext cx="11090275" cy="3979862"/>
-        </p:xfrm>
-        <a:graphic>
-          <a:graphicData uri="http://schemas.openxmlformats.org/drawingml/2006/chart">
-            <c:chart xmlns:c="http://schemas.openxmlformats.org/drawingml/2006/chart" xmlns:r="http://schemas.openxmlformats.org/officeDocument/2006/relationships" r:id="rId2"/>
-          </a:graphicData>
-        </a:graphic>
-      </p:graphicFrame>
       <p:sp>
         <p:nvSpPr>
           <p:cNvPr id="4" name="Marcador de Posição da Data 3">
@@ -22275,6 +15872,35 @@
           </a:p>
         </p:txBody>
       </p:sp>
+      <p:pic>
+        <p:nvPicPr>
+          <p:cNvPr id="9" name="Marcador de Posição de Conteúdo 8">
+            <a:extLst>
+              <a:ext uri="{FF2B5EF4-FFF2-40B4-BE49-F238E27FC236}">
+                <a16:creationId xmlns:a16="http://schemas.microsoft.com/office/drawing/2014/main" id="{F8C9B49B-EF8C-9D2D-11D2-5B69F1723C48}"/>
+              </a:ext>
+            </a:extLst>
+          </p:cNvPr>
+          <p:cNvPicPr>
+            <a:picLocks noGrp="1" noChangeAspect="1"/>
+          </p:cNvPicPr>
+          <p:nvPr>
+            <p:ph idx="1"/>
+          </p:nvPr>
+        </p:nvPicPr>
+        <p:blipFill>
+          <a:blip r:embed="rId2"/>
+          <a:stretch>
+            <a:fillRect/>
+          </a:stretch>
+        </p:blipFill>
+        <p:spPr>
+          <a:xfrm>
+            <a:off x="2777203" y="1364889"/>
+            <a:ext cx="6637595" cy="4679085"/>
+          </a:xfrm>
+        </p:spPr>
+      </p:pic>
     </p:spTree>
     <p:extLst>
       <p:ext uri="{BB962C8B-B14F-4D97-AF65-F5344CB8AC3E}">
@@ -22307,10 +15933,10 @@
       </p:grpSpPr>
       <p:sp>
         <p:nvSpPr>
-          <p:cNvPr id="2" name="Título 1">
-            <a:extLst>
-              <a:ext uri="{FF2B5EF4-FFF2-40B4-BE49-F238E27FC236}">
-                <a16:creationId xmlns:a16="http://schemas.microsoft.com/office/drawing/2014/main" id="{FCB102D8-1D22-4940-AF19-07CF3A0DC5F4}"/>
+          <p:cNvPr id="22" name="Título 21">
+            <a:extLst>
+              <a:ext uri="{FF2B5EF4-FFF2-40B4-BE49-F238E27FC236}">
+                <a16:creationId xmlns:a16="http://schemas.microsoft.com/office/drawing/2014/main" id="{F8FAEED9-1ECD-45F9-87A0-9394BAEABB79}"/>
               </a:ext>
             </a:extLst>
           </p:cNvPr>
@@ -22318,13 +15944,13 @@
             <a:spLocks noGrp="1"/>
           </p:cNvSpPr>
           <p:nvPr>
-            <p:ph type="title"/>
+            <p:ph type="ctrTitle"/>
           </p:nvPr>
         </p:nvSpPr>
         <p:spPr>
           <a:xfrm>
-            <a:off x="550862" y="549275"/>
-            <a:ext cx="11091600" cy="1332000"/>
+            <a:off x="550863" y="549275"/>
+            <a:ext cx="5437187" cy="2986234"/>
           </a:xfrm>
         </p:spPr>
         <p:txBody>
@@ -22333,1512 +15959,43 @@
           <a:p>
             <a:pPr rtl="0"/>
             <a:r>
-              <a:rPr lang="pt-PT"/>
-              <a:t>Tabela</a:t>
-            </a:r>
+              <a:rPr lang="pt-PT" dirty="0" err="1"/>
+              <a:t>Thank</a:t>
+            </a:r>
+            <a:r>
+              <a:rPr lang="pt-PT" dirty="0"/>
+              <a:t> </a:t>
+            </a:r>
+            <a:r>
+              <a:rPr lang="pt-PT" dirty="0" err="1"/>
+              <a:t>You</a:t>
+            </a:r>
+            <a:r>
+              <a:rPr lang="pt-PT" dirty="0"/>
+              <a:t> For </a:t>
+            </a:r>
+            <a:r>
+              <a:rPr lang="pt-PT" dirty="0" err="1"/>
+              <a:t>Your</a:t>
+            </a:r>
+            <a:r>
+              <a:rPr lang="pt-PT" dirty="0"/>
+              <a:t> </a:t>
+            </a:r>
+            <a:r>
+              <a:rPr lang="pt-PT" dirty="0" err="1"/>
+              <a:t>Attention</a:t>
+            </a:r>
+            <a:endParaRPr lang="pt-PT" dirty="0"/>
           </a:p>
         </p:txBody>
       </p:sp>
-      <p:graphicFrame>
-        <p:nvGraphicFramePr>
-          <p:cNvPr id="13" name="Tabela 13">
-            <a:extLst>
-              <a:ext uri="{FF2B5EF4-FFF2-40B4-BE49-F238E27FC236}">
-                <a16:creationId xmlns:a16="http://schemas.microsoft.com/office/drawing/2014/main" id="{914D6EE3-4782-45C1-A75C-003483879C97}"/>
-              </a:ext>
-            </a:extLst>
-          </p:cNvPr>
-          <p:cNvGraphicFramePr>
-            <a:graphicFrameLocks noGrp="1"/>
-          </p:cNvGraphicFramePr>
-          <p:nvPr>
-            <p:ph idx="1"/>
-            <p:extLst>
-              <p:ext uri="{D42A27DB-BD31-4B8C-83A1-F6EECF244321}">
-                <p14:modId xmlns:p14="http://schemas.microsoft.com/office/powerpoint/2010/main" val="1684731059"/>
-              </p:ext>
-            </p:extLst>
-          </p:nvPr>
-        </p:nvGraphicFramePr>
-        <p:xfrm>
-          <a:off x="550863" y="2112963"/>
-          <a:ext cx="11090275" cy="2466720"/>
-        </p:xfrm>
-        <a:graphic>
-          <a:graphicData uri="http://schemas.openxmlformats.org/drawingml/2006/table">
-            <a:tbl>
-              <a:tblPr firstRow="1" bandRow="1">
-                <a:tableStyleId>{7DF18680-E054-41AD-8BC1-D1AEF772440D}</a:tableStyleId>
-              </a:tblPr>
-              <a:tblGrid>
-                <a:gridCol w="2218055">
-                  <a:extLst>
-                    <a:ext uri="{9D8B030D-6E8A-4147-A177-3AD203B41FA5}">
-                      <a16:colId xmlns:a16="http://schemas.microsoft.com/office/drawing/2014/main" val="562691606"/>
-                    </a:ext>
-                  </a:extLst>
-                </a:gridCol>
-                <a:gridCol w="2218055">
-                  <a:extLst>
-                    <a:ext uri="{9D8B030D-6E8A-4147-A177-3AD203B41FA5}">
-                      <a16:colId xmlns:a16="http://schemas.microsoft.com/office/drawing/2014/main" val="3970149589"/>
-                    </a:ext>
-                  </a:extLst>
-                </a:gridCol>
-                <a:gridCol w="2218055">
-                  <a:extLst>
-                    <a:ext uri="{9D8B030D-6E8A-4147-A177-3AD203B41FA5}">
-                      <a16:colId xmlns:a16="http://schemas.microsoft.com/office/drawing/2014/main" val="1552287268"/>
-                    </a:ext>
-                  </a:extLst>
-                </a:gridCol>
-                <a:gridCol w="2218055">
-                  <a:extLst>
-                    <a:ext uri="{9D8B030D-6E8A-4147-A177-3AD203B41FA5}">
-                      <a16:colId xmlns:a16="http://schemas.microsoft.com/office/drawing/2014/main" val="3637583548"/>
-                    </a:ext>
-                  </a:extLst>
-                </a:gridCol>
-                <a:gridCol w="2218055">
-                  <a:extLst>
-                    <a:ext uri="{9D8B030D-6E8A-4147-A177-3AD203B41FA5}">
-                      <a16:colId xmlns:a16="http://schemas.microsoft.com/office/drawing/2014/main" val="1751413396"/>
-                    </a:ext>
-                  </a:extLst>
-                </a:gridCol>
-              </a:tblGrid>
-              <a:tr h="493344">
-                <a:tc>
-                  <a:txBody>
-                    <a:bodyPr/>
-                    <a:lstStyle/>
-                    <a:p>
-                      <a:pPr algn="ctr" rtl="0"/>
-                      <a:endParaRPr lang="pt-PT" dirty="0"/>
-                    </a:p>
-                  </a:txBody>
-                  <a:tcPr anchor="ctr">
-                    <a:lnL w="9525" cap="flat" cmpd="sng" algn="ctr">
-                      <a:solidFill>
-                        <a:schemeClr val="tx1"/>
-                      </a:solidFill>
-                      <a:prstDash val="solid"/>
-                      <a:round/>
-                      <a:headEnd type="none" w="med" len="med"/>
-                      <a:tailEnd type="none" w="med" len="med"/>
-                    </a:lnL>
-                    <a:lnR w="9525" cap="flat" cmpd="sng" algn="ctr">
-                      <a:solidFill>
-                        <a:schemeClr val="tx1"/>
-                      </a:solidFill>
-                      <a:prstDash val="solid"/>
-                      <a:round/>
-                      <a:headEnd type="none" w="med" len="med"/>
-                      <a:tailEnd type="none" w="med" len="med"/>
-                    </a:lnR>
-                    <a:lnT w="9525" cap="flat" cmpd="sng" algn="ctr">
-                      <a:solidFill>
-                        <a:schemeClr val="tx1"/>
-                      </a:solidFill>
-                      <a:prstDash val="solid"/>
-                      <a:round/>
-                      <a:headEnd type="none" w="med" len="med"/>
-                      <a:tailEnd type="none" w="med" len="med"/>
-                    </a:lnT>
-                    <a:lnB w="9525" cap="flat" cmpd="sng" algn="ctr">
-                      <a:solidFill>
-                        <a:schemeClr val="tx1"/>
-                      </a:solidFill>
-                      <a:prstDash val="solid"/>
-                      <a:round/>
-                      <a:headEnd type="none" w="med" len="med"/>
-                      <a:tailEnd type="none" w="med" len="med"/>
-                    </a:lnB>
-                    <a:solidFill>
-                      <a:schemeClr val="accent2"/>
-                    </a:solidFill>
-                  </a:tcPr>
-                </a:tc>
-                <a:tc>
-                  <a:txBody>
-                    <a:bodyPr/>
-                    <a:lstStyle/>
-                    <a:p>
-                      <a:pPr algn="ctr" rtl="0"/>
-                      <a:r>
-                        <a:rPr lang="pt-PT"/>
-                        <a:t>Categoria 1</a:t>
-                      </a:r>
-                    </a:p>
-                  </a:txBody>
-                  <a:tcPr anchor="ctr">
-                    <a:lnL w="9525" cap="flat" cmpd="sng" algn="ctr">
-                      <a:solidFill>
-                        <a:schemeClr val="tx1"/>
-                      </a:solidFill>
-                      <a:prstDash val="solid"/>
-                      <a:round/>
-                      <a:headEnd type="none" w="med" len="med"/>
-                      <a:tailEnd type="none" w="med" len="med"/>
-                    </a:lnL>
-                    <a:lnR w="9525" cap="flat" cmpd="sng" algn="ctr">
-                      <a:solidFill>
-                        <a:schemeClr val="tx1"/>
-                      </a:solidFill>
-                      <a:prstDash val="solid"/>
-                      <a:round/>
-                      <a:headEnd type="none" w="med" len="med"/>
-                      <a:tailEnd type="none" w="med" len="med"/>
-                    </a:lnR>
-                    <a:lnT w="9525" cap="flat" cmpd="sng" algn="ctr">
-                      <a:solidFill>
-                        <a:schemeClr val="tx1"/>
-                      </a:solidFill>
-                      <a:prstDash val="solid"/>
-                      <a:round/>
-                      <a:headEnd type="none" w="med" len="med"/>
-                      <a:tailEnd type="none" w="med" len="med"/>
-                    </a:lnT>
-                    <a:lnB w="9525" cap="flat" cmpd="sng" algn="ctr">
-                      <a:solidFill>
-                        <a:schemeClr val="tx1"/>
-                      </a:solidFill>
-                      <a:prstDash val="solid"/>
-                      <a:round/>
-                      <a:headEnd type="none" w="med" len="med"/>
-                      <a:tailEnd type="none" w="med" len="med"/>
-                    </a:lnB>
-                    <a:solidFill>
-                      <a:schemeClr val="accent2"/>
-                    </a:solidFill>
-                  </a:tcPr>
-                </a:tc>
-                <a:tc>
-                  <a:txBody>
-                    <a:bodyPr/>
-                    <a:lstStyle/>
-                    <a:p>
-                      <a:pPr algn="ctr" rtl="0"/>
-                      <a:r>
-                        <a:rPr lang="pt-PT" dirty="0"/>
-                        <a:t>Categoria 2</a:t>
-                      </a:r>
-                    </a:p>
-                  </a:txBody>
-                  <a:tcPr anchor="ctr">
-                    <a:lnL w="9525" cap="flat" cmpd="sng" algn="ctr">
-                      <a:solidFill>
-                        <a:schemeClr val="tx1"/>
-                      </a:solidFill>
-                      <a:prstDash val="solid"/>
-                      <a:round/>
-                      <a:headEnd type="none" w="med" len="med"/>
-                      <a:tailEnd type="none" w="med" len="med"/>
-                    </a:lnL>
-                    <a:lnR w="9525" cap="flat" cmpd="sng" algn="ctr">
-                      <a:solidFill>
-                        <a:schemeClr val="tx1"/>
-                      </a:solidFill>
-                      <a:prstDash val="solid"/>
-                      <a:round/>
-                      <a:headEnd type="none" w="med" len="med"/>
-                      <a:tailEnd type="none" w="med" len="med"/>
-                    </a:lnR>
-                    <a:lnT w="9525" cap="flat" cmpd="sng" algn="ctr">
-                      <a:solidFill>
-                        <a:schemeClr val="tx1"/>
-                      </a:solidFill>
-                      <a:prstDash val="solid"/>
-                      <a:round/>
-                      <a:headEnd type="none" w="med" len="med"/>
-                      <a:tailEnd type="none" w="med" len="med"/>
-                    </a:lnT>
-                    <a:lnB w="9525" cap="flat" cmpd="sng" algn="ctr">
-                      <a:solidFill>
-                        <a:schemeClr val="tx1"/>
-                      </a:solidFill>
-                      <a:prstDash val="solid"/>
-                      <a:round/>
-                      <a:headEnd type="none" w="med" len="med"/>
-                      <a:tailEnd type="none" w="med" len="med"/>
-                    </a:lnB>
-                    <a:solidFill>
-                      <a:schemeClr val="accent2"/>
-                    </a:solidFill>
-                  </a:tcPr>
-                </a:tc>
-                <a:tc>
-                  <a:txBody>
-                    <a:bodyPr/>
-                    <a:lstStyle/>
-                    <a:p>
-                      <a:pPr algn="ctr" rtl="0"/>
-                      <a:r>
-                        <a:rPr lang="pt-PT" dirty="0"/>
-                        <a:t>Categoria 3</a:t>
-                      </a:r>
-                    </a:p>
-                  </a:txBody>
-                  <a:tcPr anchor="ctr">
-                    <a:lnL w="9525" cap="flat" cmpd="sng" algn="ctr">
-                      <a:solidFill>
-                        <a:schemeClr val="tx1"/>
-                      </a:solidFill>
-                      <a:prstDash val="solid"/>
-                      <a:round/>
-                      <a:headEnd type="none" w="med" len="med"/>
-                      <a:tailEnd type="none" w="med" len="med"/>
-                    </a:lnL>
-                    <a:lnR w="9525" cap="flat" cmpd="sng" algn="ctr">
-                      <a:solidFill>
-                        <a:schemeClr val="tx1"/>
-                      </a:solidFill>
-                      <a:prstDash val="solid"/>
-                      <a:round/>
-                      <a:headEnd type="none" w="med" len="med"/>
-                      <a:tailEnd type="none" w="med" len="med"/>
-                    </a:lnR>
-                    <a:lnT w="9525" cap="flat" cmpd="sng" algn="ctr">
-                      <a:solidFill>
-                        <a:schemeClr val="tx1"/>
-                      </a:solidFill>
-                      <a:prstDash val="solid"/>
-                      <a:round/>
-                      <a:headEnd type="none" w="med" len="med"/>
-                      <a:tailEnd type="none" w="med" len="med"/>
-                    </a:lnT>
-                    <a:lnB w="9525" cap="flat" cmpd="sng" algn="ctr">
-                      <a:solidFill>
-                        <a:schemeClr val="tx1"/>
-                      </a:solidFill>
-                      <a:prstDash val="solid"/>
-                      <a:round/>
-                      <a:headEnd type="none" w="med" len="med"/>
-                      <a:tailEnd type="none" w="med" len="med"/>
-                    </a:lnB>
-                    <a:solidFill>
-                      <a:schemeClr val="accent2"/>
-                    </a:solidFill>
-                  </a:tcPr>
-                </a:tc>
-                <a:tc>
-                  <a:txBody>
-                    <a:bodyPr/>
-                    <a:lstStyle/>
-                    <a:p>
-                      <a:pPr algn="ctr" rtl="0"/>
-                      <a:r>
-                        <a:rPr lang="pt-PT" dirty="0"/>
-                        <a:t>Categoria 4</a:t>
-                      </a:r>
-                    </a:p>
-                  </a:txBody>
-                  <a:tcPr anchor="ctr">
-                    <a:lnL w="9525" cap="flat" cmpd="sng" algn="ctr">
-                      <a:solidFill>
-                        <a:schemeClr val="tx1"/>
-                      </a:solidFill>
-                      <a:prstDash val="solid"/>
-                      <a:round/>
-                      <a:headEnd type="none" w="med" len="med"/>
-                      <a:tailEnd type="none" w="med" len="med"/>
-                    </a:lnL>
-                    <a:lnR w="9525" cap="flat" cmpd="sng" algn="ctr">
-                      <a:solidFill>
-                        <a:schemeClr val="tx1"/>
-                      </a:solidFill>
-                      <a:prstDash val="solid"/>
-                      <a:round/>
-                      <a:headEnd type="none" w="med" len="med"/>
-                      <a:tailEnd type="none" w="med" len="med"/>
-                    </a:lnR>
-                    <a:lnT w="9525" cap="flat" cmpd="sng" algn="ctr">
-                      <a:solidFill>
-                        <a:schemeClr val="tx1"/>
-                      </a:solidFill>
-                      <a:prstDash val="solid"/>
-                      <a:round/>
-                      <a:headEnd type="none" w="med" len="med"/>
-                      <a:tailEnd type="none" w="med" len="med"/>
-                    </a:lnT>
-                    <a:lnB w="9525" cap="flat" cmpd="sng" algn="ctr">
-                      <a:solidFill>
-                        <a:schemeClr val="tx1"/>
-                      </a:solidFill>
-                      <a:prstDash val="solid"/>
-                      <a:round/>
-                      <a:headEnd type="none" w="med" len="med"/>
-                      <a:tailEnd type="none" w="med" len="med"/>
-                    </a:lnB>
-                    <a:solidFill>
-                      <a:schemeClr val="accent2"/>
-                    </a:solidFill>
-                  </a:tcPr>
-                </a:tc>
-                <a:extLst>
-                  <a:ext uri="{0D108BD9-81ED-4DB2-BD59-A6C34878D82A}">
-                    <a16:rowId xmlns:a16="http://schemas.microsoft.com/office/drawing/2014/main" val="2193002138"/>
-                  </a:ext>
-                </a:extLst>
-              </a:tr>
-              <a:tr h="493344">
-                <a:tc>
-                  <a:txBody>
-                    <a:bodyPr/>
-                    <a:lstStyle/>
-                    <a:p>
-                      <a:pPr algn="ctr" rtl="0"/>
-                      <a:r>
-                        <a:rPr lang="pt-PT">
-                          <a:solidFill>
-                            <a:schemeClr val="tx1"/>
-                          </a:solidFill>
-                        </a:rPr>
-                        <a:t>Item 1</a:t>
-                      </a:r>
-                    </a:p>
-                  </a:txBody>
-                  <a:tcPr anchor="ctr">
-                    <a:lnL w="9525" cap="flat" cmpd="sng" algn="ctr">
-                      <a:solidFill>
-                        <a:schemeClr val="tx1"/>
-                      </a:solidFill>
-                      <a:prstDash val="solid"/>
-                      <a:round/>
-                      <a:headEnd type="none" w="med" len="med"/>
-                      <a:tailEnd type="none" w="med" len="med"/>
-                    </a:lnL>
-                    <a:lnR w="9525" cap="flat" cmpd="sng" algn="ctr">
-                      <a:solidFill>
-                        <a:schemeClr val="tx1"/>
-                      </a:solidFill>
-                      <a:prstDash val="solid"/>
-                      <a:round/>
-                      <a:headEnd type="none" w="med" len="med"/>
-                      <a:tailEnd type="none" w="med" len="med"/>
-                    </a:lnR>
-                    <a:lnT w="9525" cap="flat" cmpd="sng" algn="ctr">
-                      <a:solidFill>
-                        <a:schemeClr val="tx1"/>
-                      </a:solidFill>
-                      <a:prstDash val="solid"/>
-                      <a:round/>
-                      <a:headEnd type="none" w="med" len="med"/>
-                      <a:tailEnd type="none" w="med" len="med"/>
-                    </a:lnT>
-                    <a:lnB w="9525" cap="flat" cmpd="sng" algn="ctr">
-                      <a:solidFill>
-                        <a:schemeClr val="tx1"/>
-                      </a:solidFill>
-                      <a:prstDash val="solid"/>
-                      <a:round/>
-                      <a:headEnd type="none" w="med" len="med"/>
-                      <a:tailEnd type="none" w="med" len="med"/>
-                    </a:lnB>
-                    <a:noFill/>
-                  </a:tcPr>
-                </a:tc>
-                <a:tc>
-                  <a:txBody>
-                    <a:bodyPr/>
-                    <a:lstStyle/>
-                    <a:p>
-                      <a:pPr algn="ctr" rtl="0"/>
-                      <a:r>
-                        <a:rPr lang="pt-PT" dirty="0">
-                          <a:solidFill>
-                            <a:schemeClr val="tx1"/>
-                          </a:solidFill>
-                        </a:rPr>
-                        <a:t>4,5</a:t>
-                      </a:r>
-                    </a:p>
-                  </a:txBody>
-                  <a:tcPr anchor="ctr">
-                    <a:lnL w="9525" cap="flat" cmpd="sng" algn="ctr">
-                      <a:solidFill>
-                        <a:schemeClr val="tx1"/>
-                      </a:solidFill>
-                      <a:prstDash val="solid"/>
-                      <a:round/>
-                      <a:headEnd type="none" w="med" len="med"/>
-                      <a:tailEnd type="none" w="med" len="med"/>
-                    </a:lnL>
-                    <a:lnR w="9525" cap="flat" cmpd="sng" algn="ctr">
-                      <a:solidFill>
-                        <a:schemeClr val="tx1"/>
-                      </a:solidFill>
-                      <a:prstDash val="solid"/>
-                      <a:round/>
-                      <a:headEnd type="none" w="med" len="med"/>
-                      <a:tailEnd type="none" w="med" len="med"/>
-                    </a:lnR>
-                    <a:lnT w="9525" cap="flat" cmpd="sng" algn="ctr">
-                      <a:solidFill>
-                        <a:schemeClr val="tx1"/>
-                      </a:solidFill>
-                      <a:prstDash val="solid"/>
-                      <a:round/>
-                      <a:headEnd type="none" w="med" len="med"/>
-                      <a:tailEnd type="none" w="med" len="med"/>
-                    </a:lnT>
-                    <a:lnB w="9525" cap="flat" cmpd="sng" algn="ctr">
-                      <a:solidFill>
-                        <a:schemeClr val="tx1"/>
-                      </a:solidFill>
-                      <a:prstDash val="solid"/>
-                      <a:round/>
-                      <a:headEnd type="none" w="med" len="med"/>
-                      <a:tailEnd type="none" w="med" len="med"/>
-                    </a:lnB>
-                    <a:noFill/>
-                  </a:tcPr>
-                </a:tc>
-                <a:tc>
-                  <a:txBody>
-                    <a:bodyPr/>
-                    <a:lstStyle/>
-                    <a:p>
-                      <a:pPr algn="ctr" rtl="0"/>
-                      <a:r>
-                        <a:rPr lang="pt-PT" dirty="0">
-                          <a:solidFill>
-                            <a:schemeClr val="tx1"/>
-                          </a:solidFill>
-                        </a:rPr>
-                        <a:t>2,3</a:t>
-                      </a:r>
-                    </a:p>
-                  </a:txBody>
-                  <a:tcPr anchor="ctr">
-                    <a:lnL w="9525" cap="flat" cmpd="sng" algn="ctr">
-                      <a:solidFill>
-                        <a:schemeClr val="tx1"/>
-                      </a:solidFill>
-                      <a:prstDash val="solid"/>
-                      <a:round/>
-                      <a:headEnd type="none" w="med" len="med"/>
-                      <a:tailEnd type="none" w="med" len="med"/>
-                    </a:lnL>
-                    <a:lnR w="9525" cap="flat" cmpd="sng" algn="ctr">
-                      <a:solidFill>
-                        <a:schemeClr val="tx1"/>
-                      </a:solidFill>
-                      <a:prstDash val="solid"/>
-                      <a:round/>
-                      <a:headEnd type="none" w="med" len="med"/>
-                      <a:tailEnd type="none" w="med" len="med"/>
-                    </a:lnR>
-                    <a:lnT w="9525" cap="flat" cmpd="sng" algn="ctr">
-                      <a:solidFill>
-                        <a:schemeClr val="tx1"/>
-                      </a:solidFill>
-                      <a:prstDash val="solid"/>
-                      <a:round/>
-                      <a:headEnd type="none" w="med" len="med"/>
-                      <a:tailEnd type="none" w="med" len="med"/>
-                    </a:lnT>
-                    <a:lnB w="9525" cap="flat" cmpd="sng" algn="ctr">
-                      <a:solidFill>
-                        <a:schemeClr val="tx1"/>
-                      </a:solidFill>
-                      <a:prstDash val="solid"/>
-                      <a:round/>
-                      <a:headEnd type="none" w="med" len="med"/>
-                      <a:tailEnd type="none" w="med" len="med"/>
-                    </a:lnB>
-                    <a:noFill/>
-                  </a:tcPr>
-                </a:tc>
-                <a:tc>
-                  <a:txBody>
-                    <a:bodyPr/>
-                    <a:lstStyle/>
-                    <a:p>
-                      <a:pPr algn="ctr" rtl="0"/>
-                      <a:r>
-                        <a:rPr lang="pt-PT" dirty="0">
-                          <a:solidFill>
-                            <a:schemeClr val="tx1"/>
-                          </a:solidFill>
-                        </a:rPr>
-                        <a:t>1,7</a:t>
-                      </a:r>
-                    </a:p>
-                  </a:txBody>
-                  <a:tcPr anchor="ctr">
-                    <a:lnL w="9525" cap="flat" cmpd="sng" algn="ctr">
-                      <a:solidFill>
-                        <a:schemeClr val="tx1"/>
-                      </a:solidFill>
-                      <a:prstDash val="solid"/>
-                      <a:round/>
-                      <a:headEnd type="none" w="med" len="med"/>
-                      <a:tailEnd type="none" w="med" len="med"/>
-                    </a:lnL>
-                    <a:lnR w="9525" cap="flat" cmpd="sng" algn="ctr">
-                      <a:solidFill>
-                        <a:schemeClr val="tx1"/>
-                      </a:solidFill>
-                      <a:prstDash val="solid"/>
-                      <a:round/>
-                      <a:headEnd type="none" w="med" len="med"/>
-                      <a:tailEnd type="none" w="med" len="med"/>
-                    </a:lnR>
-                    <a:lnT w="9525" cap="flat" cmpd="sng" algn="ctr">
-                      <a:solidFill>
-                        <a:schemeClr val="tx1"/>
-                      </a:solidFill>
-                      <a:prstDash val="solid"/>
-                      <a:round/>
-                      <a:headEnd type="none" w="med" len="med"/>
-                      <a:tailEnd type="none" w="med" len="med"/>
-                    </a:lnT>
-                    <a:lnB w="9525" cap="flat" cmpd="sng" algn="ctr">
-                      <a:solidFill>
-                        <a:schemeClr val="tx1"/>
-                      </a:solidFill>
-                      <a:prstDash val="solid"/>
-                      <a:round/>
-                      <a:headEnd type="none" w="med" len="med"/>
-                      <a:tailEnd type="none" w="med" len="med"/>
-                    </a:lnB>
-                    <a:noFill/>
-                  </a:tcPr>
-                </a:tc>
-                <a:tc>
-                  <a:txBody>
-                    <a:bodyPr/>
-                    <a:lstStyle/>
-                    <a:p>
-                      <a:pPr algn="ctr" rtl="0"/>
-                      <a:r>
-                        <a:rPr lang="pt-PT" dirty="0">
-                          <a:solidFill>
-                            <a:schemeClr val="tx1"/>
-                          </a:solidFill>
-                        </a:rPr>
-                        <a:t>5</a:t>
-                      </a:r>
-                    </a:p>
-                  </a:txBody>
-                  <a:tcPr anchor="ctr">
-                    <a:lnL w="9525" cap="flat" cmpd="sng" algn="ctr">
-                      <a:solidFill>
-                        <a:schemeClr val="tx1"/>
-                      </a:solidFill>
-                      <a:prstDash val="solid"/>
-                      <a:round/>
-                      <a:headEnd type="none" w="med" len="med"/>
-                      <a:tailEnd type="none" w="med" len="med"/>
-                    </a:lnL>
-                    <a:lnR w="9525" cap="flat" cmpd="sng" algn="ctr">
-                      <a:solidFill>
-                        <a:schemeClr val="tx1"/>
-                      </a:solidFill>
-                      <a:prstDash val="solid"/>
-                      <a:round/>
-                      <a:headEnd type="none" w="med" len="med"/>
-                      <a:tailEnd type="none" w="med" len="med"/>
-                    </a:lnR>
-                    <a:lnT w="9525" cap="flat" cmpd="sng" algn="ctr">
-                      <a:solidFill>
-                        <a:schemeClr val="tx1"/>
-                      </a:solidFill>
-                      <a:prstDash val="solid"/>
-                      <a:round/>
-                      <a:headEnd type="none" w="med" len="med"/>
-                      <a:tailEnd type="none" w="med" len="med"/>
-                    </a:lnT>
-                    <a:lnB w="9525" cap="flat" cmpd="sng" algn="ctr">
-                      <a:solidFill>
-                        <a:schemeClr val="tx1"/>
-                      </a:solidFill>
-                      <a:prstDash val="solid"/>
-                      <a:round/>
-                      <a:headEnd type="none" w="med" len="med"/>
-                      <a:tailEnd type="none" w="med" len="med"/>
-                    </a:lnB>
-                    <a:noFill/>
-                  </a:tcPr>
-                </a:tc>
-                <a:extLst>
-                  <a:ext uri="{0D108BD9-81ED-4DB2-BD59-A6C34878D82A}">
-                    <a16:rowId xmlns:a16="http://schemas.microsoft.com/office/drawing/2014/main" val="3922611538"/>
-                  </a:ext>
-                </a:extLst>
-              </a:tr>
-              <a:tr h="493344">
-                <a:tc>
-                  <a:txBody>
-                    <a:bodyPr/>
-                    <a:lstStyle/>
-                    <a:p>
-                      <a:pPr algn="ctr" rtl="0"/>
-                      <a:r>
-                        <a:rPr lang="pt-PT">
-                          <a:solidFill>
-                            <a:schemeClr val="tx1"/>
-                          </a:solidFill>
-                        </a:rPr>
-                        <a:t>Item 2</a:t>
-                      </a:r>
-                    </a:p>
-                  </a:txBody>
-                  <a:tcPr anchor="ctr">
-                    <a:lnL w="9525" cap="flat" cmpd="sng" algn="ctr">
-                      <a:solidFill>
-                        <a:schemeClr val="tx1"/>
-                      </a:solidFill>
-                      <a:prstDash val="solid"/>
-                      <a:round/>
-                      <a:headEnd type="none" w="med" len="med"/>
-                      <a:tailEnd type="none" w="med" len="med"/>
-                    </a:lnL>
-                    <a:lnR w="9525" cap="flat" cmpd="sng" algn="ctr">
-                      <a:solidFill>
-                        <a:schemeClr val="tx1"/>
-                      </a:solidFill>
-                      <a:prstDash val="solid"/>
-                      <a:round/>
-                      <a:headEnd type="none" w="med" len="med"/>
-                      <a:tailEnd type="none" w="med" len="med"/>
-                    </a:lnR>
-                    <a:lnT w="9525" cap="flat" cmpd="sng" algn="ctr">
-                      <a:solidFill>
-                        <a:schemeClr val="tx1"/>
-                      </a:solidFill>
-                      <a:prstDash val="solid"/>
-                      <a:round/>
-                      <a:headEnd type="none" w="med" len="med"/>
-                      <a:tailEnd type="none" w="med" len="med"/>
-                    </a:lnT>
-                    <a:lnB w="9525" cap="flat" cmpd="sng" algn="ctr">
-                      <a:solidFill>
-                        <a:schemeClr val="tx1"/>
-                      </a:solidFill>
-                      <a:prstDash val="solid"/>
-                      <a:round/>
-                      <a:headEnd type="none" w="med" len="med"/>
-                      <a:tailEnd type="none" w="med" len="med"/>
-                    </a:lnB>
-                    <a:noFill/>
-                  </a:tcPr>
-                </a:tc>
-                <a:tc>
-                  <a:txBody>
-                    <a:bodyPr/>
-                    <a:lstStyle/>
-                    <a:p>
-                      <a:pPr algn="ctr" rtl="0"/>
-                      <a:r>
-                        <a:rPr lang="pt-PT" dirty="0">
-                          <a:solidFill>
-                            <a:schemeClr val="tx1"/>
-                          </a:solidFill>
-                        </a:rPr>
-                        <a:t>3,2</a:t>
-                      </a:r>
-                    </a:p>
-                  </a:txBody>
-                  <a:tcPr anchor="ctr">
-                    <a:lnL w="9525" cap="flat" cmpd="sng" algn="ctr">
-                      <a:solidFill>
-                        <a:schemeClr val="tx1"/>
-                      </a:solidFill>
-                      <a:prstDash val="solid"/>
-                      <a:round/>
-                      <a:headEnd type="none" w="med" len="med"/>
-                      <a:tailEnd type="none" w="med" len="med"/>
-                    </a:lnL>
-                    <a:lnR w="9525" cap="flat" cmpd="sng" algn="ctr">
-                      <a:solidFill>
-                        <a:schemeClr val="tx1"/>
-                      </a:solidFill>
-                      <a:prstDash val="solid"/>
-                      <a:round/>
-                      <a:headEnd type="none" w="med" len="med"/>
-                      <a:tailEnd type="none" w="med" len="med"/>
-                    </a:lnR>
-                    <a:lnT w="9525" cap="flat" cmpd="sng" algn="ctr">
-                      <a:solidFill>
-                        <a:schemeClr val="tx1"/>
-                      </a:solidFill>
-                      <a:prstDash val="solid"/>
-                      <a:round/>
-                      <a:headEnd type="none" w="med" len="med"/>
-                      <a:tailEnd type="none" w="med" len="med"/>
-                    </a:lnT>
-                    <a:lnB w="9525" cap="flat" cmpd="sng" algn="ctr">
-                      <a:solidFill>
-                        <a:schemeClr val="tx1"/>
-                      </a:solidFill>
-                      <a:prstDash val="solid"/>
-                      <a:round/>
-                      <a:headEnd type="none" w="med" len="med"/>
-                      <a:tailEnd type="none" w="med" len="med"/>
-                    </a:lnB>
-                    <a:noFill/>
-                  </a:tcPr>
-                </a:tc>
-                <a:tc>
-                  <a:txBody>
-                    <a:bodyPr/>
-                    <a:lstStyle/>
-                    <a:p>
-                      <a:pPr algn="ctr" rtl="0"/>
-                      <a:r>
-                        <a:rPr lang="pt-PT" dirty="0">
-                          <a:solidFill>
-                            <a:schemeClr val="tx1"/>
-                          </a:solidFill>
-                        </a:rPr>
-                        <a:t>5,1</a:t>
-                      </a:r>
-                    </a:p>
-                  </a:txBody>
-                  <a:tcPr anchor="ctr">
-                    <a:lnL w="9525" cap="flat" cmpd="sng" algn="ctr">
-                      <a:solidFill>
-                        <a:schemeClr val="tx1"/>
-                      </a:solidFill>
-                      <a:prstDash val="solid"/>
-                      <a:round/>
-                      <a:headEnd type="none" w="med" len="med"/>
-                      <a:tailEnd type="none" w="med" len="med"/>
-                    </a:lnL>
-                    <a:lnR w="9525" cap="flat" cmpd="sng" algn="ctr">
-                      <a:solidFill>
-                        <a:schemeClr val="tx1"/>
-                      </a:solidFill>
-                      <a:prstDash val="solid"/>
-                      <a:round/>
-                      <a:headEnd type="none" w="med" len="med"/>
-                      <a:tailEnd type="none" w="med" len="med"/>
-                    </a:lnR>
-                    <a:lnT w="9525" cap="flat" cmpd="sng" algn="ctr">
-                      <a:solidFill>
-                        <a:schemeClr val="tx1"/>
-                      </a:solidFill>
-                      <a:prstDash val="solid"/>
-                      <a:round/>
-                      <a:headEnd type="none" w="med" len="med"/>
-                      <a:tailEnd type="none" w="med" len="med"/>
-                    </a:lnT>
-                    <a:lnB w="9525" cap="flat" cmpd="sng" algn="ctr">
-                      <a:solidFill>
-                        <a:schemeClr val="tx1"/>
-                      </a:solidFill>
-                      <a:prstDash val="solid"/>
-                      <a:round/>
-                      <a:headEnd type="none" w="med" len="med"/>
-                      <a:tailEnd type="none" w="med" len="med"/>
-                    </a:lnB>
-                    <a:noFill/>
-                  </a:tcPr>
-                </a:tc>
-                <a:tc>
-                  <a:txBody>
-                    <a:bodyPr/>
-                    <a:lstStyle/>
-                    <a:p>
-                      <a:pPr algn="ctr" rtl="0"/>
-                      <a:r>
-                        <a:rPr lang="pt-PT" dirty="0">
-                          <a:solidFill>
-                            <a:schemeClr val="tx1"/>
-                          </a:solidFill>
-                        </a:rPr>
-                        <a:t>4,4</a:t>
-                      </a:r>
-                    </a:p>
-                  </a:txBody>
-                  <a:tcPr anchor="ctr">
-                    <a:lnL w="9525" cap="flat" cmpd="sng" algn="ctr">
-                      <a:solidFill>
-                        <a:schemeClr val="tx1"/>
-                      </a:solidFill>
-                      <a:prstDash val="solid"/>
-                      <a:round/>
-                      <a:headEnd type="none" w="med" len="med"/>
-                      <a:tailEnd type="none" w="med" len="med"/>
-                    </a:lnL>
-                    <a:lnR w="9525" cap="flat" cmpd="sng" algn="ctr">
-                      <a:solidFill>
-                        <a:schemeClr val="tx1"/>
-                      </a:solidFill>
-                      <a:prstDash val="solid"/>
-                      <a:round/>
-                      <a:headEnd type="none" w="med" len="med"/>
-                      <a:tailEnd type="none" w="med" len="med"/>
-                    </a:lnR>
-                    <a:lnT w="9525" cap="flat" cmpd="sng" algn="ctr">
-                      <a:solidFill>
-                        <a:schemeClr val="tx1"/>
-                      </a:solidFill>
-                      <a:prstDash val="solid"/>
-                      <a:round/>
-                      <a:headEnd type="none" w="med" len="med"/>
-                      <a:tailEnd type="none" w="med" len="med"/>
-                    </a:lnT>
-                    <a:lnB w="9525" cap="flat" cmpd="sng" algn="ctr">
-                      <a:solidFill>
-                        <a:schemeClr val="tx1"/>
-                      </a:solidFill>
-                      <a:prstDash val="solid"/>
-                      <a:round/>
-                      <a:headEnd type="none" w="med" len="med"/>
-                      <a:tailEnd type="none" w="med" len="med"/>
-                    </a:lnB>
-                    <a:noFill/>
-                  </a:tcPr>
-                </a:tc>
-                <a:tc>
-                  <a:txBody>
-                    <a:bodyPr/>
-                    <a:lstStyle/>
-                    <a:p>
-                      <a:pPr algn="ctr" rtl="0"/>
-                      <a:r>
-                        <a:rPr lang="pt-PT" dirty="0">
-                          <a:solidFill>
-                            <a:schemeClr val="tx1"/>
-                          </a:solidFill>
-                        </a:rPr>
-                        <a:t>3</a:t>
-                      </a:r>
-                    </a:p>
-                  </a:txBody>
-                  <a:tcPr anchor="ctr">
-                    <a:lnL w="9525" cap="flat" cmpd="sng" algn="ctr">
-                      <a:solidFill>
-                        <a:schemeClr val="tx1"/>
-                      </a:solidFill>
-                      <a:prstDash val="solid"/>
-                      <a:round/>
-                      <a:headEnd type="none" w="med" len="med"/>
-                      <a:tailEnd type="none" w="med" len="med"/>
-                    </a:lnL>
-                    <a:lnR w="9525" cap="flat" cmpd="sng" algn="ctr">
-                      <a:solidFill>
-                        <a:schemeClr val="tx1"/>
-                      </a:solidFill>
-                      <a:prstDash val="solid"/>
-                      <a:round/>
-                      <a:headEnd type="none" w="med" len="med"/>
-                      <a:tailEnd type="none" w="med" len="med"/>
-                    </a:lnR>
-                    <a:lnT w="9525" cap="flat" cmpd="sng" algn="ctr">
-                      <a:solidFill>
-                        <a:schemeClr val="tx1"/>
-                      </a:solidFill>
-                      <a:prstDash val="solid"/>
-                      <a:round/>
-                      <a:headEnd type="none" w="med" len="med"/>
-                      <a:tailEnd type="none" w="med" len="med"/>
-                    </a:lnT>
-                    <a:lnB w="9525" cap="flat" cmpd="sng" algn="ctr">
-                      <a:solidFill>
-                        <a:schemeClr val="tx1"/>
-                      </a:solidFill>
-                      <a:prstDash val="solid"/>
-                      <a:round/>
-                      <a:headEnd type="none" w="med" len="med"/>
-                      <a:tailEnd type="none" w="med" len="med"/>
-                    </a:lnB>
-                    <a:noFill/>
-                  </a:tcPr>
-                </a:tc>
-                <a:extLst>
-                  <a:ext uri="{0D108BD9-81ED-4DB2-BD59-A6C34878D82A}">
-                    <a16:rowId xmlns:a16="http://schemas.microsoft.com/office/drawing/2014/main" val="1580915798"/>
-                  </a:ext>
-                </a:extLst>
-              </a:tr>
-              <a:tr h="493344">
-                <a:tc>
-                  <a:txBody>
-                    <a:bodyPr/>
-                    <a:lstStyle/>
-                    <a:p>
-                      <a:pPr algn="ctr" rtl="0"/>
-                      <a:r>
-                        <a:rPr lang="pt-PT">
-                          <a:solidFill>
-                            <a:schemeClr val="tx1"/>
-                          </a:solidFill>
-                        </a:rPr>
-                        <a:t>Item 3</a:t>
-                      </a:r>
-                    </a:p>
-                  </a:txBody>
-                  <a:tcPr anchor="ctr">
-                    <a:lnL w="9525" cap="flat" cmpd="sng" algn="ctr">
-                      <a:solidFill>
-                        <a:schemeClr val="tx1"/>
-                      </a:solidFill>
-                      <a:prstDash val="solid"/>
-                      <a:round/>
-                      <a:headEnd type="none" w="med" len="med"/>
-                      <a:tailEnd type="none" w="med" len="med"/>
-                    </a:lnL>
-                    <a:lnR w="9525" cap="flat" cmpd="sng" algn="ctr">
-                      <a:solidFill>
-                        <a:schemeClr val="tx1"/>
-                      </a:solidFill>
-                      <a:prstDash val="solid"/>
-                      <a:round/>
-                      <a:headEnd type="none" w="med" len="med"/>
-                      <a:tailEnd type="none" w="med" len="med"/>
-                    </a:lnR>
-                    <a:lnT w="9525" cap="flat" cmpd="sng" algn="ctr">
-                      <a:solidFill>
-                        <a:schemeClr val="tx1"/>
-                      </a:solidFill>
-                      <a:prstDash val="solid"/>
-                      <a:round/>
-                      <a:headEnd type="none" w="med" len="med"/>
-                      <a:tailEnd type="none" w="med" len="med"/>
-                    </a:lnT>
-                    <a:lnB w="9525" cap="flat" cmpd="sng" algn="ctr">
-                      <a:solidFill>
-                        <a:schemeClr val="tx1"/>
-                      </a:solidFill>
-                      <a:prstDash val="solid"/>
-                      <a:round/>
-                      <a:headEnd type="none" w="med" len="med"/>
-                      <a:tailEnd type="none" w="med" len="med"/>
-                    </a:lnB>
-                    <a:noFill/>
-                  </a:tcPr>
-                </a:tc>
-                <a:tc>
-                  <a:txBody>
-                    <a:bodyPr/>
-                    <a:lstStyle/>
-                    <a:p>
-                      <a:pPr algn="ctr" rtl="0"/>
-                      <a:r>
-                        <a:rPr lang="pt-PT" dirty="0">
-                          <a:solidFill>
-                            <a:schemeClr val="tx1"/>
-                          </a:solidFill>
-                        </a:rPr>
-                        <a:t>2,1</a:t>
-                      </a:r>
-                    </a:p>
-                  </a:txBody>
-                  <a:tcPr anchor="ctr">
-                    <a:lnL w="9525" cap="flat" cmpd="sng" algn="ctr">
-                      <a:solidFill>
-                        <a:schemeClr val="tx1"/>
-                      </a:solidFill>
-                      <a:prstDash val="solid"/>
-                      <a:round/>
-                      <a:headEnd type="none" w="med" len="med"/>
-                      <a:tailEnd type="none" w="med" len="med"/>
-                    </a:lnL>
-                    <a:lnR w="9525" cap="flat" cmpd="sng" algn="ctr">
-                      <a:solidFill>
-                        <a:schemeClr val="tx1"/>
-                      </a:solidFill>
-                      <a:prstDash val="solid"/>
-                      <a:round/>
-                      <a:headEnd type="none" w="med" len="med"/>
-                      <a:tailEnd type="none" w="med" len="med"/>
-                    </a:lnR>
-                    <a:lnT w="9525" cap="flat" cmpd="sng" algn="ctr">
-                      <a:solidFill>
-                        <a:schemeClr val="tx1"/>
-                      </a:solidFill>
-                      <a:prstDash val="solid"/>
-                      <a:round/>
-                      <a:headEnd type="none" w="med" len="med"/>
-                      <a:tailEnd type="none" w="med" len="med"/>
-                    </a:lnT>
-                    <a:lnB w="9525" cap="flat" cmpd="sng" algn="ctr">
-                      <a:solidFill>
-                        <a:schemeClr val="tx1"/>
-                      </a:solidFill>
-                      <a:prstDash val="solid"/>
-                      <a:round/>
-                      <a:headEnd type="none" w="med" len="med"/>
-                      <a:tailEnd type="none" w="med" len="med"/>
-                    </a:lnB>
-                    <a:noFill/>
-                  </a:tcPr>
-                </a:tc>
-                <a:tc>
-                  <a:txBody>
-                    <a:bodyPr/>
-                    <a:lstStyle/>
-                    <a:p>
-                      <a:pPr algn="ctr" rtl="0"/>
-                      <a:r>
-                        <a:rPr lang="pt-PT" dirty="0">
-                          <a:solidFill>
-                            <a:schemeClr val="tx1"/>
-                          </a:solidFill>
-                        </a:rPr>
-                        <a:t>1,7</a:t>
-                      </a:r>
-                    </a:p>
-                  </a:txBody>
-                  <a:tcPr anchor="ctr">
-                    <a:lnL w="9525" cap="flat" cmpd="sng" algn="ctr">
-                      <a:solidFill>
-                        <a:schemeClr val="tx1"/>
-                      </a:solidFill>
-                      <a:prstDash val="solid"/>
-                      <a:round/>
-                      <a:headEnd type="none" w="med" len="med"/>
-                      <a:tailEnd type="none" w="med" len="med"/>
-                    </a:lnL>
-                    <a:lnR w="9525" cap="flat" cmpd="sng" algn="ctr">
-                      <a:solidFill>
-                        <a:schemeClr val="tx1"/>
-                      </a:solidFill>
-                      <a:prstDash val="solid"/>
-                      <a:round/>
-                      <a:headEnd type="none" w="med" len="med"/>
-                      <a:tailEnd type="none" w="med" len="med"/>
-                    </a:lnR>
-                    <a:lnT w="9525" cap="flat" cmpd="sng" algn="ctr">
-                      <a:solidFill>
-                        <a:schemeClr val="tx1"/>
-                      </a:solidFill>
-                      <a:prstDash val="solid"/>
-                      <a:round/>
-                      <a:headEnd type="none" w="med" len="med"/>
-                      <a:tailEnd type="none" w="med" len="med"/>
-                    </a:lnT>
-                    <a:lnB w="9525" cap="flat" cmpd="sng" algn="ctr">
-                      <a:solidFill>
-                        <a:schemeClr val="tx1"/>
-                      </a:solidFill>
-                      <a:prstDash val="solid"/>
-                      <a:round/>
-                      <a:headEnd type="none" w="med" len="med"/>
-                      <a:tailEnd type="none" w="med" len="med"/>
-                    </a:lnB>
-                    <a:noFill/>
-                  </a:tcPr>
-                </a:tc>
-                <a:tc>
-                  <a:txBody>
-                    <a:bodyPr/>
-                    <a:lstStyle/>
-                    <a:p>
-                      <a:pPr algn="ctr" rtl="0"/>
-                      <a:r>
-                        <a:rPr lang="pt-PT" dirty="0">
-                          <a:solidFill>
-                            <a:schemeClr val="tx1"/>
-                          </a:solidFill>
-                        </a:rPr>
-                        <a:t>2,5</a:t>
-                      </a:r>
-                    </a:p>
-                  </a:txBody>
-                  <a:tcPr anchor="ctr">
-                    <a:lnL w="9525" cap="flat" cmpd="sng" algn="ctr">
-                      <a:solidFill>
-                        <a:schemeClr val="tx1"/>
-                      </a:solidFill>
-                      <a:prstDash val="solid"/>
-                      <a:round/>
-                      <a:headEnd type="none" w="med" len="med"/>
-                      <a:tailEnd type="none" w="med" len="med"/>
-                    </a:lnL>
-                    <a:lnR w="9525" cap="flat" cmpd="sng" algn="ctr">
-                      <a:solidFill>
-                        <a:schemeClr val="tx1"/>
-                      </a:solidFill>
-                      <a:prstDash val="solid"/>
-                      <a:round/>
-                      <a:headEnd type="none" w="med" len="med"/>
-                      <a:tailEnd type="none" w="med" len="med"/>
-                    </a:lnR>
-                    <a:lnT w="9525" cap="flat" cmpd="sng" algn="ctr">
-                      <a:solidFill>
-                        <a:schemeClr val="tx1"/>
-                      </a:solidFill>
-                      <a:prstDash val="solid"/>
-                      <a:round/>
-                      <a:headEnd type="none" w="med" len="med"/>
-                      <a:tailEnd type="none" w="med" len="med"/>
-                    </a:lnT>
-                    <a:lnB w="9525" cap="flat" cmpd="sng" algn="ctr">
-                      <a:solidFill>
-                        <a:schemeClr val="tx1"/>
-                      </a:solidFill>
-                      <a:prstDash val="solid"/>
-                      <a:round/>
-                      <a:headEnd type="none" w="med" len="med"/>
-                      <a:tailEnd type="none" w="med" len="med"/>
-                    </a:lnB>
-                    <a:noFill/>
-                  </a:tcPr>
-                </a:tc>
-                <a:tc>
-                  <a:txBody>
-                    <a:bodyPr/>
-                    <a:lstStyle/>
-                    <a:p>
-                      <a:pPr algn="ctr" rtl="0"/>
-                      <a:r>
-                        <a:rPr lang="pt-PT" dirty="0">
-                          <a:solidFill>
-                            <a:schemeClr val="tx1"/>
-                          </a:solidFill>
-                        </a:rPr>
-                        <a:t>2,8</a:t>
-                      </a:r>
-                    </a:p>
-                  </a:txBody>
-                  <a:tcPr anchor="ctr">
-                    <a:lnL w="9525" cap="flat" cmpd="sng" algn="ctr">
-                      <a:solidFill>
-                        <a:schemeClr val="tx1"/>
-                      </a:solidFill>
-                      <a:prstDash val="solid"/>
-                      <a:round/>
-                      <a:headEnd type="none" w="med" len="med"/>
-                      <a:tailEnd type="none" w="med" len="med"/>
-                    </a:lnL>
-                    <a:lnR w="9525" cap="flat" cmpd="sng" algn="ctr">
-                      <a:solidFill>
-                        <a:schemeClr val="tx1"/>
-                      </a:solidFill>
-                      <a:prstDash val="solid"/>
-                      <a:round/>
-                      <a:headEnd type="none" w="med" len="med"/>
-                      <a:tailEnd type="none" w="med" len="med"/>
-                    </a:lnR>
-                    <a:lnT w="9525" cap="flat" cmpd="sng" algn="ctr">
-                      <a:solidFill>
-                        <a:schemeClr val="tx1"/>
-                      </a:solidFill>
-                      <a:prstDash val="solid"/>
-                      <a:round/>
-                      <a:headEnd type="none" w="med" len="med"/>
-                      <a:tailEnd type="none" w="med" len="med"/>
-                    </a:lnT>
-                    <a:lnB w="9525" cap="flat" cmpd="sng" algn="ctr">
-                      <a:solidFill>
-                        <a:schemeClr val="tx1"/>
-                      </a:solidFill>
-                      <a:prstDash val="solid"/>
-                      <a:round/>
-                      <a:headEnd type="none" w="med" len="med"/>
-                      <a:tailEnd type="none" w="med" len="med"/>
-                    </a:lnB>
-                    <a:noFill/>
-                  </a:tcPr>
-                </a:tc>
-                <a:extLst>
-                  <a:ext uri="{0D108BD9-81ED-4DB2-BD59-A6C34878D82A}">
-                    <a16:rowId xmlns:a16="http://schemas.microsoft.com/office/drawing/2014/main" val="3796691047"/>
-                  </a:ext>
-                </a:extLst>
-              </a:tr>
-              <a:tr h="493344">
-                <a:tc>
-                  <a:txBody>
-                    <a:bodyPr/>
-                    <a:lstStyle/>
-                    <a:p>
-                      <a:pPr algn="ctr" rtl="0"/>
-                      <a:r>
-                        <a:rPr lang="pt-PT">
-                          <a:solidFill>
-                            <a:schemeClr val="tx1"/>
-                          </a:solidFill>
-                        </a:rPr>
-                        <a:t>Item 4</a:t>
-                      </a:r>
-                    </a:p>
-                  </a:txBody>
-                  <a:tcPr anchor="ctr">
-                    <a:lnL w="9525" cap="flat" cmpd="sng" algn="ctr">
-                      <a:solidFill>
-                        <a:schemeClr val="tx1"/>
-                      </a:solidFill>
-                      <a:prstDash val="solid"/>
-                      <a:round/>
-                      <a:headEnd type="none" w="med" len="med"/>
-                      <a:tailEnd type="none" w="med" len="med"/>
-                    </a:lnL>
-                    <a:lnR w="9525" cap="flat" cmpd="sng" algn="ctr">
-                      <a:solidFill>
-                        <a:schemeClr val="tx1"/>
-                      </a:solidFill>
-                      <a:prstDash val="solid"/>
-                      <a:round/>
-                      <a:headEnd type="none" w="med" len="med"/>
-                      <a:tailEnd type="none" w="med" len="med"/>
-                    </a:lnR>
-                    <a:lnT w="9525" cap="flat" cmpd="sng" algn="ctr">
-                      <a:solidFill>
-                        <a:schemeClr val="tx1"/>
-                      </a:solidFill>
-                      <a:prstDash val="solid"/>
-                      <a:round/>
-                      <a:headEnd type="none" w="med" len="med"/>
-                      <a:tailEnd type="none" w="med" len="med"/>
-                    </a:lnT>
-                    <a:lnB w="9525" cap="flat" cmpd="sng" algn="ctr">
-                      <a:solidFill>
-                        <a:schemeClr val="tx1"/>
-                      </a:solidFill>
-                      <a:prstDash val="solid"/>
-                      <a:round/>
-                      <a:headEnd type="none" w="med" len="med"/>
-                      <a:tailEnd type="none" w="med" len="med"/>
-                    </a:lnB>
-                    <a:noFill/>
-                  </a:tcPr>
-                </a:tc>
-                <a:tc>
-                  <a:txBody>
-                    <a:bodyPr/>
-                    <a:lstStyle/>
-                    <a:p>
-                      <a:pPr algn="ctr" rtl="0"/>
-                      <a:r>
-                        <a:rPr lang="pt-PT" dirty="0">
-                          <a:solidFill>
-                            <a:schemeClr val="tx1"/>
-                          </a:solidFill>
-                        </a:rPr>
-                        <a:t>4,5</a:t>
-                      </a:r>
-                    </a:p>
-                  </a:txBody>
-                  <a:tcPr anchor="ctr">
-                    <a:lnL w="9525" cap="flat" cmpd="sng" algn="ctr">
-                      <a:solidFill>
-                        <a:schemeClr val="tx1"/>
-                      </a:solidFill>
-                      <a:prstDash val="solid"/>
-                      <a:round/>
-                      <a:headEnd type="none" w="med" len="med"/>
-                      <a:tailEnd type="none" w="med" len="med"/>
-                    </a:lnL>
-                    <a:lnR w="9525" cap="flat" cmpd="sng" algn="ctr">
-                      <a:solidFill>
-                        <a:schemeClr val="tx1"/>
-                      </a:solidFill>
-                      <a:prstDash val="solid"/>
-                      <a:round/>
-                      <a:headEnd type="none" w="med" len="med"/>
-                      <a:tailEnd type="none" w="med" len="med"/>
-                    </a:lnR>
-                    <a:lnT w="9525" cap="flat" cmpd="sng" algn="ctr">
-                      <a:solidFill>
-                        <a:schemeClr val="tx1"/>
-                      </a:solidFill>
-                      <a:prstDash val="solid"/>
-                      <a:round/>
-                      <a:headEnd type="none" w="med" len="med"/>
-                      <a:tailEnd type="none" w="med" len="med"/>
-                    </a:lnT>
-                    <a:lnB w="9525" cap="flat" cmpd="sng" algn="ctr">
-                      <a:solidFill>
-                        <a:schemeClr val="tx1"/>
-                      </a:solidFill>
-                      <a:prstDash val="solid"/>
-                      <a:round/>
-                      <a:headEnd type="none" w="med" len="med"/>
-                      <a:tailEnd type="none" w="med" len="med"/>
-                    </a:lnB>
-                    <a:noFill/>
-                  </a:tcPr>
-                </a:tc>
-                <a:tc>
-                  <a:txBody>
-                    <a:bodyPr/>
-                    <a:lstStyle/>
-                    <a:p>
-                      <a:pPr algn="ctr" rtl="0"/>
-                      <a:r>
-                        <a:rPr lang="pt-PT" dirty="0">
-                          <a:solidFill>
-                            <a:schemeClr val="tx1"/>
-                          </a:solidFill>
-                        </a:rPr>
-                        <a:t>2,2</a:t>
-                      </a:r>
-                    </a:p>
-                  </a:txBody>
-                  <a:tcPr anchor="ctr">
-                    <a:lnL w="9525" cap="flat" cmpd="sng" algn="ctr">
-                      <a:solidFill>
-                        <a:schemeClr val="tx1"/>
-                      </a:solidFill>
-                      <a:prstDash val="solid"/>
-                      <a:round/>
-                      <a:headEnd type="none" w="med" len="med"/>
-                      <a:tailEnd type="none" w="med" len="med"/>
-                    </a:lnL>
-                    <a:lnR w="9525" cap="flat" cmpd="sng" algn="ctr">
-                      <a:solidFill>
-                        <a:schemeClr val="tx1"/>
-                      </a:solidFill>
-                      <a:prstDash val="solid"/>
-                      <a:round/>
-                      <a:headEnd type="none" w="med" len="med"/>
-                      <a:tailEnd type="none" w="med" len="med"/>
-                    </a:lnR>
-                    <a:lnT w="9525" cap="flat" cmpd="sng" algn="ctr">
-                      <a:solidFill>
-                        <a:schemeClr val="tx1"/>
-                      </a:solidFill>
-                      <a:prstDash val="solid"/>
-                      <a:round/>
-                      <a:headEnd type="none" w="med" len="med"/>
-                      <a:tailEnd type="none" w="med" len="med"/>
-                    </a:lnT>
-                    <a:lnB w="9525" cap="flat" cmpd="sng" algn="ctr">
-                      <a:solidFill>
-                        <a:schemeClr val="tx1"/>
-                      </a:solidFill>
-                      <a:prstDash val="solid"/>
-                      <a:round/>
-                      <a:headEnd type="none" w="med" len="med"/>
-                      <a:tailEnd type="none" w="med" len="med"/>
-                    </a:lnB>
-                    <a:noFill/>
-                  </a:tcPr>
-                </a:tc>
-                <a:tc>
-                  <a:txBody>
-                    <a:bodyPr/>
-                    <a:lstStyle/>
-                    <a:p>
-                      <a:pPr algn="ctr" rtl="0"/>
-                      <a:r>
-                        <a:rPr lang="pt-PT" dirty="0">
-                          <a:solidFill>
-                            <a:schemeClr val="tx1"/>
-                          </a:solidFill>
-                        </a:rPr>
-                        <a:t>1,7</a:t>
-                      </a:r>
-                    </a:p>
-                  </a:txBody>
-                  <a:tcPr anchor="ctr">
-                    <a:lnL w="9525" cap="flat" cmpd="sng" algn="ctr">
-                      <a:solidFill>
-                        <a:schemeClr val="tx1"/>
-                      </a:solidFill>
-                      <a:prstDash val="solid"/>
-                      <a:round/>
-                      <a:headEnd type="none" w="med" len="med"/>
-                      <a:tailEnd type="none" w="med" len="med"/>
-                    </a:lnL>
-                    <a:lnR w="9525" cap="flat" cmpd="sng" algn="ctr">
-                      <a:solidFill>
-                        <a:schemeClr val="tx1"/>
-                      </a:solidFill>
-                      <a:prstDash val="solid"/>
-                      <a:round/>
-                      <a:headEnd type="none" w="med" len="med"/>
-                      <a:tailEnd type="none" w="med" len="med"/>
-                    </a:lnR>
-                    <a:lnT w="9525" cap="flat" cmpd="sng" algn="ctr">
-                      <a:solidFill>
-                        <a:schemeClr val="tx1"/>
-                      </a:solidFill>
-                      <a:prstDash val="solid"/>
-                      <a:round/>
-                      <a:headEnd type="none" w="med" len="med"/>
-                      <a:tailEnd type="none" w="med" len="med"/>
-                    </a:lnT>
-                    <a:lnB w="9525" cap="flat" cmpd="sng" algn="ctr">
-                      <a:solidFill>
-                        <a:schemeClr val="tx1"/>
-                      </a:solidFill>
-                      <a:prstDash val="solid"/>
-                      <a:round/>
-                      <a:headEnd type="none" w="med" len="med"/>
-                      <a:tailEnd type="none" w="med" len="med"/>
-                    </a:lnB>
-                    <a:noFill/>
-                  </a:tcPr>
-                </a:tc>
-                <a:tc>
-                  <a:txBody>
-                    <a:bodyPr/>
-                    <a:lstStyle/>
-                    <a:p>
-                      <a:pPr algn="ctr" rtl="0"/>
-                      <a:r>
-                        <a:rPr lang="pt-PT" dirty="0">
-                          <a:solidFill>
-                            <a:schemeClr val="tx1"/>
-                          </a:solidFill>
-                        </a:rPr>
-                        <a:t>7</a:t>
-                      </a:r>
-                    </a:p>
-                  </a:txBody>
-                  <a:tcPr anchor="ctr">
-                    <a:lnL w="9525" cap="flat" cmpd="sng" algn="ctr">
-                      <a:solidFill>
-                        <a:schemeClr val="tx1"/>
-                      </a:solidFill>
-                      <a:prstDash val="solid"/>
-                      <a:round/>
-                      <a:headEnd type="none" w="med" len="med"/>
-                      <a:tailEnd type="none" w="med" len="med"/>
-                    </a:lnL>
-                    <a:lnR w="9525" cap="flat" cmpd="sng" algn="ctr">
-                      <a:solidFill>
-                        <a:schemeClr val="tx1"/>
-                      </a:solidFill>
-                      <a:prstDash val="solid"/>
-                      <a:round/>
-                      <a:headEnd type="none" w="med" len="med"/>
-                      <a:tailEnd type="none" w="med" len="med"/>
-                    </a:lnR>
-                    <a:lnT w="9525" cap="flat" cmpd="sng" algn="ctr">
-                      <a:solidFill>
-                        <a:schemeClr val="tx1"/>
-                      </a:solidFill>
-                      <a:prstDash val="solid"/>
-                      <a:round/>
-                      <a:headEnd type="none" w="med" len="med"/>
-                      <a:tailEnd type="none" w="med" len="med"/>
-                    </a:lnT>
-                    <a:lnB w="9525" cap="flat" cmpd="sng" algn="ctr">
-                      <a:solidFill>
-                        <a:schemeClr val="tx1"/>
-                      </a:solidFill>
-                      <a:prstDash val="solid"/>
-                      <a:round/>
-                      <a:headEnd type="none" w="med" len="med"/>
-                      <a:tailEnd type="none" w="med" len="med"/>
-                    </a:lnB>
-                    <a:noFill/>
-                  </a:tcPr>
-                </a:tc>
-                <a:extLst>
-                  <a:ext uri="{0D108BD9-81ED-4DB2-BD59-A6C34878D82A}">
-                    <a16:rowId xmlns:a16="http://schemas.microsoft.com/office/drawing/2014/main" val="3721269701"/>
-                  </a:ext>
-                </a:extLst>
-              </a:tr>
-            </a:tbl>
-          </a:graphicData>
-        </a:graphic>
-      </p:graphicFrame>
-      <p:sp>
-        <p:nvSpPr>
-          <p:cNvPr id="14" name="Marcador de Posição da Data 13">
-            <a:extLst>
-              <a:ext uri="{FF2B5EF4-FFF2-40B4-BE49-F238E27FC236}">
-                <a16:creationId xmlns:a16="http://schemas.microsoft.com/office/drawing/2014/main" id="{DC738669-5750-45EA-9715-A0041D4C569B}"/>
+      <p:sp>
+        <p:nvSpPr>
+          <p:cNvPr id="23" name="Subtítulo 22">
+            <a:extLst>
+              <a:ext uri="{FF2B5EF4-FFF2-40B4-BE49-F238E27FC236}">
+                <a16:creationId xmlns:a16="http://schemas.microsoft.com/office/drawing/2014/main" id="{8E5E4638-9BCB-4C2E-914F-CC868E2020D5}"/>
               </a:ext>
             </a:extLst>
           </p:cNvPr>
@@ -23846,13 +16003,13 @@
             <a:spLocks noGrp="1"/>
           </p:cNvSpPr>
           <p:nvPr>
-            <p:ph type="dt" sz="half" idx="10"/>
+            <p:ph type="subTitle" idx="1"/>
           </p:nvPr>
         </p:nvSpPr>
         <p:spPr>
           <a:xfrm>
-            <a:off x="550863" y="6507212"/>
-            <a:ext cx="2628900" cy="153888"/>
+            <a:off x="550863" y="3827610"/>
+            <a:ext cx="5437187" cy="2265216"/>
           </a:xfrm>
         </p:spPr>
         <p:txBody>
@@ -23861,52 +16018,52 @@
           <a:p>
             <a:pPr rtl="0"/>
             <a:r>
-              <a:rPr lang="pt-PT"/>
-              <a:t>Terça-feira, 2 de fevereiro de 20XX</a:t>
+              <a:rPr lang="pt-PT" dirty="0"/>
+              <a:t>lei21_22_s4_2dg_04</a:t>
             </a:r>
           </a:p>
         </p:txBody>
       </p:sp>
-      <p:sp>
-        <p:nvSpPr>
-          <p:cNvPr id="15" name="Marcador de Posição do Rodapé 14">
-            <a:extLst>
-              <a:ext uri="{FF2B5EF4-FFF2-40B4-BE49-F238E27FC236}">
-                <a16:creationId xmlns:a16="http://schemas.microsoft.com/office/drawing/2014/main" id="{CD05A243-8080-4F6D-8538-65CDDF891BA6}"/>
-              </a:ext>
-            </a:extLst>
-          </p:cNvPr>
-          <p:cNvSpPr>
-            <a:spLocks noGrp="1"/>
-          </p:cNvSpPr>
+      <p:pic>
+        <p:nvPicPr>
+          <p:cNvPr id="27" name="Marcador de Posição da Imagem 26" descr="Fundo Digital com Pontos de Dados">
+            <a:extLst>
+              <a:ext uri="{FF2B5EF4-FFF2-40B4-BE49-F238E27FC236}">
+                <a16:creationId xmlns:a16="http://schemas.microsoft.com/office/drawing/2014/main" id="{9E660784-34E2-4CDA-926A-DDD6AAF35046}"/>
+              </a:ext>
+            </a:extLst>
+          </p:cNvPr>
+          <p:cNvPicPr>
+            <a:picLocks noGrp="1" noChangeAspect="1"/>
+          </p:cNvPicPr>
           <p:nvPr>
-            <p:ph type="ftr" sz="quarter" idx="11"/>
+            <p:ph type="pic" sz="quarter" idx="15"/>
           </p:nvPr>
-        </p:nvSpPr>
+        </p:nvPicPr>
+        <p:blipFill rotWithShape="1">
+          <a:blip r:embed="rId2" cstate="screen">
+            <a:extLst>
+              <a:ext uri="{28A0092B-C50C-407E-A947-70E740481C1C}">
+                <a14:useLocalDpi xmlns:a14="http://schemas.microsoft.com/office/drawing/2010/main" val="0"/>
+              </a:ext>
+            </a:extLst>
+          </a:blip>
+          <a:srcRect/>
+          <a:stretch/>
+        </p:blipFill>
         <p:spPr>
           <a:xfrm>
-            <a:off x="3359150" y="6507212"/>
-            <a:ext cx="6379210" cy="153888"/>
+            <a:off x="6557073" y="1243707"/>
+            <a:ext cx="5084064" cy="2880360"/>
           </a:xfrm>
         </p:spPr>
-        <p:txBody>
-          <a:bodyPr rtlCol="0"/>
-          <a:lstStyle/>
-          <a:p>
-            <a:pPr rtl="0"/>
-            <a:r>
-              <a:rPr lang="pt-PT"/>
-              <a:t>Texto de Rodapé de Exemplo</a:t>
-            </a:r>
-          </a:p>
-        </p:txBody>
-      </p:sp>
-      <p:sp>
-        <p:nvSpPr>
-          <p:cNvPr id="16" name="Marcador de Posição do Número do Diapositivo 15">
-            <a:extLst>
-              <a:ext uri="{FF2B5EF4-FFF2-40B4-BE49-F238E27FC236}">
-                <a16:creationId xmlns:a16="http://schemas.microsoft.com/office/drawing/2014/main" id="{3F8A62C8-5437-4C47-AC0F-0605F84CBA57}"/>
+      </p:pic>
+      <p:sp>
+        <p:nvSpPr>
+          <p:cNvPr id="6" name="Marcador de Posição do Número do Diapositivo 5">
+            <a:extLst>
+              <a:ext uri="{FF2B5EF4-FFF2-40B4-BE49-F238E27FC236}">
+                <a16:creationId xmlns:a16="http://schemas.microsoft.com/office/drawing/2014/main" id="{36E60F23-FB58-4EF8-82FD-E86CED25FDD4}"/>
               </a:ext>
             </a:extLst>
           </p:cNvPr>
@@ -23940,1256 +16097,7 @@
     </p:spTree>
     <p:extLst>
       <p:ext uri="{BB962C8B-B14F-4D97-AF65-F5344CB8AC3E}">
-        <p14:creationId xmlns:p14="http://schemas.microsoft.com/office/powerpoint/2010/main" val="2496947791"/>
-      </p:ext>
-    </p:extLst>
-  </p:cSld>
-  <p:clrMapOvr>
-    <a:masterClrMapping/>
-  </p:clrMapOvr>
-</p:sld>
-</file>
-
-<file path=ppt/slides/slide7.xml><?xml version="1.0" encoding="utf-8"?>
-<p:sld xmlns:a="http://schemas.openxmlformats.org/drawingml/2006/main" xmlns:r="http://schemas.openxmlformats.org/officeDocument/2006/relationships" xmlns:p="http://schemas.openxmlformats.org/presentationml/2006/main">
-  <p:cSld>
-    <p:spTree>
-      <p:nvGrpSpPr>
-        <p:cNvPr id="1" name=""/>
-        <p:cNvGrpSpPr/>
-        <p:nvPr/>
-      </p:nvGrpSpPr>
-      <p:grpSpPr>
-        <a:xfrm>
-          <a:off x="0" y="0"/>
-          <a:ext cx="0" cy="0"/>
-          <a:chOff x="0" y="0"/>
-          <a:chExt cx="0" cy="0"/>
-        </a:xfrm>
-      </p:grpSpPr>
-      <p:sp>
-        <p:nvSpPr>
-          <p:cNvPr id="6" name="Título 5">
-            <a:extLst>
-              <a:ext uri="{FF2B5EF4-FFF2-40B4-BE49-F238E27FC236}">
-                <a16:creationId xmlns:a16="http://schemas.microsoft.com/office/drawing/2014/main" id="{ED2A30C0-1BC4-4764-9C0F-5D811CAB8312}"/>
-              </a:ext>
-            </a:extLst>
-          </p:cNvPr>
-          <p:cNvSpPr>
-            <a:spLocks noGrp="1"/>
-          </p:cNvSpPr>
-          <p:nvPr>
-            <p:ph type="ctrTitle"/>
-          </p:nvPr>
-        </p:nvSpPr>
-        <p:spPr>
-          <a:xfrm>
-            <a:off x="548640" y="548640"/>
-            <a:ext cx="8281987" cy="1253041"/>
-          </a:xfrm>
-        </p:spPr>
-        <p:txBody>
-          <a:bodyPr rtlCol="0"/>
-          <a:lstStyle/>
-          <a:p>
-            <a:pPr rtl="0"/>
-            <a:r>
-              <a:rPr lang="pt-PT"/>
-              <a:t>Equipa</a:t>
-            </a:r>
-          </a:p>
-        </p:txBody>
-      </p:sp>
-      <p:pic>
-        <p:nvPicPr>
-          <p:cNvPr id="17" name="Marcador de Posição da Imagem 16" descr="Um homem sorridente no escritório">
-            <a:extLst>
-              <a:ext uri="{FF2B5EF4-FFF2-40B4-BE49-F238E27FC236}">
-                <a16:creationId xmlns:a16="http://schemas.microsoft.com/office/drawing/2014/main" id="{05ED5B1E-974F-476C-A3C9-572D3602E95E}"/>
-              </a:ext>
-            </a:extLst>
-          </p:cNvPr>
-          <p:cNvPicPr>
-            <a:picLocks noGrp="1" noChangeAspect="1"/>
-          </p:cNvPicPr>
-          <p:nvPr>
-            <p:ph type="pic" sz="quarter" idx="13"/>
-          </p:nvPr>
-        </p:nvPicPr>
-        <p:blipFill rotWithShape="1">
-          <a:blip r:embed="rId3" cstate="screen">
-            <a:extLst>
-              <a:ext uri="{28A0092B-C50C-407E-A947-70E740481C1C}">
-                <a14:useLocalDpi xmlns:a14="http://schemas.microsoft.com/office/drawing/2010/main" val="0"/>
-              </a:ext>
-            </a:extLst>
-          </a:blip>
-          <a:srcRect/>
-          <a:stretch/>
-        </p:blipFill>
-        <p:spPr>
-          <a:xfrm>
-            <a:off x="1078992" y="1990724"/>
-            <a:ext cx="1691640" cy="1435608"/>
-          </a:xfrm>
-        </p:spPr>
-      </p:pic>
-      <p:pic>
-        <p:nvPicPr>
-          <p:cNvPr id="36" name="Marcador de Posição da Imagem 35" descr="Uma mulher sorridente no escritório">
-            <a:extLst>
-              <a:ext uri="{FF2B5EF4-FFF2-40B4-BE49-F238E27FC236}">
-                <a16:creationId xmlns:a16="http://schemas.microsoft.com/office/drawing/2014/main" id="{F3CCCCDF-EA66-4F5E-98F3-A05239CBBAC4}"/>
-              </a:ext>
-            </a:extLst>
-          </p:cNvPr>
-          <p:cNvPicPr>
-            <a:picLocks noGrp="1" noChangeAspect="1"/>
-          </p:cNvPicPr>
-          <p:nvPr>
-            <p:ph type="pic" sz="quarter" idx="14"/>
-          </p:nvPr>
-        </p:nvPicPr>
-        <p:blipFill rotWithShape="1">
-          <a:blip r:embed="rId4" cstate="screen">
-            <a:extLst>
-              <a:ext uri="{28A0092B-C50C-407E-A947-70E740481C1C}">
-                <a14:useLocalDpi xmlns:a14="http://schemas.microsoft.com/office/drawing/2010/main" val="0"/>
-              </a:ext>
-            </a:extLst>
-          </a:blip>
-          <a:srcRect/>
-          <a:stretch/>
-        </p:blipFill>
-        <p:spPr>
-          <a:xfrm>
-            <a:off x="3838384" y="1990724"/>
-            <a:ext cx="1691640" cy="1435608"/>
-          </a:xfrm>
-        </p:spPr>
-      </p:pic>
-      <p:pic>
-        <p:nvPicPr>
-          <p:cNvPr id="38" name="Marcador de Posição da Imagem 37" descr="Uma mulher no escritório a sorrir para a câmara&#10;">
-            <a:extLst>
-              <a:ext uri="{FF2B5EF4-FFF2-40B4-BE49-F238E27FC236}">
-                <a16:creationId xmlns:a16="http://schemas.microsoft.com/office/drawing/2014/main" id="{8A6BB597-41F4-432E-8432-8F39511B2941}"/>
-              </a:ext>
-            </a:extLst>
-          </p:cNvPr>
-          <p:cNvPicPr>
-            <a:picLocks noGrp="1" noChangeAspect="1"/>
-          </p:cNvPicPr>
-          <p:nvPr>
-            <p:ph type="pic" sz="quarter" idx="15"/>
-          </p:nvPr>
-        </p:nvPicPr>
-        <p:blipFill rotWithShape="1">
-          <a:blip r:embed="rId5" cstate="screen">
-            <a:extLst>
-              <a:ext uri="{28A0092B-C50C-407E-A947-70E740481C1C}">
-                <a14:useLocalDpi xmlns:a14="http://schemas.microsoft.com/office/drawing/2010/main" val="0"/>
-              </a:ext>
-            </a:extLst>
-          </a:blip>
-          <a:srcRect/>
-          <a:stretch/>
-        </p:blipFill>
-        <p:spPr>
-          <a:xfrm>
-            <a:off x="6661976" y="1993392"/>
-            <a:ext cx="1691640" cy="1435608"/>
-          </a:xfrm>
-        </p:spPr>
-      </p:pic>
-      <p:pic>
-        <p:nvPicPr>
-          <p:cNvPr id="40" name="Marcador de Posição da Imagem 39" descr="Homem sorridente com barba">
-            <a:extLst>
-              <a:ext uri="{FF2B5EF4-FFF2-40B4-BE49-F238E27FC236}">
-                <a16:creationId xmlns:a16="http://schemas.microsoft.com/office/drawing/2014/main" id="{76B2FC80-9F3B-46D8-94D9-882D90A858F6}"/>
-              </a:ext>
-            </a:extLst>
-          </p:cNvPr>
-          <p:cNvPicPr>
-            <a:picLocks noGrp="1" noChangeAspect="1"/>
-          </p:cNvPicPr>
-          <p:nvPr>
-            <p:ph type="pic" sz="quarter" idx="16"/>
-          </p:nvPr>
-        </p:nvPicPr>
-        <p:blipFill rotWithShape="1">
-          <a:blip r:embed="rId6" cstate="screen">
-            <a:extLst>
-              <a:ext uri="{28A0092B-C50C-407E-A947-70E740481C1C}">
-                <a14:useLocalDpi xmlns:a14="http://schemas.microsoft.com/office/drawing/2010/main" val="0"/>
-              </a:ext>
-            </a:extLst>
-          </a:blip>
-          <a:srcRect/>
-          <a:stretch/>
-        </p:blipFill>
-        <p:spPr>
-          <a:xfrm>
-            <a:off x="9485568" y="1990724"/>
-            <a:ext cx="1691640" cy="1435608"/>
-          </a:xfrm>
-        </p:spPr>
-      </p:pic>
-      <p:sp>
-        <p:nvSpPr>
-          <p:cNvPr id="41" name="Marcador de Posição do Texto 40">
-            <a:extLst>
-              <a:ext uri="{FF2B5EF4-FFF2-40B4-BE49-F238E27FC236}">
-                <a16:creationId xmlns:a16="http://schemas.microsoft.com/office/drawing/2014/main" id="{91181F6D-A54F-4289-8C36-80ECE3B2C8E2}"/>
-              </a:ext>
-            </a:extLst>
-          </p:cNvPr>
-          <p:cNvSpPr>
-            <a:spLocks noGrp="1"/>
-          </p:cNvSpPr>
-          <p:nvPr>
-            <p:ph type="body" sz="quarter" idx="18"/>
-          </p:nvPr>
-        </p:nvSpPr>
-        <p:spPr>
-          <a:xfrm>
-            <a:off x="1079500" y="3781425"/>
-            <a:ext cx="1711325" cy="365760"/>
-          </a:xfrm>
-        </p:spPr>
-        <p:txBody>
-          <a:bodyPr rtlCol="0"/>
-          <a:lstStyle/>
-          <a:p>
-            <a:pPr rtl="0"/>
-            <a:r>
-              <a:rPr lang="pt-PT" dirty="0"/>
-              <a:t>Nome</a:t>
-            </a:r>
-          </a:p>
-        </p:txBody>
-      </p:sp>
-      <p:sp>
-        <p:nvSpPr>
-          <p:cNvPr id="15" name="Subtítulo 14">
-            <a:extLst>
-              <a:ext uri="{FF2B5EF4-FFF2-40B4-BE49-F238E27FC236}">
-                <a16:creationId xmlns:a16="http://schemas.microsoft.com/office/drawing/2014/main" id="{84D39D81-9726-4BD7-BDC0-FA0B2AD0D219}"/>
-              </a:ext>
-            </a:extLst>
-          </p:cNvPr>
-          <p:cNvSpPr>
-            <a:spLocks noGrp="1"/>
-          </p:cNvSpPr>
-          <p:nvPr>
-            <p:ph type="body" sz="quarter" idx="17"/>
-          </p:nvPr>
-        </p:nvSpPr>
-        <p:spPr>
-          <a:xfrm>
-            <a:off x="1078733" y="4232949"/>
-            <a:ext cx="1711572" cy="638175"/>
-          </a:xfrm>
-        </p:spPr>
-        <p:txBody>
-          <a:bodyPr rtlCol="0"/>
-          <a:lstStyle/>
-          <a:p>
-            <a:pPr rtl="0"/>
-            <a:r>
-              <a:rPr lang="pt-PT"/>
-              <a:t>Título</a:t>
-            </a:r>
-          </a:p>
-        </p:txBody>
-      </p:sp>
-      <p:sp>
-        <p:nvSpPr>
-          <p:cNvPr id="43" name="Marcador de Posição do Texto 42">
-            <a:extLst>
-              <a:ext uri="{FF2B5EF4-FFF2-40B4-BE49-F238E27FC236}">
-                <a16:creationId xmlns:a16="http://schemas.microsoft.com/office/drawing/2014/main" id="{E4387CED-5FBE-4AFF-B64D-975B5574F16F}"/>
-              </a:ext>
-            </a:extLst>
-          </p:cNvPr>
-          <p:cNvSpPr>
-            <a:spLocks noGrp="1"/>
-          </p:cNvSpPr>
-          <p:nvPr>
-            <p:ph type="body" sz="quarter" idx="20"/>
-          </p:nvPr>
-        </p:nvSpPr>
-        <p:spPr>
-          <a:xfrm>
-            <a:off x="3839151" y="3781425"/>
-            <a:ext cx="1711325" cy="365760"/>
-          </a:xfrm>
-        </p:spPr>
-        <p:txBody>
-          <a:bodyPr rtlCol="0"/>
-          <a:lstStyle/>
-          <a:p>
-            <a:pPr rtl="0"/>
-            <a:r>
-              <a:rPr lang="pt-PT"/>
-              <a:t>Nome</a:t>
-            </a:r>
-          </a:p>
-        </p:txBody>
-      </p:sp>
-      <p:sp>
-        <p:nvSpPr>
-          <p:cNvPr id="42" name="Marcador de Posição do Texto 41">
-            <a:extLst>
-              <a:ext uri="{FF2B5EF4-FFF2-40B4-BE49-F238E27FC236}">
-                <a16:creationId xmlns:a16="http://schemas.microsoft.com/office/drawing/2014/main" id="{CCDF84CD-BC27-4182-9FBA-9D4FEED95410}"/>
-              </a:ext>
-            </a:extLst>
-          </p:cNvPr>
-          <p:cNvSpPr>
-            <a:spLocks noGrp="1"/>
-          </p:cNvSpPr>
-          <p:nvPr>
-            <p:ph type="body" sz="quarter" idx="19"/>
-          </p:nvPr>
-        </p:nvSpPr>
-        <p:spPr>
-          <a:xfrm>
-            <a:off x="3838384" y="4232949"/>
-            <a:ext cx="1711572" cy="638175"/>
-          </a:xfrm>
-        </p:spPr>
-        <p:txBody>
-          <a:bodyPr rtlCol="0"/>
-          <a:lstStyle/>
-          <a:p>
-            <a:pPr rtl="0"/>
-            <a:r>
-              <a:rPr lang="pt-PT"/>
-              <a:t>Título</a:t>
-            </a:r>
-          </a:p>
-        </p:txBody>
-      </p:sp>
-      <p:sp>
-        <p:nvSpPr>
-          <p:cNvPr id="45" name="Marcador de Posição do Texto 44">
-            <a:extLst>
-              <a:ext uri="{FF2B5EF4-FFF2-40B4-BE49-F238E27FC236}">
-                <a16:creationId xmlns:a16="http://schemas.microsoft.com/office/drawing/2014/main" id="{FE5CD03B-066A-46AF-8FB8-E8A78074ABEF}"/>
-              </a:ext>
-            </a:extLst>
-          </p:cNvPr>
-          <p:cNvSpPr>
-            <a:spLocks noGrp="1"/>
-          </p:cNvSpPr>
-          <p:nvPr>
-            <p:ph type="body" sz="quarter" idx="22"/>
-          </p:nvPr>
-        </p:nvSpPr>
-        <p:spPr>
-          <a:xfrm>
-            <a:off x="6662743" y="3781425"/>
-            <a:ext cx="1711325" cy="365760"/>
-          </a:xfrm>
-        </p:spPr>
-        <p:txBody>
-          <a:bodyPr rtlCol="0"/>
-          <a:lstStyle/>
-          <a:p>
-            <a:pPr rtl="0"/>
-            <a:r>
-              <a:rPr lang="pt-PT"/>
-              <a:t>Nome</a:t>
-            </a:r>
-          </a:p>
-        </p:txBody>
-      </p:sp>
-      <p:sp>
-        <p:nvSpPr>
-          <p:cNvPr id="44" name="Marcador de Posição do Texto 43">
-            <a:extLst>
-              <a:ext uri="{FF2B5EF4-FFF2-40B4-BE49-F238E27FC236}">
-                <a16:creationId xmlns:a16="http://schemas.microsoft.com/office/drawing/2014/main" id="{10E83414-3440-46C7-8C07-7D073B69C422}"/>
-              </a:ext>
-            </a:extLst>
-          </p:cNvPr>
-          <p:cNvSpPr>
-            <a:spLocks noGrp="1"/>
-          </p:cNvSpPr>
-          <p:nvPr>
-            <p:ph type="body" sz="quarter" idx="21"/>
-          </p:nvPr>
-        </p:nvSpPr>
-        <p:spPr>
-          <a:xfrm>
-            <a:off x="6661976" y="4232949"/>
-            <a:ext cx="1711572" cy="638175"/>
-          </a:xfrm>
-        </p:spPr>
-        <p:txBody>
-          <a:bodyPr rtlCol="0"/>
-          <a:lstStyle/>
-          <a:p>
-            <a:pPr rtl="0"/>
-            <a:r>
-              <a:rPr lang="pt-PT"/>
-              <a:t>Título</a:t>
-            </a:r>
-          </a:p>
-        </p:txBody>
-      </p:sp>
-      <p:sp>
-        <p:nvSpPr>
-          <p:cNvPr id="47" name="Marcador de Posição do Texto 46">
-            <a:extLst>
-              <a:ext uri="{FF2B5EF4-FFF2-40B4-BE49-F238E27FC236}">
-                <a16:creationId xmlns:a16="http://schemas.microsoft.com/office/drawing/2014/main" id="{F4640D91-CB97-4FCC-8FEF-F4B22B844DC4}"/>
-              </a:ext>
-            </a:extLst>
-          </p:cNvPr>
-          <p:cNvSpPr>
-            <a:spLocks noGrp="1"/>
-          </p:cNvSpPr>
-          <p:nvPr>
-            <p:ph type="body" sz="quarter" idx="24"/>
-          </p:nvPr>
-        </p:nvSpPr>
-        <p:spPr>
-          <a:xfrm>
-            <a:off x="9433112" y="3787288"/>
-            <a:ext cx="1711325" cy="365760"/>
-          </a:xfrm>
-        </p:spPr>
-        <p:txBody>
-          <a:bodyPr rtlCol="0"/>
-          <a:lstStyle/>
-          <a:p>
-            <a:pPr rtl="0"/>
-            <a:r>
-              <a:rPr lang="pt-PT"/>
-              <a:t>Nome</a:t>
-            </a:r>
-          </a:p>
-        </p:txBody>
-      </p:sp>
-      <p:sp>
-        <p:nvSpPr>
-          <p:cNvPr id="3" name="Marcador de Posição do Texto 2">
-            <a:extLst>
-              <a:ext uri="{FF2B5EF4-FFF2-40B4-BE49-F238E27FC236}">
-                <a16:creationId xmlns:a16="http://schemas.microsoft.com/office/drawing/2014/main" id="{B1C6A53C-7538-4FF9-BC09-EFC116FE7054}"/>
-              </a:ext>
-            </a:extLst>
-          </p:cNvPr>
-          <p:cNvSpPr>
-            <a:spLocks noGrp="1"/>
-          </p:cNvSpPr>
-          <p:nvPr>
-            <p:ph type="body" sz="quarter" idx="23"/>
-          </p:nvPr>
-        </p:nvSpPr>
-        <p:spPr>
-          <a:xfrm>
-            <a:off x="9432345" y="4238812"/>
-            <a:ext cx="1711572" cy="638175"/>
-          </a:xfrm>
-        </p:spPr>
-        <p:txBody>
-          <a:bodyPr rtlCol="0"/>
-          <a:lstStyle/>
-          <a:p>
-            <a:pPr rtl="0"/>
-            <a:r>
-              <a:rPr lang="pt-PT"/>
-              <a:t>Título</a:t>
-            </a:r>
-          </a:p>
-        </p:txBody>
-      </p:sp>
-      <p:sp>
-        <p:nvSpPr>
-          <p:cNvPr id="7" name="Marcador de Posição da Data 6">
-            <a:extLst>
-              <a:ext uri="{FF2B5EF4-FFF2-40B4-BE49-F238E27FC236}">
-                <a16:creationId xmlns:a16="http://schemas.microsoft.com/office/drawing/2014/main" id="{45F69D6A-822D-4DB9-A2CC-D9106F1F2B68}"/>
-              </a:ext>
-            </a:extLst>
-          </p:cNvPr>
-          <p:cNvSpPr>
-            <a:spLocks noGrp="1"/>
-          </p:cNvSpPr>
-          <p:nvPr>
-            <p:ph type="dt" sz="half" idx="10"/>
-          </p:nvPr>
-        </p:nvSpPr>
-        <p:spPr>
-          <a:xfrm>
-            <a:off x="550863" y="6507212"/>
-            <a:ext cx="2628900" cy="153888"/>
-          </a:xfrm>
-        </p:spPr>
-        <p:txBody>
-          <a:bodyPr rtlCol="0"/>
-          <a:lstStyle/>
-          <a:p>
-            <a:pPr rtl="0"/>
-            <a:r>
-              <a:rPr lang="pt-PT"/>
-              <a:t>Terça-feira, 2 de fevereiro de 20XX</a:t>
-            </a:r>
-            <a:endParaRPr lang="pt-PT" dirty="0"/>
-          </a:p>
-        </p:txBody>
-      </p:sp>
-      <p:sp>
-        <p:nvSpPr>
-          <p:cNvPr id="8" name="Marcador de Posição do Rodapé 7">
-            <a:extLst>
-              <a:ext uri="{FF2B5EF4-FFF2-40B4-BE49-F238E27FC236}">
-                <a16:creationId xmlns:a16="http://schemas.microsoft.com/office/drawing/2014/main" id="{6375D7F3-165A-439B-8D1D-6553B68C2886}"/>
-              </a:ext>
-            </a:extLst>
-          </p:cNvPr>
-          <p:cNvSpPr>
-            <a:spLocks noGrp="1"/>
-          </p:cNvSpPr>
-          <p:nvPr>
-            <p:ph type="ftr" sz="quarter" idx="11"/>
-          </p:nvPr>
-        </p:nvSpPr>
-        <p:spPr>
-          <a:xfrm>
-            <a:off x="3359150" y="6507212"/>
-            <a:ext cx="6379210" cy="153888"/>
-          </a:xfrm>
-        </p:spPr>
-        <p:txBody>
-          <a:bodyPr rtlCol="0"/>
-          <a:lstStyle/>
-          <a:p>
-            <a:pPr rtl="0"/>
-            <a:r>
-              <a:rPr lang="pt-PT"/>
-              <a:t>Texto de Rodapé de Exemplo</a:t>
-            </a:r>
-          </a:p>
-        </p:txBody>
-      </p:sp>
-      <p:sp>
-        <p:nvSpPr>
-          <p:cNvPr id="9" name="Marcador de Posição do Número do Diapositivo 8">
-            <a:extLst>
-              <a:ext uri="{FF2B5EF4-FFF2-40B4-BE49-F238E27FC236}">
-                <a16:creationId xmlns:a16="http://schemas.microsoft.com/office/drawing/2014/main" id="{7AF9A883-CC44-4401-AE67-8FCEACB7DDDA}"/>
-              </a:ext>
-            </a:extLst>
-          </p:cNvPr>
-          <p:cNvSpPr>
-            <a:spLocks noGrp="1"/>
-          </p:cNvSpPr>
-          <p:nvPr>
-            <p:ph type="sldNum" sz="quarter" idx="12"/>
-          </p:nvPr>
-        </p:nvSpPr>
-        <p:spPr>
-          <a:xfrm>
-            <a:off x="9948863" y="6507212"/>
-            <a:ext cx="1692274" cy="153888"/>
-          </a:xfrm>
-        </p:spPr>
-        <p:txBody>
-          <a:bodyPr rtlCol="0"/>
-          <a:lstStyle/>
-          <a:p>
-            <a:pPr rtl="0"/>
-            <a:fld id="{DBA1B0FB-D917-4C8C-928F-313BD683BF39}" type="slidenum">
-              <a:rPr lang="pt-PT" smtClean="0"/>
-              <a:pPr rtl="0"/>
-              <a:t>7</a:t>
-            </a:fld>
-            <a:endParaRPr lang="pt-PT"/>
-          </a:p>
-        </p:txBody>
-      </p:sp>
-    </p:spTree>
-    <p:extLst>
-      <p:ext uri="{BB962C8B-B14F-4D97-AF65-F5344CB8AC3E}">
-        <p14:creationId xmlns:p14="http://schemas.microsoft.com/office/powerpoint/2010/main" val="2979876663"/>
-      </p:ext>
-    </p:extLst>
-  </p:cSld>
-  <p:clrMapOvr>
-    <a:masterClrMapping/>
-  </p:clrMapOvr>
-</p:sld>
-</file>
-
-<file path=ppt/slides/slide8.xml><?xml version="1.0" encoding="utf-8"?>
-<p:sld xmlns:a="http://schemas.openxmlformats.org/drawingml/2006/main" xmlns:r="http://schemas.openxmlformats.org/officeDocument/2006/relationships" xmlns:p="http://schemas.openxmlformats.org/presentationml/2006/main">
-  <p:cSld>
-    <p:spTree>
-      <p:nvGrpSpPr>
-        <p:cNvPr id="1" name=""/>
-        <p:cNvGrpSpPr/>
-        <p:nvPr/>
-      </p:nvGrpSpPr>
-      <p:grpSpPr>
-        <a:xfrm>
-          <a:off x="0" y="0"/>
-          <a:ext cx="0" cy="0"/>
-          <a:chOff x="0" y="0"/>
-          <a:chExt cx="0" cy="0"/>
-        </a:xfrm>
-      </p:grpSpPr>
-      <p:sp>
-        <p:nvSpPr>
-          <p:cNvPr id="3" name="Título 2">
-            <a:extLst>
-              <a:ext uri="{FF2B5EF4-FFF2-40B4-BE49-F238E27FC236}">
-                <a16:creationId xmlns:a16="http://schemas.microsoft.com/office/drawing/2014/main" id="{FAD72D26-24EF-4CBD-9431-A558CB7CA906}"/>
-              </a:ext>
-            </a:extLst>
-          </p:cNvPr>
-          <p:cNvSpPr>
-            <a:spLocks noGrp="1"/>
-          </p:cNvSpPr>
-          <p:nvPr>
-            <p:ph type="title"/>
-          </p:nvPr>
-        </p:nvSpPr>
-        <p:spPr>
-          <a:xfrm>
-            <a:off x="550862" y="549275"/>
-            <a:ext cx="11091600" cy="1332000"/>
-          </a:xfrm>
-        </p:spPr>
-        <p:txBody>
-          <a:bodyPr rtlCol="0"/>
-          <a:lstStyle/>
-          <a:p>
-            <a:pPr rtl="0"/>
-            <a:r>
-              <a:rPr lang="pt-PT"/>
-              <a:t>Linha Cronológica</a:t>
-            </a:r>
-          </a:p>
-        </p:txBody>
-      </p:sp>
-      <p:graphicFrame>
-        <p:nvGraphicFramePr>
-          <p:cNvPr id="4" name="Marcador de Posição de Conteúdo 3" descr="Marcador de Posição de Smart Art de Linha Cronológica ">
-            <a:extLst>
-              <a:ext uri="{FF2B5EF4-FFF2-40B4-BE49-F238E27FC236}">
-                <a16:creationId xmlns:a16="http://schemas.microsoft.com/office/drawing/2014/main" id="{93897051-DA8D-4072-A594-51769F8D52F5}"/>
-              </a:ext>
-            </a:extLst>
-          </p:cNvPr>
-          <p:cNvGraphicFramePr>
-            <a:graphicFrameLocks noGrp="1"/>
-          </p:cNvGraphicFramePr>
-          <p:nvPr>
-            <p:ph idx="1"/>
-            <p:extLst>
-              <p:ext uri="{D42A27DB-BD31-4B8C-83A1-F6EECF244321}">
-                <p14:modId xmlns:p14="http://schemas.microsoft.com/office/powerpoint/2010/main" val="3323613938"/>
-              </p:ext>
-            </p:extLst>
-          </p:nvPr>
-        </p:nvGraphicFramePr>
-        <p:xfrm>
-          <a:off x="550863" y="2112963"/>
-          <a:ext cx="11090275" cy="3979862"/>
-        </p:xfrm>
-        <a:graphic>
-          <a:graphicData uri="http://schemas.openxmlformats.org/drawingml/2006/diagram">
-            <dgm:relIds xmlns:dgm="http://schemas.openxmlformats.org/drawingml/2006/diagram" xmlns:r="http://schemas.openxmlformats.org/officeDocument/2006/relationships" r:dm="rId3" r:lo="rId4" r:qs="rId5" r:cs="rId6"/>
-          </a:graphicData>
-        </a:graphic>
-      </p:graphicFrame>
-      <p:sp>
-        <p:nvSpPr>
-          <p:cNvPr id="2" name="Marcador de Posição da Data 1">
-            <a:extLst>
-              <a:ext uri="{FF2B5EF4-FFF2-40B4-BE49-F238E27FC236}">
-                <a16:creationId xmlns:a16="http://schemas.microsoft.com/office/drawing/2014/main" id="{81FCAF0A-629F-4EC6-B3E6-563ED999F360}"/>
-              </a:ext>
-            </a:extLst>
-          </p:cNvPr>
-          <p:cNvSpPr>
-            <a:spLocks noGrp="1"/>
-          </p:cNvSpPr>
-          <p:nvPr>
-            <p:ph type="dt" sz="half" idx="10"/>
-          </p:nvPr>
-        </p:nvSpPr>
-        <p:spPr>
-          <a:xfrm>
-            <a:off x="550863" y="6507212"/>
-            <a:ext cx="2628900" cy="153888"/>
-          </a:xfrm>
-        </p:spPr>
-        <p:txBody>
-          <a:bodyPr rtlCol="0"/>
-          <a:lstStyle/>
-          <a:p>
-            <a:pPr rtl="0"/>
-            <a:r>
-              <a:rPr lang="pt-PT"/>
-              <a:t>Terça-feira, 2 de fevereiro de 20XX</a:t>
-            </a:r>
-            <a:endParaRPr lang="pt-PT" dirty="0"/>
-          </a:p>
-        </p:txBody>
-      </p:sp>
-      <p:sp>
-        <p:nvSpPr>
-          <p:cNvPr id="7" name="Marcador de Posição do Rodapé 6">
-            <a:extLst>
-              <a:ext uri="{FF2B5EF4-FFF2-40B4-BE49-F238E27FC236}">
-                <a16:creationId xmlns:a16="http://schemas.microsoft.com/office/drawing/2014/main" id="{920A7C57-D6C5-4BA0-AB3C-41D4E3436B0E}"/>
-              </a:ext>
-            </a:extLst>
-          </p:cNvPr>
-          <p:cNvSpPr>
-            <a:spLocks noGrp="1"/>
-          </p:cNvSpPr>
-          <p:nvPr>
-            <p:ph type="ftr" sz="quarter" idx="11"/>
-          </p:nvPr>
-        </p:nvSpPr>
-        <p:spPr>
-          <a:xfrm>
-            <a:off x="3359150" y="6507212"/>
-            <a:ext cx="6379210" cy="153888"/>
-          </a:xfrm>
-        </p:spPr>
-        <p:txBody>
-          <a:bodyPr rtlCol="0"/>
-          <a:lstStyle/>
-          <a:p>
-            <a:pPr rtl="0"/>
-            <a:r>
-              <a:rPr lang="pt-PT"/>
-              <a:t>Texto de Rodapé de Exemplo</a:t>
-            </a:r>
-          </a:p>
-        </p:txBody>
-      </p:sp>
-      <p:sp>
-        <p:nvSpPr>
-          <p:cNvPr id="6" name="Marcador de Posição do Número do Diapositivo 5">
-            <a:extLst>
-              <a:ext uri="{FF2B5EF4-FFF2-40B4-BE49-F238E27FC236}">
-                <a16:creationId xmlns:a16="http://schemas.microsoft.com/office/drawing/2014/main" id="{5E5CAC52-3FD1-464A-805A-B8F7AF04574A}"/>
-              </a:ext>
-            </a:extLst>
-          </p:cNvPr>
-          <p:cNvSpPr>
-            <a:spLocks noGrp="1"/>
-          </p:cNvSpPr>
-          <p:nvPr>
-            <p:ph type="sldNum" sz="quarter" idx="12"/>
-          </p:nvPr>
-        </p:nvSpPr>
-        <p:spPr>
-          <a:xfrm>
-            <a:off x="9948863" y="6507212"/>
-            <a:ext cx="1692274" cy="153888"/>
-          </a:xfrm>
-        </p:spPr>
-        <p:txBody>
-          <a:bodyPr rtlCol="0"/>
-          <a:lstStyle/>
-          <a:p>
-            <a:pPr rtl="0"/>
-            <a:fld id="{DBA1B0FB-D917-4C8C-928F-313BD683BF39}" type="slidenum">
-              <a:rPr lang="pt-PT" smtClean="0"/>
-              <a:pPr rtl="0"/>
-              <a:t>8</a:t>
-            </a:fld>
-            <a:endParaRPr lang="pt-PT"/>
-          </a:p>
-        </p:txBody>
-      </p:sp>
-    </p:spTree>
-    <p:extLst>
-      <p:ext uri="{BB962C8B-B14F-4D97-AF65-F5344CB8AC3E}">
-        <p14:creationId xmlns:p14="http://schemas.microsoft.com/office/powerpoint/2010/main" val="2624630061"/>
-      </p:ext>
-    </p:extLst>
-  </p:cSld>
-  <p:clrMapOvr>
-    <a:masterClrMapping/>
-  </p:clrMapOvr>
-</p:sld>
-</file>
-
-<file path=ppt/slides/slide9.xml><?xml version="1.0" encoding="utf-8"?>
-<p:sld xmlns:a="http://schemas.openxmlformats.org/drawingml/2006/main" xmlns:r="http://schemas.openxmlformats.org/officeDocument/2006/relationships" xmlns:p="http://schemas.openxmlformats.org/presentationml/2006/main">
-  <p:cSld>
-    <p:spTree>
-      <p:nvGrpSpPr>
-        <p:cNvPr id="1" name=""/>
-        <p:cNvGrpSpPr/>
-        <p:nvPr/>
-      </p:nvGrpSpPr>
-      <p:grpSpPr>
-        <a:xfrm>
-          <a:off x="0" y="0"/>
-          <a:ext cx="0" cy="0"/>
-          <a:chOff x="0" y="0"/>
-          <a:chExt cx="0" cy="0"/>
-        </a:xfrm>
-      </p:grpSpPr>
-      <p:sp>
-        <p:nvSpPr>
-          <p:cNvPr id="7" name="Título 6">
-            <a:extLst>
-              <a:ext uri="{FF2B5EF4-FFF2-40B4-BE49-F238E27FC236}">
-                <a16:creationId xmlns:a16="http://schemas.microsoft.com/office/drawing/2014/main" id="{47788B34-4190-4916-9048-47720EA5ABF1}"/>
-              </a:ext>
-            </a:extLst>
-          </p:cNvPr>
-          <p:cNvSpPr>
-            <a:spLocks noGrp="1"/>
-          </p:cNvSpPr>
-          <p:nvPr>
-            <p:ph type="title"/>
-          </p:nvPr>
-        </p:nvSpPr>
-        <p:spPr>
-          <a:xfrm>
-            <a:off x="550862" y="549275"/>
-            <a:ext cx="11097551" cy="1332000"/>
-          </a:xfrm>
-        </p:spPr>
-        <p:txBody>
-          <a:bodyPr rtlCol="0"/>
-          <a:lstStyle/>
-          <a:p>
-            <a:pPr rtl="0"/>
-            <a:r>
-              <a:rPr lang="pt-PT"/>
-              <a:t>Conteúdo 2 </a:t>
-            </a:r>
-          </a:p>
-        </p:txBody>
-      </p:sp>
-      <p:sp>
-        <p:nvSpPr>
-          <p:cNvPr id="8" name="Marcador de Posição do Texto 7">
-            <a:extLst>
-              <a:ext uri="{FF2B5EF4-FFF2-40B4-BE49-F238E27FC236}">
-                <a16:creationId xmlns:a16="http://schemas.microsoft.com/office/drawing/2014/main" id="{ABA415A0-3B77-43FB-A408-5F1DA4B0AAFA}"/>
-              </a:ext>
-            </a:extLst>
-          </p:cNvPr>
-          <p:cNvSpPr>
-            <a:spLocks noGrp="1"/>
-          </p:cNvSpPr>
-          <p:nvPr>
-            <p:ph type="body" idx="1"/>
-          </p:nvPr>
-        </p:nvSpPr>
-        <p:spPr>
-          <a:xfrm>
-            <a:off x="550864" y="1731375"/>
-            <a:ext cx="3563936" cy="535354"/>
-          </a:xfrm>
-        </p:spPr>
-        <p:txBody>
-          <a:bodyPr rtlCol="0"/>
-          <a:lstStyle/>
-          <a:p>
-            <a:pPr rtl="0"/>
-            <a:r>
-              <a:rPr lang="pt-PT"/>
-              <a:t>Subtítulo</a:t>
-            </a:r>
-          </a:p>
-        </p:txBody>
-      </p:sp>
-      <p:sp>
-        <p:nvSpPr>
-          <p:cNvPr id="9" name="Marcador de Posição de Conteúdo 8">
-            <a:extLst>
-              <a:ext uri="{FF2B5EF4-FFF2-40B4-BE49-F238E27FC236}">
-                <a16:creationId xmlns:a16="http://schemas.microsoft.com/office/drawing/2014/main" id="{8598ECEC-4413-4244-8F21-0076EC511806}"/>
-              </a:ext>
-            </a:extLst>
-          </p:cNvPr>
-          <p:cNvSpPr>
-            <a:spLocks noGrp="1"/>
-          </p:cNvSpPr>
-          <p:nvPr>
-            <p:ph sz="half" idx="2"/>
-          </p:nvPr>
-        </p:nvSpPr>
-        <p:spPr>
-          <a:xfrm>
-            <a:off x="559476" y="2432304"/>
-            <a:ext cx="3563936" cy="3515555"/>
-          </a:xfrm>
-        </p:spPr>
-        <p:txBody>
-          <a:bodyPr rtlCol="0">
-            <a:noAutofit/>
-          </a:bodyPr>
-          <a:lstStyle/>
-          <a:p>
-            <a:pPr lvl="0" rtl="0"/>
-            <a:r>
-              <a:rPr lang="pt-PT" sz="1400" dirty="0"/>
-              <a:t>Adicione texto, imagens, ilustrações e vídeos. </a:t>
-            </a:r>
-          </a:p>
-          <a:p>
-            <a:pPr lvl="0" rtl="0"/>
-            <a:r>
-              <a:rPr lang="pt-PT" sz="1400" dirty="0"/>
-              <a:t>Adicione transições, animações e movimento. </a:t>
-            </a:r>
-          </a:p>
-          <a:p>
-            <a:pPr lvl="0" rtl="0"/>
-            <a:r>
-              <a:rPr lang="pt-PT" sz="1400" dirty="0"/>
-              <a:t>Guarde no OneDrive para aceder às suas apresentações a partir do seu computador, tablet ou telemóvel. </a:t>
-            </a:r>
-          </a:p>
-          <a:p>
-            <a:pPr rtl="0"/>
-            <a:r>
-              <a:rPr lang="pt-PT" sz="1400" dirty="0"/>
-              <a:t>Abra o painel Ideias de Estrutura para obter transformações instantâneas de diapositivos. </a:t>
-            </a:r>
-          </a:p>
-          <a:p>
-            <a:pPr rtl="0"/>
-            <a:r>
-              <a:rPr lang="pt-PT" sz="1400" dirty="0"/>
-              <a:t>Quando tivermos ideias de estrutura, iremos mostrar-lhas aqui. </a:t>
-            </a:r>
-          </a:p>
-          <a:p>
-            <a:pPr lvl="0" rtl="0"/>
-            <a:endParaRPr lang="pt-PT" sz="1400" dirty="0"/>
-          </a:p>
-          <a:p>
-            <a:pPr rtl="0"/>
-            <a:endParaRPr lang="pt-PT" sz="1400" dirty="0"/>
-          </a:p>
-        </p:txBody>
-      </p:sp>
-      <p:sp>
-        <p:nvSpPr>
-          <p:cNvPr id="12" name="Marcador de Posição do Texto 11">
-            <a:extLst>
-              <a:ext uri="{FF2B5EF4-FFF2-40B4-BE49-F238E27FC236}">
-                <a16:creationId xmlns:a16="http://schemas.microsoft.com/office/drawing/2014/main" id="{3A63626D-0E6E-4023-ABFC-A744C9862159}"/>
-              </a:ext>
-            </a:extLst>
-          </p:cNvPr>
-          <p:cNvSpPr>
-            <a:spLocks noGrp="1"/>
-          </p:cNvSpPr>
-          <p:nvPr>
-            <p:ph type="body" sz="quarter" idx="13"/>
-          </p:nvPr>
-        </p:nvSpPr>
-        <p:spPr>
-          <a:xfrm>
-            <a:off x="4341573" y="1731375"/>
-            <a:ext cx="3566160" cy="535354"/>
-          </a:xfrm>
-        </p:spPr>
-        <p:txBody>
-          <a:bodyPr rtlCol="0"/>
-          <a:lstStyle/>
-          <a:p>
-            <a:pPr rtl="0"/>
-            <a:r>
-              <a:rPr lang="pt-PT"/>
-              <a:t>subtítulo</a:t>
-            </a:r>
-          </a:p>
-        </p:txBody>
-      </p:sp>
-      <p:sp>
-        <p:nvSpPr>
-          <p:cNvPr id="13" name="Marcador de Posição de Conteúdo 12">
-            <a:extLst>
-              <a:ext uri="{FF2B5EF4-FFF2-40B4-BE49-F238E27FC236}">
-                <a16:creationId xmlns:a16="http://schemas.microsoft.com/office/drawing/2014/main" id="{258E9390-685C-4BAD-BFAD-EC56E81C4745}"/>
-              </a:ext>
-            </a:extLst>
-          </p:cNvPr>
-          <p:cNvSpPr>
-            <a:spLocks noGrp="1"/>
-          </p:cNvSpPr>
-          <p:nvPr>
-            <p:ph sz="quarter" idx="14"/>
-          </p:nvPr>
-        </p:nvSpPr>
-        <p:spPr>
-          <a:xfrm>
-            <a:off x="4341573" y="2427370"/>
-            <a:ext cx="3508755" cy="3515555"/>
-          </a:xfrm>
-        </p:spPr>
-        <p:txBody>
-          <a:bodyPr rtlCol="0">
-            <a:noAutofit/>
-          </a:bodyPr>
-          <a:lstStyle/>
-          <a:p>
-            <a:pPr lvl="0" rtl="0"/>
-            <a:r>
-              <a:rPr lang="pt-PT" sz="1400" dirty="0"/>
-              <a:t>Adicione texto, imagens, ilustrações e vídeos. </a:t>
-            </a:r>
-          </a:p>
-          <a:p>
-            <a:pPr lvl="0" rtl="0"/>
-            <a:r>
-              <a:rPr lang="pt-PT" sz="1400" dirty="0"/>
-              <a:t>Adicione transições, animações e movimento. </a:t>
-            </a:r>
-          </a:p>
-          <a:p>
-            <a:pPr lvl="0" rtl="0"/>
-            <a:r>
-              <a:rPr lang="pt-PT" sz="1400" dirty="0"/>
-              <a:t>Guarde no OneDrive para aceder às suas apresentações a partir do seu computador, tablet ou telemóvel. </a:t>
-            </a:r>
-          </a:p>
-          <a:p>
-            <a:pPr rtl="0"/>
-            <a:r>
-              <a:rPr lang="pt-PT" sz="1400" dirty="0"/>
-              <a:t>Abra o painel Ideias de Estrutura para obter transformações instantâneas de diapositivos. </a:t>
-            </a:r>
-          </a:p>
-          <a:p>
-            <a:pPr rtl="0"/>
-            <a:r>
-              <a:rPr lang="pt-PT" sz="1400" dirty="0"/>
-              <a:t>Quando tivermos ideias de estrutura, iremos mostrar-lhas aqui.</a:t>
-            </a:r>
-          </a:p>
-        </p:txBody>
-      </p:sp>
-      <p:sp>
-        <p:nvSpPr>
-          <p:cNvPr id="10" name="Marcador de Posição do Texto 9">
-            <a:extLst>
-              <a:ext uri="{FF2B5EF4-FFF2-40B4-BE49-F238E27FC236}">
-                <a16:creationId xmlns:a16="http://schemas.microsoft.com/office/drawing/2014/main" id="{34A9BC34-CFDB-4D7A-8D6C-1CE608D0909F}"/>
-              </a:ext>
-            </a:extLst>
-          </p:cNvPr>
-          <p:cNvSpPr>
-            <a:spLocks noGrp="1"/>
-          </p:cNvSpPr>
-          <p:nvPr>
-            <p:ph type="body" sz="quarter" idx="3"/>
-          </p:nvPr>
-        </p:nvSpPr>
-        <p:spPr>
-          <a:xfrm>
-            <a:off x="8139659" y="1731375"/>
-            <a:ext cx="3566160" cy="535354"/>
-          </a:xfrm>
-        </p:spPr>
-        <p:txBody>
-          <a:bodyPr rtlCol="0"/>
-          <a:lstStyle/>
-          <a:p>
-            <a:pPr rtl="0"/>
-            <a:r>
-              <a:rPr lang="pt-PT"/>
-              <a:t>subtítulo</a:t>
-            </a:r>
-            <a:endParaRPr lang="pt-PT" dirty="0"/>
-          </a:p>
-        </p:txBody>
-      </p:sp>
-      <p:sp>
-        <p:nvSpPr>
-          <p:cNvPr id="11" name="Marcador de Posição de Conteúdo 10">
-            <a:extLst>
-              <a:ext uri="{FF2B5EF4-FFF2-40B4-BE49-F238E27FC236}">
-                <a16:creationId xmlns:a16="http://schemas.microsoft.com/office/drawing/2014/main" id="{1D014E48-5DD9-49CE-AD5B-0FEF69204F68}"/>
-              </a:ext>
-            </a:extLst>
-          </p:cNvPr>
-          <p:cNvSpPr>
-            <a:spLocks noGrp="1"/>
-          </p:cNvSpPr>
-          <p:nvPr>
-            <p:ph sz="quarter" idx="4"/>
-          </p:nvPr>
-        </p:nvSpPr>
-        <p:spPr>
-          <a:xfrm>
-            <a:off x="8139659" y="2427370"/>
-            <a:ext cx="3508755" cy="3515555"/>
-          </a:xfrm>
-        </p:spPr>
-        <p:txBody>
-          <a:bodyPr rtlCol="0">
-            <a:noAutofit/>
-          </a:bodyPr>
-          <a:lstStyle/>
-          <a:p>
-            <a:pPr lvl="0" rtl="0"/>
-            <a:r>
-              <a:rPr lang="pt-PT" sz="1400" dirty="0"/>
-              <a:t>Adicione texto, imagens, ilustrações e vídeos. </a:t>
-            </a:r>
-          </a:p>
-          <a:p>
-            <a:pPr lvl="0" rtl="0"/>
-            <a:r>
-              <a:rPr lang="pt-PT" sz="1400" dirty="0"/>
-              <a:t>Adicione transições, animações e movimento. </a:t>
-            </a:r>
-          </a:p>
-          <a:p>
-            <a:pPr lvl="0" rtl="0"/>
-            <a:r>
-              <a:rPr lang="pt-PT" sz="1400" dirty="0"/>
-              <a:t>Guarde no OneDrive para aceder às suas apresentações a partir do seu computador, tablet ou telemóvel. </a:t>
-            </a:r>
-          </a:p>
-          <a:p>
-            <a:pPr rtl="0"/>
-            <a:r>
-              <a:rPr lang="pt-PT" sz="1400" dirty="0"/>
-              <a:t>Abra o painel Ideias de Estrutura para obter transformações instantâneas de diapositivos. </a:t>
-            </a:r>
-          </a:p>
-          <a:p>
-            <a:pPr rtl="0"/>
-            <a:r>
-              <a:rPr lang="pt-PT" sz="1400" dirty="0"/>
-              <a:t>Quando tivermos ideias de estrutura, iremos mostrar-lhas aqui.</a:t>
-            </a:r>
-          </a:p>
-        </p:txBody>
-      </p:sp>
-      <p:sp>
-        <p:nvSpPr>
-          <p:cNvPr id="14" name="Marcador de Posição da Data 13">
-            <a:extLst>
-              <a:ext uri="{FF2B5EF4-FFF2-40B4-BE49-F238E27FC236}">
-                <a16:creationId xmlns:a16="http://schemas.microsoft.com/office/drawing/2014/main" id="{D236478C-E242-44E0-8357-C72C9B588CA7}"/>
-              </a:ext>
-            </a:extLst>
-          </p:cNvPr>
-          <p:cNvSpPr>
-            <a:spLocks noGrp="1"/>
-          </p:cNvSpPr>
-          <p:nvPr>
-            <p:ph type="dt" sz="half" idx="10"/>
-          </p:nvPr>
-        </p:nvSpPr>
-        <p:spPr>
-          <a:xfrm>
-            <a:off x="550863" y="6507212"/>
-            <a:ext cx="2628900" cy="153888"/>
-          </a:xfrm>
-        </p:spPr>
-        <p:txBody>
-          <a:bodyPr rtlCol="0"/>
-          <a:lstStyle/>
-          <a:p>
-            <a:pPr rtl="0"/>
-            <a:r>
-              <a:rPr lang="pt-PT"/>
-              <a:t>Terça-feira, 2 de fevereiro de 20XX</a:t>
-            </a:r>
-            <a:endParaRPr lang="pt-PT" dirty="0"/>
-          </a:p>
-        </p:txBody>
-      </p:sp>
-      <p:sp>
-        <p:nvSpPr>
-          <p:cNvPr id="15" name="Marcador de Posição do Rodapé 14">
-            <a:extLst>
-              <a:ext uri="{FF2B5EF4-FFF2-40B4-BE49-F238E27FC236}">
-                <a16:creationId xmlns:a16="http://schemas.microsoft.com/office/drawing/2014/main" id="{65A6DC02-681E-4AF7-AC6E-57CDDB2FBA28}"/>
-              </a:ext>
-            </a:extLst>
-          </p:cNvPr>
-          <p:cNvSpPr>
-            <a:spLocks noGrp="1"/>
-          </p:cNvSpPr>
-          <p:nvPr>
-            <p:ph type="ftr" sz="quarter" idx="11"/>
-          </p:nvPr>
-        </p:nvSpPr>
-        <p:spPr>
-          <a:xfrm>
-            <a:off x="3359150" y="6507212"/>
-            <a:ext cx="6379210" cy="153888"/>
-          </a:xfrm>
-        </p:spPr>
-        <p:txBody>
-          <a:bodyPr rtlCol="0"/>
-          <a:lstStyle/>
-          <a:p>
-            <a:pPr rtl="0"/>
-            <a:r>
-              <a:rPr lang="pt-PT"/>
-              <a:t>Texto de Rodapé de Exemplo</a:t>
-            </a:r>
-          </a:p>
-        </p:txBody>
-      </p:sp>
-      <p:sp>
-        <p:nvSpPr>
-          <p:cNvPr id="16" name="Marcador de Posição do Número do Diapositivo 15">
-            <a:extLst>
-              <a:ext uri="{FF2B5EF4-FFF2-40B4-BE49-F238E27FC236}">
-                <a16:creationId xmlns:a16="http://schemas.microsoft.com/office/drawing/2014/main" id="{CF0A8666-4477-461C-A79D-E91232EE973E}"/>
-              </a:ext>
-            </a:extLst>
-          </p:cNvPr>
-          <p:cNvSpPr>
-            <a:spLocks noGrp="1"/>
-          </p:cNvSpPr>
-          <p:nvPr>
-            <p:ph type="sldNum" sz="quarter" idx="12"/>
-          </p:nvPr>
-        </p:nvSpPr>
-        <p:spPr>
-          <a:xfrm>
-            <a:off x="9948863" y="6507212"/>
-            <a:ext cx="1692274" cy="153888"/>
-          </a:xfrm>
-        </p:spPr>
-        <p:txBody>
-          <a:bodyPr rtlCol="0"/>
-          <a:lstStyle/>
-          <a:p>
-            <a:pPr rtl="0"/>
-            <a:fld id="{DBA1B0FB-D917-4C8C-928F-313BD683BF39}" type="slidenum">
-              <a:rPr lang="pt-PT" smtClean="0"/>
-              <a:pPr rtl="0"/>
-              <a:t>9</a:t>
-            </a:fld>
-            <a:endParaRPr lang="pt-PT"/>
-          </a:p>
-        </p:txBody>
-      </p:sp>
-    </p:spTree>
-    <p:extLst>
-      <p:ext uri="{BB962C8B-B14F-4D97-AF65-F5344CB8AC3E}">
-        <p14:creationId xmlns:p14="http://schemas.microsoft.com/office/powerpoint/2010/main" val="1420547054"/>
+        <p14:creationId xmlns:p14="http://schemas.microsoft.com/office/powerpoint/2010/main" val="3247798845"/>
       </p:ext>
     </p:extLst>
   </p:cSld>
@@ -25991,25 +16899,6 @@
 </file>
 
 <file path=customXml/item1.xml><?xml version="1.0" encoding="utf-8"?>
-<p:properties xmlns:p="http://schemas.microsoft.com/office/2006/metadata/properties" xmlns:xsi="http://www.w3.org/2001/XMLSchema-instance" xmlns:pc="http://schemas.microsoft.com/office/infopath/2007/PartnerControls">
-  <documentManagement>
-    <_ip_UnifiedCompliancePolicyUIAction xmlns="http://schemas.microsoft.com/sharepoint/v3" xsi:nil="true"/>
-    <Image xmlns="71af3243-3dd4-4a8d-8c0d-dd76da1f02a5">
-      <Url xsi:nil="true"/>
-      <Description xsi:nil="true"/>
-    </Image>
-    <Status xmlns="71af3243-3dd4-4a8d-8c0d-dd76da1f02a5">Not started</Status>
-    <_ip_UnifiedCompliancePolicyProperties xmlns="http://schemas.microsoft.com/sharepoint/v3" xsi:nil="true"/>
-    <lcf76f155ced4ddcb4097134ff3c332f xmlns="71af3243-3dd4-4a8d-8c0d-dd76da1f02a5">
-      <Terms xmlns="http://schemas.microsoft.com/office/infopath/2007/PartnerControls"/>
-    </lcf76f155ced4ddcb4097134ff3c332f>
-    <TaxCatchAll xmlns="230e9df3-be65-4c73-a93b-d1236ebd677e"/>
-    <MediaServiceKeyPoints xmlns="71af3243-3dd4-4a8d-8c0d-dd76da1f02a5" xsi:nil="true"/>
-  </documentManagement>
-</p:properties>
-</file>
-
-<file path=customXml/item2.xml><?xml version="1.0" encoding="utf-8"?>
 <ct:contentTypeSchema xmlns:ct="http://schemas.microsoft.com/office/2006/metadata/contentType" xmlns:ma="http://schemas.microsoft.com/office/2006/metadata/properties/metaAttributes" ct:_="" ma:_="" ma:contentTypeName="Document" ma:contentTypeID="0x01010079F111ED35F8CC479449609E8A0923A6" ma:contentTypeVersion="18" ma:contentTypeDescription="Create a new document." ma:contentTypeScope="" ma:versionID="22a266b9fa9a230c5a512669d8b298c3">
   <xsd:schema xmlns:xsd="http://www.w3.org/2001/XMLSchema" xmlns:xs="http://www.w3.org/2001/XMLSchema" xmlns:p="http://schemas.microsoft.com/office/2006/metadata/properties" xmlns:ns1="http://schemas.microsoft.com/sharepoint/v3" xmlns:ns2="71af3243-3dd4-4a8d-8c0d-dd76da1f02a5" xmlns:ns3="16c05727-aa75-4e4a-9b5f-8a80a1165891" xmlns:ns4="230e9df3-be65-4c73-a93b-d1236ebd677e" targetNamespace="http://schemas.microsoft.com/office/2006/metadata/properties" ma:root="true" ma:fieldsID="eddc33fff6b14141ee5c74a0d29ea6a1" ns1:_="" ns2:_="" ns3:_="" ns4:_="">
     <xsd:import namespace="http://schemas.microsoft.com/sharepoint/v3"/>
@@ -26285,6 +17174,25 @@
 </ct:contentTypeSchema>
 </file>
 
+<file path=customXml/item2.xml><?xml version="1.0" encoding="utf-8"?>
+<p:properties xmlns:p="http://schemas.microsoft.com/office/2006/metadata/properties" xmlns:xsi="http://www.w3.org/2001/XMLSchema-instance" xmlns:pc="http://schemas.microsoft.com/office/infopath/2007/PartnerControls">
+  <documentManagement>
+    <_ip_UnifiedCompliancePolicyUIAction xmlns="http://schemas.microsoft.com/sharepoint/v3" xsi:nil="true"/>
+    <Image xmlns="71af3243-3dd4-4a8d-8c0d-dd76da1f02a5">
+      <Url xsi:nil="true"/>
+      <Description xsi:nil="true"/>
+    </Image>
+    <Status xmlns="71af3243-3dd4-4a8d-8c0d-dd76da1f02a5">Not started</Status>
+    <_ip_UnifiedCompliancePolicyProperties xmlns="http://schemas.microsoft.com/sharepoint/v3" xsi:nil="true"/>
+    <lcf76f155ced4ddcb4097134ff3c332f xmlns="71af3243-3dd4-4a8d-8c0d-dd76da1f02a5">
+      <Terms xmlns="http://schemas.microsoft.com/office/infopath/2007/PartnerControls"/>
+    </lcf76f155ced4ddcb4097134ff3c332f>
+    <TaxCatchAll xmlns="230e9df3-be65-4c73-a93b-d1236ebd677e"/>
+    <MediaServiceKeyPoints xmlns="71af3243-3dd4-4a8d-8c0d-dd76da1f02a5" xsi:nil="true"/>
+  </documentManagement>
+</p:properties>
+</file>
+
 <file path=customXml/item3.xml><?xml version="1.0" encoding="utf-8"?>
 <?mso-contentType ?>
 <FormTemplates xmlns="http://schemas.microsoft.com/sharepoint/v3/contenttype/forms">
@@ -26295,18 +17203,6 @@
 </file>
 
 <file path=customXml/itemProps1.xml><?xml version="1.0" encoding="utf-8"?>
-<ds:datastoreItem xmlns:ds="http://schemas.openxmlformats.org/officeDocument/2006/customXml" ds:itemID="{50811A92-D464-4AC4-A396-BA73B10CEEAC}">
-  <ds:schemaRefs>
-    <ds:schemaRef ds:uri="http://schemas.microsoft.com/office/2006/metadata/properties"/>
-    <ds:schemaRef ds:uri="http://schemas.microsoft.com/office/infopath/2007/PartnerControls"/>
-    <ds:schemaRef ds:uri="http://schemas.microsoft.com/sharepoint/v3"/>
-    <ds:schemaRef ds:uri="71af3243-3dd4-4a8d-8c0d-dd76da1f02a5"/>
-    <ds:schemaRef ds:uri="230e9df3-be65-4c73-a93b-d1236ebd677e"/>
-  </ds:schemaRefs>
-</ds:datastoreItem>
-</file>
-
-<file path=customXml/itemProps2.xml><?xml version="1.0" encoding="utf-8"?>
 <ds:datastoreItem xmlns:ds="http://schemas.openxmlformats.org/officeDocument/2006/customXml" ds:itemID="{DE4876F9-7AE1-498D-B8FE-1E3AD703D2AF}">
   <ds:schemaRefs>
     <ds:schemaRef ds:uri="http://schemas.microsoft.com/office/2006/metadata/contentType"/>
@@ -26327,6 +17223,18 @@
 </ds:datastoreItem>
 </file>
 
+<file path=customXml/itemProps2.xml><?xml version="1.0" encoding="utf-8"?>
+<ds:datastoreItem xmlns:ds="http://schemas.openxmlformats.org/officeDocument/2006/customXml" ds:itemID="{50811A92-D464-4AC4-A396-BA73B10CEEAC}">
+  <ds:schemaRefs>
+    <ds:schemaRef ds:uri="http://schemas.microsoft.com/office/2006/metadata/properties"/>
+    <ds:schemaRef ds:uri="http://schemas.microsoft.com/office/infopath/2007/PartnerControls"/>
+    <ds:schemaRef ds:uri="http://schemas.microsoft.com/sharepoint/v3"/>
+    <ds:schemaRef ds:uri="71af3243-3dd4-4a8d-8c0d-dd76da1f02a5"/>
+    <ds:schemaRef ds:uri="230e9df3-be65-4c73-a93b-d1236ebd677e"/>
+  </ds:schemaRefs>
+</ds:datastoreItem>
+</file>
+
 <file path=customXml/itemProps3.xml><?xml version="1.0" encoding="utf-8"?>
 <ds:datastoreItem xmlns:ds="http://schemas.openxmlformats.org/officeDocument/2006/customXml" ds:itemID="{904751AB-E840-446F-8D49-E697067EC887}">
   <ds:schemaRefs>

--- a/eapli.base/docs/1191419/US9002/US9002PP.pptx
+++ b/eapli.base/docs/1191419/US9002/US9002PP.pptx
@@ -233,7 +233,7 @@
             <a:pPr rtl="0"/>
             <a:fld id="{CD24227C-3F79-4894-AF29-54EEA2F15D74}" type="datetime1">
               <a:rPr lang="pt-PT" smtClean="0"/>
-              <a:t>17/06/2022</a:t>
+              <a:t>18/06/2022</a:t>
             </a:fld>
             <a:endParaRPr lang="pt-PT"/>
           </a:p>
@@ -415,7 +415,7 @@
             <a:pPr rtl="0"/>
             <a:fld id="{C3A83782-9536-4DB3-B57F-39CC12543AF1}" type="datetime1">
               <a:rPr lang="pt-PT" smtClean="0"/>
-              <a:t>17/06/2022</a:t>
+              <a:t>18/06/2022</a:t>
             </a:fld>
             <a:endParaRPr lang="pt-PT"/>
           </a:p>
@@ -783,7 +783,7 @@
             <a:pPr rtl="0"/>
             <a:fld id="{53D44CF9-213B-4D28-B0A4-B7B434E666D1}" type="datetime1">
               <a:rPr lang="pt-PT" smtClean="0"/>
-              <a:t>17/06/2022</a:t>
+              <a:t>18/06/2022</a:t>
             </a:fld>
             <a:endParaRPr lang="pt-PT"/>
           </a:p>
@@ -899,7 +899,7 @@
             <a:pPr rtl="0"/>
             <a:fld id="{F7927A80-0518-495D-975A-9D7938BC7105}" type="datetime1">
               <a:rPr lang="pt-PT" smtClean="0"/>
-              <a:t>17/06/2022</a:t>
+              <a:t>18/06/2022</a:t>
             </a:fld>
             <a:endParaRPr lang="pt-PT"/>
           </a:p>
@@ -1015,7 +1015,7 @@
             <a:pPr rtl="0"/>
             <a:fld id="{13411083-A9F7-4F08-90CE-118CFAE51AF2}" type="datetime1">
               <a:rPr lang="pt-PT" smtClean="0"/>
-              <a:t>17/06/2022</a:t>
+              <a:t>18/06/2022</a:t>
             </a:fld>
             <a:endParaRPr lang="pt-PT"/>
           </a:p>
@@ -15769,75 +15769,6 @@
       </p:sp>
       <p:sp>
         <p:nvSpPr>
-          <p:cNvPr id="4" name="Marcador de Posição da Data 3">
-            <a:extLst>
-              <a:ext uri="{FF2B5EF4-FFF2-40B4-BE49-F238E27FC236}">
-                <a16:creationId xmlns:a16="http://schemas.microsoft.com/office/drawing/2014/main" id="{E39EF484-38C8-4EDC-ACF5-695CFB216839}"/>
-              </a:ext>
-            </a:extLst>
-          </p:cNvPr>
-          <p:cNvSpPr>
-            <a:spLocks noGrp="1"/>
-          </p:cNvSpPr>
-          <p:nvPr>
-            <p:ph type="dt" sz="half" idx="10"/>
-          </p:nvPr>
-        </p:nvSpPr>
-        <p:spPr>
-          <a:xfrm>
-            <a:off x="550863" y="6507212"/>
-            <a:ext cx="2628900" cy="153888"/>
-          </a:xfrm>
-        </p:spPr>
-        <p:txBody>
-          <a:bodyPr rtlCol="0"/>
-          <a:lstStyle/>
-          <a:p>
-            <a:pPr rtl="0"/>
-            <a:r>
-              <a:rPr lang="pt-PT"/>
-              <a:t>Terça-feira, 2 de fevereiro de 20XX</a:t>
-            </a:r>
-            <a:endParaRPr lang="pt-PT" dirty="0"/>
-          </a:p>
-        </p:txBody>
-      </p:sp>
-      <p:sp>
-        <p:nvSpPr>
-          <p:cNvPr id="5" name="Marcador de Posição do Rodapé 4">
-            <a:extLst>
-              <a:ext uri="{FF2B5EF4-FFF2-40B4-BE49-F238E27FC236}">
-                <a16:creationId xmlns:a16="http://schemas.microsoft.com/office/drawing/2014/main" id="{AFD183D7-B16E-4A9D-BC4B-D1EC347BF97E}"/>
-              </a:ext>
-            </a:extLst>
-          </p:cNvPr>
-          <p:cNvSpPr>
-            <a:spLocks noGrp="1"/>
-          </p:cNvSpPr>
-          <p:nvPr>
-            <p:ph type="ftr" sz="quarter" idx="11"/>
-          </p:nvPr>
-        </p:nvSpPr>
-        <p:spPr>
-          <a:xfrm>
-            <a:off x="3359150" y="6507212"/>
-            <a:ext cx="6379210" cy="153888"/>
-          </a:xfrm>
-        </p:spPr>
-        <p:txBody>
-          <a:bodyPr rtlCol="0"/>
-          <a:lstStyle/>
-          <a:p>
-            <a:pPr rtl="0"/>
-            <a:r>
-              <a:rPr lang="pt-PT"/>
-              <a:t>Texto de Rodapé de Exemplo</a:t>
-            </a:r>
-          </a:p>
-        </p:txBody>
-      </p:sp>
-      <p:sp>
-        <p:nvSpPr>
           <p:cNvPr id="6" name="Marcador de Posição do Número do Diapositivo 5">
             <a:extLst>
               <a:ext uri="{FF2B5EF4-FFF2-40B4-BE49-F238E27FC236}">
@@ -15896,8 +15827,8 @@
         </p:blipFill>
         <p:spPr>
           <a:xfrm>
-            <a:off x="2777203" y="1364889"/>
-            <a:ext cx="6637595" cy="4679085"/>
+            <a:off x="2536773" y="1301455"/>
+            <a:ext cx="7384714" cy="5205757"/>
           </a:xfrm>
         </p:spPr>
       </p:pic>
@@ -16899,6 +16830,34 @@
 </file>
 
 <file path=customXml/item1.xml><?xml version="1.0" encoding="utf-8"?>
+<?mso-contentType ?>
+<FormTemplates xmlns="http://schemas.microsoft.com/sharepoint/v3/contenttype/forms">
+  <Display>DocumentLibraryForm</Display>
+  <Edit>DocumentLibraryForm</Edit>
+  <New>DocumentLibraryForm</New>
+</FormTemplates>
+</file>
+
+<file path=customXml/item2.xml><?xml version="1.0" encoding="utf-8"?>
+<p:properties xmlns:p="http://schemas.microsoft.com/office/2006/metadata/properties" xmlns:xsi="http://www.w3.org/2001/XMLSchema-instance" xmlns:pc="http://schemas.microsoft.com/office/infopath/2007/PartnerControls">
+  <documentManagement>
+    <_ip_UnifiedCompliancePolicyUIAction xmlns="http://schemas.microsoft.com/sharepoint/v3" xsi:nil="true"/>
+    <Image xmlns="71af3243-3dd4-4a8d-8c0d-dd76da1f02a5">
+      <Url xsi:nil="true"/>
+      <Description xsi:nil="true"/>
+    </Image>
+    <Status xmlns="71af3243-3dd4-4a8d-8c0d-dd76da1f02a5">Not started</Status>
+    <_ip_UnifiedCompliancePolicyProperties xmlns="http://schemas.microsoft.com/sharepoint/v3" xsi:nil="true"/>
+    <lcf76f155ced4ddcb4097134ff3c332f xmlns="71af3243-3dd4-4a8d-8c0d-dd76da1f02a5">
+      <Terms xmlns="http://schemas.microsoft.com/office/infopath/2007/PartnerControls"/>
+    </lcf76f155ced4ddcb4097134ff3c332f>
+    <TaxCatchAll xmlns="230e9df3-be65-4c73-a93b-d1236ebd677e"/>
+    <MediaServiceKeyPoints xmlns="71af3243-3dd4-4a8d-8c0d-dd76da1f02a5" xsi:nil="true"/>
+  </documentManagement>
+</p:properties>
+</file>
+
+<file path=customXml/item3.xml><?xml version="1.0" encoding="utf-8"?>
 <ct:contentTypeSchema xmlns:ct="http://schemas.microsoft.com/office/2006/metadata/contentType" xmlns:ma="http://schemas.microsoft.com/office/2006/metadata/properties/metaAttributes" ct:_="" ma:_="" ma:contentTypeName="Document" ma:contentTypeID="0x01010079F111ED35F8CC479449609E8A0923A6" ma:contentTypeVersion="18" ma:contentTypeDescription="Create a new document." ma:contentTypeScope="" ma:versionID="22a266b9fa9a230c5a512669d8b298c3">
   <xsd:schema xmlns:xsd="http://www.w3.org/2001/XMLSchema" xmlns:xs="http://www.w3.org/2001/XMLSchema" xmlns:p="http://schemas.microsoft.com/office/2006/metadata/properties" xmlns:ns1="http://schemas.microsoft.com/sharepoint/v3" xmlns:ns2="71af3243-3dd4-4a8d-8c0d-dd76da1f02a5" xmlns:ns3="16c05727-aa75-4e4a-9b5f-8a80a1165891" xmlns:ns4="230e9df3-be65-4c73-a93b-d1236ebd677e" targetNamespace="http://schemas.microsoft.com/office/2006/metadata/properties" ma:root="true" ma:fieldsID="eddc33fff6b14141ee5c74a0d29ea6a1" ns1:_="" ns2:_="" ns3:_="" ns4:_="">
     <xsd:import namespace="http://schemas.microsoft.com/sharepoint/v3"/>
@@ -17174,35 +17133,27 @@
 </ct:contentTypeSchema>
 </file>
 
-<file path=customXml/item2.xml><?xml version="1.0" encoding="utf-8"?>
-<p:properties xmlns:p="http://schemas.microsoft.com/office/2006/metadata/properties" xmlns:xsi="http://www.w3.org/2001/XMLSchema-instance" xmlns:pc="http://schemas.microsoft.com/office/infopath/2007/PartnerControls">
-  <documentManagement>
-    <_ip_UnifiedCompliancePolicyUIAction xmlns="http://schemas.microsoft.com/sharepoint/v3" xsi:nil="true"/>
-    <Image xmlns="71af3243-3dd4-4a8d-8c0d-dd76da1f02a5">
-      <Url xsi:nil="true"/>
-      <Description xsi:nil="true"/>
-    </Image>
-    <Status xmlns="71af3243-3dd4-4a8d-8c0d-dd76da1f02a5">Not started</Status>
-    <_ip_UnifiedCompliancePolicyProperties xmlns="http://schemas.microsoft.com/sharepoint/v3" xsi:nil="true"/>
-    <lcf76f155ced4ddcb4097134ff3c332f xmlns="71af3243-3dd4-4a8d-8c0d-dd76da1f02a5">
-      <Terms xmlns="http://schemas.microsoft.com/office/infopath/2007/PartnerControls"/>
-    </lcf76f155ced4ddcb4097134ff3c332f>
-    <TaxCatchAll xmlns="230e9df3-be65-4c73-a93b-d1236ebd677e"/>
-    <MediaServiceKeyPoints xmlns="71af3243-3dd4-4a8d-8c0d-dd76da1f02a5" xsi:nil="true"/>
-  </documentManagement>
-</p:properties>
+<file path=customXml/itemProps1.xml><?xml version="1.0" encoding="utf-8"?>
+<ds:datastoreItem xmlns:ds="http://schemas.openxmlformats.org/officeDocument/2006/customXml" ds:itemID="{904751AB-E840-446F-8D49-E697067EC887}">
+  <ds:schemaRefs>
+    <ds:schemaRef ds:uri="http://schemas.microsoft.com/sharepoint/v3/contenttype/forms"/>
+  </ds:schemaRefs>
+</ds:datastoreItem>
 </file>
 
-<file path=customXml/item3.xml><?xml version="1.0" encoding="utf-8"?>
-<?mso-contentType ?>
-<FormTemplates xmlns="http://schemas.microsoft.com/sharepoint/v3/contenttype/forms">
-  <Display>DocumentLibraryForm</Display>
-  <Edit>DocumentLibraryForm</Edit>
-  <New>DocumentLibraryForm</New>
-</FormTemplates>
+<file path=customXml/itemProps2.xml><?xml version="1.0" encoding="utf-8"?>
+<ds:datastoreItem xmlns:ds="http://schemas.openxmlformats.org/officeDocument/2006/customXml" ds:itemID="{50811A92-D464-4AC4-A396-BA73B10CEEAC}">
+  <ds:schemaRefs>
+    <ds:schemaRef ds:uri="http://schemas.microsoft.com/office/2006/metadata/properties"/>
+    <ds:schemaRef ds:uri="http://schemas.microsoft.com/office/infopath/2007/PartnerControls"/>
+    <ds:schemaRef ds:uri="http://schemas.microsoft.com/sharepoint/v3"/>
+    <ds:schemaRef ds:uri="71af3243-3dd4-4a8d-8c0d-dd76da1f02a5"/>
+    <ds:schemaRef ds:uri="230e9df3-be65-4c73-a93b-d1236ebd677e"/>
+  </ds:schemaRefs>
+</ds:datastoreItem>
 </file>
 
-<file path=customXml/itemProps1.xml><?xml version="1.0" encoding="utf-8"?>
+<file path=customXml/itemProps3.xml><?xml version="1.0" encoding="utf-8"?>
 <ds:datastoreItem xmlns:ds="http://schemas.openxmlformats.org/officeDocument/2006/customXml" ds:itemID="{DE4876F9-7AE1-498D-B8FE-1E3AD703D2AF}">
   <ds:schemaRefs>
     <ds:schemaRef ds:uri="http://schemas.microsoft.com/office/2006/metadata/contentType"/>
@@ -17223,26 +17174,6 @@
 </ds:datastoreItem>
 </file>
 
-<file path=customXml/itemProps2.xml><?xml version="1.0" encoding="utf-8"?>
-<ds:datastoreItem xmlns:ds="http://schemas.openxmlformats.org/officeDocument/2006/customXml" ds:itemID="{50811A92-D464-4AC4-A396-BA73B10CEEAC}">
-  <ds:schemaRefs>
-    <ds:schemaRef ds:uri="http://schemas.microsoft.com/office/2006/metadata/properties"/>
-    <ds:schemaRef ds:uri="http://schemas.microsoft.com/office/infopath/2007/PartnerControls"/>
-    <ds:schemaRef ds:uri="http://schemas.microsoft.com/sharepoint/v3"/>
-    <ds:schemaRef ds:uri="71af3243-3dd4-4a8d-8c0d-dd76da1f02a5"/>
-    <ds:schemaRef ds:uri="230e9df3-be65-4c73-a93b-d1236ebd677e"/>
-  </ds:schemaRefs>
-</ds:datastoreItem>
-</file>
-
-<file path=customXml/itemProps3.xml><?xml version="1.0" encoding="utf-8"?>
-<ds:datastoreItem xmlns:ds="http://schemas.openxmlformats.org/officeDocument/2006/customXml" ds:itemID="{904751AB-E840-446F-8D49-E697067EC887}">
-  <ds:schemaRefs>
-    <ds:schemaRef ds:uri="http://schemas.microsoft.com/sharepoint/v3/contenttype/forms"/>
-  </ds:schemaRefs>
-</ds:datastoreItem>
-</file>
-
 <file path=docMetadata/LabelInfo.xml><?xml version="1.0" encoding="utf-8"?>
 <clbl:labelList xmlns:clbl="http://schemas.microsoft.com/office/2020/mipLabelMetadata">
   <clbl:label id="{f42aa342-8706-4288-bd11-ebb85995028c}" enabled="1" method="Standard" siteId="{72f988bf-86f1-41af-91ab-2d7cd011db47}" contentBits="0" removed="0"/>

--- a/eapli.base/docs/1191419/US9002/US9002PP.pptx
+++ b/eapli.base/docs/1191419/US9002/US9002PP.pptx
@@ -5,10 +5,10 @@
     <p:sldMasterId id="2147483684" r:id="rId4"/>
   </p:sldMasterIdLst>
   <p:notesMasterIdLst>
-    <p:notesMasterId r:id="rId11"/>
+    <p:notesMasterId r:id="rId12"/>
   </p:notesMasterIdLst>
   <p:handoutMasterIdLst>
-    <p:handoutMasterId r:id="rId12"/>
+    <p:handoutMasterId r:id="rId13"/>
   </p:handoutMasterIdLst>
   <p:sldIdLst>
     <p:sldId id="257" r:id="rId5"/>
@@ -16,7 +16,8 @@
     <p:sldId id="389" r:id="rId7"/>
     <p:sldId id="317" r:id="rId8"/>
     <p:sldId id="277" r:id="rId9"/>
-    <p:sldId id="391" r:id="rId10"/>
+    <p:sldId id="392" r:id="rId10"/>
+    <p:sldId id="391" r:id="rId11"/>
   </p:sldIdLst>
   <p:sldSz cx="12192000" cy="6858000"/>
   <p:notesSz cx="6858000" cy="9144000"/>
@@ -233,7 +234,7 @@
             <a:pPr rtl="0"/>
             <a:fld id="{CD24227C-3F79-4894-AF29-54EEA2F15D74}" type="datetime1">
               <a:rPr lang="pt-PT" smtClean="0"/>
-              <a:t>18/06/2022</a:t>
+              <a:t>19/06/2022</a:t>
             </a:fld>
             <a:endParaRPr lang="pt-PT"/>
           </a:p>
@@ -415,7 +416,7 @@
             <a:pPr rtl="0"/>
             <a:fld id="{C3A83782-9536-4DB3-B57F-39CC12543AF1}" type="datetime1">
               <a:rPr lang="pt-PT" smtClean="0"/>
-              <a:t>18/06/2022</a:t>
+              <a:t>19/06/2022</a:t>
             </a:fld>
             <a:endParaRPr lang="pt-PT"/>
           </a:p>
@@ -783,7 +784,7 @@
             <a:pPr rtl="0"/>
             <a:fld id="{53D44CF9-213B-4D28-B0A4-B7B434E666D1}" type="datetime1">
               <a:rPr lang="pt-PT" smtClean="0"/>
-              <a:t>18/06/2022</a:t>
+              <a:t>19/06/2022</a:t>
             </a:fld>
             <a:endParaRPr lang="pt-PT"/>
           </a:p>
@@ -899,7 +900,7 @@
             <a:pPr rtl="0"/>
             <a:fld id="{F7927A80-0518-495D-975A-9D7938BC7105}" type="datetime1">
               <a:rPr lang="pt-PT" smtClean="0"/>
-              <a:t>18/06/2022</a:t>
+              <a:t>19/06/2022</a:t>
             </a:fld>
             <a:endParaRPr lang="pt-PT"/>
           </a:p>
@@ -1015,7 +1016,7 @@
             <a:pPr rtl="0"/>
             <a:fld id="{13411083-A9F7-4F08-90CE-118CFAE51AF2}" type="datetime1">
               <a:rPr lang="pt-PT" smtClean="0"/>
-              <a:t>18/06/2022</a:t>
+              <a:t>19/06/2022</a:t>
             </a:fld>
             <a:endParaRPr lang="pt-PT"/>
           </a:p>
@@ -15864,6 +15865,260 @@
       </p:grpSpPr>
       <p:sp>
         <p:nvSpPr>
+          <p:cNvPr id="7" name="Título 6">
+            <a:extLst>
+              <a:ext uri="{FF2B5EF4-FFF2-40B4-BE49-F238E27FC236}">
+                <a16:creationId xmlns:a16="http://schemas.microsoft.com/office/drawing/2014/main" id="{3E174092-82D3-44E0-8948-4096232ED0A7}"/>
+              </a:ext>
+            </a:extLst>
+          </p:cNvPr>
+          <p:cNvSpPr>
+            <a:spLocks noGrp="1"/>
+          </p:cNvSpPr>
+          <p:nvPr>
+            <p:ph type="ctrTitle"/>
+          </p:nvPr>
+        </p:nvSpPr>
+        <p:spPr>
+          <a:xfrm>
+            <a:off x="548640" y="548640"/>
+            <a:ext cx="8281987" cy="1253041"/>
+          </a:xfrm>
+        </p:spPr>
+        <p:txBody>
+          <a:bodyPr wrap="square" rtlCol="0" anchor="t">
+            <a:normAutofit/>
+          </a:bodyPr>
+          <a:lstStyle/>
+          <a:p>
+            <a:pPr rtl="0"/>
+            <a:r>
+              <a:rPr lang="pt-PT"/>
+              <a:t>SSL Certificates</a:t>
+            </a:r>
+          </a:p>
+        </p:txBody>
+      </p:sp>
+      <p:pic>
+        <p:nvPicPr>
+          <p:cNvPr id="1028" name="Picture 4">
+            <a:extLst>
+              <a:ext uri="{FF2B5EF4-FFF2-40B4-BE49-F238E27FC236}">
+                <a16:creationId xmlns:a16="http://schemas.microsoft.com/office/drawing/2014/main" id="{005F2CF7-D282-C0A9-F2B5-0185965FF019}"/>
+              </a:ext>
+            </a:extLst>
+          </p:cNvPr>
+          <p:cNvPicPr>
+            <a:picLocks noChangeAspect="1" noChangeArrowheads="1"/>
+          </p:cNvPicPr>
+          <p:nvPr/>
+        </p:nvPicPr>
+        <p:blipFill rotWithShape="1">
+          <a:blip r:embed="rId2">
+            <a:extLst>
+              <a:ext uri="{28A0092B-C50C-407E-A947-70E740481C1C}">
+                <a14:useLocalDpi xmlns:a14="http://schemas.microsoft.com/office/drawing/2010/main" val="0"/>
+              </a:ext>
+            </a:extLst>
+          </a:blip>
+          <a:srcRect r="18104" b="-1"/>
+          <a:stretch/>
+        </p:blipFill>
+        <p:spPr bwMode="auto">
+          <a:xfrm>
+            <a:off x="322323" y="1430041"/>
+            <a:ext cx="4700231" cy="3272246"/>
+          </a:xfrm>
+          <a:prstGeom prst="rect">
+            <a:avLst/>
+          </a:prstGeom>
+          <a:solidFill>
+            <a:srgbClr val="FFFFFF"/>
+          </a:solidFill>
+          <a:extLst>
+            <a:ext uri="{909E8E84-426E-40DD-AFC4-6F175D3DCCD1}">
+              <a14:hiddenFill xmlns:a14="http://schemas.microsoft.com/office/drawing/2010/main">
+                <a:solidFill>
+                  <a:srgbClr val="FFFFFF"/>
+                </a:solidFill>
+              </a14:hiddenFill>
+            </a:ext>
+          </a:extLst>
+        </p:spPr>
+      </p:pic>
+      <p:pic>
+        <p:nvPicPr>
+          <p:cNvPr id="1038" name="Picture 14">
+            <a:extLst>
+              <a:ext uri="{FF2B5EF4-FFF2-40B4-BE49-F238E27FC236}">
+                <a16:creationId xmlns:a16="http://schemas.microsoft.com/office/drawing/2014/main" id="{3866E75A-1EC2-CE4D-1820-E10C790E9250}"/>
+              </a:ext>
+            </a:extLst>
+          </p:cNvPr>
+          <p:cNvPicPr>
+            <a:picLocks noChangeAspect="1" noChangeArrowheads="1"/>
+          </p:cNvPicPr>
+          <p:nvPr/>
+        </p:nvPicPr>
+        <p:blipFill>
+          <a:blip r:embed="rId3">
+            <a:extLst>
+              <a:ext uri="{28A0092B-C50C-407E-A947-70E740481C1C}">
+                <a14:useLocalDpi xmlns:a14="http://schemas.microsoft.com/office/drawing/2010/main" val="0"/>
+              </a:ext>
+            </a:extLst>
+          </a:blip>
+          <a:srcRect/>
+          <a:stretch>
+            <a:fillRect/>
+          </a:stretch>
+        </p:blipFill>
+        <p:spPr bwMode="auto">
+          <a:xfrm>
+            <a:off x="5163989" y="1917484"/>
+            <a:ext cx="6887580" cy="1780188"/>
+          </a:xfrm>
+          <a:prstGeom prst="rect">
+            <a:avLst/>
+          </a:prstGeom>
+          <a:noFill/>
+          <a:extLst>
+            <a:ext uri="{909E8E84-426E-40DD-AFC4-6F175D3DCCD1}">
+              <a14:hiddenFill xmlns:a14="http://schemas.microsoft.com/office/drawing/2010/main">
+                <a:solidFill>
+                  <a:srgbClr val="FFFFFF"/>
+                </a:solidFill>
+              </a14:hiddenFill>
+            </a:ext>
+          </a:extLst>
+        </p:spPr>
+      </p:pic>
+      <p:pic>
+        <p:nvPicPr>
+          <p:cNvPr id="1042" name="Picture 18">
+            <a:extLst>
+              <a:ext uri="{FF2B5EF4-FFF2-40B4-BE49-F238E27FC236}">
+                <a16:creationId xmlns:a16="http://schemas.microsoft.com/office/drawing/2014/main" id="{61BF7FDC-5E25-CBC9-1646-E62463F8F1A0}"/>
+              </a:ext>
+            </a:extLst>
+          </p:cNvPr>
+          <p:cNvPicPr>
+            <a:picLocks noChangeAspect="1" noChangeArrowheads="1"/>
+          </p:cNvPicPr>
+          <p:nvPr/>
+        </p:nvPicPr>
+        <p:blipFill>
+          <a:blip r:embed="rId4">
+            <a:extLst>
+              <a:ext uri="{28A0092B-C50C-407E-A947-70E740481C1C}">
+                <a14:useLocalDpi xmlns:a14="http://schemas.microsoft.com/office/drawing/2010/main" val="0"/>
+              </a:ext>
+            </a:extLst>
+          </a:blip>
+          <a:srcRect/>
+          <a:stretch>
+            <a:fillRect/>
+          </a:stretch>
+        </p:blipFill>
+        <p:spPr bwMode="auto">
+          <a:xfrm>
+            <a:off x="6635999" y="4890477"/>
+            <a:ext cx="1133475" cy="1543050"/>
+          </a:xfrm>
+          <a:prstGeom prst="rect">
+            <a:avLst/>
+          </a:prstGeom>
+          <a:noFill/>
+          <a:extLst>
+            <a:ext uri="{909E8E84-426E-40DD-AFC4-6F175D3DCCD1}">
+              <a14:hiddenFill xmlns:a14="http://schemas.microsoft.com/office/drawing/2010/main">
+                <a:solidFill>
+                  <a:srgbClr val="FFFFFF"/>
+                </a:solidFill>
+              </a14:hiddenFill>
+            </a:ext>
+          </a:extLst>
+        </p:spPr>
+      </p:pic>
+      <p:pic>
+        <p:nvPicPr>
+          <p:cNvPr id="1044" name="Picture 20">
+            <a:extLst>
+              <a:ext uri="{FF2B5EF4-FFF2-40B4-BE49-F238E27FC236}">
+                <a16:creationId xmlns:a16="http://schemas.microsoft.com/office/drawing/2014/main" id="{C4874C3E-AE45-A0EE-5AE1-7DD34A540518}"/>
+              </a:ext>
+            </a:extLst>
+          </p:cNvPr>
+          <p:cNvPicPr>
+            <a:picLocks noChangeAspect="1" noChangeArrowheads="1"/>
+          </p:cNvPicPr>
+          <p:nvPr/>
+        </p:nvPicPr>
+        <p:blipFill>
+          <a:blip r:embed="rId5">
+            <a:extLst>
+              <a:ext uri="{28A0092B-C50C-407E-A947-70E740481C1C}">
+                <a14:useLocalDpi xmlns:a14="http://schemas.microsoft.com/office/drawing/2010/main" val="0"/>
+              </a:ext>
+            </a:extLst>
+          </a:blip>
+          <a:srcRect/>
+          <a:stretch>
+            <a:fillRect/>
+          </a:stretch>
+        </p:blipFill>
+        <p:spPr bwMode="auto">
+          <a:xfrm>
+            <a:off x="2105056" y="5226404"/>
+            <a:ext cx="1933575" cy="809625"/>
+          </a:xfrm>
+          <a:prstGeom prst="rect">
+            <a:avLst/>
+          </a:prstGeom>
+          <a:noFill/>
+          <a:extLst>
+            <a:ext uri="{909E8E84-426E-40DD-AFC4-6F175D3DCCD1}">
+              <a14:hiddenFill xmlns:a14="http://schemas.microsoft.com/office/drawing/2010/main">
+                <a:solidFill>
+                  <a:srgbClr val="FFFFFF"/>
+                </a:solidFill>
+              </a14:hiddenFill>
+            </a:ext>
+          </a:extLst>
+        </p:spPr>
+      </p:pic>
+    </p:spTree>
+    <p:extLst>
+      <p:ext uri="{BB962C8B-B14F-4D97-AF65-F5344CB8AC3E}">
+        <p14:creationId xmlns:p14="http://schemas.microsoft.com/office/powerpoint/2010/main" val="875428038"/>
+      </p:ext>
+    </p:extLst>
+  </p:cSld>
+  <p:clrMapOvr>
+    <a:masterClrMapping/>
+  </p:clrMapOvr>
+</p:sld>
+</file>
+
+<file path=ppt/slides/slide7.xml><?xml version="1.0" encoding="utf-8"?>
+<p:sld xmlns:a="http://schemas.openxmlformats.org/drawingml/2006/main" xmlns:r="http://schemas.openxmlformats.org/officeDocument/2006/relationships" xmlns:p="http://schemas.openxmlformats.org/presentationml/2006/main">
+  <p:cSld>
+    <p:spTree>
+      <p:nvGrpSpPr>
+        <p:cNvPr id="1" name=""/>
+        <p:cNvGrpSpPr/>
+        <p:nvPr/>
+      </p:nvGrpSpPr>
+      <p:grpSpPr>
+        <a:xfrm>
+          <a:off x="0" y="0"/>
+          <a:ext cx="0" cy="0"/>
+          <a:chOff x="0" y="0"/>
+          <a:chExt cx="0" cy="0"/>
+        </a:xfrm>
+      </p:grpSpPr>
+      <p:sp>
+        <p:nvSpPr>
           <p:cNvPr id="22" name="Título 21">
             <a:extLst>
               <a:ext uri="{FF2B5EF4-FFF2-40B4-BE49-F238E27FC236}">
@@ -16019,7 +16274,7 @@
             <a:fld id="{DBA1B0FB-D917-4C8C-928F-313BD683BF39}" type="slidenum">
               <a:rPr lang="pt-PT" smtClean="0"/>
               <a:pPr rtl="0"/>
-              <a:t>6</a:t>
+              <a:t>7</a:t>
             </a:fld>
             <a:endParaRPr lang="pt-PT"/>
           </a:p>
@@ -16839,25 +17094,6 @@
 </file>
 
 <file path=customXml/item2.xml><?xml version="1.0" encoding="utf-8"?>
-<p:properties xmlns:p="http://schemas.microsoft.com/office/2006/metadata/properties" xmlns:xsi="http://www.w3.org/2001/XMLSchema-instance" xmlns:pc="http://schemas.microsoft.com/office/infopath/2007/PartnerControls">
-  <documentManagement>
-    <_ip_UnifiedCompliancePolicyUIAction xmlns="http://schemas.microsoft.com/sharepoint/v3" xsi:nil="true"/>
-    <Image xmlns="71af3243-3dd4-4a8d-8c0d-dd76da1f02a5">
-      <Url xsi:nil="true"/>
-      <Description xsi:nil="true"/>
-    </Image>
-    <Status xmlns="71af3243-3dd4-4a8d-8c0d-dd76da1f02a5">Not started</Status>
-    <_ip_UnifiedCompliancePolicyProperties xmlns="http://schemas.microsoft.com/sharepoint/v3" xsi:nil="true"/>
-    <lcf76f155ced4ddcb4097134ff3c332f xmlns="71af3243-3dd4-4a8d-8c0d-dd76da1f02a5">
-      <Terms xmlns="http://schemas.microsoft.com/office/infopath/2007/PartnerControls"/>
-    </lcf76f155ced4ddcb4097134ff3c332f>
-    <TaxCatchAll xmlns="230e9df3-be65-4c73-a93b-d1236ebd677e"/>
-    <MediaServiceKeyPoints xmlns="71af3243-3dd4-4a8d-8c0d-dd76da1f02a5" xsi:nil="true"/>
-  </documentManagement>
-</p:properties>
-</file>
-
-<file path=customXml/item3.xml><?xml version="1.0" encoding="utf-8"?>
 <ct:contentTypeSchema xmlns:ct="http://schemas.microsoft.com/office/2006/metadata/contentType" xmlns:ma="http://schemas.microsoft.com/office/2006/metadata/properties/metaAttributes" ct:_="" ma:_="" ma:contentTypeName="Document" ma:contentTypeID="0x01010079F111ED35F8CC479449609E8A0923A6" ma:contentTypeVersion="18" ma:contentTypeDescription="Create a new document." ma:contentTypeScope="" ma:versionID="22a266b9fa9a230c5a512669d8b298c3">
   <xsd:schema xmlns:xsd="http://www.w3.org/2001/XMLSchema" xmlns:xs="http://www.w3.org/2001/XMLSchema" xmlns:p="http://schemas.microsoft.com/office/2006/metadata/properties" xmlns:ns1="http://schemas.microsoft.com/sharepoint/v3" xmlns:ns2="71af3243-3dd4-4a8d-8c0d-dd76da1f02a5" xmlns:ns3="16c05727-aa75-4e4a-9b5f-8a80a1165891" xmlns:ns4="230e9df3-be65-4c73-a93b-d1236ebd677e" targetNamespace="http://schemas.microsoft.com/office/2006/metadata/properties" ma:root="true" ma:fieldsID="eddc33fff6b14141ee5c74a0d29ea6a1" ns1:_="" ns2:_="" ns3:_="" ns4:_="">
     <xsd:import namespace="http://schemas.microsoft.com/sharepoint/v3"/>
@@ -17133,6 +17369,25 @@
 </ct:contentTypeSchema>
 </file>
 
+<file path=customXml/item3.xml><?xml version="1.0" encoding="utf-8"?>
+<p:properties xmlns:p="http://schemas.microsoft.com/office/2006/metadata/properties" xmlns:xsi="http://www.w3.org/2001/XMLSchema-instance" xmlns:pc="http://schemas.microsoft.com/office/infopath/2007/PartnerControls">
+  <documentManagement>
+    <_ip_UnifiedCompliancePolicyUIAction xmlns="http://schemas.microsoft.com/sharepoint/v3" xsi:nil="true"/>
+    <Image xmlns="71af3243-3dd4-4a8d-8c0d-dd76da1f02a5">
+      <Url xsi:nil="true"/>
+      <Description xsi:nil="true"/>
+    </Image>
+    <Status xmlns="71af3243-3dd4-4a8d-8c0d-dd76da1f02a5">Not started</Status>
+    <_ip_UnifiedCompliancePolicyProperties xmlns="http://schemas.microsoft.com/sharepoint/v3" xsi:nil="true"/>
+    <lcf76f155ced4ddcb4097134ff3c332f xmlns="71af3243-3dd4-4a8d-8c0d-dd76da1f02a5">
+      <Terms xmlns="http://schemas.microsoft.com/office/infopath/2007/PartnerControls"/>
+    </lcf76f155ced4ddcb4097134ff3c332f>
+    <TaxCatchAll xmlns="230e9df3-be65-4c73-a93b-d1236ebd677e"/>
+    <MediaServiceKeyPoints xmlns="71af3243-3dd4-4a8d-8c0d-dd76da1f02a5" xsi:nil="true"/>
+  </documentManagement>
+</p:properties>
+</file>
+
 <file path=customXml/itemProps1.xml><?xml version="1.0" encoding="utf-8"?>
 <ds:datastoreItem xmlns:ds="http://schemas.openxmlformats.org/officeDocument/2006/customXml" ds:itemID="{904751AB-E840-446F-8D49-E697067EC887}">
   <ds:schemaRefs>
@@ -17142,18 +17397,6 @@
 </file>
 
 <file path=customXml/itemProps2.xml><?xml version="1.0" encoding="utf-8"?>
-<ds:datastoreItem xmlns:ds="http://schemas.openxmlformats.org/officeDocument/2006/customXml" ds:itemID="{50811A92-D464-4AC4-A396-BA73B10CEEAC}">
-  <ds:schemaRefs>
-    <ds:schemaRef ds:uri="http://schemas.microsoft.com/office/2006/metadata/properties"/>
-    <ds:schemaRef ds:uri="http://schemas.microsoft.com/office/infopath/2007/PartnerControls"/>
-    <ds:schemaRef ds:uri="http://schemas.microsoft.com/sharepoint/v3"/>
-    <ds:schemaRef ds:uri="71af3243-3dd4-4a8d-8c0d-dd76da1f02a5"/>
-    <ds:schemaRef ds:uri="230e9df3-be65-4c73-a93b-d1236ebd677e"/>
-  </ds:schemaRefs>
-</ds:datastoreItem>
-</file>
-
-<file path=customXml/itemProps3.xml><?xml version="1.0" encoding="utf-8"?>
 <ds:datastoreItem xmlns:ds="http://schemas.openxmlformats.org/officeDocument/2006/customXml" ds:itemID="{DE4876F9-7AE1-498D-B8FE-1E3AD703D2AF}">
   <ds:schemaRefs>
     <ds:schemaRef ds:uri="http://schemas.microsoft.com/office/2006/metadata/contentType"/>
@@ -17174,6 +17417,18 @@
 </ds:datastoreItem>
 </file>
 
+<file path=customXml/itemProps3.xml><?xml version="1.0" encoding="utf-8"?>
+<ds:datastoreItem xmlns:ds="http://schemas.openxmlformats.org/officeDocument/2006/customXml" ds:itemID="{50811A92-D464-4AC4-A396-BA73B10CEEAC}">
+  <ds:schemaRefs>
+    <ds:schemaRef ds:uri="http://schemas.microsoft.com/office/2006/metadata/properties"/>
+    <ds:schemaRef ds:uri="http://schemas.microsoft.com/office/infopath/2007/PartnerControls"/>
+    <ds:schemaRef ds:uri="http://schemas.microsoft.com/sharepoint/v3"/>
+    <ds:schemaRef ds:uri="71af3243-3dd4-4a8d-8c0d-dd76da1f02a5"/>
+    <ds:schemaRef ds:uri="230e9df3-be65-4c73-a93b-d1236ebd677e"/>
+  </ds:schemaRefs>
+</ds:datastoreItem>
+</file>
+
 <file path=docMetadata/LabelInfo.xml><?xml version="1.0" encoding="utf-8"?>
 <clbl:labelList xmlns:clbl="http://schemas.microsoft.com/office/2020/mipLabelMetadata">
   <clbl:label id="{f42aa342-8706-4288-bd11-ebb85995028c}" enabled="1" method="Standard" siteId="{72f988bf-86f1-41af-91ab-2d7cd011db47}" contentBits="0" removed="0"/>
